--- a/פגישות/פגישות.pptx
+++ b/פגישות/פגישות.pptx
@@ -6,7 +6,7 @@
     <p:sldMasterId id="2147483660" r:id="rId2"/>
   </p:sldMasterIdLst>
   <p:notesMasterIdLst>
-    <p:notesMasterId r:id="rId22"/>
+    <p:notesMasterId r:id="rId23"/>
   </p:notesMasterIdLst>
   <p:sldIdLst>
     <p:sldId id="259" r:id="rId3"/>
@@ -28,6 +28,7 @@
     <p:sldId id="275" r:id="rId19"/>
     <p:sldId id="273" r:id="rId20"/>
     <p:sldId id="264" r:id="rId21"/>
+    <p:sldId id="276" r:id="rId22"/>
   </p:sldIdLst>
   <p:sldSz cx="12192000" cy="6858000"/>
   <p:notesSz cx="6858000" cy="9144000"/>
@@ -216,7 +217,7 @@
           <a:p>
             <a:fld id="{A5A8BB2B-C565-4FE9-874C-9EE28C4F28CB}" type="datetimeFigureOut">
               <a:rPr lang="en-US" smtClean="0"/>
-              <a:t>09-Dec-19</a:t>
+              <a:t>12/20/2019</a:t>
             </a:fld>
             <a:endParaRPr lang="en-US" dirty="0"/>
           </a:p>
@@ -1070,7 +1071,7 @@
           <a:p>
             <a:fld id="{AB814CEC-9F17-496B-99D6-DCE4BD5734FE}" type="datetimeFigureOut">
               <a:rPr lang="en-US" smtClean="0"/>
-              <a:t>09-Dec-19</a:t>
+              <a:t>12/20/2019</a:t>
             </a:fld>
             <a:endParaRPr lang="en-US" dirty="0"/>
           </a:p>
@@ -1238,7 +1239,7 @@
           <a:p>
             <a:fld id="{AB814CEC-9F17-496B-99D6-DCE4BD5734FE}" type="datetimeFigureOut">
               <a:rPr lang="en-US" smtClean="0"/>
-              <a:t>09-Dec-19</a:t>
+              <a:t>12/20/2019</a:t>
             </a:fld>
             <a:endParaRPr lang="en-US" dirty="0"/>
           </a:p>
@@ -1416,7 +1417,7 @@
           <a:p>
             <a:fld id="{AB814CEC-9F17-496B-99D6-DCE4BD5734FE}" type="datetimeFigureOut">
               <a:rPr lang="en-US" smtClean="0"/>
-              <a:t>09-Dec-19</a:t>
+              <a:t>12/20/2019</a:t>
             </a:fld>
             <a:endParaRPr lang="en-US" dirty="0"/>
           </a:p>
@@ -1624,7 +1625,7 @@
           <a:p>
             <a:fld id="{9C751D70-D894-47B1-BA5C-A2BA7FFD222B}" type="datetime1">
               <a:rPr lang="en-US" smtClean="0"/>
-              <a:t>09-Dec-19</a:t>
+              <a:t>12/20/2019</a:t>
             </a:fld>
             <a:endParaRPr lang="en-US" dirty="0"/>
           </a:p>
@@ -1822,7 +1823,7 @@
           <a:p>
             <a:fld id="{02B5EBCD-4AC6-4D4B-8D35-AC0651D82AB2}" type="datetime1">
               <a:rPr lang="en-US" smtClean="0"/>
-              <a:t>09-Dec-19</a:t>
+              <a:t>12/20/2019</a:t>
             </a:fld>
             <a:endParaRPr lang="en-US" dirty="0"/>
           </a:p>
@@ -2097,7 +2098,7 @@
           <a:p>
             <a:fld id="{550CDAF3-9A51-438D-B1D0-14E681CB3177}" type="datetime1">
               <a:rPr lang="en-US" smtClean="0"/>
-              <a:t>09-Dec-19</a:t>
+              <a:t>12/20/2019</a:t>
             </a:fld>
             <a:endParaRPr lang="en-US" dirty="0"/>
           </a:p>
@@ -2362,7 +2363,7 @@
           <a:p>
             <a:fld id="{D73AE37D-569C-4479-B38B-B24A0379D2E8}" type="datetime1">
               <a:rPr lang="en-US" smtClean="0"/>
-              <a:t>09-Dec-19</a:t>
+              <a:t>12/20/2019</a:t>
             </a:fld>
             <a:endParaRPr lang="en-US" dirty="0"/>
           </a:p>
@@ -2774,7 +2775,7 @@
           <a:p>
             <a:fld id="{A5E9A43E-CFF9-48C3-B049-B9FA5E2E4F57}" type="datetime1">
               <a:rPr lang="en-US" smtClean="0"/>
-              <a:t>09-Dec-19</a:t>
+              <a:t>12/20/2019</a:t>
             </a:fld>
             <a:endParaRPr lang="en-US" dirty="0"/>
           </a:p>
@@ -2915,7 +2916,7 @@
           <a:p>
             <a:fld id="{013D4D03-119E-4B95-90EB-03CB29F346AA}" type="datetime1">
               <a:rPr lang="en-US" smtClean="0"/>
-              <a:t>09-Dec-19</a:t>
+              <a:t>12/20/2019</a:t>
             </a:fld>
             <a:endParaRPr lang="en-US" dirty="0"/>
           </a:p>
@@ -3028,7 +3029,7 @@
           <a:p>
             <a:fld id="{A027293F-426C-486A-945D-D5F33E5B14AB}" type="datetime1">
               <a:rPr lang="en-US" smtClean="0"/>
-              <a:t>09-Dec-19</a:t>
+              <a:t>12/20/2019</a:t>
             </a:fld>
             <a:endParaRPr lang="en-US" dirty="0"/>
           </a:p>
@@ -3339,7 +3340,7 @@
           <a:p>
             <a:fld id="{8DC6A9D6-43D9-48BF-BAA3-41975785F0CB}" type="datetime1">
               <a:rPr lang="en-US" smtClean="0"/>
-              <a:t>09-Dec-19</a:t>
+              <a:t>12/20/2019</a:t>
             </a:fld>
             <a:endParaRPr lang="en-US" dirty="0"/>
           </a:p>
@@ -3519,7 +3520,7 @@
           <a:p>
             <a:fld id="{AB814CEC-9F17-496B-99D6-DCE4BD5734FE}" type="datetimeFigureOut">
               <a:rPr lang="en-US" smtClean="0"/>
-              <a:t>09-Dec-19</a:t>
+              <a:t>12/20/2019</a:t>
             </a:fld>
             <a:endParaRPr lang="en-US" dirty="0"/>
           </a:p>
@@ -3795,7 +3796,7 @@
           <a:p>
             <a:fld id="{AF73C7F7-F66F-4F95-8F3E-08CF18AC175D}" type="datetime1">
               <a:rPr lang="en-US" smtClean="0"/>
-              <a:t>09-Dec-19</a:t>
+              <a:t>12/20/2019</a:t>
             </a:fld>
             <a:endParaRPr lang="en-US" dirty="0"/>
           </a:p>
@@ -3993,7 +3994,7 @@
           <a:p>
             <a:fld id="{061A801A-39E1-4A63-852A-1ED55567695B}" type="datetime1">
               <a:rPr lang="en-US" smtClean="0"/>
-              <a:t>09-Dec-19</a:t>
+              <a:t>12/20/2019</a:t>
             </a:fld>
             <a:endParaRPr lang="en-US" dirty="0"/>
           </a:p>
@@ -4201,7 +4202,7 @@
           <a:p>
             <a:fld id="{744C8F9C-9F70-4A32-9C14-DB0721FED983}" type="datetime1">
               <a:rPr lang="en-US" smtClean="0"/>
-              <a:t>09-Dec-19</a:t>
+              <a:t>12/20/2019</a:t>
             </a:fld>
             <a:endParaRPr lang="en-US" dirty="0"/>
           </a:p>
@@ -4458,7 +4459,7 @@
           <a:p>
             <a:fld id="{AB814CEC-9F17-496B-99D6-DCE4BD5734FE}" type="datetimeFigureOut">
               <a:rPr lang="en-US" smtClean="0"/>
-              <a:t>09-Dec-19</a:t>
+              <a:t>12/20/2019</a:t>
             </a:fld>
             <a:endParaRPr lang="en-US" dirty="0"/>
           </a:p>
@@ -4687,7 +4688,7 @@
           <a:p>
             <a:fld id="{AB814CEC-9F17-496B-99D6-DCE4BD5734FE}" type="datetimeFigureOut">
               <a:rPr lang="en-US" smtClean="0"/>
-              <a:t>09-Dec-19</a:t>
+              <a:t>12/20/2019</a:t>
             </a:fld>
             <a:endParaRPr lang="en-US" dirty="0"/>
           </a:p>
@@ -5051,7 +5052,7 @@
           <a:p>
             <a:fld id="{AB814CEC-9F17-496B-99D6-DCE4BD5734FE}" type="datetimeFigureOut">
               <a:rPr lang="en-US" smtClean="0"/>
-              <a:t>09-Dec-19</a:t>
+              <a:t>12/20/2019</a:t>
             </a:fld>
             <a:endParaRPr lang="en-US" dirty="0"/>
           </a:p>
@@ -5168,7 +5169,7 @@
           <a:p>
             <a:fld id="{AB814CEC-9F17-496B-99D6-DCE4BD5734FE}" type="datetimeFigureOut">
               <a:rPr lang="en-US" smtClean="0"/>
-              <a:t>09-Dec-19</a:t>
+              <a:t>12/20/2019</a:t>
             </a:fld>
             <a:endParaRPr lang="en-US" dirty="0"/>
           </a:p>
@@ -5263,7 +5264,7 @@
           <a:p>
             <a:fld id="{AB814CEC-9F17-496B-99D6-DCE4BD5734FE}" type="datetimeFigureOut">
               <a:rPr lang="en-US" smtClean="0"/>
-              <a:t>09-Dec-19</a:t>
+              <a:t>12/20/2019</a:t>
             </a:fld>
             <a:endParaRPr lang="en-US" dirty="0"/>
           </a:p>
@@ -5538,7 +5539,7 @@
           <a:p>
             <a:fld id="{AB814CEC-9F17-496B-99D6-DCE4BD5734FE}" type="datetimeFigureOut">
               <a:rPr lang="en-US" smtClean="0"/>
-              <a:t>09-Dec-19</a:t>
+              <a:t>12/20/2019</a:t>
             </a:fld>
             <a:endParaRPr lang="en-US" dirty="0"/>
           </a:p>
@@ -5790,7 +5791,7 @@
           <a:p>
             <a:fld id="{AB814CEC-9F17-496B-99D6-DCE4BD5734FE}" type="datetimeFigureOut">
               <a:rPr lang="en-US" smtClean="0"/>
-              <a:t>09-Dec-19</a:t>
+              <a:t>12/20/2019</a:t>
             </a:fld>
             <a:endParaRPr lang="en-US" dirty="0"/>
           </a:p>
@@ -6001,7 +6002,7 @@
           <a:p>
             <a:fld id="{AB814CEC-9F17-496B-99D6-DCE4BD5734FE}" type="datetimeFigureOut">
               <a:rPr lang="en-US" smtClean="0"/>
-              <a:t>09-Dec-19</a:t>
+              <a:t>12/20/2019</a:t>
             </a:fld>
             <a:endParaRPr lang="en-US" dirty="0"/>
           </a:p>
@@ -6566,7 +6567,7 @@
           <a:p>
             <a:fld id="{E5476EA0-6EC3-488A-9CFA-645165A5811E}" type="datetime1">
               <a:rPr lang="en-US" smtClean="0"/>
-              <a:t>09-Dec-19</a:t>
+              <a:t>12/20/2019</a:t>
             </a:fld>
             <a:endParaRPr lang="en-US" dirty="0"/>
           </a:p>
@@ -18541,7 +18542,7 @@
             <p:ph idx="1"/>
             <p:extLst>
               <p:ext uri="{D42A27DB-BD31-4B8C-83A1-F6EECF244321}">
-                <p14:modId xmlns:p14="http://schemas.microsoft.com/office/powerpoint/2010/main" val="2117168563"/>
+                <p14:modId xmlns:p14="http://schemas.microsoft.com/office/powerpoint/2010/main" val="2488987304"/>
               </p:ext>
             </p:extLst>
           </p:nvPr>
@@ -18655,7 +18656,7 @@
                     <a:p>
                       <a:pPr algn="ctr" fontAlgn="b"/>
                       <a:r>
-                        <a:rPr lang="en-US" sz="1400" b="0" i="0" u="none" strike="noStrike">
+                        <a:rPr lang="en-US" sz="1400" b="0" i="0" u="none" strike="noStrike" dirty="0">
                           <a:solidFill>
                             <a:srgbClr val="000000"/>
                           </a:solidFill>
@@ -18943,7 +18944,7 @@
                     <a:p>
                       <a:pPr algn="ctr" fontAlgn="ctr"/>
                       <a:r>
-                        <a:rPr lang="en-US" sz="1400" b="1" i="0" u="none" strike="noStrike">
+                        <a:rPr lang="en-US" sz="1400" b="1" i="0" u="none" strike="noStrike" dirty="0">
                           <a:solidFill>
                             <a:srgbClr val="305496"/>
                           </a:solidFill>
@@ -19691,7 +19692,7 @@
                     <a:p>
                       <a:pPr algn="ctr" fontAlgn="ctr"/>
                       <a:r>
-                        <a:rPr lang="en-US" sz="1400" b="0" i="0" u="none" strike="noStrike">
+                        <a:rPr lang="en-US" sz="1400" b="0" i="0" u="none" strike="noStrike" dirty="0">
                           <a:solidFill>
                             <a:srgbClr val="305496"/>
                           </a:solidFill>
@@ -19751,7 +19752,7 @@
                     <a:p>
                       <a:pPr algn="ctr" fontAlgn="ctr"/>
                       <a:r>
-                        <a:rPr lang="en-US" sz="1400" b="0" i="0" u="none" strike="noStrike">
+                        <a:rPr lang="en-US" sz="1400" b="0" i="0" u="none" strike="noStrike" dirty="0">
                           <a:solidFill>
                             <a:srgbClr val="305496"/>
                           </a:solidFill>
@@ -20475,7 +20476,7 @@
                     <a:p>
                       <a:pPr algn="ctr" fontAlgn="ctr"/>
                       <a:r>
-                        <a:rPr lang="en-US" sz="1400" b="0" i="0" u="none" strike="noStrike">
+                        <a:rPr lang="en-US" sz="1400" b="0" i="0" u="none" strike="noStrike" dirty="0">
                           <a:solidFill>
                             <a:srgbClr val="305496"/>
                           </a:solidFill>
@@ -21223,7 +21224,7 @@
                     <a:p>
                       <a:pPr algn="ctr" fontAlgn="ctr"/>
                       <a:r>
-                        <a:rPr lang="en-US" sz="1400" b="0" i="0" u="none" strike="noStrike">
+                        <a:rPr lang="en-US" sz="1400" b="0" i="0" u="none" strike="noStrike" dirty="0">
                           <a:solidFill>
                             <a:srgbClr val="305496"/>
                           </a:solidFill>
@@ -21283,7 +21284,7 @@
                     <a:p>
                       <a:pPr algn="ctr" fontAlgn="ctr"/>
                       <a:r>
-                        <a:rPr lang="en-US" sz="1400" b="0" i="0" u="none" strike="noStrike">
+                        <a:rPr lang="en-US" sz="1400" b="0" i="0" u="none" strike="noStrike" dirty="0">
                           <a:solidFill>
                             <a:srgbClr val="305496"/>
                           </a:solidFill>
@@ -22014,7 +22015,7 @@
                     <a:p>
                       <a:pPr algn="ctr" fontAlgn="ctr"/>
                       <a:r>
-                        <a:rPr lang="en-US" sz="1400" b="0" i="0" u="none" strike="sngStrike">
+                        <a:rPr lang="en-US" sz="1400" b="0" i="0" u="none" strike="sngStrike" dirty="0">
                           <a:solidFill>
                             <a:srgbClr val="305496"/>
                           </a:solidFill>
@@ -22071,7 +22072,7 @@
                     <a:p>
                       <a:pPr algn="ctr" fontAlgn="ctr"/>
                       <a:r>
-                        <a:rPr lang="en-US" sz="1400" b="0" i="0" u="none" strike="sngStrike">
+                        <a:rPr lang="en-US" sz="1400" b="0" i="0" u="none" strike="sngStrike" dirty="0">
                           <a:solidFill>
                             <a:srgbClr val="305496"/>
                           </a:solidFill>
@@ -22822,7 +22823,7 @@
                     <a:p>
                       <a:pPr algn="ctr" fontAlgn="ctr"/>
                       <a:r>
-                        <a:rPr lang="en-US" sz="1400" b="0" i="0" u="none" strike="noStrike">
+                        <a:rPr lang="en-US" sz="1400" b="0" i="0" u="none" strike="noStrike" dirty="0">
                           <a:solidFill>
                             <a:srgbClr val="305496"/>
                           </a:solidFill>
@@ -23603,7 +23604,7 @@
                     <a:p>
                       <a:pPr algn="ctr" fontAlgn="ctr"/>
                       <a:r>
-                        <a:rPr lang="en-US" sz="1400" b="0" i="0" u="none" strike="noStrike">
+                        <a:rPr lang="en-US" sz="1400" b="0" i="0" u="none" strike="noStrike" dirty="0">
                           <a:solidFill>
                             <a:srgbClr val="305496"/>
                           </a:solidFill>
@@ -24361,7 +24362,7 @@
                     <a:p>
                       <a:pPr algn="ctr" fontAlgn="ctr"/>
                       <a:r>
-                        <a:rPr lang="en-US" sz="1400" b="0" i="0" u="none" strike="sngStrike">
+                        <a:rPr lang="en-US" sz="1400" b="0" i="0" u="none" strike="sngStrike" dirty="0">
                           <a:solidFill>
                             <a:srgbClr val="305496"/>
                           </a:solidFill>
@@ -24421,7 +24422,7 @@
                     <a:p>
                       <a:pPr algn="ctr" fontAlgn="ctr"/>
                       <a:r>
-                        <a:rPr lang="en-US" sz="1400" b="0" i="0" u="none" strike="sngStrike">
+                        <a:rPr lang="en-US" sz="1400" b="0" i="0" u="none" strike="sngStrike" dirty="0">
                           <a:solidFill>
                             <a:srgbClr val="305496"/>
                           </a:solidFill>
@@ -24481,7 +24482,7 @@
                     <a:p>
                       <a:pPr algn="ctr" fontAlgn="ctr"/>
                       <a:r>
-                        <a:rPr lang="en-US" sz="1400" b="0" i="0" u="none" strike="sngStrike">
+                        <a:rPr lang="en-US" sz="1400" b="0" i="0" u="none" strike="sngStrike" dirty="0">
                           <a:solidFill>
                             <a:srgbClr val="305496"/>
                           </a:solidFill>
@@ -25142,7 +25143,7 @@
                     <a:p>
                       <a:pPr algn="ctr" fontAlgn="ctr"/>
                       <a:r>
-                        <a:rPr lang="en-US" sz="1400" b="0" i="0" u="none" strike="noStrike">
+                        <a:rPr lang="en-US" sz="1400" b="0" i="0" u="none" strike="noStrike" dirty="0">
                           <a:solidFill>
                             <a:srgbClr val="305496"/>
                           </a:solidFill>
@@ -25199,7 +25200,7 @@
                     <a:p>
                       <a:pPr algn="ctr" fontAlgn="ctr"/>
                       <a:r>
-                        <a:rPr lang="en-US" sz="1400" b="0" i="0" u="none" strike="noStrike">
+                        <a:rPr lang="en-US" sz="1400" b="0" i="0" u="none" strike="noStrike" dirty="0">
                           <a:solidFill>
                             <a:srgbClr val="305496"/>
                           </a:solidFill>
@@ -25256,7 +25257,7 @@
                     <a:p>
                       <a:pPr algn="ctr" fontAlgn="ctr"/>
                       <a:r>
-                        <a:rPr lang="en-US" sz="1400" b="0" i="0" u="none" strike="noStrike">
+                        <a:rPr lang="en-US" sz="1400" b="0" i="0" u="none" strike="noStrike" dirty="0">
                           <a:solidFill>
                             <a:srgbClr val="305496"/>
                           </a:solidFill>
@@ -25313,7 +25314,7 @@
                     <a:p>
                       <a:pPr algn="ctr" fontAlgn="ctr"/>
                       <a:r>
-                        <a:rPr lang="en-US" sz="1400" b="0" i="0" u="none" strike="noStrike">
+                        <a:rPr lang="en-US" sz="1400" b="0" i="0" u="none" strike="noStrike" dirty="0">
                           <a:solidFill>
                             <a:srgbClr val="305496"/>
                           </a:solidFill>
@@ -26013,7 +26014,7 @@
                     <a:p>
                       <a:pPr algn="ctr" fontAlgn="ctr"/>
                       <a:r>
-                        <a:rPr lang="en-US" sz="1400" b="0" i="0" u="none" strike="noStrike">
+                        <a:rPr lang="en-US" sz="1400" b="0" i="0" u="none" strike="noStrike" dirty="0">
                           <a:solidFill>
                             <a:srgbClr val="305496"/>
                           </a:solidFill>
@@ -26073,7 +26074,7 @@
                     <a:p>
                       <a:pPr algn="ctr" fontAlgn="ctr"/>
                       <a:r>
-                        <a:rPr lang="en-US" sz="1400" b="0" i="0" u="none" strike="noStrike">
+                        <a:rPr lang="en-US" sz="1400" b="0" i="0" u="none" strike="noStrike" dirty="0">
                           <a:solidFill>
                             <a:srgbClr val="305496"/>
                           </a:solidFill>
@@ -26133,7 +26134,7 @@
                     <a:p>
                       <a:pPr algn="ctr" fontAlgn="ctr"/>
                       <a:r>
-                        <a:rPr lang="en-US" sz="1400" b="0" i="0" u="none" strike="noStrike">
+                        <a:rPr lang="en-US" sz="1400" b="0" i="0" u="none" strike="noStrike" dirty="0">
                           <a:solidFill>
                             <a:srgbClr val="305496"/>
                           </a:solidFill>
@@ -26193,7 +26194,7 @@
                     <a:p>
                       <a:pPr algn="ctr" fontAlgn="ctr"/>
                       <a:r>
-                        <a:rPr lang="en-US" sz="1400" b="0" i="0" u="none" strike="noStrike">
+                        <a:rPr lang="en-US" sz="1400" b="0" i="0" u="none" strike="noStrike" dirty="0">
                           <a:solidFill>
                             <a:srgbClr val="305496"/>
                           </a:solidFill>
@@ -26253,7 +26254,7 @@
                     <a:p>
                       <a:pPr algn="ctr" fontAlgn="ctr"/>
                       <a:r>
-                        <a:rPr lang="en-US" sz="1400" b="0" i="0" u="none" strike="noStrike">
+                        <a:rPr lang="en-US" sz="1400" b="0" i="0" u="none" strike="noStrike" dirty="0">
                           <a:solidFill>
                             <a:srgbClr val="305496"/>
                           </a:solidFill>
@@ -26313,7 +26314,7 @@
                     <a:p>
                       <a:pPr algn="ctr" fontAlgn="ctr"/>
                       <a:r>
-                        <a:rPr lang="en-US" sz="1400" b="0" i="0" u="none" strike="noStrike">
+                        <a:rPr lang="en-US" sz="1400" b="0" i="0" u="none" strike="noStrike" dirty="0">
                           <a:solidFill>
                             <a:srgbClr val="305496"/>
                           </a:solidFill>
@@ -26373,7 +26374,7 @@
                     <a:p>
                       <a:pPr algn="ctr" fontAlgn="ctr"/>
                       <a:r>
-                        <a:rPr lang="en-US" sz="1400" b="0" i="0" u="none" strike="noStrike">
+                        <a:rPr lang="en-US" sz="1400" b="0" i="0" u="none" strike="noStrike" dirty="0">
                           <a:solidFill>
                             <a:srgbClr val="305496"/>
                           </a:solidFill>
@@ -26433,7 +26434,7 @@
                     <a:p>
                       <a:pPr algn="ctr" fontAlgn="ctr"/>
                       <a:r>
-                        <a:rPr lang="en-US" sz="1400" b="0" i="0" u="none" strike="noStrike">
+                        <a:rPr lang="en-US" sz="1400" b="0" i="0" u="none" strike="noStrike" dirty="0">
                           <a:solidFill>
                             <a:srgbClr val="305496"/>
                           </a:solidFill>
@@ -26493,7 +26494,7 @@
                     <a:p>
                       <a:pPr algn="ctr" fontAlgn="ctr"/>
                       <a:r>
-                        <a:rPr lang="en-US" sz="1400" b="0" i="0" u="none" strike="noStrike">
+                        <a:rPr lang="en-US" sz="1400" b="0" i="0" u="none" strike="noStrike" dirty="0">
                           <a:solidFill>
                             <a:srgbClr val="305496"/>
                           </a:solidFill>
@@ -26959,7 +26960,7 @@
                     <a:p>
                       <a:pPr algn="ctr" fontAlgn="ctr"/>
                       <a:r>
-                        <a:rPr lang="en-US" sz="1400" b="0" i="0" u="none" strike="noStrike">
+                        <a:rPr lang="en-US" sz="1400" b="0" i="0" u="none" strike="noStrike" dirty="0">
                           <a:solidFill>
                             <a:srgbClr val="000000"/>
                           </a:solidFill>
@@ -27016,7 +27017,7 @@
                     <a:p>
                       <a:pPr algn="ctr" fontAlgn="ctr"/>
                       <a:r>
-                        <a:rPr lang="en-US" sz="1400" b="0" i="0" u="none" strike="noStrike">
+                        <a:rPr lang="en-US" sz="1400" b="0" i="0" u="none" strike="noStrike" dirty="0">
                           <a:solidFill>
                             <a:srgbClr val="000000"/>
                           </a:solidFill>
@@ -27073,7 +27074,7 @@
                     <a:p>
                       <a:pPr algn="ctr" fontAlgn="ctr"/>
                       <a:r>
-                        <a:rPr lang="en-US" sz="1400" b="0" i="0" u="none" strike="noStrike">
+                        <a:rPr lang="en-US" sz="1400" b="0" i="0" u="none" strike="noStrike" dirty="0">
                           <a:solidFill>
                             <a:srgbClr val="000000"/>
                           </a:solidFill>
@@ -27130,7 +27131,7 @@
                     <a:p>
                       <a:pPr algn="ctr" fontAlgn="ctr"/>
                       <a:r>
-                        <a:rPr lang="en-US" sz="1400" b="0" i="0" u="none" strike="noStrike">
+                        <a:rPr lang="en-US" sz="1400" b="0" i="0" u="none" strike="noStrike" dirty="0">
                           <a:solidFill>
                             <a:srgbClr val="000000"/>
                           </a:solidFill>
@@ -27187,7 +27188,7 @@
                     <a:p>
                       <a:pPr algn="ctr" fontAlgn="ctr"/>
                       <a:r>
-                        <a:rPr lang="en-US" sz="1400" b="0" i="0" u="none" strike="noStrike">
+                        <a:rPr lang="en-US" sz="1400" b="0" i="0" u="none" strike="noStrike" dirty="0">
                           <a:solidFill>
                             <a:srgbClr val="000000"/>
                           </a:solidFill>
@@ -28163,6 +28164,6234 @@
   </p:cSld>
   <p:clrMapOvr>
     <a:masterClrMapping/>
+  </p:clrMapOvr>
+</p:sld>
+</file>
+
+<file path=ppt/slides/slide20.xml><?xml version="1.0" encoding="utf-8"?>
+<p:sld xmlns:a="http://schemas.openxmlformats.org/drawingml/2006/main" xmlns:r="http://schemas.openxmlformats.org/officeDocument/2006/relationships" xmlns:p="http://schemas.openxmlformats.org/presentationml/2006/main">
+  <p:cSld>
+    <p:bg>
+      <p:bgPr>
+        <a:blipFill dpi="0" rotWithShape="1">
+          <a:blip r:embed="rId3">
+            <a:lum/>
+          </a:blip>
+          <a:srcRect/>
+          <a:stretch>
+            <a:fillRect/>
+          </a:stretch>
+        </a:blipFill>
+        <a:effectLst/>
+      </p:bgPr>
+    </p:bg>
+    <p:spTree>
+      <p:nvGrpSpPr>
+        <p:cNvPr id="1" name=""/>
+        <p:cNvGrpSpPr/>
+        <p:nvPr/>
+      </p:nvGrpSpPr>
+      <p:grpSpPr>
+        <a:xfrm>
+          <a:off x="0" y="0"/>
+          <a:ext cx="0" cy="0"/>
+          <a:chOff x="0" y="0"/>
+          <a:chExt cx="0" cy="0"/>
+        </a:xfrm>
+      </p:grpSpPr>
+      <p:sp>
+        <p:nvSpPr>
+          <p:cNvPr id="2" name="Title 1"/>
+          <p:cNvSpPr>
+            <a:spLocks noGrp="1"/>
+          </p:cNvSpPr>
+          <p:nvPr>
+            <p:ph type="title"/>
+          </p:nvPr>
+        </p:nvSpPr>
+        <p:spPr/>
+        <p:txBody>
+          <a:bodyPr/>
+          <a:lstStyle/>
+          <a:p>
+            <a:pPr algn="ctr"/>
+            <a:r>
+              <a:rPr lang="en-US" b="1" dirty="0">
+                <a:solidFill>
+                  <a:schemeClr val="accent6">
+                    <a:lumMod val="75000"/>
+                  </a:schemeClr>
+                </a:solidFill>
+              </a:rPr>
+              <a:t>Concepts - updated</a:t>
+            </a:r>
+          </a:p>
+        </p:txBody>
+      </p:sp>
+      <p:sp>
+        <p:nvSpPr>
+          <p:cNvPr id="4" name="Slide Number Placeholder 3"/>
+          <p:cNvSpPr>
+            <a:spLocks noGrp="1"/>
+          </p:cNvSpPr>
+          <p:nvPr>
+            <p:ph type="sldNum" sz="quarter" idx="12"/>
+          </p:nvPr>
+        </p:nvSpPr>
+        <p:spPr/>
+        <p:txBody>
+          <a:bodyPr/>
+          <a:lstStyle/>
+          <a:p>
+            <a:fld id="{46F73462-4705-4A44-BBF4-96DC5AF4F7E4}" type="slidenum">
+              <a:rPr lang="en-US" smtClean="0"/>
+              <a:t>20</a:t>
+            </a:fld>
+            <a:endParaRPr lang="en-US" dirty="0"/>
+          </a:p>
+        </p:txBody>
+      </p:sp>
+      <p:graphicFrame>
+        <p:nvGraphicFramePr>
+          <p:cNvPr id="11" name="Content Placeholder 10">
+            <a:extLst>
+              <a:ext uri="{FF2B5EF4-FFF2-40B4-BE49-F238E27FC236}">
+                <a16:creationId xmlns:a16="http://schemas.microsoft.com/office/drawing/2014/main" id="{17F9581B-7E32-496F-962F-E8C25230A48C}"/>
+              </a:ext>
+            </a:extLst>
+          </p:cNvPr>
+          <p:cNvGraphicFramePr>
+            <a:graphicFrameLocks noGrp="1"/>
+          </p:cNvGraphicFramePr>
+          <p:nvPr>
+            <p:ph idx="1"/>
+            <p:extLst>
+              <p:ext uri="{D42A27DB-BD31-4B8C-83A1-F6EECF244321}">
+                <p14:modId xmlns:p14="http://schemas.microsoft.com/office/powerpoint/2010/main" val="4184012941"/>
+              </p:ext>
+            </p:extLst>
+          </p:nvPr>
+        </p:nvGraphicFramePr>
+        <p:xfrm>
+          <a:off x="1245995" y="1570108"/>
+          <a:ext cx="8323036" cy="3987006"/>
+        </p:xfrm>
+        <a:graphic>
+          <a:graphicData uri="http://schemas.openxmlformats.org/drawingml/2006/table">
+            <a:tbl>
+              <a:tblPr/>
+              <a:tblGrid>
+                <a:gridCol w="317068">
+                  <a:extLst>
+                    <a:ext uri="{9D8B030D-6E8A-4147-A177-3AD203B41FA5}">
+                      <a16:colId xmlns:a16="http://schemas.microsoft.com/office/drawing/2014/main" val="1209064253"/>
+                    </a:ext>
+                  </a:extLst>
+                </a:gridCol>
+                <a:gridCol w="1527691">
+                  <a:extLst>
+                    <a:ext uri="{9D8B030D-6E8A-4147-A177-3AD203B41FA5}">
+                      <a16:colId xmlns:a16="http://schemas.microsoft.com/office/drawing/2014/main" val="3519430625"/>
+                    </a:ext>
+                  </a:extLst>
+                </a:gridCol>
+                <a:gridCol w="1902409">
+                  <a:extLst>
+                    <a:ext uri="{9D8B030D-6E8A-4147-A177-3AD203B41FA5}">
+                      <a16:colId xmlns:a16="http://schemas.microsoft.com/office/drawing/2014/main" val="3403552563"/>
+                    </a:ext>
+                  </a:extLst>
+                </a:gridCol>
+                <a:gridCol w="551266">
+                  <a:extLst>
+                    <a:ext uri="{9D8B030D-6E8A-4147-A177-3AD203B41FA5}">
+                      <a16:colId xmlns:a16="http://schemas.microsoft.com/office/drawing/2014/main" val="805377528"/>
+                    </a:ext>
+                  </a:extLst>
+                </a:gridCol>
+                <a:gridCol w="518839">
+                  <a:extLst>
+                    <a:ext uri="{9D8B030D-6E8A-4147-A177-3AD203B41FA5}">
+                      <a16:colId xmlns:a16="http://schemas.microsoft.com/office/drawing/2014/main" val="1142121651"/>
+                    </a:ext>
+                  </a:extLst>
+                </a:gridCol>
+                <a:gridCol w="735021">
+                  <a:extLst>
+                    <a:ext uri="{9D8B030D-6E8A-4147-A177-3AD203B41FA5}">
+                      <a16:colId xmlns:a16="http://schemas.microsoft.com/office/drawing/2014/main" val="2870932507"/>
+                    </a:ext>
+                  </a:extLst>
+                </a:gridCol>
+                <a:gridCol w="724212">
+                  <a:extLst>
+                    <a:ext uri="{9D8B030D-6E8A-4147-A177-3AD203B41FA5}">
+                      <a16:colId xmlns:a16="http://schemas.microsoft.com/office/drawing/2014/main" val="3701971389"/>
+                    </a:ext>
+                  </a:extLst>
+                </a:gridCol>
+                <a:gridCol w="706197">
+                  <a:extLst>
+                    <a:ext uri="{9D8B030D-6E8A-4147-A177-3AD203B41FA5}">
+                      <a16:colId xmlns:a16="http://schemas.microsoft.com/office/drawing/2014/main" val="2045623257"/>
+                    </a:ext>
+                  </a:extLst>
+                </a:gridCol>
+                <a:gridCol w="475602">
+                  <a:extLst>
+                    <a:ext uri="{9D8B030D-6E8A-4147-A177-3AD203B41FA5}">
+                      <a16:colId xmlns:a16="http://schemas.microsoft.com/office/drawing/2014/main" val="1715387474"/>
+                    </a:ext>
+                  </a:extLst>
+                </a:gridCol>
+                <a:gridCol w="389129">
+                  <a:extLst>
+                    <a:ext uri="{9D8B030D-6E8A-4147-A177-3AD203B41FA5}">
+                      <a16:colId xmlns:a16="http://schemas.microsoft.com/office/drawing/2014/main" val="3583673914"/>
+                    </a:ext>
+                  </a:extLst>
+                </a:gridCol>
+                <a:gridCol w="475602">
+                  <a:extLst>
+                    <a:ext uri="{9D8B030D-6E8A-4147-A177-3AD203B41FA5}">
+                      <a16:colId xmlns:a16="http://schemas.microsoft.com/office/drawing/2014/main" val="2081095809"/>
+                    </a:ext>
+                  </a:extLst>
+                </a:gridCol>
+              </a:tblGrid>
+              <a:tr h="294495">
+                <a:tc gridSpan="11">
+                  <a:txBody>
+                    <a:bodyPr/>
+                    <a:lstStyle/>
+                    <a:p>
+                      <a:pPr algn="ctr" fontAlgn="ctr"/>
+                      <a:r>
+                        <a:rPr lang="en-US" sz="1400" b="0" i="0" u="none" strike="noStrike">
+                          <a:solidFill>
+                            <a:srgbClr val="000000"/>
+                          </a:solidFill>
+                          <a:effectLst/>
+                          <a:latin typeface="Calibri" panose="020F0502020204030204" pitchFamily="34" charset="0"/>
+                        </a:rPr>
+                        <a:t>Concepts</a:t>
+                      </a:r>
+                    </a:p>
+                  </a:txBody>
+                  <a:tcPr marL="9525" marR="9525" marT="9525" marB="0" anchor="ctr">
+                    <a:lnL w="12700" cap="flat" cmpd="sng" algn="ctr">
+                      <a:solidFill>
+                        <a:srgbClr val="000000"/>
+                      </a:solidFill>
+                      <a:prstDash val="solid"/>
+                      <a:round/>
+                      <a:headEnd type="none" w="med" len="med"/>
+                      <a:tailEnd type="none" w="med" len="med"/>
+                    </a:lnL>
+                    <a:lnR w="12700" cap="flat" cmpd="sng" algn="ctr">
+                      <a:solidFill>
+                        <a:srgbClr val="000000"/>
+                      </a:solidFill>
+                      <a:prstDash val="solid"/>
+                      <a:round/>
+                      <a:headEnd type="none" w="med" len="med"/>
+                      <a:tailEnd type="none" w="med" len="med"/>
+                    </a:lnR>
+                    <a:lnT w="12700" cap="flat" cmpd="sng" algn="ctr">
+                      <a:solidFill>
+                        <a:srgbClr val="000000"/>
+                      </a:solidFill>
+                      <a:prstDash val="solid"/>
+                      <a:round/>
+                      <a:headEnd type="none" w="med" len="med"/>
+                      <a:tailEnd type="none" w="med" len="med"/>
+                    </a:lnT>
+                    <a:lnB w="6350" cap="flat" cmpd="sng" algn="ctr">
+                      <a:solidFill>
+                        <a:srgbClr val="000000"/>
+                      </a:solidFill>
+                      <a:prstDash val="solid"/>
+                      <a:round/>
+                      <a:headEnd type="none" w="med" len="med"/>
+                      <a:tailEnd type="none" w="med" len="med"/>
+                    </a:lnB>
+                  </a:tcPr>
+                </a:tc>
+                <a:tc hMerge="1">
+                  <a:txBody>
+                    <a:bodyPr/>
+                    <a:lstStyle/>
+                    <a:p>
+                      <a:endParaRPr lang="en-US"/>
+                    </a:p>
+                  </a:txBody>
+                  <a:tcPr/>
+                </a:tc>
+                <a:tc hMerge="1">
+                  <a:txBody>
+                    <a:bodyPr/>
+                    <a:lstStyle/>
+                    <a:p>
+                      <a:endParaRPr lang="en-US"/>
+                    </a:p>
+                  </a:txBody>
+                  <a:tcPr/>
+                </a:tc>
+                <a:tc hMerge="1">
+                  <a:txBody>
+                    <a:bodyPr/>
+                    <a:lstStyle/>
+                    <a:p>
+                      <a:endParaRPr lang="en-US"/>
+                    </a:p>
+                  </a:txBody>
+                  <a:tcPr/>
+                </a:tc>
+                <a:tc hMerge="1">
+                  <a:txBody>
+                    <a:bodyPr/>
+                    <a:lstStyle/>
+                    <a:p>
+                      <a:endParaRPr lang="en-US"/>
+                    </a:p>
+                  </a:txBody>
+                  <a:tcPr/>
+                </a:tc>
+                <a:tc hMerge="1">
+                  <a:txBody>
+                    <a:bodyPr/>
+                    <a:lstStyle/>
+                    <a:p>
+                      <a:endParaRPr lang="en-US"/>
+                    </a:p>
+                  </a:txBody>
+                  <a:tcPr/>
+                </a:tc>
+                <a:tc hMerge="1">
+                  <a:txBody>
+                    <a:bodyPr/>
+                    <a:lstStyle/>
+                    <a:p>
+                      <a:endParaRPr lang="en-US"/>
+                    </a:p>
+                  </a:txBody>
+                  <a:tcPr/>
+                </a:tc>
+                <a:tc hMerge="1">
+                  <a:txBody>
+                    <a:bodyPr/>
+                    <a:lstStyle/>
+                    <a:p>
+                      <a:endParaRPr lang="en-US"/>
+                    </a:p>
+                  </a:txBody>
+                  <a:tcPr/>
+                </a:tc>
+                <a:tc hMerge="1">
+                  <a:txBody>
+                    <a:bodyPr/>
+                    <a:lstStyle/>
+                    <a:p>
+                      <a:endParaRPr lang="en-US"/>
+                    </a:p>
+                  </a:txBody>
+                  <a:tcPr/>
+                </a:tc>
+                <a:tc hMerge="1">
+                  <a:txBody>
+                    <a:bodyPr/>
+                    <a:lstStyle/>
+                    <a:p>
+                      <a:endParaRPr lang="en-US"/>
+                    </a:p>
+                  </a:txBody>
+                  <a:tcPr/>
+                </a:tc>
+                <a:tc hMerge="1">
+                  <a:txBody>
+                    <a:bodyPr/>
+                    <a:lstStyle/>
+                    <a:p>
+                      <a:endParaRPr lang="en-US"/>
+                    </a:p>
+                  </a:txBody>
+                  <a:tcPr/>
+                </a:tc>
+                <a:extLst>
+                  <a:ext uri="{0D108BD9-81ED-4DB2-BD59-A6C34878D82A}">
+                    <a16:rowId xmlns:a16="http://schemas.microsoft.com/office/drawing/2014/main" val="570446427"/>
+                  </a:ext>
+                </a:extLst>
+              </a:tr>
+              <a:tr h="283168">
+                <a:tc>
+                  <a:txBody>
+                    <a:bodyPr/>
+                    <a:lstStyle/>
+                    <a:p>
+                      <a:pPr algn="l" fontAlgn="b"/>
+                      <a:r>
+                        <a:rPr lang="en-US" sz="1400" b="0" i="0" u="none" strike="noStrike">
+                          <a:solidFill>
+                            <a:srgbClr val="000000"/>
+                          </a:solidFill>
+                          <a:effectLst/>
+                          <a:latin typeface="Calibri" panose="020F0502020204030204" pitchFamily="34" charset="0"/>
+                        </a:rPr>
+                        <a:t> </a:t>
+                      </a:r>
+                    </a:p>
+                  </a:txBody>
+                  <a:tcPr marL="9525" marR="9525" marT="9525" marB="0" anchor="b">
+                    <a:lnL w="12700" cap="flat" cmpd="sng" algn="ctr">
+                      <a:solidFill>
+                        <a:srgbClr val="000000"/>
+                      </a:solidFill>
+                      <a:prstDash val="solid"/>
+                      <a:round/>
+                      <a:headEnd type="none" w="med" len="med"/>
+                      <a:tailEnd type="none" w="med" len="med"/>
+                    </a:lnL>
+                    <a:lnR w="6350" cap="flat" cmpd="sng" algn="ctr">
+                      <a:solidFill>
+                        <a:srgbClr val="000000"/>
+                      </a:solidFill>
+                      <a:prstDash val="solid"/>
+                      <a:round/>
+                      <a:headEnd type="none" w="med" len="med"/>
+                      <a:tailEnd type="none" w="med" len="med"/>
+                    </a:lnR>
+                    <a:lnT w="6350" cap="flat" cmpd="sng" algn="ctr">
+                      <a:solidFill>
+                        <a:srgbClr val="000000"/>
+                      </a:solidFill>
+                      <a:prstDash val="solid"/>
+                      <a:round/>
+                      <a:headEnd type="none" w="med" len="med"/>
+                      <a:tailEnd type="none" w="med" len="med"/>
+                    </a:lnT>
+                    <a:lnB w="6350" cap="flat" cmpd="sng" algn="ctr">
+                      <a:solidFill>
+                        <a:srgbClr val="000000"/>
+                      </a:solidFill>
+                      <a:prstDash val="solid"/>
+                      <a:round/>
+                      <a:headEnd type="none" w="med" len="med"/>
+                      <a:tailEnd type="none" w="med" len="med"/>
+                    </a:lnB>
+                  </a:tcPr>
+                </a:tc>
+                <a:tc>
+                  <a:txBody>
+                    <a:bodyPr/>
+                    <a:lstStyle/>
+                    <a:p>
+                      <a:pPr algn="ctr" fontAlgn="ctr"/>
+                      <a:r>
+                        <a:rPr lang="en-US" sz="1400" b="1" i="0" u="none" strike="noStrike">
+                          <a:solidFill>
+                            <a:srgbClr val="FFFFFF"/>
+                          </a:solidFill>
+                          <a:effectLst/>
+                          <a:latin typeface="Calibri" panose="020F0502020204030204" pitchFamily="34" charset="0"/>
+                        </a:rPr>
+                        <a:t>Variable</a:t>
+                      </a:r>
+                    </a:p>
+                  </a:txBody>
+                  <a:tcPr marL="9525" marR="9525" marT="9525" marB="0" anchor="ctr">
+                    <a:lnL w="6350" cap="flat" cmpd="sng" algn="ctr">
+                      <a:solidFill>
+                        <a:srgbClr val="000000"/>
+                      </a:solidFill>
+                      <a:prstDash val="solid"/>
+                      <a:round/>
+                      <a:headEnd type="none" w="med" len="med"/>
+                      <a:tailEnd type="none" w="med" len="med"/>
+                    </a:lnL>
+                    <a:lnR w="6350" cap="flat" cmpd="sng" algn="ctr">
+                      <a:solidFill>
+                        <a:srgbClr val="000000"/>
+                      </a:solidFill>
+                      <a:prstDash val="solid"/>
+                      <a:round/>
+                      <a:headEnd type="none" w="med" len="med"/>
+                      <a:tailEnd type="none" w="med" len="med"/>
+                    </a:lnR>
+                    <a:lnT w="6350" cap="flat" cmpd="sng" algn="ctr">
+                      <a:solidFill>
+                        <a:srgbClr val="000000"/>
+                      </a:solidFill>
+                      <a:prstDash val="solid"/>
+                      <a:round/>
+                      <a:headEnd type="none" w="med" len="med"/>
+                      <a:tailEnd type="none" w="med" len="med"/>
+                    </a:lnT>
+                    <a:lnB w="6350" cap="flat" cmpd="sng" algn="ctr">
+                      <a:solidFill>
+                        <a:srgbClr val="000000"/>
+                      </a:solidFill>
+                      <a:prstDash val="solid"/>
+                      <a:round/>
+                      <a:headEnd type="none" w="med" len="med"/>
+                      <a:tailEnd type="none" w="med" len="med"/>
+                    </a:lnB>
+                    <a:solidFill>
+                      <a:srgbClr val="4472C4"/>
+                    </a:solidFill>
+                  </a:tcPr>
+                </a:tc>
+                <a:tc>
+                  <a:txBody>
+                    <a:bodyPr/>
+                    <a:lstStyle/>
+                    <a:p>
+                      <a:pPr algn="ctr" fontAlgn="ctr"/>
+                      <a:r>
+                        <a:rPr lang="en-US" sz="1400" b="1" i="0" u="none" strike="noStrike">
+                          <a:solidFill>
+                            <a:srgbClr val="FFFFFF"/>
+                          </a:solidFill>
+                          <a:effectLst/>
+                          <a:latin typeface="Calibri" panose="020F0502020204030204" pitchFamily="34" charset="0"/>
+                        </a:rPr>
+                        <a:t>number of concepts</a:t>
+                      </a:r>
+                    </a:p>
+                  </a:txBody>
+                  <a:tcPr marL="9525" marR="9525" marT="9525" marB="0" anchor="ctr">
+                    <a:lnL w="6350" cap="flat" cmpd="sng" algn="ctr">
+                      <a:solidFill>
+                        <a:srgbClr val="000000"/>
+                      </a:solidFill>
+                      <a:prstDash val="solid"/>
+                      <a:round/>
+                      <a:headEnd type="none" w="med" len="med"/>
+                      <a:tailEnd type="none" w="med" len="med"/>
+                    </a:lnL>
+                    <a:lnR w="6350" cap="flat" cmpd="sng" algn="ctr">
+                      <a:solidFill>
+                        <a:srgbClr val="000000"/>
+                      </a:solidFill>
+                      <a:prstDash val="solid"/>
+                      <a:round/>
+                      <a:headEnd type="none" w="med" len="med"/>
+                      <a:tailEnd type="none" w="med" len="med"/>
+                    </a:lnR>
+                    <a:lnT w="6350" cap="flat" cmpd="sng" algn="ctr">
+                      <a:solidFill>
+                        <a:srgbClr val="000000"/>
+                      </a:solidFill>
+                      <a:prstDash val="solid"/>
+                      <a:round/>
+                      <a:headEnd type="none" w="med" len="med"/>
+                      <a:tailEnd type="none" w="med" len="med"/>
+                    </a:lnT>
+                    <a:lnB w="6350" cap="flat" cmpd="sng" algn="ctr">
+                      <a:solidFill>
+                        <a:srgbClr val="000000"/>
+                      </a:solidFill>
+                      <a:prstDash val="solid"/>
+                      <a:round/>
+                      <a:headEnd type="none" w="med" len="med"/>
+                      <a:tailEnd type="none" w="med" len="med"/>
+                    </a:lnB>
+                    <a:solidFill>
+                      <a:srgbClr val="4472C4"/>
+                    </a:solidFill>
+                  </a:tcPr>
+                </a:tc>
+                <a:tc>
+                  <a:txBody>
+                    <a:bodyPr/>
+                    <a:lstStyle/>
+                    <a:p>
+                      <a:pPr algn="ctr" fontAlgn="ctr"/>
+                      <a:r>
+                        <a:rPr lang="en-US" sz="1400" b="1" i="0" u="none" strike="noStrike">
+                          <a:solidFill>
+                            <a:srgbClr val="FFFFFF"/>
+                          </a:solidFill>
+                          <a:effectLst/>
+                          <a:latin typeface="Calibri" panose="020F0502020204030204" pitchFamily="34" charset="0"/>
+                        </a:rPr>
+                        <a:t>1</a:t>
+                      </a:r>
+                    </a:p>
+                  </a:txBody>
+                  <a:tcPr marL="9525" marR="9525" marT="9525" marB="0" anchor="ctr">
+                    <a:lnL w="6350" cap="flat" cmpd="sng" algn="ctr">
+                      <a:solidFill>
+                        <a:srgbClr val="000000"/>
+                      </a:solidFill>
+                      <a:prstDash val="solid"/>
+                      <a:round/>
+                      <a:headEnd type="none" w="med" len="med"/>
+                      <a:tailEnd type="none" w="med" len="med"/>
+                    </a:lnL>
+                    <a:lnR w="6350" cap="flat" cmpd="sng" algn="ctr">
+                      <a:solidFill>
+                        <a:srgbClr val="000000"/>
+                      </a:solidFill>
+                      <a:prstDash val="solid"/>
+                      <a:round/>
+                      <a:headEnd type="none" w="med" len="med"/>
+                      <a:tailEnd type="none" w="med" len="med"/>
+                    </a:lnR>
+                    <a:lnT w="6350" cap="flat" cmpd="sng" algn="ctr">
+                      <a:solidFill>
+                        <a:srgbClr val="000000"/>
+                      </a:solidFill>
+                      <a:prstDash val="solid"/>
+                      <a:round/>
+                      <a:headEnd type="none" w="med" len="med"/>
+                      <a:tailEnd type="none" w="med" len="med"/>
+                    </a:lnT>
+                    <a:lnB w="6350" cap="flat" cmpd="sng" algn="ctr">
+                      <a:solidFill>
+                        <a:srgbClr val="000000"/>
+                      </a:solidFill>
+                      <a:prstDash val="solid"/>
+                      <a:round/>
+                      <a:headEnd type="none" w="med" len="med"/>
+                      <a:tailEnd type="none" w="med" len="med"/>
+                    </a:lnB>
+                    <a:solidFill>
+                      <a:srgbClr val="4472C4"/>
+                    </a:solidFill>
+                  </a:tcPr>
+                </a:tc>
+                <a:tc>
+                  <a:txBody>
+                    <a:bodyPr/>
+                    <a:lstStyle/>
+                    <a:p>
+                      <a:pPr algn="ctr" fontAlgn="ctr"/>
+                      <a:r>
+                        <a:rPr lang="en-US" sz="1400" b="1" i="0" u="none" strike="noStrike">
+                          <a:solidFill>
+                            <a:srgbClr val="FFFFFF"/>
+                          </a:solidFill>
+                          <a:effectLst/>
+                          <a:latin typeface="Calibri" panose="020F0502020204030204" pitchFamily="34" charset="0"/>
+                        </a:rPr>
+                        <a:t>2</a:t>
+                      </a:r>
+                    </a:p>
+                  </a:txBody>
+                  <a:tcPr marL="9525" marR="9525" marT="9525" marB="0" anchor="ctr">
+                    <a:lnL w="6350" cap="flat" cmpd="sng" algn="ctr">
+                      <a:solidFill>
+                        <a:srgbClr val="000000"/>
+                      </a:solidFill>
+                      <a:prstDash val="solid"/>
+                      <a:round/>
+                      <a:headEnd type="none" w="med" len="med"/>
+                      <a:tailEnd type="none" w="med" len="med"/>
+                    </a:lnL>
+                    <a:lnR w="6350" cap="flat" cmpd="sng" algn="ctr">
+                      <a:solidFill>
+                        <a:srgbClr val="000000"/>
+                      </a:solidFill>
+                      <a:prstDash val="solid"/>
+                      <a:round/>
+                      <a:headEnd type="none" w="med" len="med"/>
+                      <a:tailEnd type="none" w="med" len="med"/>
+                    </a:lnR>
+                    <a:lnT w="6350" cap="flat" cmpd="sng" algn="ctr">
+                      <a:solidFill>
+                        <a:srgbClr val="000000"/>
+                      </a:solidFill>
+                      <a:prstDash val="solid"/>
+                      <a:round/>
+                      <a:headEnd type="none" w="med" len="med"/>
+                      <a:tailEnd type="none" w="med" len="med"/>
+                    </a:lnT>
+                    <a:lnB w="6350" cap="flat" cmpd="sng" algn="ctr">
+                      <a:solidFill>
+                        <a:srgbClr val="8EA9DB"/>
+                      </a:solidFill>
+                      <a:prstDash val="solid"/>
+                      <a:round/>
+                      <a:headEnd type="none" w="med" len="med"/>
+                      <a:tailEnd type="none" w="med" len="med"/>
+                    </a:lnB>
+                    <a:solidFill>
+                      <a:srgbClr val="4472C4"/>
+                    </a:solidFill>
+                  </a:tcPr>
+                </a:tc>
+                <a:tc>
+                  <a:txBody>
+                    <a:bodyPr/>
+                    <a:lstStyle/>
+                    <a:p>
+                      <a:pPr algn="ctr" fontAlgn="ctr"/>
+                      <a:r>
+                        <a:rPr lang="en-US" sz="1400" b="1" i="0" u="none" strike="noStrike">
+                          <a:solidFill>
+                            <a:srgbClr val="FFFFFF"/>
+                          </a:solidFill>
+                          <a:effectLst/>
+                          <a:latin typeface="Calibri" panose="020F0502020204030204" pitchFamily="34" charset="0"/>
+                        </a:rPr>
+                        <a:t>3</a:t>
+                      </a:r>
+                    </a:p>
+                  </a:txBody>
+                  <a:tcPr marL="9525" marR="9525" marT="9525" marB="0" anchor="ctr">
+                    <a:lnL w="6350" cap="flat" cmpd="sng" algn="ctr">
+                      <a:solidFill>
+                        <a:srgbClr val="000000"/>
+                      </a:solidFill>
+                      <a:prstDash val="solid"/>
+                      <a:round/>
+                      <a:headEnd type="none" w="med" len="med"/>
+                      <a:tailEnd type="none" w="med" len="med"/>
+                    </a:lnL>
+                    <a:lnR w="6350" cap="flat" cmpd="sng" algn="ctr">
+                      <a:solidFill>
+                        <a:srgbClr val="000000"/>
+                      </a:solidFill>
+                      <a:prstDash val="solid"/>
+                      <a:round/>
+                      <a:headEnd type="none" w="med" len="med"/>
+                      <a:tailEnd type="none" w="med" len="med"/>
+                    </a:lnR>
+                    <a:lnT w="6350" cap="flat" cmpd="sng" algn="ctr">
+                      <a:solidFill>
+                        <a:srgbClr val="000000"/>
+                      </a:solidFill>
+                      <a:prstDash val="solid"/>
+                      <a:round/>
+                      <a:headEnd type="none" w="med" len="med"/>
+                      <a:tailEnd type="none" w="med" len="med"/>
+                    </a:lnT>
+                    <a:lnB w="6350" cap="flat" cmpd="sng" algn="ctr">
+                      <a:solidFill>
+                        <a:srgbClr val="8EA9DB"/>
+                      </a:solidFill>
+                      <a:prstDash val="solid"/>
+                      <a:round/>
+                      <a:headEnd type="none" w="med" len="med"/>
+                      <a:tailEnd type="none" w="med" len="med"/>
+                    </a:lnB>
+                    <a:solidFill>
+                      <a:srgbClr val="4472C4"/>
+                    </a:solidFill>
+                  </a:tcPr>
+                </a:tc>
+                <a:tc>
+                  <a:txBody>
+                    <a:bodyPr/>
+                    <a:lstStyle/>
+                    <a:p>
+                      <a:pPr algn="ctr" fontAlgn="ctr"/>
+                      <a:r>
+                        <a:rPr lang="en-US" sz="1400" b="1" i="0" u="none" strike="noStrike">
+                          <a:solidFill>
+                            <a:srgbClr val="FFFFFF"/>
+                          </a:solidFill>
+                          <a:effectLst/>
+                          <a:latin typeface="Calibri" panose="020F0502020204030204" pitchFamily="34" charset="0"/>
+                        </a:rPr>
+                        <a:t>4</a:t>
+                      </a:r>
+                    </a:p>
+                  </a:txBody>
+                  <a:tcPr marL="9525" marR="9525" marT="9525" marB="0" anchor="ctr">
+                    <a:lnL w="6350" cap="flat" cmpd="sng" algn="ctr">
+                      <a:solidFill>
+                        <a:srgbClr val="000000"/>
+                      </a:solidFill>
+                      <a:prstDash val="solid"/>
+                      <a:round/>
+                      <a:headEnd type="none" w="med" len="med"/>
+                      <a:tailEnd type="none" w="med" len="med"/>
+                    </a:lnL>
+                    <a:lnR w="6350" cap="flat" cmpd="sng" algn="ctr">
+                      <a:solidFill>
+                        <a:srgbClr val="000000"/>
+                      </a:solidFill>
+                      <a:prstDash val="solid"/>
+                      <a:round/>
+                      <a:headEnd type="none" w="med" len="med"/>
+                      <a:tailEnd type="none" w="med" len="med"/>
+                    </a:lnR>
+                    <a:lnT w="6350" cap="flat" cmpd="sng" algn="ctr">
+                      <a:solidFill>
+                        <a:srgbClr val="000000"/>
+                      </a:solidFill>
+                      <a:prstDash val="solid"/>
+                      <a:round/>
+                      <a:headEnd type="none" w="med" len="med"/>
+                      <a:tailEnd type="none" w="med" len="med"/>
+                    </a:lnT>
+                    <a:lnB w="6350" cap="flat" cmpd="sng" algn="ctr">
+                      <a:solidFill>
+                        <a:srgbClr val="000000"/>
+                      </a:solidFill>
+                      <a:prstDash val="solid"/>
+                      <a:round/>
+                      <a:headEnd type="none" w="med" len="med"/>
+                      <a:tailEnd type="none" w="med" len="med"/>
+                    </a:lnB>
+                    <a:solidFill>
+                      <a:srgbClr val="4472C4"/>
+                    </a:solidFill>
+                  </a:tcPr>
+                </a:tc>
+                <a:tc>
+                  <a:txBody>
+                    <a:bodyPr/>
+                    <a:lstStyle/>
+                    <a:p>
+                      <a:pPr algn="ctr" fontAlgn="ctr"/>
+                      <a:r>
+                        <a:rPr lang="en-US" sz="1400" b="1" i="0" u="none" strike="noStrike">
+                          <a:solidFill>
+                            <a:srgbClr val="FFFFFF"/>
+                          </a:solidFill>
+                          <a:effectLst/>
+                          <a:latin typeface="Calibri" panose="020F0502020204030204" pitchFamily="34" charset="0"/>
+                        </a:rPr>
+                        <a:t>5</a:t>
+                      </a:r>
+                    </a:p>
+                  </a:txBody>
+                  <a:tcPr marL="9525" marR="9525" marT="9525" marB="0" anchor="ctr">
+                    <a:lnL w="6350" cap="flat" cmpd="sng" algn="ctr">
+                      <a:solidFill>
+                        <a:srgbClr val="000000"/>
+                      </a:solidFill>
+                      <a:prstDash val="solid"/>
+                      <a:round/>
+                      <a:headEnd type="none" w="med" len="med"/>
+                      <a:tailEnd type="none" w="med" len="med"/>
+                    </a:lnL>
+                    <a:lnR w="6350" cap="flat" cmpd="sng" algn="ctr">
+                      <a:solidFill>
+                        <a:srgbClr val="000000"/>
+                      </a:solidFill>
+                      <a:prstDash val="solid"/>
+                      <a:round/>
+                      <a:headEnd type="none" w="med" len="med"/>
+                      <a:tailEnd type="none" w="med" len="med"/>
+                    </a:lnR>
+                    <a:lnT w="6350" cap="flat" cmpd="sng" algn="ctr">
+                      <a:solidFill>
+                        <a:srgbClr val="000000"/>
+                      </a:solidFill>
+                      <a:prstDash val="solid"/>
+                      <a:round/>
+                      <a:headEnd type="none" w="med" len="med"/>
+                      <a:tailEnd type="none" w="med" len="med"/>
+                    </a:lnT>
+                    <a:lnB w="6350" cap="flat" cmpd="sng" algn="ctr">
+                      <a:solidFill>
+                        <a:srgbClr val="000000"/>
+                      </a:solidFill>
+                      <a:prstDash val="solid"/>
+                      <a:round/>
+                      <a:headEnd type="none" w="med" len="med"/>
+                      <a:tailEnd type="none" w="med" len="med"/>
+                    </a:lnB>
+                    <a:solidFill>
+                      <a:srgbClr val="4472C4"/>
+                    </a:solidFill>
+                  </a:tcPr>
+                </a:tc>
+                <a:tc>
+                  <a:txBody>
+                    <a:bodyPr/>
+                    <a:lstStyle/>
+                    <a:p>
+                      <a:pPr algn="ctr" fontAlgn="ctr"/>
+                      <a:r>
+                        <a:rPr lang="en-US" sz="1400" b="1" i="0" u="none" strike="noStrike">
+                          <a:solidFill>
+                            <a:srgbClr val="FFFFFF"/>
+                          </a:solidFill>
+                          <a:effectLst/>
+                          <a:latin typeface="Calibri" panose="020F0502020204030204" pitchFamily="34" charset="0"/>
+                        </a:rPr>
+                        <a:t>6</a:t>
+                      </a:r>
+                    </a:p>
+                  </a:txBody>
+                  <a:tcPr marL="9525" marR="9525" marT="9525" marB="0" anchor="ctr">
+                    <a:lnL w="6350" cap="flat" cmpd="sng" algn="ctr">
+                      <a:solidFill>
+                        <a:srgbClr val="000000"/>
+                      </a:solidFill>
+                      <a:prstDash val="solid"/>
+                      <a:round/>
+                      <a:headEnd type="none" w="med" len="med"/>
+                      <a:tailEnd type="none" w="med" len="med"/>
+                    </a:lnL>
+                    <a:lnR w="6350" cap="flat" cmpd="sng" algn="ctr">
+                      <a:solidFill>
+                        <a:srgbClr val="000000"/>
+                      </a:solidFill>
+                      <a:prstDash val="solid"/>
+                      <a:round/>
+                      <a:headEnd type="none" w="med" len="med"/>
+                      <a:tailEnd type="none" w="med" len="med"/>
+                    </a:lnR>
+                    <a:lnT w="6350" cap="flat" cmpd="sng" algn="ctr">
+                      <a:solidFill>
+                        <a:srgbClr val="000000"/>
+                      </a:solidFill>
+                      <a:prstDash val="solid"/>
+                      <a:round/>
+                      <a:headEnd type="none" w="med" len="med"/>
+                      <a:tailEnd type="none" w="med" len="med"/>
+                    </a:lnT>
+                    <a:lnB w="6350" cap="flat" cmpd="sng" algn="ctr">
+                      <a:solidFill>
+                        <a:srgbClr val="000000"/>
+                      </a:solidFill>
+                      <a:prstDash val="solid"/>
+                      <a:round/>
+                      <a:headEnd type="none" w="med" len="med"/>
+                      <a:tailEnd type="none" w="med" len="med"/>
+                    </a:lnB>
+                    <a:solidFill>
+                      <a:srgbClr val="4472C4"/>
+                    </a:solidFill>
+                  </a:tcPr>
+                </a:tc>
+                <a:tc>
+                  <a:txBody>
+                    <a:bodyPr/>
+                    <a:lstStyle/>
+                    <a:p>
+                      <a:pPr algn="ctr" fontAlgn="ctr"/>
+                      <a:r>
+                        <a:rPr lang="en-US" sz="1400" b="1" i="0" u="none" strike="noStrike">
+                          <a:solidFill>
+                            <a:srgbClr val="FFFFFF"/>
+                          </a:solidFill>
+                          <a:effectLst/>
+                          <a:latin typeface="Calibri" panose="020F0502020204030204" pitchFamily="34" charset="0"/>
+                        </a:rPr>
+                        <a:t>7</a:t>
+                      </a:r>
+                    </a:p>
+                  </a:txBody>
+                  <a:tcPr marL="9525" marR="9525" marT="9525" marB="0" anchor="ctr">
+                    <a:lnL w="6350" cap="flat" cmpd="sng" algn="ctr">
+                      <a:solidFill>
+                        <a:srgbClr val="000000"/>
+                      </a:solidFill>
+                      <a:prstDash val="solid"/>
+                      <a:round/>
+                      <a:headEnd type="none" w="med" len="med"/>
+                      <a:tailEnd type="none" w="med" len="med"/>
+                    </a:lnL>
+                    <a:lnR w="6350" cap="flat" cmpd="sng" algn="ctr">
+                      <a:solidFill>
+                        <a:srgbClr val="000000"/>
+                      </a:solidFill>
+                      <a:prstDash val="solid"/>
+                      <a:round/>
+                      <a:headEnd type="none" w="med" len="med"/>
+                      <a:tailEnd type="none" w="med" len="med"/>
+                    </a:lnR>
+                    <a:lnT w="6350" cap="flat" cmpd="sng" algn="ctr">
+                      <a:solidFill>
+                        <a:srgbClr val="000000"/>
+                      </a:solidFill>
+                      <a:prstDash val="solid"/>
+                      <a:round/>
+                      <a:headEnd type="none" w="med" len="med"/>
+                      <a:tailEnd type="none" w="med" len="med"/>
+                    </a:lnT>
+                    <a:lnB w="6350" cap="flat" cmpd="sng" algn="ctr">
+                      <a:solidFill>
+                        <a:srgbClr val="000000"/>
+                      </a:solidFill>
+                      <a:prstDash val="solid"/>
+                      <a:round/>
+                      <a:headEnd type="none" w="med" len="med"/>
+                      <a:tailEnd type="none" w="med" len="med"/>
+                    </a:lnB>
+                    <a:solidFill>
+                      <a:srgbClr val="4472C4"/>
+                    </a:solidFill>
+                  </a:tcPr>
+                </a:tc>
+                <a:tc>
+                  <a:txBody>
+                    <a:bodyPr/>
+                    <a:lstStyle/>
+                    <a:p>
+                      <a:pPr algn="ctr" fontAlgn="ctr"/>
+                      <a:r>
+                        <a:rPr lang="en-US" sz="1400" b="1" i="0" u="none" strike="noStrike">
+                          <a:solidFill>
+                            <a:srgbClr val="FFFFFF"/>
+                          </a:solidFill>
+                          <a:effectLst/>
+                          <a:latin typeface="Calibri" panose="020F0502020204030204" pitchFamily="34" charset="0"/>
+                        </a:rPr>
+                        <a:t>8</a:t>
+                      </a:r>
+                    </a:p>
+                  </a:txBody>
+                  <a:tcPr marL="9525" marR="9525" marT="9525" marB="0" anchor="ctr">
+                    <a:lnL w="6350" cap="flat" cmpd="sng" algn="ctr">
+                      <a:solidFill>
+                        <a:srgbClr val="000000"/>
+                      </a:solidFill>
+                      <a:prstDash val="solid"/>
+                      <a:round/>
+                      <a:headEnd type="none" w="med" len="med"/>
+                      <a:tailEnd type="none" w="med" len="med"/>
+                    </a:lnL>
+                    <a:lnR w="12700" cap="flat" cmpd="sng" algn="ctr">
+                      <a:solidFill>
+                        <a:srgbClr val="000000"/>
+                      </a:solidFill>
+                      <a:prstDash val="solid"/>
+                      <a:round/>
+                      <a:headEnd type="none" w="med" len="med"/>
+                      <a:tailEnd type="none" w="med" len="med"/>
+                    </a:lnR>
+                    <a:lnT w="6350" cap="flat" cmpd="sng" algn="ctr">
+                      <a:solidFill>
+                        <a:srgbClr val="000000"/>
+                      </a:solidFill>
+                      <a:prstDash val="solid"/>
+                      <a:round/>
+                      <a:headEnd type="none" w="med" len="med"/>
+                      <a:tailEnd type="none" w="med" len="med"/>
+                    </a:lnT>
+                    <a:lnB w="6350" cap="flat" cmpd="sng" algn="ctr">
+                      <a:solidFill>
+                        <a:srgbClr val="000000"/>
+                      </a:solidFill>
+                      <a:prstDash val="solid"/>
+                      <a:round/>
+                      <a:headEnd type="none" w="med" len="med"/>
+                      <a:tailEnd type="none" w="med" len="med"/>
+                    </a:lnB>
+                    <a:solidFill>
+                      <a:srgbClr val="4472C4"/>
+                    </a:solidFill>
+                  </a:tcPr>
+                </a:tc>
+                <a:extLst>
+                  <a:ext uri="{0D108BD9-81ED-4DB2-BD59-A6C34878D82A}">
+                    <a16:rowId xmlns:a16="http://schemas.microsoft.com/office/drawing/2014/main" val="2849874446"/>
+                  </a:ext>
+                </a:extLst>
+              </a:tr>
+              <a:tr h="283168">
+                <a:tc>
+                  <a:txBody>
+                    <a:bodyPr/>
+                    <a:lstStyle/>
+                    <a:p>
+                      <a:pPr algn="ctr" fontAlgn="ctr"/>
+                      <a:r>
+                        <a:rPr lang="en-US" sz="1400" b="0" i="0" u="none" strike="noStrike">
+                          <a:solidFill>
+                            <a:srgbClr val="000000"/>
+                          </a:solidFill>
+                          <a:effectLst/>
+                          <a:latin typeface="Calibri" panose="020F0502020204030204" pitchFamily="34" charset="0"/>
+                        </a:rPr>
+                        <a:t>1</a:t>
+                      </a:r>
+                    </a:p>
+                  </a:txBody>
+                  <a:tcPr marL="9525" marR="9525" marT="9525" marB="0" anchor="ctr">
+                    <a:lnL w="12700" cap="flat" cmpd="sng" algn="ctr">
+                      <a:solidFill>
+                        <a:srgbClr val="000000"/>
+                      </a:solidFill>
+                      <a:prstDash val="solid"/>
+                      <a:round/>
+                      <a:headEnd type="none" w="med" len="med"/>
+                      <a:tailEnd type="none" w="med" len="med"/>
+                    </a:lnL>
+                    <a:lnR w="6350" cap="flat" cmpd="sng" algn="ctr">
+                      <a:solidFill>
+                        <a:srgbClr val="000000"/>
+                      </a:solidFill>
+                      <a:prstDash val="solid"/>
+                      <a:round/>
+                      <a:headEnd type="none" w="med" len="med"/>
+                      <a:tailEnd type="none" w="med" len="med"/>
+                    </a:lnR>
+                    <a:lnT w="6350" cap="flat" cmpd="sng" algn="ctr">
+                      <a:solidFill>
+                        <a:srgbClr val="000000"/>
+                      </a:solidFill>
+                      <a:prstDash val="solid"/>
+                      <a:round/>
+                      <a:headEnd type="none" w="med" len="med"/>
+                      <a:tailEnd type="none" w="med" len="med"/>
+                    </a:lnT>
+                    <a:lnB w="6350" cap="flat" cmpd="sng" algn="ctr">
+                      <a:solidFill>
+                        <a:srgbClr val="000000"/>
+                      </a:solidFill>
+                      <a:prstDash val="solid"/>
+                      <a:round/>
+                      <a:headEnd type="none" w="med" len="med"/>
+                      <a:tailEnd type="none" w="med" len="med"/>
+                    </a:lnB>
+                  </a:tcPr>
+                </a:tc>
+                <a:tc>
+                  <a:txBody>
+                    <a:bodyPr/>
+                    <a:lstStyle/>
+                    <a:p>
+                      <a:pPr algn="ctr" fontAlgn="ctr"/>
+                      <a:r>
+                        <a:rPr lang="en-US" sz="1400" b="0" i="0" u="none" strike="noStrike">
+                          <a:solidFill>
+                            <a:srgbClr val="000000"/>
+                          </a:solidFill>
+                          <a:effectLst/>
+                          <a:latin typeface="Calibri" panose="020F0502020204030204" pitchFamily="34" charset="0"/>
+                        </a:rPr>
+                        <a:t>DOF</a:t>
+                      </a:r>
+                    </a:p>
+                  </a:txBody>
+                  <a:tcPr marL="9525" marR="9525" marT="9525" marB="0" anchor="ctr">
+                    <a:lnL w="6350" cap="flat" cmpd="sng" algn="ctr">
+                      <a:solidFill>
+                        <a:srgbClr val="000000"/>
+                      </a:solidFill>
+                      <a:prstDash val="solid"/>
+                      <a:round/>
+                      <a:headEnd type="none" w="med" len="med"/>
+                      <a:tailEnd type="none" w="med" len="med"/>
+                    </a:lnL>
+                    <a:lnR w="6350" cap="flat" cmpd="sng" algn="ctr">
+                      <a:solidFill>
+                        <a:srgbClr val="000000"/>
+                      </a:solidFill>
+                      <a:prstDash val="solid"/>
+                      <a:round/>
+                      <a:headEnd type="none" w="med" len="med"/>
+                      <a:tailEnd type="none" w="med" len="med"/>
+                    </a:lnR>
+                    <a:lnT w="6350" cap="flat" cmpd="sng" algn="ctr">
+                      <a:solidFill>
+                        <a:srgbClr val="000000"/>
+                      </a:solidFill>
+                      <a:prstDash val="solid"/>
+                      <a:round/>
+                      <a:headEnd type="none" w="med" len="med"/>
+                      <a:tailEnd type="none" w="med" len="med"/>
+                    </a:lnT>
+                    <a:lnB w="6350" cap="flat" cmpd="sng" algn="ctr">
+                      <a:solidFill>
+                        <a:srgbClr val="000000"/>
+                      </a:solidFill>
+                      <a:prstDash val="solid"/>
+                      <a:round/>
+                      <a:headEnd type="none" w="med" len="med"/>
+                      <a:tailEnd type="none" w="med" len="med"/>
+                    </a:lnB>
+                    <a:solidFill>
+                      <a:srgbClr val="D9E1F2"/>
+                    </a:solidFill>
+                  </a:tcPr>
+                </a:tc>
+                <a:tc>
+                  <a:txBody>
+                    <a:bodyPr/>
+                    <a:lstStyle/>
+                    <a:p>
+                      <a:pPr algn="ctr" fontAlgn="ctr"/>
+                      <a:r>
+                        <a:rPr lang="en-US" sz="1400" b="0" i="0" u="none" strike="noStrike">
+                          <a:solidFill>
+                            <a:srgbClr val="000000"/>
+                          </a:solidFill>
+                          <a:effectLst/>
+                          <a:latin typeface="Calibri" panose="020F0502020204030204" pitchFamily="34" charset="0"/>
+                        </a:rPr>
+                        <a:t>3</a:t>
+                      </a:r>
+                    </a:p>
+                  </a:txBody>
+                  <a:tcPr marL="9525" marR="9525" marT="9525" marB="0" anchor="ctr">
+                    <a:lnL w="6350" cap="flat" cmpd="sng" algn="ctr">
+                      <a:solidFill>
+                        <a:srgbClr val="000000"/>
+                      </a:solidFill>
+                      <a:prstDash val="solid"/>
+                      <a:round/>
+                      <a:headEnd type="none" w="med" len="med"/>
+                      <a:tailEnd type="none" w="med" len="med"/>
+                    </a:lnL>
+                    <a:lnR w="6350" cap="flat" cmpd="sng" algn="ctr">
+                      <a:solidFill>
+                        <a:srgbClr val="000000"/>
+                      </a:solidFill>
+                      <a:prstDash val="solid"/>
+                      <a:round/>
+                      <a:headEnd type="none" w="med" len="med"/>
+                      <a:tailEnd type="none" w="med" len="med"/>
+                    </a:lnR>
+                    <a:lnT w="6350" cap="flat" cmpd="sng" algn="ctr">
+                      <a:solidFill>
+                        <a:srgbClr val="000000"/>
+                      </a:solidFill>
+                      <a:prstDash val="solid"/>
+                      <a:round/>
+                      <a:headEnd type="none" w="med" len="med"/>
+                      <a:tailEnd type="none" w="med" len="med"/>
+                    </a:lnT>
+                    <a:lnB w="6350" cap="flat" cmpd="sng" algn="ctr">
+                      <a:solidFill>
+                        <a:srgbClr val="000000"/>
+                      </a:solidFill>
+                      <a:prstDash val="solid"/>
+                      <a:round/>
+                      <a:headEnd type="none" w="med" len="med"/>
+                      <a:tailEnd type="none" w="med" len="med"/>
+                    </a:lnB>
+                    <a:solidFill>
+                      <a:srgbClr val="D9E1F2"/>
+                    </a:solidFill>
+                  </a:tcPr>
+                </a:tc>
+                <a:tc>
+                  <a:txBody>
+                    <a:bodyPr/>
+                    <a:lstStyle/>
+                    <a:p>
+                      <a:pPr algn="ctr" fontAlgn="ctr"/>
+                      <a:r>
+                        <a:rPr lang="en-US" sz="1400" b="0" i="0" u="none" strike="noStrike">
+                          <a:solidFill>
+                            <a:srgbClr val="000000"/>
+                          </a:solidFill>
+                          <a:effectLst/>
+                          <a:latin typeface="Calibri" panose="020F0502020204030204" pitchFamily="34" charset="0"/>
+                        </a:rPr>
+                        <a:t>4</a:t>
+                      </a:r>
+                    </a:p>
+                  </a:txBody>
+                  <a:tcPr marL="9525" marR="9525" marT="9525" marB="0" anchor="ctr">
+                    <a:lnL w="6350" cap="flat" cmpd="sng" algn="ctr">
+                      <a:solidFill>
+                        <a:srgbClr val="000000"/>
+                      </a:solidFill>
+                      <a:prstDash val="solid"/>
+                      <a:round/>
+                      <a:headEnd type="none" w="med" len="med"/>
+                      <a:tailEnd type="none" w="med" len="med"/>
+                    </a:lnL>
+                    <a:lnR w="6350" cap="flat" cmpd="sng" algn="ctr">
+                      <a:solidFill>
+                        <a:srgbClr val="000000"/>
+                      </a:solidFill>
+                      <a:prstDash val="solid"/>
+                      <a:round/>
+                      <a:headEnd type="none" w="med" len="med"/>
+                      <a:tailEnd type="none" w="med" len="med"/>
+                    </a:lnR>
+                    <a:lnT w="6350" cap="flat" cmpd="sng" algn="ctr">
+                      <a:solidFill>
+                        <a:srgbClr val="000000"/>
+                      </a:solidFill>
+                      <a:prstDash val="solid"/>
+                      <a:round/>
+                      <a:headEnd type="none" w="med" len="med"/>
+                      <a:tailEnd type="none" w="med" len="med"/>
+                    </a:lnT>
+                    <a:lnB w="6350" cap="flat" cmpd="sng" algn="ctr">
+                      <a:solidFill>
+                        <a:srgbClr val="000000"/>
+                      </a:solidFill>
+                      <a:prstDash val="solid"/>
+                      <a:round/>
+                      <a:headEnd type="none" w="med" len="med"/>
+                      <a:tailEnd type="none" w="med" len="med"/>
+                    </a:lnB>
+                    <a:solidFill>
+                      <a:srgbClr val="D9E1F2"/>
+                    </a:solidFill>
+                  </a:tcPr>
+                </a:tc>
+                <a:tc>
+                  <a:txBody>
+                    <a:bodyPr/>
+                    <a:lstStyle/>
+                    <a:p>
+                      <a:pPr algn="ctr" fontAlgn="ctr"/>
+                      <a:r>
+                        <a:rPr lang="en-US" sz="1400" b="0" i="0" u="none" strike="noStrike">
+                          <a:solidFill>
+                            <a:srgbClr val="000000"/>
+                          </a:solidFill>
+                          <a:effectLst/>
+                          <a:latin typeface="Calibri" panose="020F0502020204030204" pitchFamily="34" charset="0"/>
+                        </a:rPr>
+                        <a:t>5</a:t>
+                      </a:r>
+                    </a:p>
+                  </a:txBody>
+                  <a:tcPr marL="9525" marR="9525" marT="9525" marB="0" anchor="ctr">
+                    <a:lnL w="6350" cap="flat" cmpd="sng" algn="ctr">
+                      <a:solidFill>
+                        <a:srgbClr val="000000"/>
+                      </a:solidFill>
+                      <a:prstDash val="solid"/>
+                      <a:round/>
+                      <a:headEnd type="none" w="med" len="med"/>
+                      <a:tailEnd type="none" w="med" len="med"/>
+                    </a:lnL>
+                    <a:lnR w="6350" cap="flat" cmpd="sng" algn="ctr">
+                      <a:solidFill>
+                        <a:srgbClr val="000000"/>
+                      </a:solidFill>
+                      <a:prstDash val="solid"/>
+                      <a:round/>
+                      <a:headEnd type="none" w="med" len="med"/>
+                      <a:tailEnd type="none" w="med" len="med"/>
+                    </a:lnR>
+                    <a:lnT w="6350" cap="flat" cmpd="sng" algn="ctr">
+                      <a:solidFill>
+                        <a:srgbClr val="8EA9DB"/>
+                      </a:solidFill>
+                      <a:prstDash val="solid"/>
+                      <a:round/>
+                      <a:headEnd type="none" w="med" len="med"/>
+                      <a:tailEnd type="none" w="med" len="med"/>
+                    </a:lnT>
+                    <a:lnB w="6350" cap="flat" cmpd="sng" algn="ctr">
+                      <a:solidFill>
+                        <a:srgbClr val="000000"/>
+                      </a:solidFill>
+                      <a:prstDash val="solid"/>
+                      <a:round/>
+                      <a:headEnd type="none" w="med" len="med"/>
+                      <a:tailEnd type="none" w="med" len="med"/>
+                    </a:lnB>
+                    <a:solidFill>
+                      <a:srgbClr val="D9E1F2"/>
+                    </a:solidFill>
+                  </a:tcPr>
+                </a:tc>
+                <a:tc>
+                  <a:txBody>
+                    <a:bodyPr/>
+                    <a:lstStyle/>
+                    <a:p>
+                      <a:pPr algn="ctr" fontAlgn="ctr"/>
+                      <a:r>
+                        <a:rPr lang="en-US" sz="1400" b="0" i="0" u="none" strike="noStrike">
+                          <a:solidFill>
+                            <a:srgbClr val="000000"/>
+                          </a:solidFill>
+                          <a:effectLst/>
+                          <a:latin typeface="Calibri" panose="020F0502020204030204" pitchFamily="34" charset="0"/>
+                        </a:rPr>
+                        <a:t>6</a:t>
+                      </a:r>
+                    </a:p>
+                  </a:txBody>
+                  <a:tcPr marL="9525" marR="9525" marT="9525" marB="0" anchor="ctr">
+                    <a:lnL w="6350" cap="flat" cmpd="sng" algn="ctr">
+                      <a:solidFill>
+                        <a:srgbClr val="000000"/>
+                      </a:solidFill>
+                      <a:prstDash val="solid"/>
+                      <a:round/>
+                      <a:headEnd type="none" w="med" len="med"/>
+                      <a:tailEnd type="none" w="med" len="med"/>
+                    </a:lnL>
+                    <a:lnR w="6350" cap="flat" cmpd="sng" algn="ctr">
+                      <a:solidFill>
+                        <a:srgbClr val="000000"/>
+                      </a:solidFill>
+                      <a:prstDash val="solid"/>
+                      <a:round/>
+                      <a:headEnd type="none" w="med" len="med"/>
+                      <a:tailEnd type="none" w="med" len="med"/>
+                    </a:lnR>
+                    <a:lnT w="6350" cap="flat" cmpd="sng" algn="ctr">
+                      <a:solidFill>
+                        <a:srgbClr val="8EA9DB"/>
+                      </a:solidFill>
+                      <a:prstDash val="solid"/>
+                      <a:round/>
+                      <a:headEnd type="none" w="med" len="med"/>
+                      <a:tailEnd type="none" w="med" len="med"/>
+                    </a:lnT>
+                    <a:lnB w="6350" cap="flat" cmpd="sng" algn="ctr">
+                      <a:solidFill>
+                        <a:srgbClr val="000000"/>
+                      </a:solidFill>
+                      <a:prstDash val="solid"/>
+                      <a:round/>
+                      <a:headEnd type="none" w="med" len="med"/>
+                      <a:tailEnd type="none" w="med" len="med"/>
+                    </a:lnB>
+                    <a:solidFill>
+                      <a:srgbClr val="D9E1F2"/>
+                    </a:solidFill>
+                  </a:tcPr>
+                </a:tc>
+                <a:tc>
+                  <a:txBody>
+                    <a:bodyPr/>
+                    <a:lstStyle/>
+                    <a:p>
+                      <a:pPr algn="ctr" fontAlgn="ctr"/>
+                      <a:r>
+                        <a:rPr lang="en-US" sz="1400" b="0" i="0" u="none" strike="noStrike">
+                          <a:solidFill>
+                            <a:srgbClr val="000000"/>
+                          </a:solidFill>
+                          <a:effectLst/>
+                          <a:latin typeface="Calibri" panose="020F0502020204030204" pitchFamily="34" charset="0"/>
+                        </a:rPr>
+                        <a:t>***</a:t>
+                      </a:r>
+                    </a:p>
+                  </a:txBody>
+                  <a:tcPr marL="9525" marR="9525" marT="9525" marB="0" anchor="ctr">
+                    <a:lnL w="6350" cap="flat" cmpd="sng" algn="ctr">
+                      <a:solidFill>
+                        <a:srgbClr val="000000"/>
+                      </a:solidFill>
+                      <a:prstDash val="solid"/>
+                      <a:round/>
+                      <a:headEnd type="none" w="med" len="med"/>
+                      <a:tailEnd type="none" w="med" len="med"/>
+                    </a:lnL>
+                    <a:lnR w="6350" cap="flat" cmpd="sng" algn="ctr">
+                      <a:solidFill>
+                        <a:srgbClr val="000000"/>
+                      </a:solidFill>
+                      <a:prstDash val="solid"/>
+                      <a:round/>
+                      <a:headEnd type="none" w="med" len="med"/>
+                      <a:tailEnd type="none" w="med" len="med"/>
+                    </a:lnR>
+                    <a:lnT w="6350" cap="flat" cmpd="sng" algn="ctr">
+                      <a:solidFill>
+                        <a:srgbClr val="000000"/>
+                      </a:solidFill>
+                      <a:prstDash val="solid"/>
+                      <a:round/>
+                      <a:headEnd type="none" w="med" len="med"/>
+                      <a:tailEnd type="none" w="med" len="med"/>
+                    </a:lnT>
+                    <a:lnB w="6350" cap="flat" cmpd="sng" algn="ctr">
+                      <a:solidFill>
+                        <a:srgbClr val="000000"/>
+                      </a:solidFill>
+                      <a:prstDash val="solid"/>
+                      <a:round/>
+                      <a:headEnd type="none" w="med" len="med"/>
+                      <a:tailEnd type="none" w="med" len="med"/>
+                    </a:lnB>
+                    <a:solidFill>
+                      <a:srgbClr val="D9E1F2"/>
+                    </a:solidFill>
+                  </a:tcPr>
+                </a:tc>
+                <a:tc>
+                  <a:txBody>
+                    <a:bodyPr/>
+                    <a:lstStyle/>
+                    <a:p>
+                      <a:pPr algn="ctr" fontAlgn="ctr"/>
+                      <a:r>
+                        <a:rPr lang="en-US" sz="1400" b="0" i="0" u="none" strike="noStrike">
+                          <a:solidFill>
+                            <a:srgbClr val="000000"/>
+                          </a:solidFill>
+                          <a:effectLst/>
+                          <a:latin typeface="Calibri" panose="020F0502020204030204" pitchFamily="34" charset="0"/>
+                        </a:rPr>
+                        <a:t>***</a:t>
+                      </a:r>
+                    </a:p>
+                  </a:txBody>
+                  <a:tcPr marL="9525" marR="9525" marT="9525" marB="0" anchor="ctr">
+                    <a:lnL w="6350" cap="flat" cmpd="sng" algn="ctr">
+                      <a:solidFill>
+                        <a:srgbClr val="000000"/>
+                      </a:solidFill>
+                      <a:prstDash val="solid"/>
+                      <a:round/>
+                      <a:headEnd type="none" w="med" len="med"/>
+                      <a:tailEnd type="none" w="med" len="med"/>
+                    </a:lnL>
+                    <a:lnR w="6350" cap="flat" cmpd="sng" algn="ctr">
+                      <a:solidFill>
+                        <a:srgbClr val="000000"/>
+                      </a:solidFill>
+                      <a:prstDash val="solid"/>
+                      <a:round/>
+                      <a:headEnd type="none" w="med" len="med"/>
+                      <a:tailEnd type="none" w="med" len="med"/>
+                    </a:lnR>
+                    <a:lnT w="6350" cap="flat" cmpd="sng" algn="ctr">
+                      <a:solidFill>
+                        <a:srgbClr val="000000"/>
+                      </a:solidFill>
+                      <a:prstDash val="solid"/>
+                      <a:round/>
+                      <a:headEnd type="none" w="med" len="med"/>
+                      <a:tailEnd type="none" w="med" len="med"/>
+                    </a:lnT>
+                    <a:lnB w="6350" cap="flat" cmpd="sng" algn="ctr">
+                      <a:solidFill>
+                        <a:srgbClr val="000000"/>
+                      </a:solidFill>
+                      <a:prstDash val="solid"/>
+                      <a:round/>
+                      <a:headEnd type="none" w="med" len="med"/>
+                      <a:tailEnd type="none" w="med" len="med"/>
+                    </a:lnB>
+                    <a:solidFill>
+                      <a:srgbClr val="D9E1F2"/>
+                    </a:solidFill>
+                  </a:tcPr>
+                </a:tc>
+                <a:tc>
+                  <a:txBody>
+                    <a:bodyPr/>
+                    <a:lstStyle/>
+                    <a:p>
+                      <a:pPr algn="ctr" fontAlgn="ctr"/>
+                      <a:r>
+                        <a:rPr lang="en-US" sz="1400" b="0" i="0" u="none" strike="noStrike">
+                          <a:solidFill>
+                            <a:srgbClr val="000000"/>
+                          </a:solidFill>
+                          <a:effectLst/>
+                          <a:latin typeface="Calibri" panose="020F0502020204030204" pitchFamily="34" charset="0"/>
+                        </a:rPr>
+                        <a:t>***</a:t>
+                      </a:r>
+                    </a:p>
+                  </a:txBody>
+                  <a:tcPr marL="9525" marR="9525" marT="9525" marB="0" anchor="ctr">
+                    <a:lnL w="6350" cap="flat" cmpd="sng" algn="ctr">
+                      <a:solidFill>
+                        <a:srgbClr val="000000"/>
+                      </a:solidFill>
+                      <a:prstDash val="solid"/>
+                      <a:round/>
+                      <a:headEnd type="none" w="med" len="med"/>
+                      <a:tailEnd type="none" w="med" len="med"/>
+                    </a:lnL>
+                    <a:lnR w="6350" cap="flat" cmpd="sng" algn="ctr">
+                      <a:solidFill>
+                        <a:srgbClr val="000000"/>
+                      </a:solidFill>
+                      <a:prstDash val="solid"/>
+                      <a:round/>
+                      <a:headEnd type="none" w="med" len="med"/>
+                      <a:tailEnd type="none" w="med" len="med"/>
+                    </a:lnR>
+                    <a:lnT w="6350" cap="flat" cmpd="sng" algn="ctr">
+                      <a:solidFill>
+                        <a:srgbClr val="000000"/>
+                      </a:solidFill>
+                      <a:prstDash val="solid"/>
+                      <a:round/>
+                      <a:headEnd type="none" w="med" len="med"/>
+                      <a:tailEnd type="none" w="med" len="med"/>
+                    </a:lnT>
+                    <a:lnB w="6350" cap="flat" cmpd="sng" algn="ctr">
+                      <a:solidFill>
+                        <a:srgbClr val="000000"/>
+                      </a:solidFill>
+                      <a:prstDash val="solid"/>
+                      <a:round/>
+                      <a:headEnd type="none" w="med" len="med"/>
+                      <a:tailEnd type="none" w="med" len="med"/>
+                    </a:lnB>
+                    <a:solidFill>
+                      <a:srgbClr val="D9E1F2"/>
+                    </a:solidFill>
+                  </a:tcPr>
+                </a:tc>
+                <a:tc>
+                  <a:txBody>
+                    <a:bodyPr/>
+                    <a:lstStyle/>
+                    <a:p>
+                      <a:pPr algn="ctr" fontAlgn="ctr"/>
+                      <a:r>
+                        <a:rPr lang="en-US" sz="1400" b="0" i="0" u="none" strike="noStrike">
+                          <a:solidFill>
+                            <a:srgbClr val="000000"/>
+                          </a:solidFill>
+                          <a:effectLst/>
+                          <a:latin typeface="Calibri" panose="020F0502020204030204" pitchFamily="34" charset="0"/>
+                        </a:rPr>
+                        <a:t>***</a:t>
+                      </a:r>
+                    </a:p>
+                  </a:txBody>
+                  <a:tcPr marL="9525" marR="9525" marT="9525" marB="0" anchor="ctr">
+                    <a:lnL w="6350" cap="flat" cmpd="sng" algn="ctr">
+                      <a:solidFill>
+                        <a:srgbClr val="000000"/>
+                      </a:solidFill>
+                      <a:prstDash val="solid"/>
+                      <a:round/>
+                      <a:headEnd type="none" w="med" len="med"/>
+                      <a:tailEnd type="none" w="med" len="med"/>
+                    </a:lnL>
+                    <a:lnR w="6350" cap="flat" cmpd="sng" algn="ctr">
+                      <a:solidFill>
+                        <a:srgbClr val="000000"/>
+                      </a:solidFill>
+                      <a:prstDash val="solid"/>
+                      <a:round/>
+                      <a:headEnd type="none" w="med" len="med"/>
+                      <a:tailEnd type="none" w="med" len="med"/>
+                    </a:lnR>
+                    <a:lnT w="6350" cap="flat" cmpd="sng" algn="ctr">
+                      <a:solidFill>
+                        <a:srgbClr val="000000"/>
+                      </a:solidFill>
+                      <a:prstDash val="solid"/>
+                      <a:round/>
+                      <a:headEnd type="none" w="med" len="med"/>
+                      <a:tailEnd type="none" w="med" len="med"/>
+                    </a:lnT>
+                    <a:lnB w="6350" cap="flat" cmpd="sng" algn="ctr">
+                      <a:solidFill>
+                        <a:srgbClr val="000000"/>
+                      </a:solidFill>
+                      <a:prstDash val="solid"/>
+                      <a:round/>
+                      <a:headEnd type="none" w="med" len="med"/>
+                      <a:tailEnd type="none" w="med" len="med"/>
+                    </a:lnB>
+                    <a:solidFill>
+                      <a:srgbClr val="D9E1F2"/>
+                    </a:solidFill>
+                  </a:tcPr>
+                </a:tc>
+                <a:tc>
+                  <a:txBody>
+                    <a:bodyPr/>
+                    <a:lstStyle/>
+                    <a:p>
+                      <a:pPr algn="ctr" fontAlgn="ctr"/>
+                      <a:r>
+                        <a:rPr lang="en-US" sz="1400" b="0" i="0" u="none" strike="noStrike">
+                          <a:solidFill>
+                            <a:srgbClr val="000000"/>
+                          </a:solidFill>
+                          <a:effectLst/>
+                          <a:latin typeface="Calibri" panose="020F0502020204030204" pitchFamily="34" charset="0"/>
+                        </a:rPr>
+                        <a:t>***</a:t>
+                      </a:r>
+                    </a:p>
+                  </a:txBody>
+                  <a:tcPr marL="9525" marR="9525" marT="9525" marB="0" anchor="ctr">
+                    <a:lnL w="6350" cap="flat" cmpd="sng" algn="ctr">
+                      <a:solidFill>
+                        <a:srgbClr val="000000"/>
+                      </a:solidFill>
+                      <a:prstDash val="solid"/>
+                      <a:round/>
+                      <a:headEnd type="none" w="med" len="med"/>
+                      <a:tailEnd type="none" w="med" len="med"/>
+                    </a:lnL>
+                    <a:lnR w="12700" cap="flat" cmpd="sng" algn="ctr">
+                      <a:solidFill>
+                        <a:srgbClr val="000000"/>
+                      </a:solidFill>
+                      <a:prstDash val="solid"/>
+                      <a:round/>
+                      <a:headEnd type="none" w="med" len="med"/>
+                      <a:tailEnd type="none" w="med" len="med"/>
+                    </a:lnR>
+                    <a:lnT w="6350" cap="flat" cmpd="sng" algn="ctr">
+                      <a:solidFill>
+                        <a:srgbClr val="000000"/>
+                      </a:solidFill>
+                      <a:prstDash val="solid"/>
+                      <a:round/>
+                      <a:headEnd type="none" w="med" len="med"/>
+                      <a:tailEnd type="none" w="med" len="med"/>
+                    </a:lnT>
+                    <a:lnB w="6350" cap="flat" cmpd="sng" algn="ctr">
+                      <a:solidFill>
+                        <a:srgbClr val="000000"/>
+                      </a:solidFill>
+                      <a:prstDash val="solid"/>
+                      <a:round/>
+                      <a:headEnd type="none" w="med" len="med"/>
+                      <a:tailEnd type="none" w="med" len="med"/>
+                    </a:lnB>
+                    <a:solidFill>
+                      <a:srgbClr val="D9E1F2"/>
+                    </a:solidFill>
+                  </a:tcPr>
+                </a:tc>
+                <a:extLst>
+                  <a:ext uri="{0D108BD9-81ED-4DB2-BD59-A6C34878D82A}">
+                    <a16:rowId xmlns:a16="http://schemas.microsoft.com/office/drawing/2014/main" val="712560171"/>
+                  </a:ext>
+                </a:extLst>
+              </a:tr>
+              <a:tr h="283168">
+                <a:tc>
+                  <a:txBody>
+                    <a:bodyPr/>
+                    <a:lstStyle/>
+                    <a:p>
+                      <a:pPr algn="ctr" fontAlgn="ctr"/>
+                      <a:r>
+                        <a:rPr lang="en-US" sz="1400" b="0" i="0" u="none" strike="noStrike">
+                          <a:solidFill>
+                            <a:srgbClr val="000000"/>
+                          </a:solidFill>
+                          <a:effectLst/>
+                          <a:latin typeface="Calibri" panose="020F0502020204030204" pitchFamily="34" charset="0"/>
+                        </a:rPr>
+                        <a:t>2</a:t>
+                      </a:r>
+                    </a:p>
+                  </a:txBody>
+                  <a:tcPr marL="9525" marR="9525" marT="9525" marB="0" anchor="ctr">
+                    <a:lnL w="12700" cap="flat" cmpd="sng" algn="ctr">
+                      <a:solidFill>
+                        <a:srgbClr val="000000"/>
+                      </a:solidFill>
+                      <a:prstDash val="solid"/>
+                      <a:round/>
+                      <a:headEnd type="none" w="med" len="med"/>
+                      <a:tailEnd type="none" w="med" len="med"/>
+                    </a:lnL>
+                    <a:lnR w="6350" cap="flat" cmpd="sng" algn="ctr">
+                      <a:solidFill>
+                        <a:srgbClr val="000000"/>
+                      </a:solidFill>
+                      <a:prstDash val="solid"/>
+                      <a:round/>
+                      <a:headEnd type="none" w="med" len="med"/>
+                      <a:tailEnd type="none" w="med" len="med"/>
+                    </a:lnR>
+                    <a:lnT w="6350" cap="flat" cmpd="sng" algn="ctr">
+                      <a:solidFill>
+                        <a:srgbClr val="000000"/>
+                      </a:solidFill>
+                      <a:prstDash val="solid"/>
+                      <a:round/>
+                      <a:headEnd type="none" w="med" len="med"/>
+                      <a:tailEnd type="none" w="med" len="med"/>
+                    </a:lnT>
+                    <a:lnB w="6350" cap="flat" cmpd="sng" algn="ctr">
+                      <a:solidFill>
+                        <a:srgbClr val="000000"/>
+                      </a:solidFill>
+                      <a:prstDash val="solid"/>
+                      <a:round/>
+                      <a:headEnd type="none" w="med" len="med"/>
+                      <a:tailEnd type="none" w="med" len="med"/>
+                    </a:lnB>
+                  </a:tcPr>
+                </a:tc>
+                <a:tc>
+                  <a:txBody>
+                    <a:bodyPr/>
+                    <a:lstStyle/>
+                    <a:p>
+                      <a:pPr algn="ctr" fontAlgn="ctr"/>
+                      <a:r>
+                        <a:rPr lang="en-US" sz="1400" b="0" i="0" u="none" strike="noStrike">
+                          <a:solidFill>
+                            <a:srgbClr val="000000"/>
+                          </a:solidFill>
+                          <a:effectLst/>
+                          <a:latin typeface="Calibri" panose="020F0502020204030204" pitchFamily="34" charset="0"/>
+                        </a:rPr>
+                        <a:t>Pitch joints</a:t>
+                      </a:r>
+                    </a:p>
+                  </a:txBody>
+                  <a:tcPr marL="9525" marR="9525" marT="9525" marB="0" anchor="ctr">
+                    <a:lnL w="6350" cap="flat" cmpd="sng" algn="ctr">
+                      <a:solidFill>
+                        <a:srgbClr val="000000"/>
+                      </a:solidFill>
+                      <a:prstDash val="solid"/>
+                      <a:round/>
+                      <a:headEnd type="none" w="med" len="med"/>
+                      <a:tailEnd type="none" w="med" len="med"/>
+                    </a:lnL>
+                    <a:lnR w="6350" cap="flat" cmpd="sng" algn="ctr">
+                      <a:solidFill>
+                        <a:srgbClr val="000000"/>
+                      </a:solidFill>
+                      <a:prstDash val="solid"/>
+                      <a:round/>
+                      <a:headEnd type="none" w="med" len="med"/>
+                      <a:tailEnd type="none" w="med" len="med"/>
+                    </a:lnR>
+                    <a:lnT w="6350" cap="flat" cmpd="sng" algn="ctr">
+                      <a:solidFill>
+                        <a:srgbClr val="000000"/>
+                      </a:solidFill>
+                      <a:prstDash val="solid"/>
+                      <a:round/>
+                      <a:headEnd type="none" w="med" len="med"/>
+                      <a:tailEnd type="none" w="med" len="med"/>
+                    </a:lnT>
+                    <a:lnB w="6350" cap="flat" cmpd="sng" algn="ctr">
+                      <a:solidFill>
+                        <a:srgbClr val="000000"/>
+                      </a:solidFill>
+                      <a:prstDash val="solid"/>
+                      <a:round/>
+                      <a:headEnd type="none" w="med" len="med"/>
+                      <a:tailEnd type="none" w="med" len="med"/>
+                    </a:lnB>
+                  </a:tcPr>
+                </a:tc>
+                <a:tc>
+                  <a:txBody>
+                    <a:bodyPr/>
+                    <a:lstStyle/>
+                    <a:p>
+                      <a:pPr algn="ctr" fontAlgn="ctr"/>
+                      <a:r>
+                        <a:rPr lang="en-US" sz="1400" b="0" i="0" u="none" strike="noStrike">
+                          <a:solidFill>
+                            <a:srgbClr val="000000"/>
+                          </a:solidFill>
+                          <a:effectLst/>
+                          <a:latin typeface="Calibri" panose="020F0502020204030204" pitchFamily="34" charset="0"/>
+                        </a:rPr>
+                        <a:t>6</a:t>
+                      </a:r>
+                    </a:p>
+                  </a:txBody>
+                  <a:tcPr marL="9525" marR="9525" marT="9525" marB="0" anchor="ctr">
+                    <a:lnL w="6350" cap="flat" cmpd="sng" algn="ctr">
+                      <a:solidFill>
+                        <a:srgbClr val="000000"/>
+                      </a:solidFill>
+                      <a:prstDash val="solid"/>
+                      <a:round/>
+                      <a:headEnd type="none" w="med" len="med"/>
+                      <a:tailEnd type="none" w="med" len="med"/>
+                    </a:lnL>
+                    <a:lnR w="6350" cap="flat" cmpd="sng" algn="ctr">
+                      <a:solidFill>
+                        <a:srgbClr val="000000"/>
+                      </a:solidFill>
+                      <a:prstDash val="solid"/>
+                      <a:round/>
+                      <a:headEnd type="none" w="med" len="med"/>
+                      <a:tailEnd type="none" w="med" len="med"/>
+                    </a:lnR>
+                    <a:lnT w="6350" cap="flat" cmpd="sng" algn="ctr">
+                      <a:solidFill>
+                        <a:srgbClr val="000000"/>
+                      </a:solidFill>
+                      <a:prstDash val="solid"/>
+                      <a:round/>
+                      <a:headEnd type="none" w="med" len="med"/>
+                      <a:tailEnd type="none" w="med" len="med"/>
+                    </a:lnT>
+                    <a:lnB w="6350" cap="flat" cmpd="sng" algn="ctr">
+                      <a:solidFill>
+                        <a:srgbClr val="000000"/>
+                      </a:solidFill>
+                      <a:prstDash val="solid"/>
+                      <a:round/>
+                      <a:headEnd type="none" w="med" len="med"/>
+                      <a:tailEnd type="none" w="med" len="med"/>
+                    </a:lnB>
+                  </a:tcPr>
+                </a:tc>
+                <a:tc>
+                  <a:txBody>
+                    <a:bodyPr/>
+                    <a:lstStyle/>
+                    <a:p>
+                      <a:pPr algn="ctr" fontAlgn="ctr"/>
+                      <a:r>
+                        <a:rPr lang="en-US" sz="1400" b="0" i="0" u="none" strike="noStrike">
+                          <a:solidFill>
+                            <a:srgbClr val="000000"/>
+                          </a:solidFill>
+                          <a:effectLst/>
+                          <a:latin typeface="Calibri" panose="020F0502020204030204" pitchFamily="34" charset="0"/>
+                        </a:rPr>
+                        <a:t>0</a:t>
+                      </a:r>
+                    </a:p>
+                  </a:txBody>
+                  <a:tcPr marL="9525" marR="9525" marT="9525" marB="0" anchor="ctr">
+                    <a:lnL w="6350" cap="flat" cmpd="sng" algn="ctr">
+                      <a:solidFill>
+                        <a:srgbClr val="000000"/>
+                      </a:solidFill>
+                      <a:prstDash val="solid"/>
+                      <a:round/>
+                      <a:headEnd type="none" w="med" len="med"/>
+                      <a:tailEnd type="none" w="med" len="med"/>
+                    </a:lnL>
+                    <a:lnR w="6350" cap="flat" cmpd="sng" algn="ctr">
+                      <a:solidFill>
+                        <a:srgbClr val="000000"/>
+                      </a:solidFill>
+                      <a:prstDash val="solid"/>
+                      <a:round/>
+                      <a:headEnd type="none" w="med" len="med"/>
+                      <a:tailEnd type="none" w="med" len="med"/>
+                    </a:lnR>
+                    <a:lnT w="6350" cap="flat" cmpd="sng" algn="ctr">
+                      <a:solidFill>
+                        <a:srgbClr val="000000"/>
+                      </a:solidFill>
+                      <a:prstDash val="solid"/>
+                      <a:round/>
+                      <a:headEnd type="none" w="med" len="med"/>
+                      <a:tailEnd type="none" w="med" len="med"/>
+                    </a:lnT>
+                    <a:lnB w="6350" cap="flat" cmpd="sng" algn="ctr">
+                      <a:solidFill>
+                        <a:srgbClr val="000000"/>
+                      </a:solidFill>
+                      <a:prstDash val="solid"/>
+                      <a:round/>
+                      <a:headEnd type="none" w="med" len="med"/>
+                      <a:tailEnd type="none" w="med" len="med"/>
+                    </a:lnB>
+                  </a:tcPr>
+                </a:tc>
+                <a:tc>
+                  <a:txBody>
+                    <a:bodyPr/>
+                    <a:lstStyle/>
+                    <a:p>
+                      <a:pPr algn="ctr" fontAlgn="ctr"/>
+                      <a:r>
+                        <a:rPr lang="en-US" sz="1400" b="0" i="0" u="none" strike="noStrike">
+                          <a:solidFill>
+                            <a:srgbClr val="000000"/>
+                          </a:solidFill>
+                          <a:effectLst/>
+                          <a:latin typeface="Calibri" panose="020F0502020204030204" pitchFamily="34" charset="0"/>
+                        </a:rPr>
+                        <a:t>1</a:t>
+                      </a:r>
+                    </a:p>
+                  </a:txBody>
+                  <a:tcPr marL="9525" marR="9525" marT="9525" marB="0" anchor="ctr">
+                    <a:lnL w="6350" cap="flat" cmpd="sng" algn="ctr">
+                      <a:solidFill>
+                        <a:srgbClr val="000000"/>
+                      </a:solidFill>
+                      <a:prstDash val="solid"/>
+                      <a:round/>
+                      <a:headEnd type="none" w="med" len="med"/>
+                      <a:tailEnd type="none" w="med" len="med"/>
+                    </a:lnL>
+                    <a:lnR w="6350" cap="flat" cmpd="sng" algn="ctr">
+                      <a:solidFill>
+                        <a:srgbClr val="000000"/>
+                      </a:solidFill>
+                      <a:prstDash val="solid"/>
+                      <a:round/>
+                      <a:headEnd type="none" w="med" len="med"/>
+                      <a:tailEnd type="none" w="med" len="med"/>
+                    </a:lnR>
+                    <a:lnT w="6350" cap="flat" cmpd="sng" algn="ctr">
+                      <a:solidFill>
+                        <a:srgbClr val="000000"/>
+                      </a:solidFill>
+                      <a:prstDash val="solid"/>
+                      <a:round/>
+                      <a:headEnd type="none" w="med" len="med"/>
+                      <a:tailEnd type="none" w="med" len="med"/>
+                    </a:lnT>
+                    <a:lnB w="6350" cap="flat" cmpd="sng" algn="ctr">
+                      <a:solidFill>
+                        <a:srgbClr val="000000"/>
+                      </a:solidFill>
+                      <a:prstDash val="solid"/>
+                      <a:round/>
+                      <a:headEnd type="none" w="med" len="med"/>
+                      <a:tailEnd type="none" w="med" len="med"/>
+                    </a:lnB>
+                  </a:tcPr>
+                </a:tc>
+                <a:tc>
+                  <a:txBody>
+                    <a:bodyPr/>
+                    <a:lstStyle/>
+                    <a:p>
+                      <a:pPr algn="ctr" fontAlgn="ctr"/>
+                      <a:r>
+                        <a:rPr lang="en-US" sz="1400" b="0" i="0" u="none" strike="noStrike">
+                          <a:solidFill>
+                            <a:srgbClr val="000000"/>
+                          </a:solidFill>
+                          <a:effectLst/>
+                          <a:latin typeface="Calibri" panose="020F0502020204030204" pitchFamily="34" charset="0"/>
+                        </a:rPr>
+                        <a:t>2</a:t>
+                      </a:r>
+                    </a:p>
+                  </a:txBody>
+                  <a:tcPr marL="9525" marR="9525" marT="9525" marB="0" anchor="ctr">
+                    <a:lnL w="6350" cap="flat" cmpd="sng" algn="ctr">
+                      <a:solidFill>
+                        <a:srgbClr val="000000"/>
+                      </a:solidFill>
+                      <a:prstDash val="solid"/>
+                      <a:round/>
+                      <a:headEnd type="none" w="med" len="med"/>
+                      <a:tailEnd type="none" w="med" len="med"/>
+                    </a:lnL>
+                    <a:lnR w="6350" cap="flat" cmpd="sng" algn="ctr">
+                      <a:solidFill>
+                        <a:srgbClr val="000000"/>
+                      </a:solidFill>
+                      <a:prstDash val="solid"/>
+                      <a:round/>
+                      <a:headEnd type="none" w="med" len="med"/>
+                      <a:tailEnd type="none" w="med" len="med"/>
+                    </a:lnR>
+                    <a:lnT w="6350" cap="flat" cmpd="sng" algn="ctr">
+                      <a:solidFill>
+                        <a:srgbClr val="000000"/>
+                      </a:solidFill>
+                      <a:prstDash val="solid"/>
+                      <a:round/>
+                      <a:headEnd type="none" w="med" len="med"/>
+                      <a:tailEnd type="none" w="med" len="med"/>
+                    </a:lnT>
+                    <a:lnB w="6350" cap="flat" cmpd="sng" algn="ctr">
+                      <a:solidFill>
+                        <a:srgbClr val="000000"/>
+                      </a:solidFill>
+                      <a:prstDash val="solid"/>
+                      <a:round/>
+                      <a:headEnd type="none" w="med" len="med"/>
+                      <a:tailEnd type="none" w="med" len="med"/>
+                    </a:lnB>
+                  </a:tcPr>
+                </a:tc>
+                <a:tc>
+                  <a:txBody>
+                    <a:bodyPr/>
+                    <a:lstStyle/>
+                    <a:p>
+                      <a:pPr algn="ctr" fontAlgn="ctr"/>
+                      <a:r>
+                        <a:rPr lang="en-US" sz="1400" b="0" i="0" u="none" strike="noStrike">
+                          <a:solidFill>
+                            <a:srgbClr val="000000"/>
+                          </a:solidFill>
+                          <a:effectLst/>
+                          <a:latin typeface="Calibri" panose="020F0502020204030204" pitchFamily="34" charset="0"/>
+                        </a:rPr>
+                        <a:t>3</a:t>
+                      </a:r>
+                    </a:p>
+                  </a:txBody>
+                  <a:tcPr marL="9525" marR="9525" marT="9525" marB="0" anchor="ctr">
+                    <a:lnL w="6350" cap="flat" cmpd="sng" algn="ctr">
+                      <a:solidFill>
+                        <a:srgbClr val="000000"/>
+                      </a:solidFill>
+                      <a:prstDash val="solid"/>
+                      <a:round/>
+                      <a:headEnd type="none" w="med" len="med"/>
+                      <a:tailEnd type="none" w="med" len="med"/>
+                    </a:lnL>
+                    <a:lnR w="6350" cap="flat" cmpd="sng" algn="ctr">
+                      <a:solidFill>
+                        <a:srgbClr val="000000"/>
+                      </a:solidFill>
+                      <a:prstDash val="solid"/>
+                      <a:round/>
+                      <a:headEnd type="none" w="med" len="med"/>
+                      <a:tailEnd type="none" w="med" len="med"/>
+                    </a:lnR>
+                    <a:lnT w="6350" cap="flat" cmpd="sng" algn="ctr">
+                      <a:solidFill>
+                        <a:srgbClr val="000000"/>
+                      </a:solidFill>
+                      <a:prstDash val="solid"/>
+                      <a:round/>
+                      <a:headEnd type="none" w="med" len="med"/>
+                      <a:tailEnd type="none" w="med" len="med"/>
+                    </a:lnT>
+                    <a:lnB w="6350" cap="flat" cmpd="sng" algn="ctr">
+                      <a:solidFill>
+                        <a:srgbClr val="000000"/>
+                      </a:solidFill>
+                      <a:prstDash val="solid"/>
+                      <a:round/>
+                      <a:headEnd type="none" w="med" len="med"/>
+                      <a:tailEnd type="none" w="med" len="med"/>
+                    </a:lnB>
+                  </a:tcPr>
+                </a:tc>
+                <a:tc>
+                  <a:txBody>
+                    <a:bodyPr/>
+                    <a:lstStyle/>
+                    <a:p>
+                      <a:pPr algn="ctr" fontAlgn="ctr"/>
+                      <a:r>
+                        <a:rPr lang="en-US" sz="1400" b="0" i="0" u="none" strike="noStrike">
+                          <a:solidFill>
+                            <a:srgbClr val="000000"/>
+                          </a:solidFill>
+                          <a:effectLst/>
+                          <a:latin typeface="Calibri" panose="020F0502020204030204" pitchFamily="34" charset="0"/>
+                        </a:rPr>
+                        <a:t>4</a:t>
+                      </a:r>
+                    </a:p>
+                  </a:txBody>
+                  <a:tcPr marL="9525" marR="9525" marT="9525" marB="0" anchor="ctr">
+                    <a:lnL w="6350" cap="flat" cmpd="sng" algn="ctr">
+                      <a:solidFill>
+                        <a:srgbClr val="000000"/>
+                      </a:solidFill>
+                      <a:prstDash val="solid"/>
+                      <a:round/>
+                      <a:headEnd type="none" w="med" len="med"/>
+                      <a:tailEnd type="none" w="med" len="med"/>
+                    </a:lnL>
+                    <a:lnR w="6350" cap="flat" cmpd="sng" algn="ctr">
+                      <a:solidFill>
+                        <a:srgbClr val="000000"/>
+                      </a:solidFill>
+                      <a:prstDash val="solid"/>
+                      <a:round/>
+                      <a:headEnd type="none" w="med" len="med"/>
+                      <a:tailEnd type="none" w="med" len="med"/>
+                    </a:lnR>
+                    <a:lnT w="6350" cap="flat" cmpd="sng" algn="ctr">
+                      <a:solidFill>
+                        <a:srgbClr val="000000"/>
+                      </a:solidFill>
+                      <a:prstDash val="solid"/>
+                      <a:round/>
+                      <a:headEnd type="none" w="med" len="med"/>
+                      <a:tailEnd type="none" w="med" len="med"/>
+                    </a:lnT>
+                    <a:lnB w="6350" cap="flat" cmpd="sng" algn="ctr">
+                      <a:solidFill>
+                        <a:srgbClr val="000000"/>
+                      </a:solidFill>
+                      <a:prstDash val="solid"/>
+                      <a:round/>
+                      <a:headEnd type="none" w="med" len="med"/>
+                      <a:tailEnd type="none" w="med" len="med"/>
+                    </a:lnB>
+                  </a:tcPr>
+                </a:tc>
+                <a:tc>
+                  <a:txBody>
+                    <a:bodyPr/>
+                    <a:lstStyle/>
+                    <a:p>
+                      <a:pPr algn="ctr" fontAlgn="ctr"/>
+                      <a:r>
+                        <a:rPr lang="en-US" sz="1400" b="0" i="0" u="none" strike="noStrike">
+                          <a:solidFill>
+                            <a:srgbClr val="000000"/>
+                          </a:solidFill>
+                          <a:effectLst/>
+                          <a:latin typeface="Calibri" panose="020F0502020204030204" pitchFamily="34" charset="0"/>
+                        </a:rPr>
+                        <a:t>5</a:t>
+                      </a:r>
+                    </a:p>
+                  </a:txBody>
+                  <a:tcPr marL="9525" marR="9525" marT="9525" marB="0" anchor="ctr">
+                    <a:lnL w="6350" cap="flat" cmpd="sng" algn="ctr">
+                      <a:solidFill>
+                        <a:srgbClr val="000000"/>
+                      </a:solidFill>
+                      <a:prstDash val="solid"/>
+                      <a:round/>
+                      <a:headEnd type="none" w="med" len="med"/>
+                      <a:tailEnd type="none" w="med" len="med"/>
+                    </a:lnL>
+                    <a:lnR w="6350" cap="flat" cmpd="sng" algn="ctr">
+                      <a:solidFill>
+                        <a:srgbClr val="000000"/>
+                      </a:solidFill>
+                      <a:prstDash val="solid"/>
+                      <a:round/>
+                      <a:headEnd type="none" w="med" len="med"/>
+                      <a:tailEnd type="none" w="med" len="med"/>
+                    </a:lnR>
+                    <a:lnT w="6350" cap="flat" cmpd="sng" algn="ctr">
+                      <a:solidFill>
+                        <a:srgbClr val="000000"/>
+                      </a:solidFill>
+                      <a:prstDash val="solid"/>
+                      <a:round/>
+                      <a:headEnd type="none" w="med" len="med"/>
+                      <a:tailEnd type="none" w="med" len="med"/>
+                    </a:lnT>
+                    <a:lnB w="6350" cap="flat" cmpd="sng" algn="ctr">
+                      <a:solidFill>
+                        <a:srgbClr val="000000"/>
+                      </a:solidFill>
+                      <a:prstDash val="solid"/>
+                      <a:round/>
+                      <a:headEnd type="none" w="med" len="med"/>
+                      <a:tailEnd type="none" w="med" len="med"/>
+                    </a:lnB>
+                  </a:tcPr>
+                </a:tc>
+                <a:tc>
+                  <a:txBody>
+                    <a:bodyPr/>
+                    <a:lstStyle/>
+                    <a:p>
+                      <a:pPr algn="ctr" fontAlgn="ctr"/>
+                      <a:r>
+                        <a:rPr lang="en-US" sz="1400" b="0" i="0" u="none" strike="noStrike">
+                          <a:solidFill>
+                            <a:srgbClr val="000000"/>
+                          </a:solidFill>
+                          <a:effectLst/>
+                          <a:latin typeface="Calibri" panose="020F0502020204030204" pitchFamily="34" charset="0"/>
+                        </a:rPr>
+                        <a:t>***</a:t>
+                      </a:r>
+                    </a:p>
+                  </a:txBody>
+                  <a:tcPr marL="9525" marR="9525" marT="9525" marB="0" anchor="ctr">
+                    <a:lnL w="6350" cap="flat" cmpd="sng" algn="ctr">
+                      <a:solidFill>
+                        <a:srgbClr val="000000"/>
+                      </a:solidFill>
+                      <a:prstDash val="solid"/>
+                      <a:round/>
+                      <a:headEnd type="none" w="med" len="med"/>
+                      <a:tailEnd type="none" w="med" len="med"/>
+                    </a:lnL>
+                    <a:lnR w="6350" cap="flat" cmpd="sng" algn="ctr">
+                      <a:solidFill>
+                        <a:srgbClr val="000000"/>
+                      </a:solidFill>
+                      <a:prstDash val="solid"/>
+                      <a:round/>
+                      <a:headEnd type="none" w="med" len="med"/>
+                      <a:tailEnd type="none" w="med" len="med"/>
+                    </a:lnR>
+                    <a:lnT w="6350" cap="flat" cmpd="sng" algn="ctr">
+                      <a:solidFill>
+                        <a:srgbClr val="000000"/>
+                      </a:solidFill>
+                      <a:prstDash val="solid"/>
+                      <a:round/>
+                      <a:headEnd type="none" w="med" len="med"/>
+                      <a:tailEnd type="none" w="med" len="med"/>
+                    </a:lnT>
+                    <a:lnB w="6350" cap="flat" cmpd="sng" algn="ctr">
+                      <a:solidFill>
+                        <a:srgbClr val="000000"/>
+                      </a:solidFill>
+                      <a:prstDash val="solid"/>
+                      <a:round/>
+                      <a:headEnd type="none" w="med" len="med"/>
+                      <a:tailEnd type="none" w="med" len="med"/>
+                    </a:lnB>
+                  </a:tcPr>
+                </a:tc>
+                <a:tc>
+                  <a:txBody>
+                    <a:bodyPr/>
+                    <a:lstStyle/>
+                    <a:p>
+                      <a:pPr algn="ctr" fontAlgn="ctr"/>
+                      <a:r>
+                        <a:rPr lang="en-US" sz="1400" b="0" i="0" u="none" strike="noStrike">
+                          <a:solidFill>
+                            <a:srgbClr val="000000"/>
+                          </a:solidFill>
+                          <a:effectLst/>
+                          <a:latin typeface="Calibri" panose="020F0502020204030204" pitchFamily="34" charset="0"/>
+                        </a:rPr>
+                        <a:t>***</a:t>
+                      </a:r>
+                    </a:p>
+                  </a:txBody>
+                  <a:tcPr marL="9525" marR="9525" marT="9525" marB="0" anchor="ctr">
+                    <a:lnL w="6350" cap="flat" cmpd="sng" algn="ctr">
+                      <a:solidFill>
+                        <a:srgbClr val="000000"/>
+                      </a:solidFill>
+                      <a:prstDash val="solid"/>
+                      <a:round/>
+                      <a:headEnd type="none" w="med" len="med"/>
+                      <a:tailEnd type="none" w="med" len="med"/>
+                    </a:lnL>
+                    <a:lnR w="12700" cap="flat" cmpd="sng" algn="ctr">
+                      <a:solidFill>
+                        <a:srgbClr val="000000"/>
+                      </a:solidFill>
+                      <a:prstDash val="solid"/>
+                      <a:round/>
+                      <a:headEnd type="none" w="med" len="med"/>
+                      <a:tailEnd type="none" w="med" len="med"/>
+                    </a:lnR>
+                    <a:lnT w="6350" cap="flat" cmpd="sng" algn="ctr">
+                      <a:solidFill>
+                        <a:srgbClr val="000000"/>
+                      </a:solidFill>
+                      <a:prstDash val="solid"/>
+                      <a:round/>
+                      <a:headEnd type="none" w="med" len="med"/>
+                      <a:tailEnd type="none" w="med" len="med"/>
+                    </a:lnT>
+                    <a:lnB w="6350" cap="flat" cmpd="sng" algn="ctr">
+                      <a:solidFill>
+                        <a:srgbClr val="000000"/>
+                      </a:solidFill>
+                      <a:prstDash val="solid"/>
+                      <a:round/>
+                      <a:headEnd type="none" w="med" len="med"/>
+                      <a:tailEnd type="none" w="med" len="med"/>
+                    </a:lnB>
+                  </a:tcPr>
+                </a:tc>
+                <a:extLst>
+                  <a:ext uri="{0D108BD9-81ED-4DB2-BD59-A6C34878D82A}">
+                    <a16:rowId xmlns:a16="http://schemas.microsoft.com/office/drawing/2014/main" val="1473744362"/>
+                  </a:ext>
+                </a:extLst>
+              </a:tr>
+              <a:tr h="566336">
+                <a:tc>
+                  <a:txBody>
+                    <a:bodyPr/>
+                    <a:lstStyle/>
+                    <a:p>
+                      <a:pPr algn="ctr" fontAlgn="ctr"/>
+                      <a:r>
+                        <a:rPr lang="en-US" sz="1400" b="0" i="0" u="none" strike="noStrike">
+                          <a:solidFill>
+                            <a:srgbClr val="000000"/>
+                          </a:solidFill>
+                          <a:effectLst/>
+                          <a:latin typeface="Calibri" panose="020F0502020204030204" pitchFamily="34" charset="0"/>
+                        </a:rPr>
+                        <a:t>3</a:t>
+                      </a:r>
+                    </a:p>
+                  </a:txBody>
+                  <a:tcPr marL="9525" marR="9525" marT="9525" marB="0" anchor="ctr">
+                    <a:lnL w="12700" cap="flat" cmpd="sng" algn="ctr">
+                      <a:solidFill>
+                        <a:srgbClr val="000000"/>
+                      </a:solidFill>
+                      <a:prstDash val="solid"/>
+                      <a:round/>
+                      <a:headEnd type="none" w="med" len="med"/>
+                      <a:tailEnd type="none" w="med" len="med"/>
+                    </a:lnL>
+                    <a:lnR w="6350" cap="flat" cmpd="sng" algn="ctr">
+                      <a:solidFill>
+                        <a:srgbClr val="000000"/>
+                      </a:solidFill>
+                      <a:prstDash val="solid"/>
+                      <a:round/>
+                      <a:headEnd type="none" w="med" len="med"/>
+                      <a:tailEnd type="none" w="med" len="med"/>
+                    </a:lnR>
+                    <a:lnT w="6350" cap="flat" cmpd="sng" algn="ctr">
+                      <a:solidFill>
+                        <a:srgbClr val="000000"/>
+                      </a:solidFill>
+                      <a:prstDash val="solid"/>
+                      <a:round/>
+                      <a:headEnd type="none" w="med" len="med"/>
+                      <a:tailEnd type="none" w="med" len="med"/>
+                    </a:lnT>
+                    <a:lnB w="6350" cap="flat" cmpd="sng" algn="ctr">
+                      <a:solidFill>
+                        <a:srgbClr val="000000"/>
+                      </a:solidFill>
+                      <a:prstDash val="solid"/>
+                      <a:round/>
+                      <a:headEnd type="none" w="med" len="med"/>
+                      <a:tailEnd type="none" w="med" len="med"/>
+                    </a:lnB>
+                  </a:tcPr>
+                </a:tc>
+                <a:tc>
+                  <a:txBody>
+                    <a:bodyPr/>
+                    <a:lstStyle/>
+                    <a:p>
+                      <a:pPr algn="ctr" fontAlgn="ctr"/>
+                      <a:r>
+                        <a:rPr lang="en-US" sz="1400" b="0" i="0" u="none" strike="noStrike">
+                          <a:solidFill>
+                            <a:srgbClr val="000000"/>
+                          </a:solidFill>
+                          <a:effectLst/>
+                          <a:latin typeface="Calibri" panose="020F0502020204030204" pitchFamily="34" charset="0"/>
+                        </a:rPr>
+                        <a:t>Long links (0.7 m)</a:t>
+                      </a:r>
+                    </a:p>
+                  </a:txBody>
+                  <a:tcPr marL="9525" marR="9525" marT="9525" marB="0" anchor="ctr">
+                    <a:lnL w="6350" cap="flat" cmpd="sng" algn="ctr">
+                      <a:solidFill>
+                        <a:srgbClr val="000000"/>
+                      </a:solidFill>
+                      <a:prstDash val="solid"/>
+                      <a:round/>
+                      <a:headEnd type="none" w="med" len="med"/>
+                      <a:tailEnd type="none" w="med" len="med"/>
+                    </a:lnL>
+                    <a:lnR w="6350" cap="flat" cmpd="sng" algn="ctr">
+                      <a:solidFill>
+                        <a:srgbClr val="000000"/>
+                      </a:solidFill>
+                      <a:prstDash val="solid"/>
+                      <a:round/>
+                      <a:headEnd type="none" w="med" len="med"/>
+                      <a:tailEnd type="none" w="med" len="med"/>
+                    </a:lnR>
+                    <a:lnT w="6350" cap="flat" cmpd="sng" algn="ctr">
+                      <a:solidFill>
+                        <a:srgbClr val="000000"/>
+                      </a:solidFill>
+                      <a:prstDash val="solid"/>
+                      <a:round/>
+                      <a:headEnd type="none" w="med" len="med"/>
+                      <a:tailEnd type="none" w="med" len="med"/>
+                    </a:lnT>
+                    <a:lnB w="6350" cap="flat" cmpd="sng" algn="ctr">
+                      <a:solidFill>
+                        <a:srgbClr val="000000"/>
+                      </a:solidFill>
+                      <a:prstDash val="solid"/>
+                      <a:round/>
+                      <a:headEnd type="none" w="med" len="med"/>
+                      <a:tailEnd type="none" w="med" len="med"/>
+                    </a:lnB>
+                    <a:solidFill>
+                      <a:srgbClr val="D9E1F2"/>
+                    </a:solidFill>
+                  </a:tcPr>
+                </a:tc>
+                <a:tc>
+                  <a:txBody>
+                    <a:bodyPr/>
+                    <a:lstStyle/>
+                    <a:p>
+                      <a:pPr algn="ctr" fontAlgn="ctr"/>
+                      <a:r>
+                        <a:rPr lang="en-US" sz="1400" b="0" i="0" u="none" strike="noStrike">
+                          <a:solidFill>
+                            <a:srgbClr val="000000"/>
+                          </a:solidFill>
+                          <a:effectLst/>
+                          <a:latin typeface="Calibri" panose="020F0502020204030204" pitchFamily="34" charset="0"/>
+                        </a:rPr>
+                        <a:t>6</a:t>
+                      </a:r>
+                    </a:p>
+                  </a:txBody>
+                  <a:tcPr marL="9525" marR="9525" marT="9525" marB="0" anchor="ctr">
+                    <a:lnL w="6350" cap="flat" cmpd="sng" algn="ctr">
+                      <a:solidFill>
+                        <a:srgbClr val="000000"/>
+                      </a:solidFill>
+                      <a:prstDash val="solid"/>
+                      <a:round/>
+                      <a:headEnd type="none" w="med" len="med"/>
+                      <a:tailEnd type="none" w="med" len="med"/>
+                    </a:lnL>
+                    <a:lnR w="6350" cap="flat" cmpd="sng" algn="ctr">
+                      <a:solidFill>
+                        <a:srgbClr val="000000"/>
+                      </a:solidFill>
+                      <a:prstDash val="solid"/>
+                      <a:round/>
+                      <a:headEnd type="none" w="med" len="med"/>
+                      <a:tailEnd type="none" w="med" len="med"/>
+                    </a:lnR>
+                    <a:lnT w="6350" cap="flat" cmpd="sng" algn="ctr">
+                      <a:solidFill>
+                        <a:srgbClr val="000000"/>
+                      </a:solidFill>
+                      <a:prstDash val="solid"/>
+                      <a:round/>
+                      <a:headEnd type="none" w="med" len="med"/>
+                      <a:tailEnd type="none" w="med" len="med"/>
+                    </a:lnT>
+                    <a:lnB w="6350" cap="flat" cmpd="sng" algn="ctr">
+                      <a:solidFill>
+                        <a:srgbClr val="000000"/>
+                      </a:solidFill>
+                      <a:prstDash val="solid"/>
+                      <a:round/>
+                      <a:headEnd type="none" w="med" len="med"/>
+                      <a:tailEnd type="none" w="med" len="med"/>
+                    </a:lnB>
+                    <a:solidFill>
+                      <a:srgbClr val="D9E1F2"/>
+                    </a:solidFill>
+                  </a:tcPr>
+                </a:tc>
+                <a:tc>
+                  <a:txBody>
+                    <a:bodyPr/>
+                    <a:lstStyle/>
+                    <a:p>
+                      <a:pPr algn="ctr" fontAlgn="ctr"/>
+                      <a:r>
+                        <a:rPr lang="en-US" sz="1400" b="0" i="0" u="none" strike="noStrike">
+                          <a:solidFill>
+                            <a:srgbClr val="000000"/>
+                          </a:solidFill>
+                          <a:effectLst/>
+                          <a:latin typeface="Calibri" panose="020F0502020204030204" pitchFamily="34" charset="0"/>
+                        </a:rPr>
+                        <a:t>0</a:t>
+                      </a:r>
+                    </a:p>
+                  </a:txBody>
+                  <a:tcPr marL="9525" marR="9525" marT="9525" marB="0" anchor="ctr">
+                    <a:lnL w="6350" cap="flat" cmpd="sng" algn="ctr">
+                      <a:solidFill>
+                        <a:srgbClr val="000000"/>
+                      </a:solidFill>
+                      <a:prstDash val="solid"/>
+                      <a:round/>
+                      <a:headEnd type="none" w="med" len="med"/>
+                      <a:tailEnd type="none" w="med" len="med"/>
+                    </a:lnL>
+                    <a:lnR w="6350" cap="flat" cmpd="sng" algn="ctr">
+                      <a:solidFill>
+                        <a:srgbClr val="000000"/>
+                      </a:solidFill>
+                      <a:prstDash val="solid"/>
+                      <a:round/>
+                      <a:headEnd type="none" w="med" len="med"/>
+                      <a:tailEnd type="none" w="med" len="med"/>
+                    </a:lnR>
+                    <a:lnT w="6350" cap="flat" cmpd="sng" algn="ctr">
+                      <a:solidFill>
+                        <a:srgbClr val="000000"/>
+                      </a:solidFill>
+                      <a:prstDash val="solid"/>
+                      <a:round/>
+                      <a:headEnd type="none" w="med" len="med"/>
+                      <a:tailEnd type="none" w="med" len="med"/>
+                    </a:lnT>
+                    <a:lnB w="6350" cap="flat" cmpd="sng" algn="ctr">
+                      <a:solidFill>
+                        <a:srgbClr val="000000"/>
+                      </a:solidFill>
+                      <a:prstDash val="solid"/>
+                      <a:round/>
+                      <a:headEnd type="none" w="med" len="med"/>
+                      <a:tailEnd type="none" w="med" len="med"/>
+                    </a:lnB>
+                    <a:solidFill>
+                      <a:srgbClr val="D9E1F2"/>
+                    </a:solidFill>
+                  </a:tcPr>
+                </a:tc>
+                <a:tc>
+                  <a:txBody>
+                    <a:bodyPr/>
+                    <a:lstStyle/>
+                    <a:p>
+                      <a:pPr algn="ctr" fontAlgn="ctr"/>
+                      <a:r>
+                        <a:rPr lang="en-US" sz="1400" b="0" i="0" u="none" strike="noStrike">
+                          <a:solidFill>
+                            <a:srgbClr val="000000"/>
+                          </a:solidFill>
+                          <a:effectLst/>
+                          <a:latin typeface="Calibri" panose="020F0502020204030204" pitchFamily="34" charset="0"/>
+                        </a:rPr>
+                        <a:t>1</a:t>
+                      </a:r>
+                    </a:p>
+                  </a:txBody>
+                  <a:tcPr marL="9525" marR="9525" marT="9525" marB="0" anchor="ctr">
+                    <a:lnL w="6350" cap="flat" cmpd="sng" algn="ctr">
+                      <a:solidFill>
+                        <a:srgbClr val="000000"/>
+                      </a:solidFill>
+                      <a:prstDash val="solid"/>
+                      <a:round/>
+                      <a:headEnd type="none" w="med" len="med"/>
+                      <a:tailEnd type="none" w="med" len="med"/>
+                    </a:lnL>
+                    <a:lnR w="6350" cap="flat" cmpd="sng" algn="ctr">
+                      <a:solidFill>
+                        <a:srgbClr val="000000"/>
+                      </a:solidFill>
+                      <a:prstDash val="solid"/>
+                      <a:round/>
+                      <a:headEnd type="none" w="med" len="med"/>
+                      <a:tailEnd type="none" w="med" len="med"/>
+                    </a:lnR>
+                    <a:lnT w="6350" cap="flat" cmpd="sng" algn="ctr">
+                      <a:solidFill>
+                        <a:srgbClr val="000000"/>
+                      </a:solidFill>
+                      <a:prstDash val="solid"/>
+                      <a:round/>
+                      <a:headEnd type="none" w="med" len="med"/>
+                      <a:tailEnd type="none" w="med" len="med"/>
+                    </a:lnT>
+                    <a:lnB w="6350" cap="flat" cmpd="sng" algn="ctr">
+                      <a:solidFill>
+                        <a:srgbClr val="000000"/>
+                      </a:solidFill>
+                      <a:prstDash val="solid"/>
+                      <a:round/>
+                      <a:headEnd type="none" w="med" len="med"/>
+                      <a:tailEnd type="none" w="med" len="med"/>
+                    </a:lnB>
+                    <a:solidFill>
+                      <a:srgbClr val="D9E1F2"/>
+                    </a:solidFill>
+                  </a:tcPr>
+                </a:tc>
+                <a:tc>
+                  <a:txBody>
+                    <a:bodyPr/>
+                    <a:lstStyle/>
+                    <a:p>
+                      <a:pPr algn="ctr" fontAlgn="ctr"/>
+                      <a:r>
+                        <a:rPr lang="en-US" sz="1400" b="0" i="0" u="none" strike="noStrike">
+                          <a:solidFill>
+                            <a:srgbClr val="000000"/>
+                          </a:solidFill>
+                          <a:effectLst/>
+                          <a:latin typeface="Calibri" panose="020F0502020204030204" pitchFamily="34" charset="0"/>
+                        </a:rPr>
+                        <a:t>2</a:t>
+                      </a:r>
+                    </a:p>
+                  </a:txBody>
+                  <a:tcPr marL="9525" marR="9525" marT="9525" marB="0" anchor="ctr">
+                    <a:lnL w="6350" cap="flat" cmpd="sng" algn="ctr">
+                      <a:solidFill>
+                        <a:srgbClr val="000000"/>
+                      </a:solidFill>
+                      <a:prstDash val="solid"/>
+                      <a:round/>
+                      <a:headEnd type="none" w="med" len="med"/>
+                      <a:tailEnd type="none" w="med" len="med"/>
+                    </a:lnL>
+                    <a:lnR w="6350" cap="flat" cmpd="sng" algn="ctr">
+                      <a:solidFill>
+                        <a:srgbClr val="000000"/>
+                      </a:solidFill>
+                      <a:prstDash val="solid"/>
+                      <a:round/>
+                      <a:headEnd type="none" w="med" len="med"/>
+                      <a:tailEnd type="none" w="med" len="med"/>
+                    </a:lnR>
+                    <a:lnT w="6350" cap="flat" cmpd="sng" algn="ctr">
+                      <a:solidFill>
+                        <a:srgbClr val="000000"/>
+                      </a:solidFill>
+                      <a:prstDash val="solid"/>
+                      <a:round/>
+                      <a:headEnd type="none" w="med" len="med"/>
+                      <a:tailEnd type="none" w="med" len="med"/>
+                    </a:lnT>
+                    <a:lnB w="6350" cap="flat" cmpd="sng" algn="ctr">
+                      <a:solidFill>
+                        <a:srgbClr val="000000"/>
+                      </a:solidFill>
+                      <a:prstDash val="solid"/>
+                      <a:round/>
+                      <a:headEnd type="none" w="med" len="med"/>
+                      <a:tailEnd type="none" w="med" len="med"/>
+                    </a:lnB>
+                    <a:solidFill>
+                      <a:srgbClr val="D9E1F2"/>
+                    </a:solidFill>
+                  </a:tcPr>
+                </a:tc>
+                <a:tc>
+                  <a:txBody>
+                    <a:bodyPr/>
+                    <a:lstStyle/>
+                    <a:p>
+                      <a:pPr algn="ctr" fontAlgn="ctr"/>
+                      <a:r>
+                        <a:rPr lang="en-US" sz="1400" b="0" i="0" u="none" strike="noStrike">
+                          <a:solidFill>
+                            <a:srgbClr val="000000"/>
+                          </a:solidFill>
+                          <a:effectLst/>
+                          <a:latin typeface="Calibri" panose="020F0502020204030204" pitchFamily="34" charset="0"/>
+                        </a:rPr>
+                        <a:t>3</a:t>
+                      </a:r>
+                    </a:p>
+                  </a:txBody>
+                  <a:tcPr marL="9525" marR="9525" marT="9525" marB="0" anchor="ctr">
+                    <a:lnL w="6350" cap="flat" cmpd="sng" algn="ctr">
+                      <a:solidFill>
+                        <a:srgbClr val="000000"/>
+                      </a:solidFill>
+                      <a:prstDash val="solid"/>
+                      <a:round/>
+                      <a:headEnd type="none" w="med" len="med"/>
+                      <a:tailEnd type="none" w="med" len="med"/>
+                    </a:lnL>
+                    <a:lnR w="6350" cap="flat" cmpd="sng" algn="ctr">
+                      <a:solidFill>
+                        <a:srgbClr val="000000"/>
+                      </a:solidFill>
+                      <a:prstDash val="solid"/>
+                      <a:round/>
+                      <a:headEnd type="none" w="med" len="med"/>
+                      <a:tailEnd type="none" w="med" len="med"/>
+                    </a:lnR>
+                    <a:lnT w="6350" cap="flat" cmpd="sng" algn="ctr">
+                      <a:solidFill>
+                        <a:srgbClr val="000000"/>
+                      </a:solidFill>
+                      <a:prstDash val="solid"/>
+                      <a:round/>
+                      <a:headEnd type="none" w="med" len="med"/>
+                      <a:tailEnd type="none" w="med" len="med"/>
+                    </a:lnT>
+                    <a:lnB w="6350" cap="flat" cmpd="sng" algn="ctr">
+                      <a:solidFill>
+                        <a:srgbClr val="000000"/>
+                      </a:solidFill>
+                      <a:prstDash val="solid"/>
+                      <a:round/>
+                      <a:headEnd type="none" w="med" len="med"/>
+                      <a:tailEnd type="none" w="med" len="med"/>
+                    </a:lnB>
+                    <a:solidFill>
+                      <a:srgbClr val="D9E1F2"/>
+                    </a:solidFill>
+                  </a:tcPr>
+                </a:tc>
+                <a:tc>
+                  <a:txBody>
+                    <a:bodyPr/>
+                    <a:lstStyle/>
+                    <a:p>
+                      <a:pPr algn="ctr" fontAlgn="ctr"/>
+                      <a:r>
+                        <a:rPr lang="en-US" sz="1400" b="0" i="0" u="none" strike="noStrike">
+                          <a:solidFill>
+                            <a:srgbClr val="000000"/>
+                          </a:solidFill>
+                          <a:effectLst/>
+                          <a:latin typeface="Calibri" panose="020F0502020204030204" pitchFamily="34" charset="0"/>
+                        </a:rPr>
+                        <a:t>4</a:t>
+                      </a:r>
+                    </a:p>
+                  </a:txBody>
+                  <a:tcPr marL="9525" marR="9525" marT="9525" marB="0" anchor="ctr">
+                    <a:lnL w="6350" cap="flat" cmpd="sng" algn="ctr">
+                      <a:solidFill>
+                        <a:srgbClr val="000000"/>
+                      </a:solidFill>
+                      <a:prstDash val="solid"/>
+                      <a:round/>
+                      <a:headEnd type="none" w="med" len="med"/>
+                      <a:tailEnd type="none" w="med" len="med"/>
+                    </a:lnL>
+                    <a:lnR w="6350" cap="flat" cmpd="sng" algn="ctr">
+                      <a:solidFill>
+                        <a:srgbClr val="000000"/>
+                      </a:solidFill>
+                      <a:prstDash val="solid"/>
+                      <a:round/>
+                      <a:headEnd type="none" w="med" len="med"/>
+                      <a:tailEnd type="none" w="med" len="med"/>
+                    </a:lnR>
+                    <a:lnT w="6350" cap="flat" cmpd="sng" algn="ctr">
+                      <a:solidFill>
+                        <a:srgbClr val="000000"/>
+                      </a:solidFill>
+                      <a:prstDash val="solid"/>
+                      <a:round/>
+                      <a:headEnd type="none" w="med" len="med"/>
+                      <a:tailEnd type="none" w="med" len="med"/>
+                    </a:lnT>
+                    <a:lnB w="6350" cap="flat" cmpd="sng" algn="ctr">
+                      <a:solidFill>
+                        <a:srgbClr val="000000"/>
+                      </a:solidFill>
+                      <a:prstDash val="solid"/>
+                      <a:round/>
+                      <a:headEnd type="none" w="med" len="med"/>
+                      <a:tailEnd type="none" w="med" len="med"/>
+                    </a:lnB>
+                    <a:solidFill>
+                      <a:srgbClr val="D9E1F2"/>
+                    </a:solidFill>
+                  </a:tcPr>
+                </a:tc>
+                <a:tc>
+                  <a:txBody>
+                    <a:bodyPr/>
+                    <a:lstStyle/>
+                    <a:p>
+                      <a:pPr algn="ctr" fontAlgn="ctr"/>
+                      <a:r>
+                        <a:rPr lang="en-US" sz="1400" b="0" i="0" u="none" strike="noStrike">
+                          <a:solidFill>
+                            <a:srgbClr val="000000"/>
+                          </a:solidFill>
+                          <a:effectLst/>
+                          <a:latin typeface="Calibri" panose="020F0502020204030204" pitchFamily="34" charset="0"/>
+                        </a:rPr>
+                        <a:t>5</a:t>
+                      </a:r>
+                    </a:p>
+                  </a:txBody>
+                  <a:tcPr marL="9525" marR="9525" marT="9525" marB="0" anchor="ctr">
+                    <a:lnL w="6350" cap="flat" cmpd="sng" algn="ctr">
+                      <a:solidFill>
+                        <a:srgbClr val="000000"/>
+                      </a:solidFill>
+                      <a:prstDash val="solid"/>
+                      <a:round/>
+                      <a:headEnd type="none" w="med" len="med"/>
+                      <a:tailEnd type="none" w="med" len="med"/>
+                    </a:lnL>
+                    <a:lnR w="6350" cap="flat" cmpd="sng" algn="ctr">
+                      <a:solidFill>
+                        <a:srgbClr val="000000"/>
+                      </a:solidFill>
+                      <a:prstDash val="solid"/>
+                      <a:round/>
+                      <a:headEnd type="none" w="med" len="med"/>
+                      <a:tailEnd type="none" w="med" len="med"/>
+                    </a:lnR>
+                    <a:lnT w="6350" cap="flat" cmpd="sng" algn="ctr">
+                      <a:solidFill>
+                        <a:srgbClr val="000000"/>
+                      </a:solidFill>
+                      <a:prstDash val="solid"/>
+                      <a:round/>
+                      <a:headEnd type="none" w="med" len="med"/>
+                      <a:tailEnd type="none" w="med" len="med"/>
+                    </a:lnT>
+                    <a:lnB w="6350" cap="flat" cmpd="sng" algn="ctr">
+                      <a:solidFill>
+                        <a:srgbClr val="000000"/>
+                      </a:solidFill>
+                      <a:prstDash val="solid"/>
+                      <a:round/>
+                      <a:headEnd type="none" w="med" len="med"/>
+                      <a:tailEnd type="none" w="med" len="med"/>
+                    </a:lnB>
+                    <a:solidFill>
+                      <a:srgbClr val="D9E1F2"/>
+                    </a:solidFill>
+                  </a:tcPr>
+                </a:tc>
+                <a:tc>
+                  <a:txBody>
+                    <a:bodyPr/>
+                    <a:lstStyle/>
+                    <a:p>
+                      <a:pPr algn="ctr" fontAlgn="ctr"/>
+                      <a:r>
+                        <a:rPr lang="en-US" sz="1400" b="0" i="0" u="none" strike="noStrike">
+                          <a:solidFill>
+                            <a:srgbClr val="000000"/>
+                          </a:solidFill>
+                          <a:effectLst/>
+                          <a:latin typeface="Calibri" panose="020F0502020204030204" pitchFamily="34" charset="0"/>
+                        </a:rPr>
+                        <a:t>***</a:t>
+                      </a:r>
+                    </a:p>
+                  </a:txBody>
+                  <a:tcPr marL="9525" marR="9525" marT="9525" marB="0" anchor="ctr">
+                    <a:lnL w="6350" cap="flat" cmpd="sng" algn="ctr">
+                      <a:solidFill>
+                        <a:srgbClr val="000000"/>
+                      </a:solidFill>
+                      <a:prstDash val="solid"/>
+                      <a:round/>
+                      <a:headEnd type="none" w="med" len="med"/>
+                      <a:tailEnd type="none" w="med" len="med"/>
+                    </a:lnL>
+                    <a:lnR w="6350" cap="flat" cmpd="sng" algn="ctr">
+                      <a:solidFill>
+                        <a:srgbClr val="000000"/>
+                      </a:solidFill>
+                      <a:prstDash val="solid"/>
+                      <a:round/>
+                      <a:headEnd type="none" w="med" len="med"/>
+                      <a:tailEnd type="none" w="med" len="med"/>
+                    </a:lnR>
+                    <a:lnT w="6350" cap="flat" cmpd="sng" algn="ctr">
+                      <a:solidFill>
+                        <a:srgbClr val="000000"/>
+                      </a:solidFill>
+                      <a:prstDash val="solid"/>
+                      <a:round/>
+                      <a:headEnd type="none" w="med" len="med"/>
+                      <a:tailEnd type="none" w="med" len="med"/>
+                    </a:lnT>
+                    <a:lnB w="6350" cap="flat" cmpd="sng" algn="ctr">
+                      <a:solidFill>
+                        <a:srgbClr val="000000"/>
+                      </a:solidFill>
+                      <a:prstDash val="solid"/>
+                      <a:round/>
+                      <a:headEnd type="none" w="med" len="med"/>
+                      <a:tailEnd type="none" w="med" len="med"/>
+                    </a:lnB>
+                    <a:solidFill>
+                      <a:srgbClr val="D9E1F2"/>
+                    </a:solidFill>
+                  </a:tcPr>
+                </a:tc>
+                <a:tc>
+                  <a:txBody>
+                    <a:bodyPr/>
+                    <a:lstStyle/>
+                    <a:p>
+                      <a:pPr algn="ctr" fontAlgn="ctr"/>
+                      <a:r>
+                        <a:rPr lang="en-US" sz="1400" b="0" i="0" u="none" strike="noStrike">
+                          <a:solidFill>
+                            <a:srgbClr val="000000"/>
+                          </a:solidFill>
+                          <a:effectLst/>
+                          <a:latin typeface="Calibri" panose="020F0502020204030204" pitchFamily="34" charset="0"/>
+                        </a:rPr>
+                        <a:t>***</a:t>
+                      </a:r>
+                    </a:p>
+                  </a:txBody>
+                  <a:tcPr marL="9525" marR="9525" marT="9525" marB="0" anchor="ctr">
+                    <a:lnL w="6350" cap="flat" cmpd="sng" algn="ctr">
+                      <a:solidFill>
+                        <a:srgbClr val="000000"/>
+                      </a:solidFill>
+                      <a:prstDash val="solid"/>
+                      <a:round/>
+                      <a:headEnd type="none" w="med" len="med"/>
+                      <a:tailEnd type="none" w="med" len="med"/>
+                    </a:lnL>
+                    <a:lnR w="12700" cap="flat" cmpd="sng" algn="ctr">
+                      <a:solidFill>
+                        <a:srgbClr val="000000"/>
+                      </a:solidFill>
+                      <a:prstDash val="solid"/>
+                      <a:round/>
+                      <a:headEnd type="none" w="med" len="med"/>
+                      <a:tailEnd type="none" w="med" len="med"/>
+                    </a:lnR>
+                    <a:lnT w="6350" cap="flat" cmpd="sng" algn="ctr">
+                      <a:solidFill>
+                        <a:srgbClr val="000000"/>
+                      </a:solidFill>
+                      <a:prstDash val="solid"/>
+                      <a:round/>
+                      <a:headEnd type="none" w="med" len="med"/>
+                      <a:tailEnd type="none" w="med" len="med"/>
+                    </a:lnT>
+                    <a:lnB w="6350" cap="flat" cmpd="sng" algn="ctr">
+                      <a:solidFill>
+                        <a:srgbClr val="000000"/>
+                      </a:solidFill>
+                      <a:prstDash val="solid"/>
+                      <a:round/>
+                      <a:headEnd type="none" w="med" len="med"/>
+                      <a:tailEnd type="none" w="med" len="med"/>
+                    </a:lnB>
+                    <a:solidFill>
+                      <a:srgbClr val="D9E1F2"/>
+                    </a:solidFill>
+                  </a:tcPr>
+                </a:tc>
+                <a:extLst>
+                  <a:ext uri="{0D108BD9-81ED-4DB2-BD59-A6C34878D82A}">
+                    <a16:rowId xmlns:a16="http://schemas.microsoft.com/office/drawing/2014/main" val="3393596526"/>
+                  </a:ext>
+                </a:extLst>
+              </a:tr>
+              <a:tr h="566336">
+                <a:tc>
+                  <a:txBody>
+                    <a:bodyPr/>
+                    <a:lstStyle/>
+                    <a:p>
+                      <a:pPr algn="ctr" fontAlgn="ctr"/>
+                      <a:r>
+                        <a:rPr lang="en-US" sz="1400" b="0" i="0" u="none" strike="noStrike">
+                          <a:solidFill>
+                            <a:srgbClr val="000000"/>
+                          </a:solidFill>
+                          <a:effectLst/>
+                          <a:latin typeface="Calibri" panose="020F0502020204030204" pitchFamily="34" charset="0"/>
+                        </a:rPr>
+                        <a:t>4</a:t>
+                      </a:r>
+                    </a:p>
+                  </a:txBody>
+                  <a:tcPr marL="9525" marR="9525" marT="9525" marB="0" anchor="ctr">
+                    <a:lnL w="12700" cap="flat" cmpd="sng" algn="ctr">
+                      <a:solidFill>
+                        <a:srgbClr val="000000"/>
+                      </a:solidFill>
+                      <a:prstDash val="solid"/>
+                      <a:round/>
+                      <a:headEnd type="none" w="med" len="med"/>
+                      <a:tailEnd type="none" w="med" len="med"/>
+                    </a:lnL>
+                    <a:lnR w="6350" cap="flat" cmpd="sng" algn="ctr">
+                      <a:solidFill>
+                        <a:srgbClr val="000000"/>
+                      </a:solidFill>
+                      <a:prstDash val="solid"/>
+                      <a:round/>
+                      <a:headEnd type="none" w="med" len="med"/>
+                      <a:tailEnd type="none" w="med" len="med"/>
+                    </a:lnR>
+                    <a:lnT w="6350" cap="flat" cmpd="sng" algn="ctr">
+                      <a:solidFill>
+                        <a:srgbClr val="000000"/>
+                      </a:solidFill>
+                      <a:prstDash val="solid"/>
+                      <a:round/>
+                      <a:headEnd type="none" w="med" len="med"/>
+                      <a:tailEnd type="none" w="med" len="med"/>
+                    </a:lnT>
+                    <a:lnB w="6350" cap="flat" cmpd="sng" algn="ctr">
+                      <a:solidFill>
+                        <a:srgbClr val="000000"/>
+                      </a:solidFill>
+                      <a:prstDash val="solid"/>
+                      <a:round/>
+                      <a:headEnd type="none" w="med" len="med"/>
+                      <a:tailEnd type="none" w="med" len="med"/>
+                    </a:lnB>
+                  </a:tcPr>
+                </a:tc>
+                <a:tc>
+                  <a:txBody>
+                    <a:bodyPr/>
+                    <a:lstStyle/>
+                    <a:p>
+                      <a:pPr algn="ctr" fontAlgn="ctr"/>
+                      <a:r>
+                        <a:rPr lang="en-US" sz="1400" b="0" i="0" u="none" strike="noStrike">
+                          <a:solidFill>
+                            <a:srgbClr val="000000"/>
+                          </a:solidFill>
+                          <a:effectLst/>
+                          <a:latin typeface="Calibri" panose="020F0502020204030204" pitchFamily="34" charset="0"/>
+                        </a:rPr>
+                        <a:t>acc length</a:t>
+                      </a:r>
+                    </a:p>
+                  </a:txBody>
+                  <a:tcPr marL="9525" marR="9525" marT="9525" marB="0" anchor="ctr">
+                    <a:lnL w="6350" cap="flat" cmpd="sng" algn="ctr">
+                      <a:solidFill>
+                        <a:srgbClr val="000000"/>
+                      </a:solidFill>
+                      <a:prstDash val="solid"/>
+                      <a:round/>
+                      <a:headEnd type="none" w="med" len="med"/>
+                      <a:tailEnd type="none" w="med" len="med"/>
+                    </a:lnL>
+                    <a:lnR w="6350" cap="flat" cmpd="sng" algn="ctr">
+                      <a:solidFill>
+                        <a:srgbClr val="000000"/>
+                      </a:solidFill>
+                      <a:prstDash val="solid"/>
+                      <a:round/>
+                      <a:headEnd type="none" w="med" len="med"/>
+                      <a:tailEnd type="none" w="med" len="med"/>
+                    </a:lnR>
+                    <a:lnT w="6350" cap="flat" cmpd="sng" algn="ctr">
+                      <a:solidFill>
+                        <a:srgbClr val="000000"/>
+                      </a:solidFill>
+                      <a:prstDash val="solid"/>
+                      <a:round/>
+                      <a:headEnd type="none" w="med" len="med"/>
+                      <a:tailEnd type="none" w="med" len="med"/>
+                    </a:lnT>
+                    <a:lnB w="6350" cap="flat" cmpd="sng" algn="ctr">
+                      <a:solidFill>
+                        <a:srgbClr val="000000"/>
+                      </a:solidFill>
+                      <a:prstDash val="solid"/>
+                      <a:round/>
+                      <a:headEnd type="none" w="med" len="med"/>
+                      <a:tailEnd type="none" w="med" len="med"/>
+                    </a:lnB>
+                  </a:tcPr>
+                </a:tc>
+                <a:tc>
+                  <a:txBody>
+                    <a:bodyPr/>
+                    <a:lstStyle/>
+                    <a:p>
+                      <a:pPr algn="ctr" fontAlgn="ctr"/>
+                      <a:r>
+                        <a:rPr lang="en-US" sz="1400" b="0" i="0" u="none" strike="noStrike">
+                          <a:solidFill>
+                            <a:srgbClr val="000000"/>
+                          </a:solidFill>
+                          <a:effectLst/>
+                          <a:latin typeface="Calibri" panose="020F0502020204030204" pitchFamily="34" charset="0"/>
+                        </a:rPr>
+                        <a:t>5</a:t>
+                      </a:r>
+                    </a:p>
+                  </a:txBody>
+                  <a:tcPr marL="9525" marR="9525" marT="9525" marB="0" anchor="ctr">
+                    <a:lnL w="6350" cap="flat" cmpd="sng" algn="ctr">
+                      <a:solidFill>
+                        <a:srgbClr val="000000"/>
+                      </a:solidFill>
+                      <a:prstDash val="solid"/>
+                      <a:round/>
+                      <a:headEnd type="none" w="med" len="med"/>
+                      <a:tailEnd type="none" w="med" len="med"/>
+                    </a:lnL>
+                    <a:lnR w="6350" cap="flat" cmpd="sng" algn="ctr">
+                      <a:solidFill>
+                        <a:srgbClr val="000000"/>
+                      </a:solidFill>
+                      <a:prstDash val="solid"/>
+                      <a:round/>
+                      <a:headEnd type="none" w="med" len="med"/>
+                      <a:tailEnd type="none" w="med" len="med"/>
+                    </a:lnR>
+                    <a:lnT w="6350" cap="flat" cmpd="sng" algn="ctr">
+                      <a:solidFill>
+                        <a:srgbClr val="000000"/>
+                      </a:solidFill>
+                      <a:prstDash val="solid"/>
+                      <a:round/>
+                      <a:headEnd type="none" w="med" len="med"/>
+                      <a:tailEnd type="none" w="med" len="med"/>
+                    </a:lnT>
+                    <a:lnB w="6350" cap="flat" cmpd="sng" algn="ctr">
+                      <a:solidFill>
+                        <a:srgbClr val="000000"/>
+                      </a:solidFill>
+                      <a:prstDash val="solid"/>
+                      <a:round/>
+                      <a:headEnd type="none" w="med" len="med"/>
+                      <a:tailEnd type="none" w="med" len="med"/>
+                    </a:lnB>
+                  </a:tcPr>
+                </a:tc>
+                <a:tc>
+                  <a:txBody>
+                    <a:bodyPr/>
+                    <a:lstStyle/>
+                    <a:p>
+                      <a:pPr algn="ctr" fontAlgn="ctr"/>
+                      <a:r>
+                        <a:rPr lang="en-US" sz="1400" b="0" i="0" u="none" strike="noStrike">
+                          <a:solidFill>
+                            <a:srgbClr val="000000"/>
+                          </a:solidFill>
+                          <a:effectLst/>
+                          <a:latin typeface="Calibri" panose="020F0502020204030204" pitchFamily="34" charset="0"/>
+                        </a:rPr>
+                        <a:t>1-1.5</a:t>
+                      </a:r>
+                    </a:p>
+                  </a:txBody>
+                  <a:tcPr marL="9525" marR="9525" marT="9525" marB="0" anchor="ctr">
+                    <a:lnL w="6350" cap="flat" cmpd="sng" algn="ctr">
+                      <a:solidFill>
+                        <a:srgbClr val="000000"/>
+                      </a:solidFill>
+                      <a:prstDash val="solid"/>
+                      <a:round/>
+                      <a:headEnd type="none" w="med" len="med"/>
+                      <a:tailEnd type="none" w="med" len="med"/>
+                    </a:lnL>
+                    <a:lnR w="6350" cap="flat" cmpd="sng" algn="ctr">
+                      <a:solidFill>
+                        <a:srgbClr val="000000"/>
+                      </a:solidFill>
+                      <a:prstDash val="solid"/>
+                      <a:round/>
+                      <a:headEnd type="none" w="med" len="med"/>
+                      <a:tailEnd type="none" w="med" len="med"/>
+                    </a:lnR>
+                    <a:lnT w="6350" cap="flat" cmpd="sng" algn="ctr">
+                      <a:solidFill>
+                        <a:srgbClr val="000000"/>
+                      </a:solidFill>
+                      <a:prstDash val="solid"/>
+                      <a:round/>
+                      <a:headEnd type="none" w="med" len="med"/>
+                      <a:tailEnd type="none" w="med" len="med"/>
+                    </a:lnT>
+                    <a:lnB w="6350" cap="flat" cmpd="sng" algn="ctr">
+                      <a:solidFill>
+                        <a:srgbClr val="000000"/>
+                      </a:solidFill>
+                      <a:prstDash val="solid"/>
+                      <a:round/>
+                      <a:headEnd type="none" w="med" len="med"/>
+                      <a:tailEnd type="none" w="med" len="med"/>
+                    </a:lnB>
+                  </a:tcPr>
+                </a:tc>
+                <a:tc>
+                  <a:txBody>
+                    <a:bodyPr/>
+                    <a:lstStyle/>
+                    <a:p>
+                      <a:pPr algn="ctr" fontAlgn="ctr"/>
+                      <a:r>
+                        <a:rPr lang="en-US" sz="1400" b="0" i="0" u="none" strike="noStrike">
+                          <a:solidFill>
+                            <a:srgbClr val="000000"/>
+                          </a:solidFill>
+                          <a:effectLst/>
+                          <a:latin typeface="Calibri" panose="020F0502020204030204" pitchFamily="34" charset="0"/>
+                        </a:rPr>
+                        <a:t>1.6-2</a:t>
+                      </a:r>
+                    </a:p>
+                  </a:txBody>
+                  <a:tcPr marL="9525" marR="9525" marT="9525" marB="0" anchor="ctr">
+                    <a:lnL w="6350" cap="flat" cmpd="sng" algn="ctr">
+                      <a:solidFill>
+                        <a:srgbClr val="000000"/>
+                      </a:solidFill>
+                      <a:prstDash val="solid"/>
+                      <a:round/>
+                      <a:headEnd type="none" w="med" len="med"/>
+                      <a:tailEnd type="none" w="med" len="med"/>
+                    </a:lnL>
+                    <a:lnR w="6350" cap="flat" cmpd="sng" algn="ctr">
+                      <a:solidFill>
+                        <a:srgbClr val="000000"/>
+                      </a:solidFill>
+                      <a:prstDash val="solid"/>
+                      <a:round/>
+                      <a:headEnd type="none" w="med" len="med"/>
+                      <a:tailEnd type="none" w="med" len="med"/>
+                    </a:lnR>
+                    <a:lnT w="6350" cap="flat" cmpd="sng" algn="ctr">
+                      <a:solidFill>
+                        <a:srgbClr val="000000"/>
+                      </a:solidFill>
+                      <a:prstDash val="solid"/>
+                      <a:round/>
+                      <a:headEnd type="none" w="med" len="med"/>
+                      <a:tailEnd type="none" w="med" len="med"/>
+                    </a:lnT>
+                    <a:lnB w="6350" cap="flat" cmpd="sng" algn="ctr">
+                      <a:solidFill>
+                        <a:srgbClr val="000000"/>
+                      </a:solidFill>
+                      <a:prstDash val="solid"/>
+                      <a:round/>
+                      <a:headEnd type="none" w="med" len="med"/>
+                      <a:tailEnd type="none" w="med" len="med"/>
+                    </a:lnB>
+                  </a:tcPr>
+                </a:tc>
+                <a:tc>
+                  <a:txBody>
+                    <a:bodyPr/>
+                    <a:lstStyle/>
+                    <a:p>
+                      <a:pPr algn="ctr" fontAlgn="ctr"/>
+                      <a:r>
+                        <a:rPr lang="en-US" sz="1400" b="0" i="0" u="none" strike="noStrike">
+                          <a:solidFill>
+                            <a:srgbClr val="000000"/>
+                          </a:solidFill>
+                          <a:effectLst/>
+                          <a:latin typeface="Calibri" panose="020F0502020204030204" pitchFamily="34" charset="0"/>
+                        </a:rPr>
+                        <a:t>2.1-2.6</a:t>
+                      </a:r>
+                    </a:p>
+                  </a:txBody>
+                  <a:tcPr marL="9525" marR="9525" marT="9525" marB="0" anchor="ctr">
+                    <a:lnL w="6350" cap="flat" cmpd="sng" algn="ctr">
+                      <a:solidFill>
+                        <a:srgbClr val="000000"/>
+                      </a:solidFill>
+                      <a:prstDash val="solid"/>
+                      <a:round/>
+                      <a:headEnd type="none" w="med" len="med"/>
+                      <a:tailEnd type="none" w="med" len="med"/>
+                    </a:lnL>
+                    <a:lnR w="6350" cap="flat" cmpd="sng" algn="ctr">
+                      <a:solidFill>
+                        <a:srgbClr val="000000"/>
+                      </a:solidFill>
+                      <a:prstDash val="solid"/>
+                      <a:round/>
+                      <a:headEnd type="none" w="med" len="med"/>
+                      <a:tailEnd type="none" w="med" len="med"/>
+                    </a:lnR>
+                    <a:lnT w="6350" cap="flat" cmpd="sng" algn="ctr">
+                      <a:solidFill>
+                        <a:srgbClr val="000000"/>
+                      </a:solidFill>
+                      <a:prstDash val="solid"/>
+                      <a:round/>
+                      <a:headEnd type="none" w="med" len="med"/>
+                      <a:tailEnd type="none" w="med" len="med"/>
+                    </a:lnT>
+                    <a:lnB w="6350" cap="flat" cmpd="sng" algn="ctr">
+                      <a:solidFill>
+                        <a:srgbClr val="000000"/>
+                      </a:solidFill>
+                      <a:prstDash val="solid"/>
+                      <a:round/>
+                      <a:headEnd type="none" w="med" len="med"/>
+                      <a:tailEnd type="none" w="med" len="med"/>
+                    </a:lnB>
+                  </a:tcPr>
+                </a:tc>
+                <a:tc>
+                  <a:txBody>
+                    <a:bodyPr/>
+                    <a:lstStyle/>
+                    <a:p>
+                      <a:pPr algn="ctr" fontAlgn="ctr"/>
+                      <a:r>
+                        <a:rPr lang="en-US" sz="1400" b="0" i="0" u="none" strike="noStrike">
+                          <a:solidFill>
+                            <a:srgbClr val="000000"/>
+                          </a:solidFill>
+                          <a:effectLst/>
+                          <a:latin typeface="Calibri" panose="020F0502020204030204" pitchFamily="34" charset="0"/>
+                        </a:rPr>
+                        <a:t>2.7-3.1</a:t>
+                      </a:r>
+                    </a:p>
+                  </a:txBody>
+                  <a:tcPr marL="9525" marR="9525" marT="9525" marB="0" anchor="ctr">
+                    <a:lnL w="6350" cap="flat" cmpd="sng" algn="ctr">
+                      <a:solidFill>
+                        <a:srgbClr val="000000"/>
+                      </a:solidFill>
+                      <a:prstDash val="solid"/>
+                      <a:round/>
+                      <a:headEnd type="none" w="med" len="med"/>
+                      <a:tailEnd type="none" w="med" len="med"/>
+                    </a:lnL>
+                    <a:lnR w="6350" cap="flat" cmpd="sng" algn="ctr">
+                      <a:solidFill>
+                        <a:srgbClr val="000000"/>
+                      </a:solidFill>
+                      <a:prstDash val="solid"/>
+                      <a:round/>
+                      <a:headEnd type="none" w="med" len="med"/>
+                      <a:tailEnd type="none" w="med" len="med"/>
+                    </a:lnR>
+                    <a:lnT w="6350" cap="flat" cmpd="sng" algn="ctr">
+                      <a:solidFill>
+                        <a:srgbClr val="000000"/>
+                      </a:solidFill>
+                      <a:prstDash val="solid"/>
+                      <a:round/>
+                      <a:headEnd type="none" w="med" len="med"/>
+                      <a:tailEnd type="none" w="med" len="med"/>
+                    </a:lnT>
+                    <a:lnB w="6350" cap="flat" cmpd="sng" algn="ctr">
+                      <a:solidFill>
+                        <a:srgbClr val="000000"/>
+                      </a:solidFill>
+                      <a:prstDash val="solid"/>
+                      <a:round/>
+                      <a:headEnd type="none" w="med" len="med"/>
+                      <a:tailEnd type="none" w="med" len="med"/>
+                    </a:lnB>
+                  </a:tcPr>
+                </a:tc>
+                <a:tc>
+                  <a:txBody>
+                    <a:bodyPr/>
+                    <a:lstStyle/>
+                    <a:p>
+                      <a:pPr algn="ctr" fontAlgn="ctr"/>
+                      <a:r>
+                        <a:rPr lang="en-US" sz="1400" b="0" i="0" u="none" strike="noStrike">
+                          <a:solidFill>
+                            <a:srgbClr val="000000"/>
+                          </a:solidFill>
+                          <a:effectLst/>
+                          <a:latin typeface="Calibri" panose="020F0502020204030204" pitchFamily="34" charset="0"/>
+                        </a:rPr>
+                        <a:t>3.1-3.6</a:t>
+                      </a:r>
+                    </a:p>
+                  </a:txBody>
+                  <a:tcPr marL="9525" marR="9525" marT="9525" marB="0" anchor="ctr">
+                    <a:lnL w="6350" cap="flat" cmpd="sng" algn="ctr">
+                      <a:solidFill>
+                        <a:srgbClr val="000000"/>
+                      </a:solidFill>
+                      <a:prstDash val="solid"/>
+                      <a:round/>
+                      <a:headEnd type="none" w="med" len="med"/>
+                      <a:tailEnd type="none" w="med" len="med"/>
+                    </a:lnL>
+                    <a:lnR w="6350" cap="flat" cmpd="sng" algn="ctr">
+                      <a:solidFill>
+                        <a:srgbClr val="000000"/>
+                      </a:solidFill>
+                      <a:prstDash val="solid"/>
+                      <a:round/>
+                      <a:headEnd type="none" w="med" len="med"/>
+                      <a:tailEnd type="none" w="med" len="med"/>
+                    </a:lnR>
+                    <a:lnT w="6350" cap="flat" cmpd="sng" algn="ctr">
+                      <a:solidFill>
+                        <a:srgbClr val="000000"/>
+                      </a:solidFill>
+                      <a:prstDash val="solid"/>
+                      <a:round/>
+                      <a:headEnd type="none" w="med" len="med"/>
+                      <a:tailEnd type="none" w="med" len="med"/>
+                    </a:lnT>
+                    <a:lnB w="6350" cap="flat" cmpd="sng" algn="ctr">
+                      <a:solidFill>
+                        <a:srgbClr val="000000"/>
+                      </a:solidFill>
+                      <a:prstDash val="solid"/>
+                      <a:round/>
+                      <a:headEnd type="none" w="med" len="med"/>
+                      <a:tailEnd type="none" w="med" len="med"/>
+                    </a:lnB>
+                  </a:tcPr>
+                </a:tc>
+                <a:tc>
+                  <a:txBody>
+                    <a:bodyPr/>
+                    <a:lstStyle/>
+                    <a:p>
+                      <a:pPr algn="ctr" fontAlgn="ctr"/>
+                      <a:r>
+                        <a:rPr lang="en-US" sz="1400" b="0" i="0" u="none" strike="noStrike">
+                          <a:solidFill>
+                            <a:srgbClr val="000000"/>
+                          </a:solidFill>
+                          <a:effectLst/>
+                          <a:latin typeface="Calibri" panose="020F0502020204030204" pitchFamily="34" charset="0"/>
+                        </a:rPr>
+                        <a:t>***</a:t>
+                      </a:r>
+                    </a:p>
+                  </a:txBody>
+                  <a:tcPr marL="9525" marR="9525" marT="9525" marB="0" anchor="ctr">
+                    <a:lnL w="6350" cap="flat" cmpd="sng" algn="ctr">
+                      <a:solidFill>
+                        <a:srgbClr val="000000"/>
+                      </a:solidFill>
+                      <a:prstDash val="solid"/>
+                      <a:round/>
+                      <a:headEnd type="none" w="med" len="med"/>
+                      <a:tailEnd type="none" w="med" len="med"/>
+                    </a:lnL>
+                    <a:lnR w="6350" cap="flat" cmpd="sng" algn="ctr">
+                      <a:solidFill>
+                        <a:srgbClr val="000000"/>
+                      </a:solidFill>
+                      <a:prstDash val="solid"/>
+                      <a:round/>
+                      <a:headEnd type="none" w="med" len="med"/>
+                      <a:tailEnd type="none" w="med" len="med"/>
+                    </a:lnR>
+                    <a:lnT w="6350" cap="flat" cmpd="sng" algn="ctr">
+                      <a:solidFill>
+                        <a:srgbClr val="000000"/>
+                      </a:solidFill>
+                      <a:prstDash val="solid"/>
+                      <a:round/>
+                      <a:headEnd type="none" w="med" len="med"/>
+                      <a:tailEnd type="none" w="med" len="med"/>
+                    </a:lnT>
+                    <a:lnB w="6350" cap="flat" cmpd="sng" algn="ctr">
+                      <a:solidFill>
+                        <a:srgbClr val="000000"/>
+                      </a:solidFill>
+                      <a:prstDash val="solid"/>
+                      <a:round/>
+                      <a:headEnd type="none" w="med" len="med"/>
+                      <a:tailEnd type="none" w="med" len="med"/>
+                    </a:lnB>
+                  </a:tcPr>
+                </a:tc>
+                <a:tc>
+                  <a:txBody>
+                    <a:bodyPr/>
+                    <a:lstStyle/>
+                    <a:p>
+                      <a:pPr algn="ctr" fontAlgn="ctr"/>
+                      <a:r>
+                        <a:rPr lang="en-US" sz="1400" b="0" i="0" u="none" strike="noStrike">
+                          <a:solidFill>
+                            <a:srgbClr val="000000"/>
+                          </a:solidFill>
+                          <a:effectLst/>
+                          <a:latin typeface="Calibri" panose="020F0502020204030204" pitchFamily="34" charset="0"/>
+                        </a:rPr>
+                        <a:t>***</a:t>
+                      </a:r>
+                    </a:p>
+                  </a:txBody>
+                  <a:tcPr marL="9525" marR="9525" marT="9525" marB="0" anchor="ctr">
+                    <a:lnL w="6350" cap="flat" cmpd="sng" algn="ctr">
+                      <a:solidFill>
+                        <a:srgbClr val="000000"/>
+                      </a:solidFill>
+                      <a:prstDash val="solid"/>
+                      <a:round/>
+                      <a:headEnd type="none" w="med" len="med"/>
+                      <a:tailEnd type="none" w="med" len="med"/>
+                    </a:lnL>
+                    <a:lnR w="6350" cap="flat" cmpd="sng" algn="ctr">
+                      <a:solidFill>
+                        <a:srgbClr val="000000"/>
+                      </a:solidFill>
+                      <a:prstDash val="solid"/>
+                      <a:round/>
+                      <a:headEnd type="none" w="med" len="med"/>
+                      <a:tailEnd type="none" w="med" len="med"/>
+                    </a:lnR>
+                    <a:lnT w="6350" cap="flat" cmpd="sng" algn="ctr">
+                      <a:solidFill>
+                        <a:srgbClr val="000000"/>
+                      </a:solidFill>
+                      <a:prstDash val="solid"/>
+                      <a:round/>
+                      <a:headEnd type="none" w="med" len="med"/>
+                      <a:tailEnd type="none" w="med" len="med"/>
+                    </a:lnT>
+                    <a:lnB w="6350" cap="flat" cmpd="sng" algn="ctr">
+                      <a:solidFill>
+                        <a:srgbClr val="000000"/>
+                      </a:solidFill>
+                      <a:prstDash val="solid"/>
+                      <a:round/>
+                      <a:headEnd type="none" w="med" len="med"/>
+                      <a:tailEnd type="none" w="med" len="med"/>
+                    </a:lnB>
+                  </a:tcPr>
+                </a:tc>
+                <a:tc>
+                  <a:txBody>
+                    <a:bodyPr/>
+                    <a:lstStyle/>
+                    <a:p>
+                      <a:pPr algn="ctr" fontAlgn="ctr"/>
+                      <a:r>
+                        <a:rPr lang="en-US" sz="1400" b="0" i="0" u="none" strike="noStrike">
+                          <a:solidFill>
+                            <a:srgbClr val="000000"/>
+                          </a:solidFill>
+                          <a:effectLst/>
+                          <a:latin typeface="Calibri" panose="020F0502020204030204" pitchFamily="34" charset="0"/>
+                        </a:rPr>
+                        <a:t>***</a:t>
+                      </a:r>
+                    </a:p>
+                  </a:txBody>
+                  <a:tcPr marL="9525" marR="9525" marT="9525" marB="0" anchor="ctr">
+                    <a:lnL w="6350" cap="flat" cmpd="sng" algn="ctr">
+                      <a:solidFill>
+                        <a:srgbClr val="000000"/>
+                      </a:solidFill>
+                      <a:prstDash val="solid"/>
+                      <a:round/>
+                      <a:headEnd type="none" w="med" len="med"/>
+                      <a:tailEnd type="none" w="med" len="med"/>
+                    </a:lnL>
+                    <a:lnR w="12700" cap="flat" cmpd="sng" algn="ctr">
+                      <a:solidFill>
+                        <a:srgbClr val="000000"/>
+                      </a:solidFill>
+                      <a:prstDash val="solid"/>
+                      <a:round/>
+                      <a:headEnd type="none" w="med" len="med"/>
+                      <a:tailEnd type="none" w="med" len="med"/>
+                    </a:lnR>
+                    <a:lnT w="6350" cap="flat" cmpd="sng" algn="ctr">
+                      <a:solidFill>
+                        <a:srgbClr val="000000"/>
+                      </a:solidFill>
+                      <a:prstDash val="solid"/>
+                      <a:round/>
+                      <a:headEnd type="none" w="med" len="med"/>
+                      <a:tailEnd type="none" w="med" len="med"/>
+                    </a:lnT>
+                    <a:lnB w="6350" cap="flat" cmpd="sng" algn="ctr">
+                      <a:solidFill>
+                        <a:srgbClr val="000000"/>
+                      </a:solidFill>
+                      <a:prstDash val="solid"/>
+                      <a:round/>
+                      <a:headEnd type="none" w="med" len="med"/>
+                      <a:tailEnd type="none" w="med" len="med"/>
+                    </a:lnB>
+                  </a:tcPr>
+                </a:tc>
+                <a:extLst>
+                  <a:ext uri="{0D108BD9-81ED-4DB2-BD59-A6C34878D82A}">
+                    <a16:rowId xmlns:a16="http://schemas.microsoft.com/office/drawing/2014/main" val="919189469"/>
+                  </a:ext>
+                </a:extLst>
+              </a:tr>
+              <a:tr h="566336">
+                <a:tc>
+                  <a:txBody>
+                    <a:bodyPr/>
+                    <a:lstStyle/>
+                    <a:p>
+                      <a:pPr algn="ctr" fontAlgn="ctr"/>
+                      <a:r>
+                        <a:rPr lang="en-US" sz="1400" b="0" i="0" u="none" strike="noStrike">
+                          <a:solidFill>
+                            <a:srgbClr val="000000"/>
+                          </a:solidFill>
+                          <a:effectLst/>
+                          <a:latin typeface="Calibri" panose="020F0502020204030204" pitchFamily="34" charset="0"/>
+                        </a:rPr>
+                        <a:t>5</a:t>
+                      </a:r>
+                    </a:p>
+                  </a:txBody>
+                  <a:tcPr marL="9525" marR="9525" marT="9525" marB="0" anchor="ctr">
+                    <a:lnL w="12700" cap="flat" cmpd="sng" algn="ctr">
+                      <a:solidFill>
+                        <a:srgbClr val="000000"/>
+                      </a:solidFill>
+                      <a:prstDash val="solid"/>
+                      <a:round/>
+                      <a:headEnd type="none" w="med" len="med"/>
+                      <a:tailEnd type="none" w="med" len="med"/>
+                    </a:lnL>
+                    <a:lnR w="6350" cap="flat" cmpd="sng" algn="ctr">
+                      <a:solidFill>
+                        <a:srgbClr val="000000"/>
+                      </a:solidFill>
+                      <a:prstDash val="solid"/>
+                      <a:round/>
+                      <a:headEnd type="none" w="med" len="med"/>
+                      <a:tailEnd type="none" w="med" len="med"/>
+                    </a:lnR>
+                    <a:lnT w="6350" cap="flat" cmpd="sng" algn="ctr">
+                      <a:solidFill>
+                        <a:srgbClr val="000000"/>
+                      </a:solidFill>
+                      <a:prstDash val="solid"/>
+                      <a:round/>
+                      <a:headEnd type="none" w="med" len="med"/>
+                      <a:tailEnd type="none" w="med" len="med"/>
+                    </a:lnT>
+                    <a:lnB w="6350" cap="flat" cmpd="sng" algn="ctr">
+                      <a:solidFill>
+                        <a:srgbClr val="000000"/>
+                      </a:solidFill>
+                      <a:prstDash val="solid"/>
+                      <a:round/>
+                      <a:headEnd type="none" w="med" len="med"/>
+                      <a:tailEnd type="none" w="med" len="med"/>
+                    </a:lnB>
+                  </a:tcPr>
+                </a:tc>
+                <a:tc>
+                  <a:txBody>
+                    <a:bodyPr/>
+                    <a:lstStyle/>
+                    <a:p>
+                      <a:pPr algn="ctr" fontAlgn="ctr"/>
+                      <a:r>
+                        <a:rPr lang="en-US" sz="1400" b="0" i="0" u="none" strike="noStrike">
+                          <a:solidFill>
+                            <a:srgbClr val="000000"/>
+                          </a:solidFill>
+                          <a:effectLst/>
+                          <a:latin typeface="Calibri" panose="020F0502020204030204" pitchFamily="34" charset="0"/>
+                        </a:rPr>
+                        <a:t># of parallel axes – y</a:t>
+                      </a:r>
+                    </a:p>
+                  </a:txBody>
+                  <a:tcPr marL="9525" marR="9525" marT="9525" marB="0" anchor="ctr">
+                    <a:lnL w="6350" cap="flat" cmpd="sng" algn="ctr">
+                      <a:solidFill>
+                        <a:srgbClr val="000000"/>
+                      </a:solidFill>
+                      <a:prstDash val="solid"/>
+                      <a:round/>
+                      <a:headEnd type="none" w="med" len="med"/>
+                      <a:tailEnd type="none" w="med" len="med"/>
+                    </a:lnL>
+                    <a:lnR w="6350" cap="flat" cmpd="sng" algn="ctr">
+                      <a:solidFill>
+                        <a:srgbClr val="000000"/>
+                      </a:solidFill>
+                      <a:prstDash val="solid"/>
+                      <a:round/>
+                      <a:headEnd type="none" w="med" len="med"/>
+                      <a:tailEnd type="none" w="med" len="med"/>
+                    </a:lnR>
+                    <a:lnT w="6350" cap="flat" cmpd="sng" algn="ctr">
+                      <a:solidFill>
+                        <a:srgbClr val="000000"/>
+                      </a:solidFill>
+                      <a:prstDash val="solid"/>
+                      <a:round/>
+                      <a:headEnd type="none" w="med" len="med"/>
+                      <a:tailEnd type="none" w="med" len="med"/>
+                    </a:lnT>
+                    <a:lnB w="6350" cap="flat" cmpd="sng" algn="ctr">
+                      <a:solidFill>
+                        <a:srgbClr val="000000"/>
+                      </a:solidFill>
+                      <a:prstDash val="solid"/>
+                      <a:round/>
+                      <a:headEnd type="none" w="med" len="med"/>
+                      <a:tailEnd type="none" w="med" len="med"/>
+                    </a:lnB>
+                    <a:solidFill>
+                      <a:srgbClr val="D9E1F2"/>
+                    </a:solidFill>
+                  </a:tcPr>
+                </a:tc>
+                <a:tc>
+                  <a:txBody>
+                    <a:bodyPr/>
+                    <a:lstStyle/>
+                    <a:p>
+                      <a:pPr algn="ctr" fontAlgn="ctr"/>
+                      <a:r>
+                        <a:rPr lang="en-US" sz="1400" b="0" i="0" u="none" strike="noStrike">
+                          <a:solidFill>
+                            <a:srgbClr val="000000"/>
+                          </a:solidFill>
+                          <a:effectLst/>
+                          <a:latin typeface="Calibri" panose="020F0502020204030204" pitchFamily="34" charset="0"/>
+                        </a:rPr>
+                        <a:t>5</a:t>
+                      </a:r>
+                    </a:p>
+                  </a:txBody>
+                  <a:tcPr marL="9525" marR="9525" marT="9525" marB="0" anchor="ctr">
+                    <a:lnL w="6350" cap="flat" cmpd="sng" algn="ctr">
+                      <a:solidFill>
+                        <a:srgbClr val="000000"/>
+                      </a:solidFill>
+                      <a:prstDash val="solid"/>
+                      <a:round/>
+                      <a:headEnd type="none" w="med" len="med"/>
+                      <a:tailEnd type="none" w="med" len="med"/>
+                    </a:lnL>
+                    <a:lnR w="6350" cap="flat" cmpd="sng" algn="ctr">
+                      <a:solidFill>
+                        <a:srgbClr val="000000"/>
+                      </a:solidFill>
+                      <a:prstDash val="solid"/>
+                      <a:round/>
+                      <a:headEnd type="none" w="med" len="med"/>
+                      <a:tailEnd type="none" w="med" len="med"/>
+                    </a:lnR>
+                    <a:lnT w="6350" cap="flat" cmpd="sng" algn="ctr">
+                      <a:solidFill>
+                        <a:srgbClr val="000000"/>
+                      </a:solidFill>
+                      <a:prstDash val="solid"/>
+                      <a:round/>
+                      <a:headEnd type="none" w="med" len="med"/>
+                      <a:tailEnd type="none" w="med" len="med"/>
+                    </a:lnT>
+                    <a:lnB w="6350" cap="flat" cmpd="sng" algn="ctr">
+                      <a:solidFill>
+                        <a:srgbClr val="000000"/>
+                      </a:solidFill>
+                      <a:prstDash val="solid"/>
+                      <a:round/>
+                      <a:headEnd type="none" w="med" len="med"/>
+                      <a:tailEnd type="none" w="med" len="med"/>
+                    </a:lnB>
+                    <a:solidFill>
+                      <a:srgbClr val="D9E1F2"/>
+                    </a:solidFill>
+                  </a:tcPr>
+                </a:tc>
+                <a:tc>
+                  <a:txBody>
+                    <a:bodyPr/>
+                    <a:lstStyle/>
+                    <a:p>
+                      <a:pPr algn="ctr" fontAlgn="ctr"/>
+                      <a:r>
+                        <a:rPr lang="en-US" sz="1400" b="0" i="0" u="none" strike="noStrike">
+                          <a:solidFill>
+                            <a:srgbClr val="000000"/>
+                          </a:solidFill>
+                          <a:effectLst/>
+                          <a:latin typeface="Calibri" panose="020F0502020204030204" pitchFamily="34" charset="0"/>
+                        </a:rPr>
+                        <a:t>0</a:t>
+                      </a:r>
+                    </a:p>
+                  </a:txBody>
+                  <a:tcPr marL="9525" marR="9525" marT="9525" marB="0" anchor="ctr">
+                    <a:lnL w="6350" cap="flat" cmpd="sng" algn="ctr">
+                      <a:solidFill>
+                        <a:srgbClr val="000000"/>
+                      </a:solidFill>
+                      <a:prstDash val="solid"/>
+                      <a:round/>
+                      <a:headEnd type="none" w="med" len="med"/>
+                      <a:tailEnd type="none" w="med" len="med"/>
+                    </a:lnL>
+                    <a:lnR w="6350" cap="flat" cmpd="sng" algn="ctr">
+                      <a:solidFill>
+                        <a:srgbClr val="000000"/>
+                      </a:solidFill>
+                      <a:prstDash val="solid"/>
+                      <a:round/>
+                      <a:headEnd type="none" w="med" len="med"/>
+                      <a:tailEnd type="none" w="med" len="med"/>
+                    </a:lnR>
+                    <a:lnT w="6350" cap="flat" cmpd="sng" algn="ctr">
+                      <a:solidFill>
+                        <a:srgbClr val="000000"/>
+                      </a:solidFill>
+                      <a:prstDash val="solid"/>
+                      <a:round/>
+                      <a:headEnd type="none" w="med" len="med"/>
+                      <a:tailEnd type="none" w="med" len="med"/>
+                    </a:lnT>
+                    <a:lnB w="6350" cap="flat" cmpd="sng" algn="ctr">
+                      <a:solidFill>
+                        <a:srgbClr val="000000"/>
+                      </a:solidFill>
+                      <a:prstDash val="solid"/>
+                      <a:round/>
+                      <a:headEnd type="none" w="med" len="med"/>
+                      <a:tailEnd type="none" w="med" len="med"/>
+                    </a:lnB>
+                    <a:solidFill>
+                      <a:srgbClr val="D9E1F2"/>
+                    </a:solidFill>
+                  </a:tcPr>
+                </a:tc>
+                <a:tc>
+                  <a:txBody>
+                    <a:bodyPr/>
+                    <a:lstStyle/>
+                    <a:p>
+                      <a:pPr algn="ctr" fontAlgn="ctr"/>
+                      <a:r>
+                        <a:rPr lang="en-US" sz="1400" b="0" i="0" u="none" strike="noStrike">
+                          <a:solidFill>
+                            <a:srgbClr val="000000"/>
+                          </a:solidFill>
+                          <a:effectLst/>
+                          <a:latin typeface="Calibri" panose="020F0502020204030204" pitchFamily="34" charset="0"/>
+                        </a:rPr>
+                        <a:t>2</a:t>
+                      </a:r>
+                    </a:p>
+                  </a:txBody>
+                  <a:tcPr marL="9525" marR="9525" marT="9525" marB="0" anchor="ctr">
+                    <a:lnL w="6350" cap="flat" cmpd="sng" algn="ctr">
+                      <a:solidFill>
+                        <a:srgbClr val="000000"/>
+                      </a:solidFill>
+                      <a:prstDash val="solid"/>
+                      <a:round/>
+                      <a:headEnd type="none" w="med" len="med"/>
+                      <a:tailEnd type="none" w="med" len="med"/>
+                    </a:lnL>
+                    <a:lnR w="6350" cap="flat" cmpd="sng" algn="ctr">
+                      <a:solidFill>
+                        <a:srgbClr val="000000"/>
+                      </a:solidFill>
+                      <a:prstDash val="solid"/>
+                      <a:round/>
+                      <a:headEnd type="none" w="med" len="med"/>
+                      <a:tailEnd type="none" w="med" len="med"/>
+                    </a:lnR>
+                    <a:lnT w="6350" cap="flat" cmpd="sng" algn="ctr">
+                      <a:solidFill>
+                        <a:srgbClr val="000000"/>
+                      </a:solidFill>
+                      <a:prstDash val="solid"/>
+                      <a:round/>
+                      <a:headEnd type="none" w="med" len="med"/>
+                      <a:tailEnd type="none" w="med" len="med"/>
+                    </a:lnT>
+                    <a:lnB w="6350" cap="flat" cmpd="sng" algn="ctr">
+                      <a:solidFill>
+                        <a:srgbClr val="000000"/>
+                      </a:solidFill>
+                      <a:prstDash val="solid"/>
+                      <a:round/>
+                      <a:headEnd type="none" w="med" len="med"/>
+                      <a:tailEnd type="none" w="med" len="med"/>
+                    </a:lnB>
+                    <a:solidFill>
+                      <a:srgbClr val="D9E1F2"/>
+                    </a:solidFill>
+                  </a:tcPr>
+                </a:tc>
+                <a:tc>
+                  <a:txBody>
+                    <a:bodyPr/>
+                    <a:lstStyle/>
+                    <a:p>
+                      <a:pPr algn="ctr" fontAlgn="ctr"/>
+                      <a:r>
+                        <a:rPr lang="en-US" sz="1400" b="0" i="0" u="none" strike="noStrike">
+                          <a:solidFill>
+                            <a:srgbClr val="000000"/>
+                          </a:solidFill>
+                          <a:effectLst/>
+                          <a:latin typeface="Calibri" panose="020F0502020204030204" pitchFamily="34" charset="0"/>
+                        </a:rPr>
+                        <a:t>3</a:t>
+                      </a:r>
+                    </a:p>
+                  </a:txBody>
+                  <a:tcPr marL="9525" marR="9525" marT="9525" marB="0" anchor="ctr">
+                    <a:lnL w="6350" cap="flat" cmpd="sng" algn="ctr">
+                      <a:solidFill>
+                        <a:srgbClr val="000000"/>
+                      </a:solidFill>
+                      <a:prstDash val="solid"/>
+                      <a:round/>
+                      <a:headEnd type="none" w="med" len="med"/>
+                      <a:tailEnd type="none" w="med" len="med"/>
+                    </a:lnL>
+                    <a:lnR w="6350" cap="flat" cmpd="sng" algn="ctr">
+                      <a:solidFill>
+                        <a:srgbClr val="000000"/>
+                      </a:solidFill>
+                      <a:prstDash val="solid"/>
+                      <a:round/>
+                      <a:headEnd type="none" w="med" len="med"/>
+                      <a:tailEnd type="none" w="med" len="med"/>
+                    </a:lnR>
+                    <a:lnT w="6350" cap="flat" cmpd="sng" algn="ctr">
+                      <a:solidFill>
+                        <a:srgbClr val="000000"/>
+                      </a:solidFill>
+                      <a:prstDash val="solid"/>
+                      <a:round/>
+                      <a:headEnd type="none" w="med" len="med"/>
+                      <a:tailEnd type="none" w="med" len="med"/>
+                    </a:lnT>
+                    <a:lnB w="6350" cap="flat" cmpd="sng" algn="ctr">
+                      <a:solidFill>
+                        <a:srgbClr val="000000"/>
+                      </a:solidFill>
+                      <a:prstDash val="solid"/>
+                      <a:round/>
+                      <a:headEnd type="none" w="med" len="med"/>
+                      <a:tailEnd type="none" w="med" len="med"/>
+                    </a:lnB>
+                    <a:solidFill>
+                      <a:srgbClr val="D9E1F2"/>
+                    </a:solidFill>
+                  </a:tcPr>
+                </a:tc>
+                <a:tc>
+                  <a:txBody>
+                    <a:bodyPr/>
+                    <a:lstStyle/>
+                    <a:p>
+                      <a:pPr algn="ctr" fontAlgn="ctr"/>
+                      <a:r>
+                        <a:rPr lang="en-US" sz="1400" b="0" i="0" u="none" strike="noStrike">
+                          <a:solidFill>
+                            <a:srgbClr val="000000"/>
+                          </a:solidFill>
+                          <a:effectLst/>
+                          <a:latin typeface="Calibri" panose="020F0502020204030204" pitchFamily="34" charset="0"/>
+                        </a:rPr>
+                        <a:t>4</a:t>
+                      </a:r>
+                    </a:p>
+                  </a:txBody>
+                  <a:tcPr marL="9525" marR="9525" marT="9525" marB="0" anchor="ctr">
+                    <a:lnL w="6350" cap="flat" cmpd="sng" algn="ctr">
+                      <a:solidFill>
+                        <a:srgbClr val="000000"/>
+                      </a:solidFill>
+                      <a:prstDash val="solid"/>
+                      <a:round/>
+                      <a:headEnd type="none" w="med" len="med"/>
+                      <a:tailEnd type="none" w="med" len="med"/>
+                    </a:lnL>
+                    <a:lnR w="6350" cap="flat" cmpd="sng" algn="ctr">
+                      <a:solidFill>
+                        <a:srgbClr val="000000"/>
+                      </a:solidFill>
+                      <a:prstDash val="solid"/>
+                      <a:round/>
+                      <a:headEnd type="none" w="med" len="med"/>
+                      <a:tailEnd type="none" w="med" len="med"/>
+                    </a:lnR>
+                    <a:lnT w="6350" cap="flat" cmpd="sng" algn="ctr">
+                      <a:solidFill>
+                        <a:srgbClr val="000000"/>
+                      </a:solidFill>
+                      <a:prstDash val="solid"/>
+                      <a:round/>
+                      <a:headEnd type="none" w="med" len="med"/>
+                      <a:tailEnd type="none" w="med" len="med"/>
+                    </a:lnT>
+                    <a:lnB w="6350" cap="flat" cmpd="sng" algn="ctr">
+                      <a:solidFill>
+                        <a:srgbClr val="000000"/>
+                      </a:solidFill>
+                      <a:prstDash val="solid"/>
+                      <a:round/>
+                      <a:headEnd type="none" w="med" len="med"/>
+                      <a:tailEnd type="none" w="med" len="med"/>
+                    </a:lnB>
+                    <a:solidFill>
+                      <a:srgbClr val="D9E1F2"/>
+                    </a:solidFill>
+                  </a:tcPr>
+                </a:tc>
+                <a:tc>
+                  <a:txBody>
+                    <a:bodyPr/>
+                    <a:lstStyle/>
+                    <a:p>
+                      <a:pPr algn="ctr" fontAlgn="ctr"/>
+                      <a:r>
+                        <a:rPr lang="en-US" sz="1400" b="0" i="0" u="none" strike="noStrike">
+                          <a:solidFill>
+                            <a:srgbClr val="000000"/>
+                          </a:solidFill>
+                          <a:effectLst/>
+                          <a:latin typeface="Calibri" panose="020F0502020204030204" pitchFamily="34" charset="0"/>
+                        </a:rPr>
+                        <a:t>5</a:t>
+                      </a:r>
+                    </a:p>
+                  </a:txBody>
+                  <a:tcPr marL="9525" marR="9525" marT="9525" marB="0" anchor="ctr">
+                    <a:lnL w="6350" cap="flat" cmpd="sng" algn="ctr">
+                      <a:solidFill>
+                        <a:srgbClr val="000000"/>
+                      </a:solidFill>
+                      <a:prstDash val="solid"/>
+                      <a:round/>
+                      <a:headEnd type="none" w="med" len="med"/>
+                      <a:tailEnd type="none" w="med" len="med"/>
+                    </a:lnL>
+                    <a:lnR w="6350" cap="flat" cmpd="sng" algn="ctr">
+                      <a:solidFill>
+                        <a:srgbClr val="000000"/>
+                      </a:solidFill>
+                      <a:prstDash val="solid"/>
+                      <a:round/>
+                      <a:headEnd type="none" w="med" len="med"/>
+                      <a:tailEnd type="none" w="med" len="med"/>
+                    </a:lnR>
+                    <a:lnT w="6350" cap="flat" cmpd="sng" algn="ctr">
+                      <a:solidFill>
+                        <a:srgbClr val="000000"/>
+                      </a:solidFill>
+                      <a:prstDash val="solid"/>
+                      <a:round/>
+                      <a:headEnd type="none" w="med" len="med"/>
+                      <a:tailEnd type="none" w="med" len="med"/>
+                    </a:lnT>
+                    <a:lnB w="6350" cap="flat" cmpd="sng" algn="ctr">
+                      <a:solidFill>
+                        <a:srgbClr val="000000"/>
+                      </a:solidFill>
+                      <a:prstDash val="solid"/>
+                      <a:round/>
+                      <a:headEnd type="none" w="med" len="med"/>
+                      <a:tailEnd type="none" w="med" len="med"/>
+                    </a:lnB>
+                    <a:solidFill>
+                      <a:srgbClr val="D9E1F2"/>
+                    </a:solidFill>
+                  </a:tcPr>
+                </a:tc>
+                <a:tc>
+                  <a:txBody>
+                    <a:bodyPr/>
+                    <a:lstStyle/>
+                    <a:p>
+                      <a:pPr algn="ctr" fontAlgn="ctr"/>
+                      <a:r>
+                        <a:rPr lang="en-US" sz="1400" b="0" i="0" u="none" strike="noStrike">
+                          <a:solidFill>
+                            <a:srgbClr val="000000"/>
+                          </a:solidFill>
+                          <a:effectLst/>
+                          <a:latin typeface="Calibri" panose="020F0502020204030204" pitchFamily="34" charset="0"/>
+                        </a:rPr>
+                        <a:t>***</a:t>
+                      </a:r>
+                    </a:p>
+                  </a:txBody>
+                  <a:tcPr marL="9525" marR="9525" marT="9525" marB="0" anchor="ctr">
+                    <a:lnL w="6350" cap="flat" cmpd="sng" algn="ctr">
+                      <a:solidFill>
+                        <a:srgbClr val="000000"/>
+                      </a:solidFill>
+                      <a:prstDash val="solid"/>
+                      <a:round/>
+                      <a:headEnd type="none" w="med" len="med"/>
+                      <a:tailEnd type="none" w="med" len="med"/>
+                    </a:lnL>
+                    <a:lnR w="6350" cap="flat" cmpd="sng" algn="ctr">
+                      <a:solidFill>
+                        <a:srgbClr val="000000"/>
+                      </a:solidFill>
+                      <a:prstDash val="solid"/>
+                      <a:round/>
+                      <a:headEnd type="none" w="med" len="med"/>
+                      <a:tailEnd type="none" w="med" len="med"/>
+                    </a:lnR>
+                    <a:lnT w="6350" cap="flat" cmpd="sng" algn="ctr">
+                      <a:solidFill>
+                        <a:srgbClr val="000000"/>
+                      </a:solidFill>
+                      <a:prstDash val="solid"/>
+                      <a:round/>
+                      <a:headEnd type="none" w="med" len="med"/>
+                      <a:tailEnd type="none" w="med" len="med"/>
+                    </a:lnT>
+                    <a:lnB w="6350" cap="flat" cmpd="sng" algn="ctr">
+                      <a:solidFill>
+                        <a:srgbClr val="000000"/>
+                      </a:solidFill>
+                      <a:prstDash val="solid"/>
+                      <a:round/>
+                      <a:headEnd type="none" w="med" len="med"/>
+                      <a:tailEnd type="none" w="med" len="med"/>
+                    </a:lnB>
+                    <a:solidFill>
+                      <a:srgbClr val="D9E1F2"/>
+                    </a:solidFill>
+                  </a:tcPr>
+                </a:tc>
+                <a:tc>
+                  <a:txBody>
+                    <a:bodyPr/>
+                    <a:lstStyle/>
+                    <a:p>
+                      <a:pPr algn="ctr" fontAlgn="ctr"/>
+                      <a:r>
+                        <a:rPr lang="en-US" sz="1400" b="0" i="0" u="none" strike="noStrike">
+                          <a:solidFill>
+                            <a:srgbClr val="000000"/>
+                          </a:solidFill>
+                          <a:effectLst/>
+                          <a:latin typeface="Calibri" panose="020F0502020204030204" pitchFamily="34" charset="0"/>
+                        </a:rPr>
+                        <a:t>***</a:t>
+                      </a:r>
+                    </a:p>
+                  </a:txBody>
+                  <a:tcPr marL="9525" marR="9525" marT="9525" marB="0" anchor="ctr">
+                    <a:lnL w="6350" cap="flat" cmpd="sng" algn="ctr">
+                      <a:solidFill>
+                        <a:srgbClr val="000000"/>
+                      </a:solidFill>
+                      <a:prstDash val="solid"/>
+                      <a:round/>
+                      <a:headEnd type="none" w="med" len="med"/>
+                      <a:tailEnd type="none" w="med" len="med"/>
+                    </a:lnL>
+                    <a:lnR w="6350" cap="flat" cmpd="sng" algn="ctr">
+                      <a:solidFill>
+                        <a:srgbClr val="000000"/>
+                      </a:solidFill>
+                      <a:prstDash val="solid"/>
+                      <a:round/>
+                      <a:headEnd type="none" w="med" len="med"/>
+                      <a:tailEnd type="none" w="med" len="med"/>
+                    </a:lnR>
+                    <a:lnT w="6350" cap="flat" cmpd="sng" algn="ctr">
+                      <a:solidFill>
+                        <a:srgbClr val="000000"/>
+                      </a:solidFill>
+                      <a:prstDash val="solid"/>
+                      <a:round/>
+                      <a:headEnd type="none" w="med" len="med"/>
+                      <a:tailEnd type="none" w="med" len="med"/>
+                    </a:lnT>
+                    <a:lnB w="6350" cap="flat" cmpd="sng" algn="ctr">
+                      <a:solidFill>
+                        <a:srgbClr val="000000"/>
+                      </a:solidFill>
+                      <a:prstDash val="solid"/>
+                      <a:round/>
+                      <a:headEnd type="none" w="med" len="med"/>
+                      <a:tailEnd type="none" w="med" len="med"/>
+                    </a:lnB>
+                    <a:solidFill>
+                      <a:srgbClr val="D9E1F2"/>
+                    </a:solidFill>
+                  </a:tcPr>
+                </a:tc>
+                <a:tc>
+                  <a:txBody>
+                    <a:bodyPr/>
+                    <a:lstStyle/>
+                    <a:p>
+                      <a:pPr algn="ctr" fontAlgn="ctr"/>
+                      <a:r>
+                        <a:rPr lang="en-US" sz="1400" b="0" i="0" u="none" strike="noStrike">
+                          <a:solidFill>
+                            <a:srgbClr val="000000"/>
+                          </a:solidFill>
+                          <a:effectLst/>
+                          <a:latin typeface="Calibri" panose="020F0502020204030204" pitchFamily="34" charset="0"/>
+                        </a:rPr>
+                        <a:t>***</a:t>
+                      </a:r>
+                    </a:p>
+                  </a:txBody>
+                  <a:tcPr marL="9525" marR="9525" marT="9525" marB="0" anchor="ctr">
+                    <a:lnL w="6350" cap="flat" cmpd="sng" algn="ctr">
+                      <a:solidFill>
+                        <a:srgbClr val="000000"/>
+                      </a:solidFill>
+                      <a:prstDash val="solid"/>
+                      <a:round/>
+                      <a:headEnd type="none" w="med" len="med"/>
+                      <a:tailEnd type="none" w="med" len="med"/>
+                    </a:lnL>
+                    <a:lnR w="12700" cap="flat" cmpd="sng" algn="ctr">
+                      <a:solidFill>
+                        <a:srgbClr val="000000"/>
+                      </a:solidFill>
+                      <a:prstDash val="solid"/>
+                      <a:round/>
+                      <a:headEnd type="none" w="med" len="med"/>
+                      <a:tailEnd type="none" w="med" len="med"/>
+                    </a:lnR>
+                    <a:lnT w="6350" cap="flat" cmpd="sng" algn="ctr">
+                      <a:solidFill>
+                        <a:srgbClr val="000000"/>
+                      </a:solidFill>
+                      <a:prstDash val="solid"/>
+                      <a:round/>
+                      <a:headEnd type="none" w="med" len="med"/>
+                      <a:tailEnd type="none" w="med" len="med"/>
+                    </a:lnT>
+                    <a:lnB w="6350" cap="flat" cmpd="sng" algn="ctr">
+                      <a:solidFill>
+                        <a:srgbClr val="000000"/>
+                      </a:solidFill>
+                      <a:prstDash val="solid"/>
+                      <a:round/>
+                      <a:headEnd type="none" w="med" len="med"/>
+                      <a:tailEnd type="none" w="med" len="med"/>
+                    </a:lnB>
+                    <a:solidFill>
+                      <a:srgbClr val="D9E1F2"/>
+                    </a:solidFill>
+                  </a:tcPr>
+                </a:tc>
+                <a:extLst>
+                  <a:ext uri="{0D108BD9-81ED-4DB2-BD59-A6C34878D82A}">
+                    <a16:rowId xmlns:a16="http://schemas.microsoft.com/office/drawing/2014/main" val="2537110923"/>
+                  </a:ext>
+                </a:extLst>
+              </a:tr>
+              <a:tr h="283168">
+                <a:tc>
+                  <a:txBody>
+                    <a:bodyPr/>
+                    <a:lstStyle/>
+                    <a:p>
+                      <a:pPr algn="ctr" fontAlgn="ctr"/>
+                      <a:r>
+                        <a:rPr lang="en-US" sz="1400" b="0" i="0" u="none" strike="noStrike">
+                          <a:solidFill>
+                            <a:srgbClr val="000000"/>
+                          </a:solidFill>
+                          <a:effectLst/>
+                          <a:latin typeface="Calibri" panose="020F0502020204030204" pitchFamily="34" charset="0"/>
+                        </a:rPr>
+                        <a:t>6</a:t>
+                      </a:r>
+                    </a:p>
+                  </a:txBody>
+                  <a:tcPr marL="9525" marR="9525" marT="9525" marB="0" anchor="ctr">
+                    <a:lnL w="12700" cap="flat" cmpd="sng" algn="ctr">
+                      <a:solidFill>
+                        <a:srgbClr val="000000"/>
+                      </a:solidFill>
+                      <a:prstDash val="solid"/>
+                      <a:round/>
+                      <a:headEnd type="none" w="med" len="med"/>
+                      <a:tailEnd type="none" w="med" len="med"/>
+                    </a:lnL>
+                    <a:lnR w="6350" cap="flat" cmpd="sng" algn="ctr">
+                      <a:solidFill>
+                        <a:srgbClr val="000000"/>
+                      </a:solidFill>
+                      <a:prstDash val="solid"/>
+                      <a:round/>
+                      <a:headEnd type="none" w="med" len="med"/>
+                      <a:tailEnd type="none" w="med" len="med"/>
+                    </a:lnR>
+                    <a:lnT w="6350" cap="flat" cmpd="sng" algn="ctr">
+                      <a:solidFill>
+                        <a:srgbClr val="000000"/>
+                      </a:solidFill>
+                      <a:prstDash val="solid"/>
+                      <a:round/>
+                      <a:headEnd type="none" w="med" len="med"/>
+                      <a:tailEnd type="none" w="med" len="med"/>
+                    </a:lnT>
+                    <a:lnB w="6350" cap="flat" cmpd="sng" algn="ctr">
+                      <a:solidFill>
+                        <a:srgbClr val="000000"/>
+                      </a:solidFill>
+                      <a:prstDash val="solid"/>
+                      <a:round/>
+                      <a:headEnd type="none" w="med" len="med"/>
+                      <a:tailEnd type="none" w="med" len="med"/>
+                    </a:lnB>
+                  </a:tcPr>
+                </a:tc>
+                <a:tc>
+                  <a:txBody>
+                    <a:bodyPr/>
+                    <a:lstStyle/>
+                    <a:p>
+                      <a:pPr algn="ctr" fontAlgn="ctr"/>
+                      <a:r>
+                        <a:rPr lang="en-US" sz="1400" b="0" i="0" u="none" strike="noStrike">
+                          <a:solidFill>
+                            <a:srgbClr val="000000"/>
+                          </a:solidFill>
+                          <a:effectLst/>
+                          <a:latin typeface="Calibri" panose="020F0502020204030204" pitchFamily="34" charset="0"/>
+                        </a:rPr>
+                        <a:t>longest link</a:t>
+                      </a:r>
+                    </a:p>
+                  </a:txBody>
+                  <a:tcPr marL="9525" marR="9525" marT="9525" marB="0" anchor="ctr">
+                    <a:lnL w="6350" cap="flat" cmpd="sng" algn="ctr">
+                      <a:solidFill>
+                        <a:srgbClr val="000000"/>
+                      </a:solidFill>
+                      <a:prstDash val="solid"/>
+                      <a:round/>
+                      <a:headEnd type="none" w="med" len="med"/>
+                      <a:tailEnd type="none" w="med" len="med"/>
+                    </a:lnL>
+                    <a:lnR w="6350" cap="flat" cmpd="sng" algn="ctr">
+                      <a:solidFill>
+                        <a:srgbClr val="000000"/>
+                      </a:solidFill>
+                      <a:prstDash val="solid"/>
+                      <a:round/>
+                      <a:headEnd type="none" w="med" len="med"/>
+                      <a:tailEnd type="none" w="med" len="med"/>
+                    </a:lnR>
+                    <a:lnT w="6350" cap="flat" cmpd="sng" algn="ctr">
+                      <a:solidFill>
+                        <a:srgbClr val="000000"/>
+                      </a:solidFill>
+                      <a:prstDash val="solid"/>
+                      <a:round/>
+                      <a:headEnd type="none" w="med" len="med"/>
+                      <a:tailEnd type="none" w="med" len="med"/>
+                    </a:lnT>
+                    <a:lnB w="6350" cap="flat" cmpd="sng" algn="ctr">
+                      <a:solidFill>
+                        <a:srgbClr val="000000"/>
+                      </a:solidFill>
+                      <a:prstDash val="solid"/>
+                      <a:round/>
+                      <a:headEnd type="none" w="med" len="med"/>
+                      <a:tailEnd type="none" w="med" len="med"/>
+                    </a:lnB>
+                  </a:tcPr>
+                </a:tc>
+                <a:tc>
+                  <a:txBody>
+                    <a:bodyPr/>
+                    <a:lstStyle/>
+                    <a:p>
+                      <a:pPr algn="ctr" fontAlgn="ctr"/>
+                      <a:r>
+                        <a:rPr lang="en-US" sz="1400" b="0" i="0" u="none" strike="noStrike">
+                          <a:solidFill>
+                            <a:srgbClr val="000000"/>
+                          </a:solidFill>
+                          <a:effectLst/>
+                          <a:latin typeface="Calibri" panose="020F0502020204030204" pitchFamily="34" charset="0"/>
+                        </a:rPr>
+                        <a:t>2</a:t>
+                      </a:r>
+                    </a:p>
+                  </a:txBody>
+                  <a:tcPr marL="9525" marR="9525" marT="9525" marB="0" anchor="ctr">
+                    <a:lnL w="6350" cap="flat" cmpd="sng" algn="ctr">
+                      <a:solidFill>
+                        <a:srgbClr val="000000"/>
+                      </a:solidFill>
+                      <a:prstDash val="solid"/>
+                      <a:round/>
+                      <a:headEnd type="none" w="med" len="med"/>
+                      <a:tailEnd type="none" w="med" len="med"/>
+                    </a:lnL>
+                    <a:lnR w="6350" cap="flat" cmpd="sng" algn="ctr">
+                      <a:solidFill>
+                        <a:srgbClr val="000000"/>
+                      </a:solidFill>
+                      <a:prstDash val="solid"/>
+                      <a:round/>
+                      <a:headEnd type="none" w="med" len="med"/>
+                      <a:tailEnd type="none" w="med" len="med"/>
+                    </a:lnR>
+                    <a:lnT w="6350" cap="flat" cmpd="sng" algn="ctr">
+                      <a:solidFill>
+                        <a:srgbClr val="000000"/>
+                      </a:solidFill>
+                      <a:prstDash val="solid"/>
+                      <a:round/>
+                      <a:headEnd type="none" w="med" len="med"/>
+                      <a:tailEnd type="none" w="med" len="med"/>
+                    </a:lnT>
+                    <a:lnB w="6350" cap="flat" cmpd="sng" algn="ctr">
+                      <a:solidFill>
+                        <a:srgbClr val="000000"/>
+                      </a:solidFill>
+                      <a:prstDash val="solid"/>
+                      <a:round/>
+                      <a:headEnd type="none" w="med" len="med"/>
+                      <a:tailEnd type="none" w="med" len="med"/>
+                    </a:lnB>
+                  </a:tcPr>
+                </a:tc>
+                <a:tc>
+                  <a:txBody>
+                    <a:bodyPr/>
+                    <a:lstStyle/>
+                    <a:p>
+                      <a:pPr algn="ctr" fontAlgn="ctr"/>
+                      <a:r>
+                        <a:rPr lang="en-US" sz="1400" b="0" i="0" u="none" strike="noStrike">
+                          <a:solidFill>
+                            <a:srgbClr val="000000"/>
+                          </a:solidFill>
+                          <a:effectLst/>
+                          <a:latin typeface="Calibri" panose="020F0502020204030204" pitchFamily="34" charset="0"/>
+                        </a:rPr>
+                        <a:t>0.4</a:t>
+                      </a:r>
+                    </a:p>
+                  </a:txBody>
+                  <a:tcPr marL="9525" marR="9525" marT="9525" marB="0" anchor="ctr">
+                    <a:lnL w="6350" cap="flat" cmpd="sng" algn="ctr">
+                      <a:solidFill>
+                        <a:srgbClr val="000000"/>
+                      </a:solidFill>
+                      <a:prstDash val="solid"/>
+                      <a:round/>
+                      <a:headEnd type="none" w="med" len="med"/>
+                      <a:tailEnd type="none" w="med" len="med"/>
+                    </a:lnL>
+                    <a:lnR w="6350" cap="flat" cmpd="sng" algn="ctr">
+                      <a:solidFill>
+                        <a:srgbClr val="000000"/>
+                      </a:solidFill>
+                      <a:prstDash val="solid"/>
+                      <a:round/>
+                      <a:headEnd type="none" w="med" len="med"/>
+                      <a:tailEnd type="none" w="med" len="med"/>
+                    </a:lnR>
+                    <a:lnT w="6350" cap="flat" cmpd="sng" algn="ctr">
+                      <a:solidFill>
+                        <a:srgbClr val="000000"/>
+                      </a:solidFill>
+                      <a:prstDash val="solid"/>
+                      <a:round/>
+                      <a:headEnd type="none" w="med" len="med"/>
+                      <a:tailEnd type="none" w="med" len="med"/>
+                    </a:lnT>
+                    <a:lnB w="6350" cap="flat" cmpd="sng" algn="ctr">
+                      <a:solidFill>
+                        <a:srgbClr val="000000"/>
+                      </a:solidFill>
+                      <a:prstDash val="solid"/>
+                      <a:round/>
+                      <a:headEnd type="none" w="med" len="med"/>
+                      <a:tailEnd type="none" w="med" len="med"/>
+                    </a:lnB>
+                  </a:tcPr>
+                </a:tc>
+                <a:tc>
+                  <a:txBody>
+                    <a:bodyPr/>
+                    <a:lstStyle/>
+                    <a:p>
+                      <a:pPr algn="ctr" fontAlgn="ctr"/>
+                      <a:r>
+                        <a:rPr lang="en-US" sz="1400" b="0" i="0" u="none" strike="noStrike">
+                          <a:solidFill>
+                            <a:srgbClr val="000000"/>
+                          </a:solidFill>
+                          <a:effectLst/>
+                          <a:latin typeface="Calibri" panose="020F0502020204030204" pitchFamily="34" charset="0"/>
+                        </a:rPr>
+                        <a:t>0.7</a:t>
+                      </a:r>
+                    </a:p>
+                  </a:txBody>
+                  <a:tcPr marL="9525" marR="9525" marT="9525" marB="0" anchor="ctr">
+                    <a:lnL w="6350" cap="flat" cmpd="sng" algn="ctr">
+                      <a:solidFill>
+                        <a:srgbClr val="000000"/>
+                      </a:solidFill>
+                      <a:prstDash val="solid"/>
+                      <a:round/>
+                      <a:headEnd type="none" w="med" len="med"/>
+                      <a:tailEnd type="none" w="med" len="med"/>
+                    </a:lnL>
+                    <a:lnR w="6350" cap="flat" cmpd="sng" algn="ctr">
+                      <a:solidFill>
+                        <a:srgbClr val="000000"/>
+                      </a:solidFill>
+                      <a:prstDash val="solid"/>
+                      <a:round/>
+                      <a:headEnd type="none" w="med" len="med"/>
+                      <a:tailEnd type="none" w="med" len="med"/>
+                    </a:lnR>
+                    <a:lnT w="6350" cap="flat" cmpd="sng" algn="ctr">
+                      <a:solidFill>
+                        <a:srgbClr val="000000"/>
+                      </a:solidFill>
+                      <a:prstDash val="solid"/>
+                      <a:round/>
+                      <a:headEnd type="none" w="med" len="med"/>
+                      <a:tailEnd type="none" w="med" len="med"/>
+                    </a:lnT>
+                    <a:lnB w="6350" cap="flat" cmpd="sng" algn="ctr">
+                      <a:solidFill>
+                        <a:srgbClr val="000000"/>
+                      </a:solidFill>
+                      <a:prstDash val="solid"/>
+                      <a:round/>
+                      <a:headEnd type="none" w="med" len="med"/>
+                      <a:tailEnd type="none" w="med" len="med"/>
+                    </a:lnB>
+                  </a:tcPr>
+                </a:tc>
+                <a:tc>
+                  <a:txBody>
+                    <a:bodyPr/>
+                    <a:lstStyle/>
+                    <a:p>
+                      <a:pPr algn="ctr" fontAlgn="ctr"/>
+                      <a:r>
+                        <a:rPr lang="en-US" sz="1400" b="0" i="0" u="none" strike="noStrike">
+                          <a:solidFill>
+                            <a:srgbClr val="000000"/>
+                          </a:solidFill>
+                          <a:effectLst/>
+                          <a:latin typeface="Calibri" panose="020F0502020204030204" pitchFamily="34" charset="0"/>
+                        </a:rPr>
+                        <a:t>***</a:t>
+                      </a:r>
+                    </a:p>
+                  </a:txBody>
+                  <a:tcPr marL="9525" marR="9525" marT="9525" marB="0" anchor="ctr">
+                    <a:lnL w="6350" cap="flat" cmpd="sng" algn="ctr">
+                      <a:solidFill>
+                        <a:srgbClr val="000000"/>
+                      </a:solidFill>
+                      <a:prstDash val="solid"/>
+                      <a:round/>
+                      <a:headEnd type="none" w="med" len="med"/>
+                      <a:tailEnd type="none" w="med" len="med"/>
+                    </a:lnL>
+                    <a:lnR w="6350" cap="flat" cmpd="sng" algn="ctr">
+                      <a:solidFill>
+                        <a:srgbClr val="000000"/>
+                      </a:solidFill>
+                      <a:prstDash val="solid"/>
+                      <a:round/>
+                      <a:headEnd type="none" w="med" len="med"/>
+                      <a:tailEnd type="none" w="med" len="med"/>
+                    </a:lnR>
+                    <a:lnT w="6350" cap="flat" cmpd="sng" algn="ctr">
+                      <a:solidFill>
+                        <a:srgbClr val="000000"/>
+                      </a:solidFill>
+                      <a:prstDash val="solid"/>
+                      <a:round/>
+                      <a:headEnd type="none" w="med" len="med"/>
+                      <a:tailEnd type="none" w="med" len="med"/>
+                    </a:lnT>
+                    <a:lnB w="6350" cap="flat" cmpd="sng" algn="ctr">
+                      <a:solidFill>
+                        <a:srgbClr val="000000"/>
+                      </a:solidFill>
+                      <a:prstDash val="solid"/>
+                      <a:round/>
+                      <a:headEnd type="none" w="med" len="med"/>
+                      <a:tailEnd type="none" w="med" len="med"/>
+                    </a:lnB>
+                  </a:tcPr>
+                </a:tc>
+                <a:tc>
+                  <a:txBody>
+                    <a:bodyPr/>
+                    <a:lstStyle/>
+                    <a:p>
+                      <a:pPr algn="ctr" fontAlgn="ctr"/>
+                      <a:r>
+                        <a:rPr lang="en-US" sz="1400" b="0" i="0" u="none" strike="noStrike">
+                          <a:solidFill>
+                            <a:srgbClr val="000000"/>
+                          </a:solidFill>
+                          <a:effectLst/>
+                          <a:latin typeface="Calibri" panose="020F0502020204030204" pitchFamily="34" charset="0"/>
+                        </a:rPr>
+                        <a:t>***</a:t>
+                      </a:r>
+                    </a:p>
+                  </a:txBody>
+                  <a:tcPr marL="9525" marR="9525" marT="9525" marB="0" anchor="ctr">
+                    <a:lnL w="6350" cap="flat" cmpd="sng" algn="ctr">
+                      <a:solidFill>
+                        <a:srgbClr val="000000"/>
+                      </a:solidFill>
+                      <a:prstDash val="solid"/>
+                      <a:round/>
+                      <a:headEnd type="none" w="med" len="med"/>
+                      <a:tailEnd type="none" w="med" len="med"/>
+                    </a:lnL>
+                    <a:lnR w="6350" cap="flat" cmpd="sng" algn="ctr">
+                      <a:solidFill>
+                        <a:srgbClr val="000000"/>
+                      </a:solidFill>
+                      <a:prstDash val="solid"/>
+                      <a:round/>
+                      <a:headEnd type="none" w="med" len="med"/>
+                      <a:tailEnd type="none" w="med" len="med"/>
+                    </a:lnR>
+                    <a:lnT w="6350" cap="flat" cmpd="sng" algn="ctr">
+                      <a:solidFill>
+                        <a:srgbClr val="000000"/>
+                      </a:solidFill>
+                      <a:prstDash val="solid"/>
+                      <a:round/>
+                      <a:headEnd type="none" w="med" len="med"/>
+                      <a:tailEnd type="none" w="med" len="med"/>
+                    </a:lnT>
+                    <a:lnB w="6350" cap="flat" cmpd="sng" algn="ctr">
+                      <a:solidFill>
+                        <a:srgbClr val="000000"/>
+                      </a:solidFill>
+                      <a:prstDash val="solid"/>
+                      <a:round/>
+                      <a:headEnd type="none" w="med" len="med"/>
+                      <a:tailEnd type="none" w="med" len="med"/>
+                    </a:lnB>
+                  </a:tcPr>
+                </a:tc>
+                <a:tc>
+                  <a:txBody>
+                    <a:bodyPr/>
+                    <a:lstStyle/>
+                    <a:p>
+                      <a:pPr algn="ctr" fontAlgn="ctr"/>
+                      <a:r>
+                        <a:rPr lang="en-US" sz="1400" b="0" i="0" u="none" strike="noStrike">
+                          <a:solidFill>
+                            <a:srgbClr val="000000"/>
+                          </a:solidFill>
+                          <a:effectLst/>
+                          <a:latin typeface="Calibri" panose="020F0502020204030204" pitchFamily="34" charset="0"/>
+                        </a:rPr>
+                        <a:t>***</a:t>
+                      </a:r>
+                    </a:p>
+                  </a:txBody>
+                  <a:tcPr marL="9525" marR="9525" marT="9525" marB="0" anchor="ctr">
+                    <a:lnL w="6350" cap="flat" cmpd="sng" algn="ctr">
+                      <a:solidFill>
+                        <a:srgbClr val="000000"/>
+                      </a:solidFill>
+                      <a:prstDash val="solid"/>
+                      <a:round/>
+                      <a:headEnd type="none" w="med" len="med"/>
+                      <a:tailEnd type="none" w="med" len="med"/>
+                    </a:lnL>
+                    <a:lnR w="6350" cap="flat" cmpd="sng" algn="ctr">
+                      <a:solidFill>
+                        <a:srgbClr val="000000"/>
+                      </a:solidFill>
+                      <a:prstDash val="solid"/>
+                      <a:round/>
+                      <a:headEnd type="none" w="med" len="med"/>
+                      <a:tailEnd type="none" w="med" len="med"/>
+                    </a:lnR>
+                    <a:lnT w="6350" cap="flat" cmpd="sng" algn="ctr">
+                      <a:solidFill>
+                        <a:srgbClr val="000000"/>
+                      </a:solidFill>
+                      <a:prstDash val="solid"/>
+                      <a:round/>
+                      <a:headEnd type="none" w="med" len="med"/>
+                      <a:tailEnd type="none" w="med" len="med"/>
+                    </a:lnT>
+                    <a:lnB w="6350" cap="flat" cmpd="sng" algn="ctr">
+                      <a:solidFill>
+                        <a:srgbClr val="000000"/>
+                      </a:solidFill>
+                      <a:prstDash val="solid"/>
+                      <a:round/>
+                      <a:headEnd type="none" w="med" len="med"/>
+                      <a:tailEnd type="none" w="med" len="med"/>
+                    </a:lnB>
+                  </a:tcPr>
+                </a:tc>
+                <a:tc>
+                  <a:txBody>
+                    <a:bodyPr/>
+                    <a:lstStyle/>
+                    <a:p>
+                      <a:pPr algn="ctr" fontAlgn="ctr"/>
+                      <a:r>
+                        <a:rPr lang="en-US" sz="1400" b="0" i="0" u="none" strike="noStrike">
+                          <a:solidFill>
+                            <a:srgbClr val="000000"/>
+                          </a:solidFill>
+                          <a:effectLst/>
+                          <a:latin typeface="Calibri" panose="020F0502020204030204" pitchFamily="34" charset="0"/>
+                        </a:rPr>
+                        <a:t>***</a:t>
+                      </a:r>
+                    </a:p>
+                  </a:txBody>
+                  <a:tcPr marL="9525" marR="9525" marT="9525" marB="0" anchor="ctr">
+                    <a:lnL w="6350" cap="flat" cmpd="sng" algn="ctr">
+                      <a:solidFill>
+                        <a:srgbClr val="000000"/>
+                      </a:solidFill>
+                      <a:prstDash val="solid"/>
+                      <a:round/>
+                      <a:headEnd type="none" w="med" len="med"/>
+                      <a:tailEnd type="none" w="med" len="med"/>
+                    </a:lnL>
+                    <a:lnR w="6350" cap="flat" cmpd="sng" algn="ctr">
+                      <a:solidFill>
+                        <a:srgbClr val="000000"/>
+                      </a:solidFill>
+                      <a:prstDash val="solid"/>
+                      <a:round/>
+                      <a:headEnd type="none" w="med" len="med"/>
+                      <a:tailEnd type="none" w="med" len="med"/>
+                    </a:lnR>
+                    <a:lnT w="6350" cap="flat" cmpd="sng" algn="ctr">
+                      <a:solidFill>
+                        <a:srgbClr val="000000"/>
+                      </a:solidFill>
+                      <a:prstDash val="solid"/>
+                      <a:round/>
+                      <a:headEnd type="none" w="med" len="med"/>
+                      <a:tailEnd type="none" w="med" len="med"/>
+                    </a:lnT>
+                    <a:lnB w="6350" cap="flat" cmpd="sng" algn="ctr">
+                      <a:solidFill>
+                        <a:srgbClr val="000000"/>
+                      </a:solidFill>
+                      <a:prstDash val="solid"/>
+                      <a:round/>
+                      <a:headEnd type="none" w="med" len="med"/>
+                      <a:tailEnd type="none" w="med" len="med"/>
+                    </a:lnB>
+                  </a:tcPr>
+                </a:tc>
+                <a:tc>
+                  <a:txBody>
+                    <a:bodyPr/>
+                    <a:lstStyle/>
+                    <a:p>
+                      <a:pPr algn="ctr" fontAlgn="ctr"/>
+                      <a:r>
+                        <a:rPr lang="en-US" sz="1400" b="0" i="0" u="none" strike="noStrike">
+                          <a:solidFill>
+                            <a:srgbClr val="000000"/>
+                          </a:solidFill>
+                          <a:effectLst/>
+                          <a:latin typeface="Calibri" panose="020F0502020204030204" pitchFamily="34" charset="0"/>
+                        </a:rPr>
+                        <a:t>***</a:t>
+                      </a:r>
+                    </a:p>
+                  </a:txBody>
+                  <a:tcPr marL="9525" marR="9525" marT="9525" marB="0" anchor="ctr">
+                    <a:lnL w="6350" cap="flat" cmpd="sng" algn="ctr">
+                      <a:solidFill>
+                        <a:srgbClr val="000000"/>
+                      </a:solidFill>
+                      <a:prstDash val="solid"/>
+                      <a:round/>
+                      <a:headEnd type="none" w="med" len="med"/>
+                      <a:tailEnd type="none" w="med" len="med"/>
+                    </a:lnL>
+                    <a:lnR w="6350" cap="flat" cmpd="sng" algn="ctr">
+                      <a:solidFill>
+                        <a:srgbClr val="000000"/>
+                      </a:solidFill>
+                      <a:prstDash val="solid"/>
+                      <a:round/>
+                      <a:headEnd type="none" w="med" len="med"/>
+                      <a:tailEnd type="none" w="med" len="med"/>
+                    </a:lnR>
+                    <a:lnT w="6350" cap="flat" cmpd="sng" algn="ctr">
+                      <a:solidFill>
+                        <a:srgbClr val="000000"/>
+                      </a:solidFill>
+                      <a:prstDash val="solid"/>
+                      <a:round/>
+                      <a:headEnd type="none" w="med" len="med"/>
+                      <a:tailEnd type="none" w="med" len="med"/>
+                    </a:lnT>
+                    <a:lnB w="6350" cap="flat" cmpd="sng" algn="ctr">
+                      <a:solidFill>
+                        <a:srgbClr val="000000"/>
+                      </a:solidFill>
+                      <a:prstDash val="solid"/>
+                      <a:round/>
+                      <a:headEnd type="none" w="med" len="med"/>
+                      <a:tailEnd type="none" w="med" len="med"/>
+                    </a:lnB>
+                  </a:tcPr>
+                </a:tc>
+                <a:tc>
+                  <a:txBody>
+                    <a:bodyPr/>
+                    <a:lstStyle/>
+                    <a:p>
+                      <a:pPr algn="ctr" fontAlgn="ctr"/>
+                      <a:r>
+                        <a:rPr lang="en-US" sz="1400" b="0" i="0" u="none" strike="noStrike">
+                          <a:solidFill>
+                            <a:srgbClr val="000000"/>
+                          </a:solidFill>
+                          <a:effectLst/>
+                          <a:latin typeface="Calibri" panose="020F0502020204030204" pitchFamily="34" charset="0"/>
+                        </a:rPr>
+                        <a:t>***</a:t>
+                      </a:r>
+                    </a:p>
+                  </a:txBody>
+                  <a:tcPr marL="9525" marR="9525" marT="9525" marB="0" anchor="ctr">
+                    <a:lnL w="6350" cap="flat" cmpd="sng" algn="ctr">
+                      <a:solidFill>
+                        <a:srgbClr val="000000"/>
+                      </a:solidFill>
+                      <a:prstDash val="solid"/>
+                      <a:round/>
+                      <a:headEnd type="none" w="med" len="med"/>
+                      <a:tailEnd type="none" w="med" len="med"/>
+                    </a:lnL>
+                    <a:lnR w="12700" cap="flat" cmpd="sng" algn="ctr">
+                      <a:solidFill>
+                        <a:srgbClr val="000000"/>
+                      </a:solidFill>
+                      <a:prstDash val="solid"/>
+                      <a:round/>
+                      <a:headEnd type="none" w="med" len="med"/>
+                      <a:tailEnd type="none" w="med" len="med"/>
+                    </a:lnR>
+                    <a:lnT w="6350" cap="flat" cmpd="sng" algn="ctr">
+                      <a:solidFill>
+                        <a:srgbClr val="000000"/>
+                      </a:solidFill>
+                      <a:prstDash val="solid"/>
+                      <a:round/>
+                      <a:headEnd type="none" w="med" len="med"/>
+                      <a:tailEnd type="none" w="med" len="med"/>
+                    </a:lnT>
+                    <a:lnB w="6350" cap="flat" cmpd="sng" algn="ctr">
+                      <a:solidFill>
+                        <a:srgbClr val="000000"/>
+                      </a:solidFill>
+                      <a:prstDash val="solid"/>
+                      <a:round/>
+                      <a:headEnd type="none" w="med" len="med"/>
+                      <a:tailEnd type="none" w="med" len="med"/>
+                    </a:lnB>
+                  </a:tcPr>
+                </a:tc>
+                <a:extLst>
+                  <a:ext uri="{0D108BD9-81ED-4DB2-BD59-A6C34878D82A}">
+                    <a16:rowId xmlns:a16="http://schemas.microsoft.com/office/drawing/2014/main" val="1157338688"/>
+                  </a:ext>
+                </a:extLst>
+              </a:tr>
+              <a:tr h="566336">
+                <a:tc>
+                  <a:txBody>
+                    <a:bodyPr/>
+                    <a:lstStyle/>
+                    <a:p>
+                      <a:pPr algn="ctr" fontAlgn="ctr"/>
+                      <a:r>
+                        <a:rPr lang="en-US" sz="1400" b="0" i="0" u="none" strike="noStrike">
+                          <a:solidFill>
+                            <a:srgbClr val="000000"/>
+                          </a:solidFill>
+                          <a:effectLst/>
+                          <a:latin typeface="Calibri" panose="020F0502020204030204" pitchFamily="34" charset="0"/>
+                        </a:rPr>
+                        <a:t>7</a:t>
+                      </a:r>
+                    </a:p>
+                  </a:txBody>
+                  <a:tcPr marL="9525" marR="9525" marT="9525" marB="0" anchor="ctr">
+                    <a:lnL w="12700" cap="flat" cmpd="sng" algn="ctr">
+                      <a:solidFill>
+                        <a:srgbClr val="000000"/>
+                      </a:solidFill>
+                      <a:prstDash val="solid"/>
+                      <a:round/>
+                      <a:headEnd type="none" w="med" len="med"/>
+                      <a:tailEnd type="none" w="med" len="med"/>
+                    </a:lnL>
+                    <a:lnR w="6350" cap="flat" cmpd="sng" algn="ctr">
+                      <a:solidFill>
+                        <a:srgbClr val="000000"/>
+                      </a:solidFill>
+                      <a:prstDash val="solid"/>
+                      <a:round/>
+                      <a:headEnd type="none" w="med" len="med"/>
+                      <a:tailEnd type="none" w="med" len="med"/>
+                    </a:lnR>
+                    <a:lnT w="6350" cap="flat" cmpd="sng" algn="ctr">
+                      <a:solidFill>
+                        <a:srgbClr val="000000"/>
+                      </a:solidFill>
+                      <a:prstDash val="solid"/>
+                      <a:round/>
+                      <a:headEnd type="none" w="med" len="med"/>
+                      <a:tailEnd type="none" w="med" len="med"/>
+                    </a:lnT>
+                    <a:lnB w="6350" cap="flat" cmpd="sng" algn="ctr">
+                      <a:solidFill>
+                        <a:srgbClr val="000000"/>
+                      </a:solidFill>
+                      <a:prstDash val="solid"/>
+                      <a:round/>
+                      <a:headEnd type="none" w="med" len="med"/>
+                      <a:tailEnd type="none" w="med" len="med"/>
+                    </a:lnB>
+                  </a:tcPr>
+                </a:tc>
+                <a:tc>
+                  <a:txBody>
+                    <a:bodyPr/>
+                    <a:lstStyle/>
+                    <a:p>
+                      <a:pPr algn="ctr" fontAlgn="ctr"/>
+                      <a:r>
+                        <a:rPr lang="en-US" sz="1400" b="0" i="0" u="none" strike="noStrike">
+                          <a:solidFill>
+                            <a:srgbClr val="000000"/>
+                          </a:solidFill>
+                          <a:effectLst/>
+                          <a:latin typeface="Calibri" panose="020F0502020204030204" pitchFamily="34" charset="0"/>
+                        </a:rPr>
+                        <a:t>prismatic to revulote ratio</a:t>
+                      </a:r>
+                    </a:p>
+                  </a:txBody>
+                  <a:tcPr marL="9525" marR="9525" marT="9525" marB="0" anchor="ctr">
+                    <a:lnL w="6350" cap="flat" cmpd="sng" algn="ctr">
+                      <a:solidFill>
+                        <a:srgbClr val="000000"/>
+                      </a:solidFill>
+                      <a:prstDash val="solid"/>
+                      <a:round/>
+                      <a:headEnd type="none" w="med" len="med"/>
+                      <a:tailEnd type="none" w="med" len="med"/>
+                    </a:lnL>
+                    <a:lnR w="6350" cap="flat" cmpd="sng" algn="ctr">
+                      <a:solidFill>
+                        <a:srgbClr val="000000"/>
+                      </a:solidFill>
+                      <a:prstDash val="solid"/>
+                      <a:round/>
+                      <a:headEnd type="none" w="med" len="med"/>
+                      <a:tailEnd type="none" w="med" len="med"/>
+                    </a:lnR>
+                    <a:lnT w="6350" cap="flat" cmpd="sng" algn="ctr">
+                      <a:solidFill>
+                        <a:srgbClr val="000000"/>
+                      </a:solidFill>
+                      <a:prstDash val="solid"/>
+                      <a:round/>
+                      <a:headEnd type="none" w="med" len="med"/>
+                      <a:tailEnd type="none" w="med" len="med"/>
+                    </a:lnT>
+                    <a:lnB w="6350" cap="flat" cmpd="sng" algn="ctr">
+                      <a:solidFill>
+                        <a:srgbClr val="000000"/>
+                      </a:solidFill>
+                      <a:prstDash val="solid"/>
+                      <a:round/>
+                      <a:headEnd type="none" w="med" len="med"/>
+                      <a:tailEnd type="none" w="med" len="med"/>
+                    </a:lnB>
+                    <a:solidFill>
+                      <a:srgbClr val="D9E1F2"/>
+                    </a:solidFill>
+                  </a:tcPr>
+                </a:tc>
+                <a:tc>
+                  <a:txBody>
+                    <a:bodyPr/>
+                    <a:lstStyle/>
+                    <a:p>
+                      <a:pPr algn="ctr" fontAlgn="ctr"/>
+                      <a:r>
+                        <a:rPr lang="en-US" sz="1400" b="0" i="0" u="none" strike="noStrike">
+                          <a:solidFill>
+                            <a:srgbClr val="000000"/>
+                          </a:solidFill>
+                          <a:effectLst/>
+                          <a:latin typeface="Calibri" panose="020F0502020204030204" pitchFamily="34" charset="0"/>
+                        </a:rPr>
+                        <a:t>8</a:t>
+                      </a:r>
+                    </a:p>
+                  </a:txBody>
+                  <a:tcPr marL="9525" marR="9525" marT="9525" marB="0" anchor="ctr">
+                    <a:lnL w="6350" cap="flat" cmpd="sng" algn="ctr">
+                      <a:solidFill>
+                        <a:srgbClr val="000000"/>
+                      </a:solidFill>
+                      <a:prstDash val="solid"/>
+                      <a:round/>
+                      <a:headEnd type="none" w="med" len="med"/>
+                      <a:tailEnd type="none" w="med" len="med"/>
+                    </a:lnL>
+                    <a:lnR w="6350" cap="flat" cmpd="sng" algn="ctr">
+                      <a:solidFill>
+                        <a:srgbClr val="000000"/>
+                      </a:solidFill>
+                      <a:prstDash val="solid"/>
+                      <a:round/>
+                      <a:headEnd type="none" w="med" len="med"/>
+                      <a:tailEnd type="none" w="med" len="med"/>
+                    </a:lnR>
+                    <a:lnT w="6350" cap="flat" cmpd="sng" algn="ctr">
+                      <a:solidFill>
+                        <a:srgbClr val="000000"/>
+                      </a:solidFill>
+                      <a:prstDash val="solid"/>
+                      <a:round/>
+                      <a:headEnd type="none" w="med" len="med"/>
+                      <a:tailEnd type="none" w="med" len="med"/>
+                    </a:lnT>
+                    <a:lnB w="6350" cap="flat" cmpd="sng" algn="ctr">
+                      <a:solidFill>
+                        <a:srgbClr val="000000"/>
+                      </a:solidFill>
+                      <a:prstDash val="solid"/>
+                      <a:round/>
+                      <a:headEnd type="none" w="med" len="med"/>
+                      <a:tailEnd type="none" w="med" len="med"/>
+                    </a:lnB>
+                    <a:solidFill>
+                      <a:srgbClr val="D9E1F2"/>
+                    </a:solidFill>
+                  </a:tcPr>
+                </a:tc>
+                <a:tc>
+                  <a:txBody>
+                    <a:bodyPr/>
+                    <a:lstStyle/>
+                    <a:p>
+                      <a:pPr algn="ctr" fontAlgn="ctr"/>
+                      <a:r>
+                        <a:rPr lang="en-US" sz="1400" b="0" i="0" u="none" strike="noStrike">
+                          <a:solidFill>
+                            <a:srgbClr val="000000"/>
+                          </a:solidFill>
+                          <a:effectLst/>
+                          <a:latin typeface="Calibri" panose="020F0502020204030204" pitchFamily="34" charset="0"/>
+                        </a:rPr>
+                        <a:t>0</a:t>
+                      </a:r>
+                    </a:p>
+                  </a:txBody>
+                  <a:tcPr marL="9525" marR="9525" marT="9525" marB="0" anchor="ctr">
+                    <a:lnL w="6350" cap="flat" cmpd="sng" algn="ctr">
+                      <a:solidFill>
+                        <a:srgbClr val="000000"/>
+                      </a:solidFill>
+                      <a:prstDash val="solid"/>
+                      <a:round/>
+                      <a:headEnd type="none" w="med" len="med"/>
+                      <a:tailEnd type="none" w="med" len="med"/>
+                    </a:lnL>
+                    <a:lnR w="6350" cap="flat" cmpd="sng" algn="ctr">
+                      <a:solidFill>
+                        <a:srgbClr val="000000"/>
+                      </a:solidFill>
+                      <a:prstDash val="solid"/>
+                      <a:round/>
+                      <a:headEnd type="none" w="med" len="med"/>
+                      <a:tailEnd type="none" w="med" len="med"/>
+                    </a:lnR>
+                    <a:lnT w="6350" cap="flat" cmpd="sng" algn="ctr">
+                      <a:solidFill>
+                        <a:srgbClr val="000000"/>
+                      </a:solidFill>
+                      <a:prstDash val="solid"/>
+                      <a:round/>
+                      <a:headEnd type="none" w="med" len="med"/>
+                      <a:tailEnd type="none" w="med" len="med"/>
+                    </a:lnT>
+                    <a:lnB w="6350" cap="flat" cmpd="sng" algn="ctr">
+                      <a:solidFill>
+                        <a:srgbClr val="000000"/>
+                      </a:solidFill>
+                      <a:prstDash val="solid"/>
+                      <a:round/>
+                      <a:headEnd type="none" w="med" len="med"/>
+                      <a:tailEnd type="none" w="med" len="med"/>
+                    </a:lnB>
+                    <a:solidFill>
+                      <a:srgbClr val="D9E1F2"/>
+                    </a:solidFill>
+                  </a:tcPr>
+                </a:tc>
+                <a:tc>
+                  <a:txBody>
+                    <a:bodyPr/>
+                    <a:lstStyle/>
+                    <a:p>
+                      <a:pPr algn="ctr" fontAlgn="ctr"/>
+                      <a:r>
+                        <a:rPr lang="en-US" sz="1400" b="0" i="0" u="none" strike="noStrike">
+                          <a:solidFill>
+                            <a:srgbClr val="000000"/>
+                          </a:solidFill>
+                          <a:effectLst/>
+                          <a:latin typeface="Calibri" panose="020F0502020204030204" pitchFamily="34" charset="0"/>
+                        </a:rPr>
+                        <a:t>0.2</a:t>
+                      </a:r>
+                    </a:p>
+                  </a:txBody>
+                  <a:tcPr marL="9525" marR="9525" marT="9525" marB="0" anchor="ctr">
+                    <a:lnL w="6350" cap="flat" cmpd="sng" algn="ctr">
+                      <a:solidFill>
+                        <a:srgbClr val="000000"/>
+                      </a:solidFill>
+                      <a:prstDash val="solid"/>
+                      <a:round/>
+                      <a:headEnd type="none" w="med" len="med"/>
+                      <a:tailEnd type="none" w="med" len="med"/>
+                    </a:lnL>
+                    <a:lnR w="6350" cap="flat" cmpd="sng" algn="ctr">
+                      <a:solidFill>
+                        <a:srgbClr val="000000"/>
+                      </a:solidFill>
+                      <a:prstDash val="solid"/>
+                      <a:round/>
+                      <a:headEnd type="none" w="med" len="med"/>
+                      <a:tailEnd type="none" w="med" len="med"/>
+                    </a:lnR>
+                    <a:lnT w="6350" cap="flat" cmpd="sng" algn="ctr">
+                      <a:solidFill>
+                        <a:srgbClr val="000000"/>
+                      </a:solidFill>
+                      <a:prstDash val="solid"/>
+                      <a:round/>
+                      <a:headEnd type="none" w="med" len="med"/>
+                      <a:tailEnd type="none" w="med" len="med"/>
+                    </a:lnT>
+                    <a:lnB w="6350" cap="flat" cmpd="sng" algn="ctr">
+                      <a:solidFill>
+                        <a:srgbClr val="000000"/>
+                      </a:solidFill>
+                      <a:prstDash val="solid"/>
+                      <a:round/>
+                      <a:headEnd type="none" w="med" len="med"/>
+                      <a:tailEnd type="none" w="med" len="med"/>
+                    </a:lnB>
+                    <a:solidFill>
+                      <a:srgbClr val="D9E1F2"/>
+                    </a:solidFill>
+                  </a:tcPr>
+                </a:tc>
+                <a:tc>
+                  <a:txBody>
+                    <a:bodyPr/>
+                    <a:lstStyle/>
+                    <a:p>
+                      <a:pPr algn="ctr" fontAlgn="ctr"/>
+                      <a:r>
+                        <a:rPr lang="en-US" sz="1400" b="0" i="0" u="none" strike="noStrike">
+                          <a:solidFill>
+                            <a:srgbClr val="000000"/>
+                          </a:solidFill>
+                          <a:effectLst/>
+                          <a:latin typeface="Calibri" panose="020F0502020204030204" pitchFamily="34" charset="0"/>
+                        </a:rPr>
+                        <a:t>0.25</a:t>
+                      </a:r>
+                    </a:p>
+                  </a:txBody>
+                  <a:tcPr marL="9525" marR="9525" marT="9525" marB="0" anchor="ctr">
+                    <a:lnL w="6350" cap="flat" cmpd="sng" algn="ctr">
+                      <a:solidFill>
+                        <a:srgbClr val="000000"/>
+                      </a:solidFill>
+                      <a:prstDash val="solid"/>
+                      <a:round/>
+                      <a:headEnd type="none" w="med" len="med"/>
+                      <a:tailEnd type="none" w="med" len="med"/>
+                    </a:lnL>
+                    <a:lnR w="6350" cap="flat" cmpd="sng" algn="ctr">
+                      <a:solidFill>
+                        <a:srgbClr val="000000"/>
+                      </a:solidFill>
+                      <a:prstDash val="solid"/>
+                      <a:round/>
+                      <a:headEnd type="none" w="med" len="med"/>
+                      <a:tailEnd type="none" w="med" len="med"/>
+                    </a:lnR>
+                    <a:lnT w="6350" cap="flat" cmpd="sng" algn="ctr">
+                      <a:solidFill>
+                        <a:srgbClr val="000000"/>
+                      </a:solidFill>
+                      <a:prstDash val="solid"/>
+                      <a:round/>
+                      <a:headEnd type="none" w="med" len="med"/>
+                      <a:tailEnd type="none" w="med" len="med"/>
+                    </a:lnT>
+                    <a:lnB w="6350" cap="flat" cmpd="sng" algn="ctr">
+                      <a:solidFill>
+                        <a:srgbClr val="000000"/>
+                      </a:solidFill>
+                      <a:prstDash val="solid"/>
+                      <a:round/>
+                      <a:headEnd type="none" w="med" len="med"/>
+                      <a:tailEnd type="none" w="med" len="med"/>
+                    </a:lnB>
+                    <a:solidFill>
+                      <a:srgbClr val="D9E1F2"/>
+                    </a:solidFill>
+                  </a:tcPr>
+                </a:tc>
+                <a:tc>
+                  <a:txBody>
+                    <a:bodyPr/>
+                    <a:lstStyle/>
+                    <a:p>
+                      <a:pPr algn="ctr" fontAlgn="ctr"/>
+                      <a:r>
+                        <a:rPr lang="en-US" sz="1400" b="0" i="0" u="none" strike="noStrike">
+                          <a:solidFill>
+                            <a:srgbClr val="000000"/>
+                          </a:solidFill>
+                          <a:effectLst/>
+                          <a:latin typeface="Calibri" panose="020F0502020204030204" pitchFamily="34" charset="0"/>
+                        </a:rPr>
+                        <a:t>0.33</a:t>
+                      </a:r>
+                    </a:p>
+                  </a:txBody>
+                  <a:tcPr marL="9525" marR="9525" marT="9525" marB="0" anchor="ctr">
+                    <a:lnL w="6350" cap="flat" cmpd="sng" algn="ctr">
+                      <a:solidFill>
+                        <a:srgbClr val="000000"/>
+                      </a:solidFill>
+                      <a:prstDash val="solid"/>
+                      <a:round/>
+                      <a:headEnd type="none" w="med" len="med"/>
+                      <a:tailEnd type="none" w="med" len="med"/>
+                    </a:lnL>
+                    <a:lnR w="6350" cap="flat" cmpd="sng" algn="ctr">
+                      <a:solidFill>
+                        <a:srgbClr val="000000"/>
+                      </a:solidFill>
+                      <a:prstDash val="solid"/>
+                      <a:round/>
+                      <a:headEnd type="none" w="med" len="med"/>
+                      <a:tailEnd type="none" w="med" len="med"/>
+                    </a:lnR>
+                    <a:lnT w="6350" cap="flat" cmpd="sng" algn="ctr">
+                      <a:solidFill>
+                        <a:srgbClr val="000000"/>
+                      </a:solidFill>
+                      <a:prstDash val="solid"/>
+                      <a:round/>
+                      <a:headEnd type="none" w="med" len="med"/>
+                      <a:tailEnd type="none" w="med" len="med"/>
+                    </a:lnT>
+                    <a:lnB w="6350" cap="flat" cmpd="sng" algn="ctr">
+                      <a:solidFill>
+                        <a:srgbClr val="000000"/>
+                      </a:solidFill>
+                      <a:prstDash val="solid"/>
+                      <a:round/>
+                      <a:headEnd type="none" w="med" len="med"/>
+                      <a:tailEnd type="none" w="med" len="med"/>
+                    </a:lnB>
+                    <a:solidFill>
+                      <a:srgbClr val="D9E1F2"/>
+                    </a:solidFill>
+                  </a:tcPr>
+                </a:tc>
+                <a:tc>
+                  <a:txBody>
+                    <a:bodyPr/>
+                    <a:lstStyle/>
+                    <a:p>
+                      <a:pPr algn="ctr" fontAlgn="ctr"/>
+                      <a:r>
+                        <a:rPr lang="en-US" sz="1400" b="0" i="0" u="none" strike="noStrike">
+                          <a:solidFill>
+                            <a:srgbClr val="000000"/>
+                          </a:solidFill>
+                          <a:effectLst/>
+                          <a:latin typeface="Calibri" panose="020F0502020204030204" pitchFamily="34" charset="0"/>
+                        </a:rPr>
+                        <a:t>0.67</a:t>
+                      </a:r>
+                    </a:p>
+                  </a:txBody>
+                  <a:tcPr marL="9525" marR="9525" marT="9525" marB="0" anchor="ctr">
+                    <a:lnL w="6350" cap="flat" cmpd="sng" algn="ctr">
+                      <a:solidFill>
+                        <a:srgbClr val="000000"/>
+                      </a:solidFill>
+                      <a:prstDash val="solid"/>
+                      <a:round/>
+                      <a:headEnd type="none" w="med" len="med"/>
+                      <a:tailEnd type="none" w="med" len="med"/>
+                    </a:lnL>
+                    <a:lnR w="6350" cap="flat" cmpd="sng" algn="ctr">
+                      <a:solidFill>
+                        <a:srgbClr val="000000"/>
+                      </a:solidFill>
+                      <a:prstDash val="solid"/>
+                      <a:round/>
+                      <a:headEnd type="none" w="med" len="med"/>
+                      <a:tailEnd type="none" w="med" len="med"/>
+                    </a:lnR>
+                    <a:lnT w="6350" cap="flat" cmpd="sng" algn="ctr">
+                      <a:solidFill>
+                        <a:srgbClr val="000000"/>
+                      </a:solidFill>
+                      <a:prstDash val="solid"/>
+                      <a:round/>
+                      <a:headEnd type="none" w="med" len="med"/>
+                      <a:tailEnd type="none" w="med" len="med"/>
+                    </a:lnT>
+                    <a:lnB w="6350" cap="flat" cmpd="sng" algn="ctr">
+                      <a:solidFill>
+                        <a:srgbClr val="000000"/>
+                      </a:solidFill>
+                      <a:prstDash val="solid"/>
+                      <a:round/>
+                      <a:headEnd type="none" w="med" len="med"/>
+                      <a:tailEnd type="none" w="med" len="med"/>
+                    </a:lnB>
+                    <a:solidFill>
+                      <a:srgbClr val="D9E1F2"/>
+                    </a:solidFill>
+                  </a:tcPr>
+                </a:tc>
+                <a:tc>
+                  <a:txBody>
+                    <a:bodyPr/>
+                    <a:lstStyle/>
+                    <a:p>
+                      <a:pPr algn="ctr" fontAlgn="ctr"/>
+                      <a:r>
+                        <a:rPr lang="en-US" sz="1400" b="0" i="0" u="none" strike="noStrike">
+                          <a:solidFill>
+                            <a:srgbClr val="000000"/>
+                          </a:solidFill>
+                          <a:effectLst/>
+                          <a:latin typeface="Calibri" panose="020F0502020204030204" pitchFamily="34" charset="0"/>
+                        </a:rPr>
+                        <a:t>1</a:t>
+                      </a:r>
+                    </a:p>
+                  </a:txBody>
+                  <a:tcPr marL="9525" marR="9525" marT="9525" marB="0" anchor="ctr">
+                    <a:lnL w="6350" cap="flat" cmpd="sng" algn="ctr">
+                      <a:solidFill>
+                        <a:srgbClr val="000000"/>
+                      </a:solidFill>
+                      <a:prstDash val="solid"/>
+                      <a:round/>
+                      <a:headEnd type="none" w="med" len="med"/>
+                      <a:tailEnd type="none" w="med" len="med"/>
+                    </a:lnL>
+                    <a:lnR w="6350" cap="flat" cmpd="sng" algn="ctr">
+                      <a:solidFill>
+                        <a:srgbClr val="000000"/>
+                      </a:solidFill>
+                      <a:prstDash val="solid"/>
+                      <a:round/>
+                      <a:headEnd type="none" w="med" len="med"/>
+                      <a:tailEnd type="none" w="med" len="med"/>
+                    </a:lnR>
+                    <a:lnT w="6350" cap="flat" cmpd="sng" algn="ctr">
+                      <a:solidFill>
+                        <a:srgbClr val="000000"/>
+                      </a:solidFill>
+                      <a:prstDash val="solid"/>
+                      <a:round/>
+                      <a:headEnd type="none" w="med" len="med"/>
+                      <a:tailEnd type="none" w="med" len="med"/>
+                    </a:lnT>
+                    <a:lnB w="6350" cap="flat" cmpd="sng" algn="ctr">
+                      <a:solidFill>
+                        <a:srgbClr val="000000"/>
+                      </a:solidFill>
+                      <a:prstDash val="solid"/>
+                      <a:round/>
+                      <a:headEnd type="none" w="med" len="med"/>
+                      <a:tailEnd type="none" w="med" len="med"/>
+                    </a:lnB>
+                    <a:solidFill>
+                      <a:srgbClr val="D9E1F2"/>
+                    </a:solidFill>
+                  </a:tcPr>
+                </a:tc>
+                <a:tc>
+                  <a:txBody>
+                    <a:bodyPr/>
+                    <a:lstStyle/>
+                    <a:p>
+                      <a:pPr algn="ctr" fontAlgn="ctr"/>
+                      <a:r>
+                        <a:rPr lang="en-US" sz="1400" b="0" i="0" u="none" strike="noStrike">
+                          <a:solidFill>
+                            <a:srgbClr val="000000"/>
+                          </a:solidFill>
+                          <a:effectLst/>
+                          <a:latin typeface="Calibri" panose="020F0502020204030204" pitchFamily="34" charset="0"/>
+                        </a:rPr>
+                        <a:t>1.5</a:t>
+                      </a:r>
+                    </a:p>
+                  </a:txBody>
+                  <a:tcPr marL="9525" marR="9525" marT="9525" marB="0" anchor="ctr">
+                    <a:lnL w="6350" cap="flat" cmpd="sng" algn="ctr">
+                      <a:solidFill>
+                        <a:srgbClr val="000000"/>
+                      </a:solidFill>
+                      <a:prstDash val="solid"/>
+                      <a:round/>
+                      <a:headEnd type="none" w="med" len="med"/>
+                      <a:tailEnd type="none" w="med" len="med"/>
+                    </a:lnL>
+                    <a:lnR w="6350" cap="flat" cmpd="sng" algn="ctr">
+                      <a:solidFill>
+                        <a:srgbClr val="000000"/>
+                      </a:solidFill>
+                      <a:prstDash val="solid"/>
+                      <a:round/>
+                      <a:headEnd type="none" w="med" len="med"/>
+                      <a:tailEnd type="none" w="med" len="med"/>
+                    </a:lnR>
+                    <a:lnT w="6350" cap="flat" cmpd="sng" algn="ctr">
+                      <a:solidFill>
+                        <a:srgbClr val="000000"/>
+                      </a:solidFill>
+                      <a:prstDash val="solid"/>
+                      <a:round/>
+                      <a:headEnd type="none" w="med" len="med"/>
+                      <a:tailEnd type="none" w="med" len="med"/>
+                    </a:lnT>
+                    <a:lnB w="6350" cap="flat" cmpd="sng" algn="ctr">
+                      <a:solidFill>
+                        <a:srgbClr val="000000"/>
+                      </a:solidFill>
+                      <a:prstDash val="solid"/>
+                      <a:round/>
+                      <a:headEnd type="none" w="med" len="med"/>
+                      <a:tailEnd type="none" w="med" len="med"/>
+                    </a:lnB>
+                    <a:solidFill>
+                      <a:srgbClr val="D9E1F2"/>
+                    </a:solidFill>
+                  </a:tcPr>
+                </a:tc>
+                <a:tc>
+                  <a:txBody>
+                    <a:bodyPr/>
+                    <a:lstStyle/>
+                    <a:p>
+                      <a:pPr algn="ctr" fontAlgn="ctr"/>
+                      <a:r>
+                        <a:rPr lang="en-US" sz="1400" b="0" i="0" u="none" strike="noStrike">
+                          <a:solidFill>
+                            <a:srgbClr val="000000"/>
+                          </a:solidFill>
+                          <a:effectLst/>
+                          <a:latin typeface="Calibri" panose="020F0502020204030204" pitchFamily="34" charset="0"/>
+                        </a:rPr>
+                        <a:t>3</a:t>
+                      </a:r>
+                    </a:p>
+                  </a:txBody>
+                  <a:tcPr marL="9525" marR="9525" marT="9525" marB="0" anchor="ctr">
+                    <a:lnL w="6350" cap="flat" cmpd="sng" algn="ctr">
+                      <a:solidFill>
+                        <a:srgbClr val="000000"/>
+                      </a:solidFill>
+                      <a:prstDash val="solid"/>
+                      <a:round/>
+                      <a:headEnd type="none" w="med" len="med"/>
+                      <a:tailEnd type="none" w="med" len="med"/>
+                    </a:lnL>
+                    <a:lnR w="12700" cap="flat" cmpd="sng" algn="ctr">
+                      <a:solidFill>
+                        <a:srgbClr val="000000"/>
+                      </a:solidFill>
+                      <a:prstDash val="solid"/>
+                      <a:round/>
+                      <a:headEnd type="none" w="med" len="med"/>
+                      <a:tailEnd type="none" w="med" len="med"/>
+                    </a:lnR>
+                    <a:lnT w="6350" cap="flat" cmpd="sng" algn="ctr">
+                      <a:solidFill>
+                        <a:srgbClr val="000000"/>
+                      </a:solidFill>
+                      <a:prstDash val="solid"/>
+                      <a:round/>
+                      <a:headEnd type="none" w="med" len="med"/>
+                      <a:tailEnd type="none" w="med" len="med"/>
+                    </a:lnT>
+                    <a:lnB w="6350" cap="flat" cmpd="sng" algn="ctr">
+                      <a:solidFill>
+                        <a:srgbClr val="000000"/>
+                      </a:solidFill>
+                      <a:prstDash val="solid"/>
+                      <a:round/>
+                      <a:headEnd type="none" w="med" len="med"/>
+                      <a:tailEnd type="none" w="med" len="med"/>
+                    </a:lnB>
+                    <a:solidFill>
+                      <a:srgbClr val="D9E1F2"/>
+                    </a:solidFill>
+                  </a:tcPr>
+                </a:tc>
+                <a:extLst>
+                  <a:ext uri="{0D108BD9-81ED-4DB2-BD59-A6C34878D82A}">
+                    <a16:rowId xmlns:a16="http://schemas.microsoft.com/office/drawing/2014/main" val="408274536"/>
+                  </a:ext>
+                </a:extLst>
+              </a:tr>
+              <a:tr h="294495">
+                <a:tc>
+                  <a:txBody>
+                    <a:bodyPr/>
+                    <a:lstStyle/>
+                    <a:p>
+                      <a:pPr algn="ctr" fontAlgn="ctr"/>
+                      <a:r>
+                        <a:rPr lang="en-US" sz="1400" b="0" i="0" u="none" strike="noStrike">
+                          <a:solidFill>
+                            <a:srgbClr val="000000"/>
+                          </a:solidFill>
+                          <a:effectLst/>
+                          <a:latin typeface="Calibri" panose="020F0502020204030204" pitchFamily="34" charset="0"/>
+                        </a:rPr>
+                        <a:t> </a:t>
+                      </a:r>
+                    </a:p>
+                  </a:txBody>
+                  <a:tcPr marL="9525" marR="9525" marT="9525" marB="0" anchor="ctr">
+                    <a:lnL w="12700" cap="flat" cmpd="sng" algn="ctr">
+                      <a:solidFill>
+                        <a:srgbClr val="000000"/>
+                      </a:solidFill>
+                      <a:prstDash val="solid"/>
+                      <a:round/>
+                      <a:headEnd type="none" w="med" len="med"/>
+                      <a:tailEnd type="none" w="med" len="med"/>
+                    </a:lnL>
+                    <a:lnR w="6350" cap="flat" cmpd="sng" algn="ctr">
+                      <a:solidFill>
+                        <a:srgbClr val="000000"/>
+                      </a:solidFill>
+                      <a:prstDash val="solid"/>
+                      <a:round/>
+                      <a:headEnd type="none" w="med" len="med"/>
+                      <a:tailEnd type="none" w="med" len="med"/>
+                    </a:lnR>
+                    <a:lnT w="6350" cap="flat" cmpd="sng" algn="ctr">
+                      <a:solidFill>
+                        <a:srgbClr val="000000"/>
+                      </a:solidFill>
+                      <a:prstDash val="solid"/>
+                      <a:round/>
+                      <a:headEnd type="none" w="med" len="med"/>
+                      <a:tailEnd type="none" w="med" len="med"/>
+                    </a:lnT>
+                    <a:lnB w="12700" cap="flat" cmpd="sng" algn="ctr">
+                      <a:solidFill>
+                        <a:srgbClr val="000000"/>
+                      </a:solidFill>
+                      <a:prstDash val="solid"/>
+                      <a:round/>
+                      <a:headEnd type="none" w="med" len="med"/>
+                      <a:tailEnd type="none" w="med" len="med"/>
+                    </a:lnB>
+                  </a:tcPr>
+                </a:tc>
+                <a:tc>
+                  <a:txBody>
+                    <a:bodyPr/>
+                    <a:lstStyle/>
+                    <a:p>
+                      <a:pPr algn="ctr" fontAlgn="ctr"/>
+                      <a:r>
+                        <a:rPr lang="en-US" sz="1400" b="0" i="0" u="none" strike="noStrike">
+                          <a:solidFill>
+                            <a:srgbClr val="000000"/>
+                          </a:solidFill>
+                          <a:effectLst/>
+                          <a:latin typeface="Calibri" panose="020F0502020204030204" pitchFamily="34" charset="0"/>
+                        </a:rPr>
+                        <a:t>total</a:t>
+                      </a:r>
+                    </a:p>
+                  </a:txBody>
+                  <a:tcPr marL="9525" marR="9525" marT="9525" marB="0" anchor="ctr">
+                    <a:lnL w="6350" cap="flat" cmpd="sng" algn="ctr">
+                      <a:solidFill>
+                        <a:srgbClr val="000000"/>
+                      </a:solidFill>
+                      <a:prstDash val="solid"/>
+                      <a:round/>
+                      <a:headEnd type="none" w="med" len="med"/>
+                      <a:tailEnd type="none" w="med" len="med"/>
+                    </a:lnL>
+                    <a:lnR w="6350" cap="flat" cmpd="sng" algn="ctr">
+                      <a:solidFill>
+                        <a:srgbClr val="000000"/>
+                      </a:solidFill>
+                      <a:prstDash val="solid"/>
+                      <a:round/>
+                      <a:headEnd type="none" w="med" len="med"/>
+                      <a:tailEnd type="none" w="med" len="med"/>
+                    </a:lnR>
+                    <a:lnT w="6350" cap="flat" cmpd="sng" algn="ctr">
+                      <a:solidFill>
+                        <a:srgbClr val="000000"/>
+                      </a:solidFill>
+                      <a:prstDash val="solid"/>
+                      <a:round/>
+                      <a:headEnd type="none" w="med" len="med"/>
+                      <a:tailEnd type="none" w="med" len="med"/>
+                    </a:lnT>
+                    <a:lnB w="12700" cap="flat" cmpd="sng" algn="ctr">
+                      <a:solidFill>
+                        <a:srgbClr val="000000"/>
+                      </a:solidFill>
+                      <a:prstDash val="solid"/>
+                      <a:round/>
+                      <a:headEnd type="none" w="med" len="med"/>
+                      <a:tailEnd type="none" w="med" len="med"/>
+                    </a:lnB>
+                  </a:tcPr>
+                </a:tc>
+                <a:tc>
+                  <a:txBody>
+                    <a:bodyPr/>
+                    <a:lstStyle/>
+                    <a:p>
+                      <a:pPr algn="ctr" fontAlgn="ctr"/>
+                      <a:r>
+                        <a:rPr lang="en-US" sz="1400" b="0" i="0" u="none" strike="noStrike">
+                          <a:solidFill>
+                            <a:srgbClr val="000000"/>
+                          </a:solidFill>
+                          <a:effectLst/>
+                          <a:latin typeface="Calibri" panose="020F0502020204030204" pitchFamily="34" charset="0"/>
+                        </a:rPr>
+                        <a:t>794</a:t>
+                      </a:r>
+                    </a:p>
+                  </a:txBody>
+                  <a:tcPr marL="9525" marR="9525" marT="9525" marB="0" anchor="ctr">
+                    <a:lnL w="6350" cap="flat" cmpd="sng" algn="ctr">
+                      <a:solidFill>
+                        <a:srgbClr val="000000"/>
+                      </a:solidFill>
+                      <a:prstDash val="solid"/>
+                      <a:round/>
+                      <a:headEnd type="none" w="med" len="med"/>
+                      <a:tailEnd type="none" w="med" len="med"/>
+                    </a:lnL>
+                    <a:lnR w="6350" cap="flat" cmpd="sng" algn="ctr">
+                      <a:solidFill>
+                        <a:srgbClr val="000000"/>
+                      </a:solidFill>
+                      <a:prstDash val="solid"/>
+                      <a:round/>
+                      <a:headEnd type="none" w="med" len="med"/>
+                      <a:tailEnd type="none" w="med" len="med"/>
+                    </a:lnR>
+                    <a:lnT w="6350" cap="flat" cmpd="sng" algn="ctr">
+                      <a:solidFill>
+                        <a:srgbClr val="000000"/>
+                      </a:solidFill>
+                      <a:prstDash val="solid"/>
+                      <a:round/>
+                      <a:headEnd type="none" w="med" len="med"/>
+                      <a:tailEnd type="none" w="med" len="med"/>
+                    </a:lnT>
+                    <a:lnB w="12700" cap="flat" cmpd="sng" algn="ctr">
+                      <a:solidFill>
+                        <a:srgbClr val="000000"/>
+                      </a:solidFill>
+                      <a:prstDash val="solid"/>
+                      <a:round/>
+                      <a:headEnd type="none" w="med" len="med"/>
+                      <a:tailEnd type="none" w="med" len="med"/>
+                    </a:lnB>
+                  </a:tcPr>
+                </a:tc>
+                <a:tc>
+                  <a:txBody>
+                    <a:bodyPr/>
+                    <a:lstStyle/>
+                    <a:p>
+                      <a:pPr algn="ctr" fontAlgn="ctr"/>
+                      <a:r>
+                        <a:rPr lang="en-US" sz="1400" b="0" i="0" u="none" strike="noStrike">
+                          <a:solidFill>
+                            <a:srgbClr val="000000"/>
+                          </a:solidFill>
+                          <a:effectLst/>
+                          <a:latin typeface="Calibri" panose="020F0502020204030204" pitchFamily="34" charset="0"/>
+                        </a:rPr>
+                        <a:t> </a:t>
+                      </a:r>
+                    </a:p>
+                  </a:txBody>
+                  <a:tcPr marL="9525" marR="9525" marT="9525" marB="0" anchor="ctr">
+                    <a:lnL w="6350" cap="flat" cmpd="sng" algn="ctr">
+                      <a:solidFill>
+                        <a:srgbClr val="000000"/>
+                      </a:solidFill>
+                      <a:prstDash val="solid"/>
+                      <a:round/>
+                      <a:headEnd type="none" w="med" len="med"/>
+                      <a:tailEnd type="none" w="med" len="med"/>
+                    </a:lnL>
+                    <a:lnR w="6350" cap="flat" cmpd="sng" algn="ctr">
+                      <a:solidFill>
+                        <a:srgbClr val="000000"/>
+                      </a:solidFill>
+                      <a:prstDash val="solid"/>
+                      <a:round/>
+                      <a:headEnd type="none" w="med" len="med"/>
+                      <a:tailEnd type="none" w="med" len="med"/>
+                    </a:lnR>
+                    <a:lnT w="6350" cap="flat" cmpd="sng" algn="ctr">
+                      <a:solidFill>
+                        <a:srgbClr val="000000"/>
+                      </a:solidFill>
+                      <a:prstDash val="solid"/>
+                      <a:round/>
+                      <a:headEnd type="none" w="med" len="med"/>
+                      <a:tailEnd type="none" w="med" len="med"/>
+                    </a:lnT>
+                    <a:lnB w="12700" cap="flat" cmpd="sng" algn="ctr">
+                      <a:solidFill>
+                        <a:srgbClr val="000000"/>
+                      </a:solidFill>
+                      <a:prstDash val="solid"/>
+                      <a:round/>
+                      <a:headEnd type="none" w="med" len="med"/>
+                      <a:tailEnd type="none" w="med" len="med"/>
+                    </a:lnB>
+                  </a:tcPr>
+                </a:tc>
+                <a:tc>
+                  <a:txBody>
+                    <a:bodyPr/>
+                    <a:lstStyle/>
+                    <a:p>
+                      <a:pPr algn="ctr" fontAlgn="ctr"/>
+                      <a:r>
+                        <a:rPr lang="en-US" sz="1400" b="0" i="0" u="none" strike="noStrike">
+                          <a:solidFill>
+                            <a:srgbClr val="000000"/>
+                          </a:solidFill>
+                          <a:effectLst/>
+                          <a:latin typeface="Calibri" panose="020F0502020204030204" pitchFamily="34" charset="0"/>
+                        </a:rPr>
+                        <a:t> </a:t>
+                      </a:r>
+                    </a:p>
+                  </a:txBody>
+                  <a:tcPr marL="9525" marR="9525" marT="9525" marB="0" anchor="ctr">
+                    <a:lnL w="6350" cap="flat" cmpd="sng" algn="ctr">
+                      <a:solidFill>
+                        <a:srgbClr val="000000"/>
+                      </a:solidFill>
+                      <a:prstDash val="solid"/>
+                      <a:round/>
+                      <a:headEnd type="none" w="med" len="med"/>
+                      <a:tailEnd type="none" w="med" len="med"/>
+                    </a:lnL>
+                    <a:lnR w="6350" cap="flat" cmpd="sng" algn="ctr">
+                      <a:solidFill>
+                        <a:srgbClr val="000000"/>
+                      </a:solidFill>
+                      <a:prstDash val="solid"/>
+                      <a:round/>
+                      <a:headEnd type="none" w="med" len="med"/>
+                      <a:tailEnd type="none" w="med" len="med"/>
+                    </a:lnR>
+                    <a:lnT w="6350" cap="flat" cmpd="sng" algn="ctr">
+                      <a:solidFill>
+                        <a:srgbClr val="000000"/>
+                      </a:solidFill>
+                      <a:prstDash val="solid"/>
+                      <a:round/>
+                      <a:headEnd type="none" w="med" len="med"/>
+                      <a:tailEnd type="none" w="med" len="med"/>
+                    </a:lnT>
+                    <a:lnB w="12700" cap="flat" cmpd="sng" algn="ctr">
+                      <a:solidFill>
+                        <a:srgbClr val="000000"/>
+                      </a:solidFill>
+                      <a:prstDash val="solid"/>
+                      <a:round/>
+                      <a:headEnd type="none" w="med" len="med"/>
+                      <a:tailEnd type="none" w="med" len="med"/>
+                    </a:lnB>
+                  </a:tcPr>
+                </a:tc>
+                <a:tc>
+                  <a:txBody>
+                    <a:bodyPr/>
+                    <a:lstStyle/>
+                    <a:p>
+                      <a:pPr algn="ctr" fontAlgn="ctr"/>
+                      <a:r>
+                        <a:rPr lang="en-US" sz="1400" b="0" i="0" u="none" strike="noStrike">
+                          <a:solidFill>
+                            <a:srgbClr val="000000"/>
+                          </a:solidFill>
+                          <a:effectLst/>
+                          <a:latin typeface="Calibri" panose="020F0502020204030204" pitchFamily="34" charset="0"/>
+                        </a:rPr>
+                        <a:t> </a:t>
+                      </a:r>
+                    </a:p>
+                  </a:txBody>
+                  <a:tcPr marL="9525" marR="9525" marT="9525" marB="0" anchor="ctr">
+                    <a:lnL w="6350" cap="flat" cmpd="sng" algn="ctr">
+                      <a:solidFill>
+                        <a:srgbClr val="000000"/>
+                      </a:solidFill>
+                      <a:prstDash val="solid"/>
+                      <a:round/>
+                      <a:headEnd type="none" w="med" len="med"/>
+                      <a:tailEnd type="none" w="med" len="med"/>
+                    </a:lnL>
+                    <a:lnR w="6350" cap="flat" cmpd="sng" algn="ctr">
+                      <a:solidFill>
+                        <a:srgbClr val="000000"/>
+                      </a:solidFill>
+                      <a:prstDash val="solid"/>
+                      <a:round/>
+                      <a:headEnd type="none" w="med" len="med"/>
+                      <a:tailEnd type="none" w="med" len="med"/>
+                    </a:lnR>
+                    <a:lnT w="6350" cap="flat" cmpd="sng" algn="ctr">
+                      <a:solidFill>
+                        <a:srgbClr val="000000"/>
+                      </a:solidFill>
+                      <a:prstDash val="solid"/>
+                      <a:round/>
+                      <a:headEnd type="none" w="med" len="med"/>
+                      <a:tailEnd type="none" w="med" len="med"/>
+                    </a:lnT>
+                    <a:lnB w="12700" cap="flat" cmpd="sng" algn="ctr">
+                      <a:solidFill>
+                        <a:srgbClr val="000000"/>
+                      </a:solidFill>
+                      <a:prstDash val="solid"/>
+                      <a:round/>
+                      <a:headEnd type="none" w="med" len="med"/>
+                      <a:tailEnd type="none" w="med" len="med"/>
+                    </a:lnB>
+                  </a:tcPr>
+                </a:tc>
+                <a:tc>
+                  <a:txBody>
+                    <a:bodyPr/>
+                    <a:lstStyle/>
+                    <a:p>
+                      <a:pPr algn="ctr" fontAlgn="ctr"/>
+                      <a:r>
+                        <a:rPr lang="en-US" sz="1400" b="0" i="0" u="none" strike="noStrike">
+                          <a:solidFill>
+                            <a:srgbClr val="000000"/>
+                          </a:solidFill>
+                          <a:effectLst/>
+                          <a:latin typeface="Calibri" panose="020F0502020204030204" pitchFamily="34" charset="0"/>
+                        </a:rPr>
+                        <a:t> </a:t>
+                      </a:r>
+                    </a:p>
+                  </a:txBody>
+                  <a:tcPr marL="9525" marR="9525" marT="9525" marB="0" anchor="ctr">
+                    <a:lnL w="6350" cap="flat" cmpd="sng" algn="ctr">
+                      <a:solidFill>
+                        <a:srgbClr val="000000"/>
+                      </a:solidFill>
+                      <a:prstDash val="solid"/>
+                      <a:round/>
+                      <a:headEnd type="none" w="med" len="med"/>
+                      <a:tailEnd type="none" w="med" len="med"/>
+                    </a:lnL>
+                    <a:lnR w="6350" cap="flat" cmpd="sng" algn="ctr">
+                      <a:solidFill>
+                        <a:srgbClr val="000000"/>
+                      </a:solidFill>
+                      <a:prstDash val="solid"/>
+                      <a:round/>
+                      <a:headEnd type="none" w="med" len="med"/>
+                      <a:tailEnd type="none" w="med" len="med"/>
+                    </a:lnR>
+                    <a:lnT w="6350" cap="flat" cmpd="sng" algn="ctr">
+                      <a:solidFill>
+                        <a:srgbClr val="000000"/>
+                      </a:solidFill>
+                      <a:prstDash val="solid"/>
+                      <a:round/>
+                      <a:headEnd type="none" w="med" len="med"/>
+                      <a:tailEnd type="none" w="med" len="med"/>
+                    </a:lnT>
+                    <a:lnB w="12700" cap="flat" cmpd="sng" algn="ctr">
+                      <a:solidFill>
+                        <a:srgbClr val="000000"/>
+                      </a:solidFill>
+                      <a:prstDash val="solid"/>
+                      <a:round/>
+                      <a:headEnd type="none" w="med" len="med"/>
+                      <a:tailEnd type="none" w="med" len="med"/>
+                    </a:lnB>
+                  </a:tcPr>
+                </a:tc>
+                <a:tc>
+                  <a:txBody>
+                    <a:bodyPr/>
+                    <a:lstStyle/>
+                    <a:p>
+                      <a:pPr algn="ctr" fontAlgn="ctr"/>
+                      <a:r>
+                        <a:rPr lang="en-US" sz="1400" b="0" i="0" u="none" strike="noStrike">
+                          <a:solidFill>
+                            <a:srgbClr val="000000"/>
+                          </a:solidFill>
+                          <a:effectLst/>
+                          <a:latin typeface="Calibri" panose="020F0502020204030204" pitchFamily="34" charset="0"/>
+                        </a:rPr>
+                        <a:t> </a:t>
+                      </a:r>
+                    </a:p>
+                  </a:txBody>
+                  <a:tcPr marL="9525" marR="9525" marT="9525" marB="0" anchor="ctr">
+                    <a:lnL w="6350" cap="flat" cmpd="sng" algn="ctr">
+                      <a:solidFill>
+                        <a:srgbClr val="000000"/>
+                      </a:solidFill>
+                      <a:prstDash val="solid"/>
+                      <a:round/>
+                      <a:headEnd type="none" w="med" len="med"/>
+                      <a:tailEnd type="none" w="med" len="med"/>
+                    </a:lnL>
+                    <a:lnR w="6350" cap="flat" cmpd="sng" algn="ctr">
+                      <a:solidFill>
+                        <a:srgbClr val="000000"/>
+                      </a:solidFill>
+                      <a:prstDash val="solid"/>
+                      <a:round/>
+                      <a:headEnd type="none" w="med" len="med"/>
+                      <a:tailEnd type="none" w="med" len="med"/>
+                    </a:lnR>
+                    <a:lnT w="6350" cap="flat" cmpd="sng" algn="ctr">
+                      <a:solidFill>
+                        <a:srgbClr val="000000"/>
+                      </a:solidFill>
+                      <a:prstDash val="solid"/>
+                      <a:round/>
+                      <a:headEnd type="none" w="med" len="med"/>
+                      <a:tailEnd type="none" w="med" len="med"/>
+                    </a:lnT>
+                    <a:lnB w="12700" cap="flat" cmpd="sng" algn="ctr">
+                      <a:solidFill>
+                        <a:srgbClr val="000000"/>
+                      </a:solidFill>
+                      <a:prstDash val="solid"/>
+                      <a:round/>
+                      <a:headEnd type="none" w="med" len="med"/>
+                      <a:tailEnd type="none" w="med" len="med"/>
+                    </a:lnB>
+                  </a:tcPr>
+                </a:tc>
+                <a:tc>
+                  <a:txBody>
+                    <a:bodyPr/>
+                    <a:lstStyle/>
+                    <a:p>
+                      <a:pPr algn="ctr" fontAlgn="ctr"/>
+                      <a:r>
+                        <a:rPr lang="en-US" sz="1400" b="0" i="0" u="none" strike="noStrike">
+                          <a:solidFill>
+                            <a:srgbClr val="000000"/>
+                          </a:solidFill>
+                          <a:effectLst/>
+                          <a:latin typeface="Calibri" panose="020F0502020204030204" pitchFamily="34" charset="0"/>
+                        </a:rPr>
+                        <a:t> </a:t>
+                      </a:r>
+                    </a:p>
+                  </a:txBody>
+                  <a:tcPr marL="9525" marR="9525" marT="9525" marB="0" anchor="ctr">
+                    <a:lnL w="6350" cap="flat" cmpd="sng" algn="ctr">
+                      <a:solidFill>
+                        <a:srgbClr val="000000"/>
+                      </a:solidFill>
+                      <a:prstDash val="solid"/>
+                      <a:round/>
+                      <a:headEnd type="none" w="med" len="med"/>
+                      <a:tailEnd type="none" w="med" len="med"/>
+                    </a:lnL>
+                    <a:lnR w="6350" cap="flat" cmpd="sng" algn="ctr">
+                      <a:solidFill>
+                        <a:srgbClr val="000000"/>
+                      </a:solidFill>
+                      <a:prstDash val="solid"/>
+                      <a:round/>
+                      <a:headEnd type="none" w="med" len="med"/>
+                      <a:tailEnd type="none" w="med" len="med"/>
+                    </a:lnR>
+                    <a:lnT w="6350" cap="flat" cmpd="sng" algn="ctr">
+                      <a:solidFill>
+                        <a:srgbClr val="000000"/>
+                      </a:solidFill>
+                      <a:prstDash val="solid"/>
+                      <a:round/>
+                      <a:headEnd type="none" w="med" len="med"/>
+                      <a:tailEnd type="none" w="med" len="med"/>
+                    </a:lnT>
+                    <a:lnB w="12700" cap="flat" cmpd="sng" algn="ctr">
+                      <a:solidFill>
+                        <a:srgbClr val="000000"/>
+                      </a:solidFill>
+                      <a:prstDash val="solid"/>
+                      <a:round/>
+                      <a:headEnd type="none" w="med" len="med"/>
+                      <a:tailEnd type="none" w="med" len="med"/>
+                    </a:lnB>
+                  </a:tcPr>
+                </a:tc>
+                <a:tc>
+                  <a:txBody>
+                    <a:bodyPr/>
+                    <a:lstStyle/>
+                    <a:p>
+                      <a:pPr algn="ctr" fontAlgn="ctr"/>
+                      <a:r>
+                        <a:rPr lang="en-US" sz="1400" b="0" i="0" u="none" strike="noStrike">
+                          <a:solidFill>
+                            <a:srgbClr val="000000"/>
+                          </a:solidFill>
+                          <a:effectLst/>
+                          <a:latin typeface="Calibri" panose="020F0502020204030204" pitchFamily="34" charset="0"/>
+                        </a:rPr>
+                        <a:t> </a:t>
+                      </a:r>
+                    </a:p>
+                  </a:txBody>
+                  <a:tcPr marL="9525" marR="9525" marT="9525" marB="0" anchor="ctr">
+                    <a:lnL w="6350" cap="flat" cmpd="sng" algn="ctr">
+                      <a:solidFill>
+                        <a:srgbClr val="000000"/>
+                      </a:solidFill>
+                      <a:prstDash val="solid"/>
+                      <a:round/>
+                      <a:headEnd type="none" w="med" len="med"/>
+                      <a:tailEnd type="none" w="med" len="med"/>
+                    </a:lnL>
+                    <a:lnR w="6350" cap="flat" cmpd="sng" algn="ctr">
+                      <a:solidFill>
+                        <a:srgbClr val="000000"/>
+                      </a:solidFill>
+                      <a:prstDash val="solid"/>
+                      <a:round/>
+                      <a:headEnd type="none" w="med" len="med"/>
+                      <a:tailEnd type="none" w="med" len="med"/>
+                    </a:lnR>
+                    <a:lnT w="6350" cap="flat" cmpd="sng" algn="ctr">
+                      <a:solidFill>
+                        <a:srgbClr val="000000"/>
+                      </a:solidFill>
+                      <a:prstDash val="solid"/>
+                      <a:round/>
+                      <a:headEnd type="none" w="med" len="med"/>
+                      <a:tailEnd type="none" w="med" len="med"/>
+                    </a:lnT>
+                    <a:lnB w="12700" cap="flat" cmpd="sng" algn="ctr">
+                      <a:solidFill>
+                        <a:srgbClr val="000000"/>
+                      </a:solidFill>
+                      <a:prstDash val="solid"/>
+                      <a:round/>
+                      <a:headEnd type="none" w="med" len="med"/>
+                      <a:tailEnd type="none" w="med" len="med"/>
+                    </a:lnB>
+                  </a:tcPr>
+                </a:tc>
+                <a:tc>
+                  <a:txBody>
+                    <a:bodyPr/>
+                    <a:lstStyle/>
+                    <a:p>
+                      <a:pPr algn="ctr" fontAlgn="ctr"/>
+                      <a:r>
+                        <a:rPr lang="en-US" sz="1400" b="0" i="0" u="none" strike="noStrike" dirty="0">
+                          <a:solidFill>
+                            <a:srgbClr val="000000"/>
+                          </a:solidFill>
+                          <a:effectLst/>
+                          <a:latin typeface="Calibri" panose="020F0502020204030204" pitchFamily="34" charset="0"/>
+                        </a:rPr>
+                        <a:t> </a:t>
+                      </a:r>
+                    </a:p>
+                  </a:txBody>
+                  <a:tcPr marL="9525" marR="9525" marT="9525" marB="0" anchor="ctr">
+                    <a:lnL w="6350" cap="flat" cmpd="sng" algn="ctr">
+                      <a:solidFill>
+                        <a:srgbClr val="000000"/>
+                      </a:solidFill>
+                      <a:prstDash val="solid"/>
+                      <a:round/>
+                      <a:headEnd type="none" w="med" len="med"/>
+                      <a:tailEnd type="none" w="med" len="med"/>
+                    </a:lnL>
+                    <a:lnR w="12700" cap="flat" cmpd="sng" algn="ctr">
+                      <a:solidFill>
+                        <a:srgbClr val="000000"/>
+                      </a:solidFill>
+                      <a:prstDash val="solid"/>
+                      <a:round/>
+                      <a:headEnd type="none" w="med" len="med"/>
+                      <a:tailEnd type="none" w="med" len="med"/>
+                    </a:lnR>
+                    <a:lnT w="6350" cap="flat" cmpd="sng" algn="ctr">
+                      <a:solidFill>
+                        <a:srgbClr val="000000"/>
+                      </a:solidFill>
+                      <a:prstDash val="solid"/>
+                      <a:round/>
+                      <a:headEnd type="none" w="med" len="med"/>
+                      <a:tailEnd type="none" w="med" len="med"/>
+                    </a:lnT>
+                    <a:lnB w="12700" cap="flat" cmpd="sng" algn="ctr">
+                      <a:solidFill>
+                        <a:srgbClr val="000000"/>
+                      </a:solidFill>
+                      <a:prstDash val="solid"/>
+                      <a:round/>
+                      <a:headEnd type="none" w="med" len="med"/>
+                      <a:tailEnd type="none" w="med" len="med"/>
+                    </a:lnB>
+                  </a:tcPr>
+                </a:tc>
+                <a:extLst>
+                  <a:ext uri="{0D108BD9-81ED-4DB2-BD59-A6C34878D82A}">
+                    <a16:rowId xmlns:a16="http://schemas.microsoft.com/office/drawing/2014/main" val="1066293647"/>
+                  </a:ext>
+                </a:extLst>
+              </a:tr>
+            </a:tbl>
+          </a:graphicData>
+        </a:graphic>
+      </p:graphicFrame>
+    </p:spTree>
+    <p:extLst>
+      <p:ext uri="{BB962C8B-B14F-4D97-AF65-F5344CB8AC3E}">
+        <p14:creationId xmlns:p14="http://schemas.microsoft.com/office/powerpoint/2010/main" val="456457256"/>
+      </p:ext>
+    </p:extLst>
+  </p:cSld>
+  <p:clrMapOvr>
+    <a:overrideClrMapping bg1="lt1" tx1="dk1" bg2="lt2" tx2="dk2" accent1="accent1" accent2="accent2" accent3="accent3" accent4="accent4" accent5="accent5" accent6="accent6" hlink="hlink" folHlink="folHlink"/>
   </p:clrMapOvr>
 </p:sld>
 </file>
@@ -30272,4 +36501,47 @@
     </a:ext>
   </a:extLst>
 </a:theme>
+</file>
+
+<file path=ppt/theme/themeOverride1.xml><?xml version="1.0" encoding="utf-8"?>
+<a:themeOverride xmlns:a="http://schemas.openxmlformats.org/drawingml/2006/main">
+  <a:clrScheme name="Office">
+    <a:dk1>
+      <a:sysClr val="windowText" lastClr="000000"/>
+    </a:dk1>
+    <a:lt1>
+      <a:sysClr val="window" lastClr="FFFFFF"/>
+    </a:lt1>
+    <a:dk2>
+      <a:srgbClr val="44546A"/>
+    </a:dk2>
+    <a:lt2>
+      <a:srgbClr val="E7E6E6"/>
+    </a:lt2>
+    <a:accent1>
+      <a:srgbClr val="4472C4"/>
+    </a:accent1>
+    <a:accent2>
+      <a:srgbClr val="ED7D31"/>
+    </a:accent2>
+    <a:accent3>
+      <a:srgbClr val="A5A5A5"/>
+    </a:accent3>
+    <a:accent4>
+      <a:srgbClr val="FFC000"/>
+    </a:accent4>
+    <a:accent5>
+      <a:srgbClr val="5B9BD5"/>
+    </a:accent5>
+    <a:accent6>
+      <a:srgbClr val="70AD47"/>
+    </a:accent6>
+    <a:hlink>
+      <a:srgbClr val="0563C1"/>
+    </a:hlink>
+    <a:folHlink>
+      <a:srgbClr val="954F72"/>
+    </a:folHlink>
+  </a:clrScheme>
+</a:themeOverride>
 </file>
--- a/פגישות/פגישות.pptx
+++ b/פגישות/פגישות.pptx
@@ -6,7 +6,7 @@
     <p:sldMasterId id="2147483660" r:id="rId2"/>
   </p:sldMasterIdLst>
   <p:notesMasterIdLst>
-    <p:notesMasterId r:id="rId23"/>
+    <p:notesMasterId r:id="rId29"/>
   </p:notesMasterIdLst>
   <p:sldIdLst>
     <p:sldId id="259" r:id="rId3"/>
@@ -29,6 +29,12 @@
     <p:sldId id="273" r:id="rId20"/>
     <p:sldId id="264" r:id="rId21"/>
     <p:sldId id="276" r:id="rId22"/>
+    <p:sldId id="278" r:id="rId23"/>
+    <p:sldId id="277" r:id="rId24"/>
+    <p:sldId id="279" r:id="rId25"/>
+    <p:sldId id="280" r:id="rId26"/>
+    <p:sldId id="281" r:id="rId27"/>
+    <p:sldId id="282" r:id="rId28"/>
   </p:sldIdLst>
   <p:sldSz cx="12192000" cy="6858000"/>
   <p:notesSz cx="6858000" cy="9144000"/>
@@ -217,7 +223,7 @@
           <a:p>
             <a:fld id="{A5A8BB2B-C565-4FE9-874C-9EE28C4F28CB}" type="datetimeFigureOut">
               <a:rPr lang="en-US" smtClean="0"/>
-              <a:t>12/20/2019</a:t>
+              <a:t>02-02-20</a:t>
             </a:fld>
             <a:endParaRPr lang="en-US" dirty="0"/>
           </a:p>
@@ -942,6 +948,90 @@
 </p:notes>
 </file>
 
+<file path=ppt/notesSlides/notesSlide4.xml><?xml version="1.0" encoding="utf-8"?>
+<p:notes xmlns:a="http://schemas.openxmlformats.org/drawingml/2006/main" xmlns:r="http://schemas.openxmlformats.org/officeDocument/2006/relationships" xmlns:p="http://schemas.openxmlformats.org/presentationml/2006/main">
+  <p:cSld>
+    <p:spTree>
+      <p:nvGrpSpPr>
+        <p:cNvPr id="1" name=""/>
+        <p:cNvGrpSpPr/>
+        <p:nvPr/>
+      </p:nvGrpSpPr>
+      <p:grpSpPr>
+        <a:xfrm>
+          <a:off x="0" y="0"/>
+          <a:ext cx="0" cy="0"/>
+          <a:chOff x="0" y="0"/>
+          <a:chExt cx="0" cy="0"/>
+        </a:xfrm>
+      </p:grpSpPr>
+      <p:sp>
+        <p:nvSpPr>
+          <p:cNvPr id="2" name="Slide Image Placeholder 1"/>
+          <p:cNvSpPr>
+            <a:spLocks noGrp="1" noRot="1" noChangeAspect="1"/>
+          </p:cNvSpPr>
+          <p:nvPr>
+            <p:ph type="sldImg"/>
+          </p:nvPr>
+        </p:nvSpPr>
+        <p:spPr/>
+      </p:sp>
+      <p:sp>
+        <p:nvSpPr>
+          <p:cNvPr id="3" name="Notes Placeholder 2"/>
+          <p:cNvSpPr>
+            <a:spLocks noGrp="1"/>
+          </p:cNvSpPr>
+          <p:nvPr>
+            <p:ph type="body" idx="1"/>
+          </p:nvPr>
+        </p:nvSpPr>
+        <p:spPr/>
+        <p:txBody>
+          <a:bodyPr/>
+          <a:lstStyle/>
+          <a:p>
+            <a:endParaRPr lang="en-US" dirty="0"/>
+          </a:p>
+        </p:txBody>
+      </p:sp>
+      <p:sp>
+        <p:nvSpPr>
+          <p:cNvPr id="4" name="Slide Number Placeholder 3"/>
+          <p:cNvSpPr>
+            <a:spLocks noGrp="1"/>
+          </p:cNvSpPr>
+          <p:nvPr>
+            <p:ph type="sldNum" sz="quarter" idx="10"/>
+          </p:nvPr>
+        </p:nvSpPr>
+        <p:spPr/>
+        <p:txBody>
+          <a:bodyPr/>
+          <a:lstStyle/>
+          <a:p>
+            <a:fld id="{04134E31-2119-42F4-BC80-7B4F96B7D4EC}" type="slidenum">
+              <a:rPr lang="en-US" smtClean="0"/>
+              <a:t>22</a:t>
+            </a:fld>
+            <a:endParaRPr lang="en-US" dirty="0"/>
+          </a:p>
+        </p:txBody>
+      </p:sp>
+    </p:spTree>
+    <p:extLst>
+      <p:ext uri="{BB962C8B-B14F-4D97-AF65-F5344CB8AC3E}">
+        <p14:creationId xmlns:p14="http://schemas.microsoft.com/office/powerpoint/2010/main" val="3095677966"/>
+      </p:ext>
+    </p:extLst>
+  </p:cSld>
+  <p:clrMapOvr>
+    <a:masterClrMapping/>
+  </p:clrMapOvr>
+</p:notes>
+</file>
+
 <file path=ppt/slideLayouts/slideLayout1.xml><?xml version="1.0" encoding="utf-8"?>
 <p:sldLayout xmlns:a="http://schemas.openxmlformats.org/drawingml/2006/main" xmlns:r="http://schemas.openxmlformats.org/officeDocument/2006/relationships" xmlns:p="http://schemas.openxmlformats.org/presentationml/2006/main" type="title" preserve="1">
   <p:cSld name="Title Slide">
@@ -1071,7 +1161,7 @@
           <a:p>
             <a:fld id="{AB814CEC-9F17-496B-99D6-DCE4BD5734FE}" type="datetimeFigureOut">
               <a:rPr lang="en-US" smtClean="0"/>
-              <a:t>12/20/2019</a:t>
+              <a:t>02-02-20</a:t>
             </a:fld>
             <a:endParaRPr lang="en-US" dirty="0"/>
           </a:p>
@@ -1239,7 +1329,7 @@
           <a:p>
             <a:fld id="{AB814CEC-9F17-496B-99D6-DCE4BD5734FE}" type="datetimeFigureOut">
               <a:rPr lang="en-US" smtClean="0"/>
-              <a:t>12/20/2019</a:t>
+              <a:t>02-02-20</a:t>
             </a:fld>
             <a:endParaRPr lang="en-US" dirty="0"/>
           </a:p>
@@ -1417,7 +1507,7 @@
           <a:p>
             <a:fld id="{AB814CEC-9F17-496B-99D6-DCE4BD5734FE}" type="datetimeFigureOut">
               <a:rPr lang="en-US" smtClean="0"/>
-              <a:t>12/20/2019</a:t>
+              <a:t>02-02-20</a:t>
             </a:fld>
             <a:endParaRPr lang="en-US" dirty="0"/>
           </a:p>
@@ -1625,7 +1715,7 @@
           <a:p>
             <a:fld id="{9C751D70-D894-47B1-BA5C-A2BA7FFD222B}" type="datetime1">
               <a:rPr lang="en-US" smtClean="0"/>
-              <a:t>12/20/2019</a:t>
+              <a:t>02-02-20</a:t>
             </a:fld>
             <a:endParaRPr lang="en-US" dirty="0"/>
           </a:p>
@@ -1823,7 +1913,7 @@
           <a:p>
             <a:fld id="{02B5EBCD-4AC6-4D4B-8D35-AC0651D82AB2}" type="datetime1">
               <a:rPr lang="en-US" smtClean="0"/>
-              <a:t>12/20/2019</a:t>
+              <a:t>02-02-20</a:t>
             </a:fld>
             <a:endParaRPr lang="en-US" dirty="0"/>
           </a:p>
@@ -2098,7 +2188,7 @@
           <a:p>
             <a:fld id="{550CDAF3-9A51-438D-B1D0-14E681CB3177}" type="datetime1">
               <a:rPr lang="en-US" smtClean="0"/>
-              <a:t>12/20/2019</a:t>
+              <a:t>02-02-20</a:t>
             </a:fld>
             <a:endParaRPr lang="en-US" dirty="0"/>
           </a:p>
@@ -2363,7 +2453,7 @@
           <a:p>
             <a:fld id="{D73AE37D-569C-4479-B38B-B24A0379D2E8}" type="datetime1">
               <a:rPr lang="en-US" smtClean="0"/>
-              <a:t>12/20/2019</a:t>
+              <a:t>02-02-20</a:t>
             </a:fld>
             <a:endParaRPr lang="en-US" dirty="0"/>
           </a:p>
@@ -2775,7 +2865,7 @@
           <a:p>
             <a:fld id="{A5E9A43E-CFF9-48C3-B049-B9FA5E2E4F57}" type="datetime1">
               <a:rPr lang="en-US" smtClean="0"/>
-              <a:t>12/20/2019</a:t>
+              <a:t>02-02-20</a:t>
             </a:fld>
             <a:endParaRPr lang="en-US" dirty="0"/>
           </a:p>
@@ -2916,7 +3006,7 @@
           <a:p>
             <a:fld id="{013D4D03-119E-4B95-90EB-03CB29F346AA}" type="datetime1">
               <a:rPr lang="en-US" smtClean="0"/>
-              <a:t>12/20/2019</a:t>
+              <a:t>02-02-20</a:t>
             </a:fld>
             <a:endParaRPr lang="en-US" dirty="0"/>
           </a:p>
@@ -3029,7 +3119,7 @@
           <a:p>
             <a:fld id="{A027293F-426C-486A-945D-D5F33E5B14AB}" type="datetime1">
               <a:rPr lang="en-US" smtClean="0"/>
-              <a:t>12/20/2019</a:t>
+              <a:t>02-02-20</a:t>
             </a:fld>
             <a:endParaRPr lang="en-US" dirty="0"/>
           </a:p>
@@ -3340,7 +3430,7 @@
           <a:p>
             <a:fld id="{8DC6A9D6-43D9-48BF-BAA3-41975785F0CB}" type="datetime1">
               <a:rPr lang="en-US" smtClean="0"/>
-              <a:t>12/20/2019</a:t>
+              <a:t>02-02-20</a:t>
             </a:fld>
             <a:endParaRPr lang="en-US" dirty="0"/>
           </a:p>
@@ -3520,7 +3610,7 @@
           <a:p>
             <a:fld id="{AB814CEC-9F17-496B-99D6-DCE4BD5734FE}" type="datetimeFigureOut">
               <a:rPr lang="en-US" smtClean="0"/>
-              <a:t>12/20/2019</a:t>
+              <a:t>02-02-20</a:t>
             </a:fld>
             <a:endParaRPr lang="en-US" dirty="0"/>
           </a:p>
@@ -3796,7 +3886,7 @@
           <a:p>
             <a:fld id="{AF73C7F7-F66F-4F95-8F3E-08CF18AC175D}" type="datetime1">
               <a:rPr lang="en-US" smtClean="0"/>
-              <a:t>12/20/2019</a:t>
+              <a:t>02-02-20</a:t>
             </a:fld>
             <a:endParaRPr lang="en-US" dirty="0"/>
           </a:p>
@@ -3994,7 +4084,7 @@
           <a:p>
             <a:fld id="{061A801A-39E1-4A63-852A-1ED55567695B}" type="datetime1">
               <a:rPr lang="en-US" smtClean="0"/>
-              <a:t>12/20/2019</a:t>
+              <a:t>02-02-20</a:t>
             </a:fld>
             <a:endParaRPr lang="en-US" dirty="0"/>
           </a:p>
@@ -4202,7 +4292,7 @@
           <a:p>
             <a:fld id="{744C8F9C-9F70-4A32-9C14-DB0721FED983}" type="datetime1">
               <a:rPr lang="en-US" smtClean="0"/>
-              <a:t>12/20/2019</a:t>
+              <a:t>02-02-20</a:t>
             </a:fld>
             <a:endParaRPr lang="en-US" dirty="0"/>
           </a:p>
@@ -4459,7 +4549,7 @@
           <a:p>
             <a:fld id="{AB814CEC-9F17-496B-99D6-DCE4BD5734FE}" type="datetimeFigureOut">
               <a:rPr lang="en-US" smtClean="0"/>
-              <a:t>12/20/2019</a:t>
+              <a:t>02-02-20</a:t>
             </a:fld>
             <a:endParaRPr lang="en-US" dirty="0"/>
           </a:p>
@@ -4688,7 +4778,7 @@
           <a:p>
             <a:fld id="{AB814CEC-9F17-496B-99D6-DCE4BD5734FE}" type="datetimeFigureOut">
               <a:rPr lang="en-US" smtClean="0"/>
-              <a:t>12/20/2019</a:t>
+              <a:t>02-02-20</a:t>
             </a:fld>
             <a:endParaRPr lang="en-US" dirty="0"/>
           </a:p>
@@ -5052,7 +5142,7 @@
           <a:p>
             <a:fld id="{AB814CEC-9F17-496B-99D6-DCE4BD5734FE}" type="datetimeFigureOut">
               <a:rPr lang="en-US" smtClean="0"/>
-              <a:t>12/20/2019</a:t>
+              <a:t>02-02-20</a:t>
             </a:fld>
             <a:endParaRPr lang="en-US" dirty="0"/>
           </a:p>
@@ -5169,7 +5259,7 @@
           <a:p>
             <a:fld id="{AB814CEC-9F17-496B-99D6-DCE4BD5734FE}" type="datetimeFigureOut">
               <a:rPr lang="en-US" smtClean="0"/>
-              <a:t>12/20/2019</a:t>
+              <a:t>02-02-20</a:t>
             </a:fld>
             <a:endParaRPr lang="en-US" dirty="0"/>
           </a:p>
@@ -5264,7 +5354,7 @@
           <a:p>
             <a:fld id="{AB814CEC-9F17-496B-99D6-DCE4BD5734FE}" type="datetimeFigureOut">
               <a:rPr lang="en-US" smtClean="0"/>
-              <a:t>12/20/2019</a:t>
+              <a:t>02-02-20</a:t>
             </a:fld>
             <a:endParaRPr lang="en-US" dirty="0"/>
           </a:p>
@@ -5539,7 +5629,7 @@
           <a:p>
             <a:fld id="{AB814CEC-9F17-496B-99D6-DCE4BD5734FE}" type="datetimeFigureOut">
               <a:rPr lang="en-US" smtClean="0"/>
-              <a:t>12/20/2019</a:t>
+              <a:t>02-02-20</a:t>
             </a:fld>
             <a:endParaRPr lang="en-US" dirty="0"/>
           </a:p>
@@ -5791,7 +5881,7 @@
           <a:p>
             <a:fld id="{AB814CEC-9F17-496B-99D6-DCE4BD5734FE}" type="datetimeFigureOut">
               <a:rPr lang="en-US" smtClean="0"/>
-              <a:t>12/20/2019</a:t>
+              <a:t>02-02-20</a:t>
             </a:fld>
             <a:endParaRPr lang="en-US" dirty="0"/>
           </a:p>
@@ -6002,7 +6092,7 @@
           <a:p>
             <a:fld id="{AB814CEC-9F17-496B-99D6-DCE4BD5734FE}" type="datetimeFigureOut">
               <a:rPr lang="en-US" smtClean="0"/>
-              <a:t>12/20/2019</a:t>
+              <a:t>02-02-20</a:t>
             </a:fld>
             <a:endParaRPr lang="en-US" dirty="0"/>
           </a:p>
@@ -6567,7 +6657,7 @@
           <a:p>
             <a:fld id="{E5476EA0-6EC3-488A-9CFA-645165A5811E}" type="datetime1">
               <a:rPr lang="en-US" smtClean="0"/>
-              <a:t>12/20/2019</a:t>
+              <a:t>02-02-20</a:t>
             </a:fld>
             <a:endParaRPr lang="en-US" dirty="0"/>
           </a:p>
@@ -7389,6 +7479,10 @@
             <a:r>
               <a:rPr lang="he-IL" sz="3200" dirty="0"/>
               <a:t> אביטל, תמיר</a:t>
+            </a:r>
+            <a:r>
+              <a:rPr lang="en-US" sz="3200" dirty="0"/>
+              <a:t/>
             </a:r>
             <a:br>
               <a:rPr lang="en-US" sz="3200" dirty="0"/>
@@ -17847,6 +17941,10 @@
               <a:rPr lang="he-IL" sz="3200" dirty="0"/>
               <a:t> אביטל, תמיר</a:t>
             </a:r>
+            <a:r>
+              <a:rPr lang="en-US" sz="3200" dirty="0"/>
+              <a:t/>
+            </a:r>
             <a:br>
               <a:rPr lang="en-US" sz="3200" dirty="0"/>
             </a:br>
@@ -34392,6 +34490,1333 @@
   </p:cSld>
   <p:clrMapOvr>
     <a:overrideClrMapping bg1="lt1" tx1="dk1" bg2="lt2" tx2="dk2" accent1="accent1" accent2="accent2" accent3="accent3" accent4="accent4" accent5="accent5" accent6="accent6" hlink="hlink" folHlink="folHlink"/>
+  </p:clrMapOvr>
+</p:sld>
+</file>
+
+<file path=ppt/slides/slide21.xml><?xml version="1.0" encoding="utf-8"?>
+<p:sld xmlns:a="http://schemas.openxmlformats.org/drawingml/2006/main" xmlns:r="http://schemas.openxmlformats.org/officeDocument/2006/relationships" xmlns:p="http://schemas.openxmlformats.org/presentationml/2006/main">
+  <p:cSld>
+    <p:spTree>
+      <p:nvGrpSpPr>
+        <p:cNvPr id="1" name=""/>
+        <p:cNvGrpSpPr/>
+        <p:nvPr/>
+      </p:nvGrpSpPr>
+      <p:grpSpPr>
+        <a:xfrm>
+          <a:off x="0" y="0"/>
+          <a:ext cx="0" cy="0"/>
+          <a:chOff x="0" y="0"/>
+          <a:chExt cx="0" cy="0"/>
+        </a:xfrm>
+      </p:grpSpPr>
+      <p:sp>
+        <p:nvSpPr>
+          <p:cNvPr id="2" name="Title 1"/>
+          <p:cNvSpPr>
+            <a:spLocks noGrp="1"/>
+          </p:cNvSpPr>
+          <p:nvPr>
+            <p:ph type="title"/>
+          </p:nvPr>
+        </p:nvSpPr>
+        <p:spPr>
+          <a:xfrm>
+            <a:off x="838200" y="365125"/>
+            <a:ext cx="10515600" cy="1392654"/>
+          </a:xfrm>
+        </p:spPr>
+        <p:txBody>
+          <a:bodyPr>
+            <a:noAutofit/>
+          </a:bodyPr>
+          <a:lstStyle/>
+          <a:p>
+            <a:pPr marL="0" indent="0" algn="ctr" rtl="1"/>
+            <a:r>
+              <a:rPr lang="he-IL" sz="3200" dirty="0"/>
+              <a:t>פגישת מאסטר:</a:t>
+            </a:r>
+            <a:br>
+              <a:rPr lang="he-IL" sz="3200" dirty="0"/>
+            </a:br>
+            <a:r>
+              <a:rPr lang="he-IL" sz="3200" dirty="0"/>
+              <a:t>תאריך: </a:t>
+            </a:r>
+            <a:r>
+              <a:rPr lang="he-IL" sz="3200" dirty="0" smtClean="0"/>
+              <a:t>03.02.2020</a:t>
+            </a:r>
+            <a:r>
+              <a:rPr lang="he-IL" sz="3200" dirty="0"/>
+              <a:t/>
+            </a:r>
+            <a:br>
+              <a:rPr lang="he-IL" sz="3200" dirty="0"/>
+            </a:br>
+            <a:r>
+              <a:rPr lang="he-IL" sz="3200" dirty="0"/>
+              <a:t>נוכחים: עמי</a:t>
+            </a:r>
+            <a:r>
+              <a:rPr lang="en-US" sz="3200" dirty="0"/>
+              <a:t>,</a:t>
+            </a:r>
+            <a:r>
+              <a:rPr lang="he-IL" sz="3200" dirty="0"/>
+              <a:t> אביטל, תמיר</a:t>
+            </a:r>
+            <a:r>
+              <a:rPr lang="en-US" sz="3200" dirty="0"/>
+              <a:t/>
+            </a:r>
+            <a:br>
+              <a:rPr lang="en-US" sz="3200" dirty="0"/>
+            </a:br>
+            <a:endParaRPr lang="en-US" sz="3200" dirty="0"/>
+          </a:p>
+        </p:txBody>
+      </p:sp>
+      <p:sp>
+        <p:nvSpPr>
+          <p:cNvPr id="4" name="Slide Number Placeholder 3"/>
+          <p:cNvSpPr>
+            <a:spLocks noGrp="1"/>
+          </p:cNvSpPr>
+          <p:nvPr>
+            <p:ph type="sldNum" sz="quarter" idx="12"/>
+          </p:nvPr>
+        </p:nvSpPr>
+        <p:spPr/>
+        <p:txBody>
+          <a:bodyPr/>
+          <a:lstStyle/>
+          <a:p>
+            <a:fld id="{46F73462-4705-4A44-BBF4-96DC5AF4F7E4}" type="slidenum">
+              <a:rPr lang="en-US" smtClean="0"/>
+              <a:t>21</a:t>
+            </a:fld>
+            <a:endParaRPr lang="en-US" dirty="0"/>
+          </a:p>
+        </p:txBody>
+      </p:sp>
+      <p:sp>
+        <p:nvSpPr>
+          <p:cNvPr id="5" name="Content Placeholder 2"/>
+          <p:cNvSpPr txBox="1">
+            <a:spLocks noGrp="1"/>
+          </p:cNvSpPr>
+          <p:nvPr>
+            <p:ph idx="1"/>
+          </p:nvPr>
+        </p:nvSpPr>
+        <p:spPr>
+          <a:xfrm>
+            <a:off x="1624584" y="1864311"/>
+            <a:ext cx="8269224" cy="4070145"/>
+          </a:xfrm>
+          <a:prstGeom prst="rect">
+            <a:avLst/>
+          </a:prstGeom>
+        </p:spPr>
+        <p:txBody>
+          <a:bodyPr vert="horz" lIns="91440" tIns="45720" rIns="91440" bIns="45720" rtlCol="0">
+            <a:normAutofit/>
+          </a:bodyPr>
+          <a:lstStyle>
+            <a:lvl1pPr marL="228600" indent="-228600" algn="l" defTabSz="914400" rtl="0" eaLnBrk="1" latinLnBrk="0" hangingPunct="1">
+              <a:lnSpc>
+                <a:spcPct val="90000"/>
+              </a:lnSpc>
+              <a:spcBef>
+                <a:spcPts val="1000"/>
+              </a:spcBef>
+              <a:buFont typeface="Arial" panose="020B0604020202020204" pitchFamily="34" charset="0"/>
+              <a:buChar char="•"/>
+              <a:defRPr sz="2800" kern="1200">
+                <a:solidFill>
+                  <a:schemeClr val="tx1"/>
+                </a:solidFill>
+                <a:latin typeface="+mn-lt"/>
+                <a:ea typeface="+mn-ea"/>
+                <a:cs typeface="+mn-cs"/>
+              </a:defRPr>
+            </a:lvl1pPr>
+            <a:lvl2pPr marL="685800" indent="-228600" algn="l" defTabSz="914400" rtl="0" eaLnBrk="1" latinLnBrk="0" hangingPunct="1">
+              <a:lnSpc>
+                <a:spcPct val="90000"/>
+              </a:lnSpc>
+              <a:spcBef>
+                <a:spcPts val="500"/>
+              </a:spcBef>
+              <a:buFont typeface="Arial" panose="020B0604020202020204" pitchFamily="34" charset="0"/>
+              <a:buChar char="•"/>
+              <a:defRPr sz="2400" kern="1200">
+                <a:solidFill>
+                  <a:schemeClr val="tx1"/>
+                </a:solidFill>
+                <a:latin typeface="+mn-lt"/>
+                <a:ea typeface="+mn-ea"/>
+                <a:cs typeface="+mn-cs"/>
+              </a:defRPr>
+            </a:lvl2pPr>
+            <a:lvl3pPr marL="1143000" indent="-228600" algn="l" defTabSz="914400" rtl="0" eaLnBrk="1" latinLnBrk="0" hangingPunct="1">
+              <a:lnSpc>
+                <a:spcPct val="90000"/>
+              </a:lnSpc>
+              <a:spcBef>
+                <a:spcPts val="500"/>
+              </a:spcBef>
+              <a:buFont typeface="Arial" panose="020B0604020202020204" pitchFamily="34" charset="0"/>
+              <a:buChar char="•"/>
+              <a:defRPr sz="2000" kern="1200">
+                <a:solidFill>
+                  <a:schemeClr val="tx1"/>
+                </a:solidFill>
+                <a:latin typeface="+mn-lt"/>
+                <a:ea typeface="+mn-ea"/>
+                <a:cs typeface="+mn-cs"/>
+              </a:defRPr>
+            </a:lvl3pPr>
+            <a:lvl4pPr marL="1600200" indent="-228600" algn="l" defTabSz="914400" rtl="0" eaLnBrk="1" latinLnBrk="0" hangingPunct="1">
+              <a:lnSpc>
+                <a:spcPct val="90000"/>
+              </a:lnSpc>
+              <a:spcBef>
+                <a:spcPts val="500"/>
+              </a:spcBef>
+              <a:buFont typeface="Arial" panose="020B0604020202020204" pitchFamily="34" charset="0"/>
+              <a:buChar char="•"/>
+              <a:defRPr sz="1800" kern="1200">
+                <a:solidFill>
+                  <a:schemeClr val="tx1"/>
+                </a:solidFill>
+                <a:latin typeface="+mn-lt"/>
+                <a:ea typeface="+mn-ea"/>
+                <a:cs typeface="+mn-cs"/>
+              </a:defRPr>
+            </a:lvl4pPr>
+            <a:lvl5pPr marL="2057400" indent="-228600" algn="l" defTabSz="914400" rtl="0" eaLnBrk="1" latinLnBrk="0" hangingPunct="1">
+              <a:lnSpc>
+                <a:spcPct val="90000"/>
+              </a:lnSpc>
+              <a:spcBef>
+                <a:spcPts val="500"/>
+              </a:spcBef>
+              <a:buFont typeface="Arial" panose="020B0604020202020204" pitchFamily="34" charset="0"/>
+              <a:buChar char="•"/>
+              <a:defRPr sz="1800" kern="1200">
+                <a:solidFill>
+                  <a:schemeClr val="tx1"/>
+                </a:solidFill>
+                <a:latin typeface="+mn-lt"/>
+                <a:ea typeface="+mn-ea"/>
+                <a:cs typeface="+mn-cs"/>
+              </a:defRPr>
+            </a:lvl5pPr>
+            <a:lvl6pPr marL="2514600" indent="-228600" algn="l" defTabSz="914400" rtl="0" eaLnBrk="1" latinLnBrk="0" hangingPunct="1">
+              <a:lnSpc>
+                <a:spcPct val="90000"/>
+              </a:lnSpc>
+              <a:spcBef>
+                <a:spcPts val="500"/>
+              </a:spcBef>
+              <a:buFont typeface="Arial" panose="020B0604020202020204" pitchFamily="34" charset="0"/>
+              <a:buChar char="•"/>
+              <a:defRPr sz="1800" kern="1200">
+                <a:solidFill>
+                  <a:schemeClr val="tx1"/>
+                </a:solidFill>
+                <a:latin typeface="+mn-lt"/>
+                <a:ea typeface="+mn-ea"/>
+                <a:cs typeface="+mn-cs"/>
+              </a:defRPr>
+            </a:lvl6pPr>
+            <a:lvl7pPr marL="2971800" indent="-228600" algn="l" defTabSz="914400" rtl="0" eaLnBrk="1" latinLnBrk="0" hangingPunct="1">
+              <a:lnSpc>
+                <a:spcPct val="90000"/>
+              </a:lnSpc>
+              <a:spcBef>
+                <a:spcPts val="500"/>
+              </a:spcBef>
+              <a:buFont typeface="Arial" panose="020B0604020202020204" pitchFamily="34" charset="0"/>
+              <a:buChar char="•"/>
+              <a:defRPr sz="1800" kern="1200">
+                <a:solidFill>
+                  <a:schemeClr val="tx1"/>
+                </a:solidFill>
+                <a:latin typeface="+mn-lt"/>
+                <a:ea typeface="+mn-ea"/>
+                <a:cs typeface="+mn-cs"/>
+              </a:defRPr>
+            </a:lvl7pPr>
+            <a:lvl8pPr marL="3429000" indent="-228600" algn="l" defTabSz="914400" rtl="0" eaLnBrk="1" latinLnBrk="0" hangingPunct="1">
+              <a:lnSpc>
+                <a:spcPct val="90000"/>
+              </a:lnSpc>
+              <a:spcBef>
+                <a:spcPts val="500"/>
+              </a:spcBef>
+              <a:buFont typeface="Arial" panose="020B0604020202020204" pitchFamily="34" charset="0"/>
+              <a:buChar char="•"/>
+              <a:defRPr sz="1800" kern="1200">
+                <a:solidFill>
+                  <a:schemeClr val="tx1"/>
+                </a:solidFill>
+                <a:latin typeface="+mn-lt"/>
+                <a:ea typeface="+mn-ea"/>
+                <a:cs typeface="+mn-cs"/>
+              </a:defRPr>
+            </a:lvl8pPr>
+            <a:lvl9pPr marL="3886200" indent="-228600" algn="l" defTabSz="914400" rtl="0" eaLnBrk="1" latinLnBrk="0" hangingPunct="1">
+              <a:lnSpc>
+                <a:spcPct val="90000"/>
+              </a:lnSpc>
+              <a:spcBef>
+                <a:spcPts val="500"/>
+              </a:spcBef>
+              <a:buFont typeface="Arial" panose="020B0604020202020204" pitchFamily="34" charset="0"/>
+              <a:buChar char="•"/>
+              <a:defRPr sz="1800" kern="1200">
+                <a:solidFill>
+                  <a:schemeClr val="tx1"/>
+                </a:solidFill>
+                <a:latin typeface="+mn-lt"/>
+                <a:ea typeface="+mn-ea"/>
+                <a:cs typeface="+mn-cs"/>
+              </a:defRPr>
+            </a:lvl9pPr>
+          </a:lstStyle>
+          <a:p>
+            <a:pPr marL="0" indent="0" algn="ctr" rtl="1">
+              <a:buNone/>
+            </a:pPr>
+            <a:r>
+              <a:rPr lang="he-IL" u="sng" dirty="0"/>
+              <a:t>נקודות ממפגש קודם</a:t>
+            </a:r>
+          </a:p>
+          <a:p>
+            <a:pPr algn="r" rtl="1"/>
+            <a:r>
+              <a:rPr lang="he-IL" dirty="0"/>
+              <a:t> </a:t>
+            </a:r>
+            <a:r>
+              <a:rPr lang="he-IL" dirty="0" smtClean="0"/>
+              <a:t>פיתוח אלגוריתם גנטי לשלב </a:t>
+            </a:r>
+            <a:r>
+              <a:rPr lang="he-IL" dirty="0"/>
+              <a:t>ב': חיפוש אבולוציוני עם גישת </a:t>
+            </a:r>
+            <a:r>
+              <a:rPr lang="en-US" dirty="0" smtClean="0"/>
+              <a:t>DWOI</a:t>
+            </a:r>
+            <a:endParaRPr lang="he-IL" dirty="0" smtClean="0"/>
+          </a:p>
+          <a:p>
+            <a:pPr algn="r" rtl="1"/>
+            <a:r>
+              <a:rPr lang="he-IL" dirty="0" smtClean="0"/>
+              <a:t>ביצוע סימולציה לכל הקונספטים הקטנים (220 </a:t>
+            </a:r>
+            <a:r>
+              <a:rPr lang="he-IL" dirty="0" err="1" smtClean="0"/>
+              <a:t>קונפיגורציות</a:t>
+            </a:r>
+            <a:r>
+              <a:rPr lang="he-IL" dirty="0" smtClean="0"/>
+              <a:t> – הורחב גם לכל 5 </a:t>
+            </a:r>
+            <a:r>
+              <a:rPr lang="he-IL" dirty="0" err="1" smtClean="0"/>
+              <a:t>דג"ח</a:t>
+            </a:r>
+            <a:r>
+              <a:rPr lang="he-IL" dirty="0" smtClean="0"/>
+              <a:t>)</a:t>
+            </a:r>
+          </a:p>
+          <a:p>
+            <a:pPr algn="r" rtl="1"/>
+            <a:r>
+              <a:rPr lang="he-IL" dirty="0" smtClean="0"/>
+              <a:t>לבניית </a:t>
+            </a:r>
+            <a:r>
+              <a:rPr lang="en-US" dirty="0" smtClean="0"/>
+              <a:t>DWOI</a:t>
+            </a:r>
+            <a:r>
+              <a:rPr lang="he-IL" dirty="0" smtClean="0"/>
+              <a:t> ראשוני להשתמש בכל התוצאות שיש</a:t>
+            </a:r>
+            <a:endParaRPr lang="he-IL" dirty="0" smtClean="0"/>
+          </a:p>
+          <a:p>
+            <a:pPr algn="r" rtl="1"/>
+            <a:r>
+              <a:rPr lang="he-IL" dirty="0" smtClean="0"/>
+              <a:t>אביטל התקבל להיות מנחה</a:t>
+            </a:r>
+            <a:endParaRPr lang="en-US" dirty="0"/>
+          </a:p>
+        </p:txBody>
+      </p:sp>
+    </p:spTree>
+    <p:extLst>
+      <p:ext uri="{BB962C8B-B14F-4D97-AF65-F5344CB8AC3E}">
+        <p14:creationId xmlns:p14="http://schemas.microsoft.com/office/powerpoint/2010/main" val="933489790"/>
+      </p:ext>
+    </p:extLst>
+  </p:cSld>
+  <p:clrMapOvr>
+    <a:masterClrMapping/>
+  </p:clrMapOvr>
+</p:sld>
+</file>
+
+<file path=ppt/slides/slide22.xml><?xml version="1.0" encoding="utf-8"?>
+<p:sld xmlns:a="http://schemas.openxmlformats.org/drawingml/2006/main" xmlns:r="http://schemas.openxmlformats.org/officeDocument/2006/relationships" xmlns:p="http://schemas.openxmlformats.org/presentationml/2006/main">
+  <p:cSld>
+    <p:spTree>
+      <p:nvGrpSpPr>
+        <p:cNvPr id="1" name=""/>
+        <p:cNvGrpSpPr/>
+        <p:nvPr/>
+      </p:nvGrpSpPr>
+      <p:grpSpPr>
+        <a:xfrm>
+          <a:off x="0" y="0"/>
+          <a:ext cx="0" cy="0"/>
+          <a:chOff x="0" y="0"/>
+          <a:chExt cx="0" cy="0"/>
+        </a:xfrm>
+      </p:grpSpPr>
+      <p:sp>
+        <p:nvSpPr>
+          <p:cNvPr id="2" name="Title 1"/>
+          <p:cNvSpPr>
+            <a:spLocks noGrp="1"/>
+          </p:cNvSpPr>
+          <p:nvPr>
+            <p:ph type="title"/>
+          </p:nvPr>
+        </p:nvSpPr>
+        <p:spPr/>
+        <p:txBody>
+          <a:bodyPr/>
+          <a:lstStyle/>
+          <a:p>
+            <a:endParaRPr lang="en-US"/>
+          </a:p>
+        </p:txBody>
+      </p:sp>
+      <p:pic>
+        <p:nvPicPr>
+          <p:cNvPr id="5" name="Content Placeholder 4"/>
+          <p:cNvPicPr>
+            <a:picLocks noGrp="1" noChangeAspect="1"/>
+          </p:cNvPicPr>
+          <p:nvPr>
+            <p:ph idx="1"/>
+          </p:nvPr>
+        </p:nvPicPr>
+        <p:blipFill rotWithShape="1">
+          <a:blip r:embed="rId3">
+            <a:extLst>
+              <a:ext uri="{28A0092B-C50C-407E-A947-70E740481C1C}">
+                <a14:useLocalDpi xmlns:a14="http://schemas.microsoft.com/office/drawing/2010/main" val="0"/>
+              </a:ext>
+            </a:extLst>
+          </a:blip>
+          <a:srcRect l="15442" t="6305" r="8206" b="18968"/>
+          <a:stretch/>
+        </p:blipFill>
+        <p:spPr>
+          <a:xfrm>
+            <a:off x="280552" y="329621"/>
+            <a:ext cx="11134983" cy="5881255"/>
+          </a:xfrm>
+        </p:spPr>
+      </p:pic>
+      <p:sp>
+        <p:nvSpPr>
+          <p:cNvPr id="4" name="Slide Number Placeholder 3"/>
+          <p:cNvSpPr>
+            <a:spLocks noGrp="1"/>
+          </p:cNvSpPr>
+          <p:nvPr>
+            <p:ph type="sldNum" sz="quarter" idx="12"/>
+          </p:nvPr>
+        </p:nvSpPr>
+        <p:spPr/>
+        <p:txBody>
+          <a:bodyPr/>
+          <a:lstStyle/>
+          <a:p>
+            <a:fld id="{46F73462-4705-4A44-BBF4-96DC5AF4F7E4}" type="slidenum">
+              <a:rPr lang="en-US" smtClean="0"/>
+              <a:t>22</a:t>
+            </a:fld>
+            <a:endParaRPr lang="en-US" dirty="0"/>
+          </a:p>
+        </p:txBody>
+      </p:sp>
+    </p:spTree>
+    <p:extLst>
+      <p:ext uri="{BB962C8B-B14F-4D97-AF65-F5344CB8AC3E}">
+        <p14:creationId xmlns:p14="http://schemas.microsoft.com/office/powerpoint/2010/main" val="2123904462"/>
+      </p:ext>
+    </p:extLst>
+  </p:cSld>
+  <p:clrMapOvr>
+    <a:masterClrMapping/>
+  </p:clrMapOvr>
+</p:sld>
+</file>
+
+<file path=ppt/slides/slide23.xml><?xml version="1.0" encoding="utf-8"?>
+<p:sld xmlns:a="http://schemas.openxmlformats.org/drawingml/2006/main" xmlns:r="http://schemas.openxmlformats.org/officeDocument/2006/relationships" xmlns:p="http://schemas.openxmlformats.org/presentationml/2006/main">
+  <p:cSld>
+    <p:spTree>
+      <p:nvGrpSpPr>
+        <p:cNvPr id="1" name=""/>
+        <p:cNvGrpSpPr/>
+        <p:nvPr/>
+      </p:nvGrpSpPr>
+      <p:grpSpPr>
+        <a:xfrm>
+          <a:off x="0" y="0"/>
+          <a:ext cx="0" cy="0"/>
+          <a:chOff x="0" y="0"/>
+          <a:chExt cx="0" cy="0"/>
+        </a:xfrm>
+      </p:grpSpPr>
+      <p:sp>
+        <p:nvSpPr>
+          <p:cNvPr id="2" name="Title 1"/>
+          <p:cNvSpPr>
+            <a:spLocks noGrp="1"/>
+          </p:cNvSpPr>
+          <p:nvPr>
+            <p:ph type="title"/>
+          </p:nvPr>
+        </p:nvSpPr>
+        <p:spPr/>
+        <p:txBody>
+          <a:bodyPr/>
+          <a:lstStyle/>
+          <a:p>
+            <a:pPr algn="ctr"/>
+            <a:r>
+              <a:rPr lang="en-US" dirty="0" smtClean="0"/>
+              <a:t>Concepts in WOI</a:t>
+            </a:r>
+            <a:endParaRPr lang="en-US" dirty="0"/>
+          </a:p>
+        </p:txBody>
+      </p:sp>
+      <p:pic>
+        <p:nvPicPr>
+          <p:cNvPr id="5" name="Content Placeholder 4"/>
+          <p:cNvPicPr>
+            <a:picLocks noGrp="1" noChangeAspect="1"/>
+          </p:cNvPicPr>
+          <p:nvPr>
+            <p:ph idx="1"/>
+          </p:nvPr>
+        </p:nvPicPr>
+        <p:blipFill rotWithShape="1">
+          <a:blip r:embed="rId2">
+            <a:extLst>
+              <a:ext uri="{28A0092B-C50C-407E-A947-70E740481C1C}">
+                <a14:useLocalDpi xmlns:a14="http://schemas.microsoft.com/office/drawing/2010/main" val="0"/>
+              </a:ext>
+            </a:extLst>
+          </a:blip>
+          <a:srcRect l="14242" t="82515" r="13508"/>
+          <a:stretch/>
+        </p:blipFill>
+        <p:spPr>
+          <a:xfrm>
+            <a:off x="311726" y="2005446"/>
+            <a:ext cx="10525489" cy="3889289"/>
+          </a:xfrm>
+        </p:spPr>
+      </p:pic>
+      <p:sp>
+        <p:nvSpPr>
+          <p:cNvPr id="4" name="Slide Number Placeholder 3"/>
+          <p:cNvSpPr>
+            <a:spLocks noGrp="1"/>
+          </p:cNvSpPr>
+          <p:nvPr>
+            <p:ph type="sldNum" sz="quarter" idx="12"/>
+          </p:nvPr>
+        </p:nvSpPr>
+        <p:spPr/>
+        <p:txBody>
+          <a:bodyPr/>
+          <a:lstStyle/>
+          <a:p>
+            <a:fld id="{46F73462-4705-4A44-BBF4-96DC5AF4F7E4}" type="slidenum">
+              <a:rPr lang="en-US" smtClean="0"/>
+              <a:t>23</a:t>
+            </a:fld>
+            <a:endParaRPr lang="en-US" dirty="0"/>
+          </a:p>
+        </p:txBody>
+      </p:sp>
+      <p:sp>
+        <p:nvSpPr>
+          <p:cNvPr id="6" name="Oval 5"/>
+          <p:cNvSpPr/>
+          <p:nvPr/>
+        </p:nvSpPr>
+        <p:spPr>
+          <a:xfrm>
+            <a:off x="4651663" y="2005446"/>
+            <a:ext cx="1208810" cy="3737264"/>
+          </a:xfrm>
+          <a:prstGeom prst="ellipse">
+            <a:avLst/>
+          </a:prstGeom>
+          <a:noFill/>
+          <a:ln w="38100">
+            <a:solidFill>
+              <a:srgbClr val="0070C0"/>
+            </a:solidFill>
+            <a:prstDash val="solid"/>
+          </a:ln>
+        </p:spPr>
+        <p:style>
+          <a:lnRef idx="2">
+            <a:schemeClr val="accent1">
+              <a:shade val="50000"/>
+            </a:schemeClr>
+          </a:lnRef>
+          <a:fillRef idx="1">
+            <a:schemeClr val="accent1"/>
+          </a:fillRef>
+          <a:effectRef idx="0">
+            <a:schemeClr val="accent1"/>
+          </a:effectRef>
+          <a:fontRef idx="minor">
+            <a:schemeClr val="lt1"/>
+          </a:fontRef>
+        </p:style>
+        <p:txBody>
+          <a:bodyPr rtlCol="0" anchor="ctr"/>
+          <a:lstStyle/>
+          <a:p>
+            <a:pPr algn="ctr"/>
+            <a:endParaRPr lang="en-US"/>
+          </a:p>
+        </p:txBody>
+      </p:sp>
+      <p:sp>
+        <p:nvSpPr>
+          <p:cNvPr id="8" name="Oval 7"/>
+          <p:cNvSpPr/>
+          <p:nvPr/>
+        </p:nvSpPr>
+        <p:spPr>
+          <a:xfrm>
+            <a:off x="3560618" y="2297935"/>
+            <a:ext cx="1340427" cy="3444775"/>
+          </a:xfrm>
+          <a:prstGeom prst="ellipse">
+            <a:avLst/>
+          </a:prstGeom>
+          <a:noFill/>
+          <a:ln w="38100">
+            <a:solidFill>
+              <a:srgbClr val="FF0000"/>
+            </a:solidFill>
+            <a:prstDash val="solid"/>
+          </a:ln>
+        </p:spPr>
+        <p:style>
+          <a:lnRef idx="2">
+            <a:schemeClr val="accent1">
+              <a:shade val="50000"/>
+            </a:schemeClr>
+          </a:lnRef>
+          <a:fillRef idx="1">
+            <a:schemeClr val="accent1"/>
+          </a:fillRef>
+          <a:effectRef idx="0">
+            <a:schemeClr val="accent1"/>
+          </a:effectRef>
+          <a:fontRef idx="minor">
+            <a:schemeClr val="lt1"/>
+          </a:fontRef>
+        </p:style>
+        <p:txBody>
+          <a:bodyPr rtlCol="0" anchor="ctr"/>
+          <a:lstStyle/>
+          <a:p>
+            <a:pPr algn="ctr"/>
+            <a:endParaRPr lang="en-US"/>
+          </a:p>
+        </p:txBody>
+      </p:sp>
+    </p:spTree>
+    <p:extLst>
+      <p:ext uri="{BB962C8B-B14F-4D97-AF65-F5344CB8AC3E}">
+        <p14:creationId xmlns:p14="http://schemas.microsoft.com/office/powerpoint/2010/main" val="4133549653"/>
+      </p:ext>
+    </p:extLst>
+  </p:cSld>
+  <p:clrMapOvr>
+    <a:masterClrMapping/>
+  </p:clrMapOvr>
+</p:sld>
+</file>
+
+<file path=ppt/slides/slide24.xml><?xml version="1.0" encoding="utf-8"?>
+<p:sld xmlns:a="http://schemas.openxmlformats.org/drawingml/2006/main" xmlns:r="http://schemas.openxmlformats.org/officeDocument/2006/relationships" xmlns:p="http://schemas.openxmlformats.org/presentationml/2006/main">
+  <p:cSld>
+    <p:spTree>
+      <p:nvGrpSpPr>
+        <p:cNvPr id="1" name=""/>
+        <p:cNvGrpSpPr/>
+        <p:nvPr/>
+      </p:nvGrpSpPr>
+      <p:grpSpPr>
+        <a:xfrm>
+          <a:off x="0" y="0"/>
+          <a:ext cx="0" cy="0"/>
+          <a:chOff x="0" y="0"/>
+          <a:chExt cx="0" cy="0"/>
+        </a:xfrm>
+      </p:grpSpPr>
+      <p:sp>
+        <p:nvSpPr>
+          <p:cNvPr id="2" name="Title 1"/>
+          <p:cNvSpPr>
+            <a:spLocks noGrp="1"/>
+          </p:cNvSpPr>
+          <p:nvPr>
+            <p:ph type="title"/>
+          </p:nvPr>
+        </p:nvSpPr>
+        <p:spPr>
+          <a:xfrm>
+            <a:off x="744682" y="0"/>
+            <a:ext cx="10515600" cy="1325563"/>
+          </a:xfrm>
+        </p:spPr>
+        <p:txBody>
+          <a:bodyPr/>
+          <a:lstStyle/>
+          <a:p>
+            <a:pPr algn="ctr"/>
+            <a:r>
+              <a:rPr lang="en-US" dirty="0" smtClean="0"/>
+              <a:t>GA</a:t>
+            </a:r>
+            <a:endParaRPr lang="en-US" dirty="0"/>
+          </a:p>
+        </p:txBody>
+      </p:sp>
+      <p:pic>
+        <p:nvPicPr>
+          <p:cNvPr id="5" name="Content Placeholder 4"/>
+          <p:cNvPicPr>
+            <a:picLocks noGrp="1" noChangeAspect="1"/>
+          </p:cNvPicPr>
+          <p:nvPr>
+            <p:ph idx="1"/>
+          </p:nvPr>
+        </p:nvPicPr>
+        <p:blipFill rotWithShape="1">
+          <a:blip r:embed="rId2" cstate="print">
+            <a:extLst>
+              <a:ext uri="{28A0092B-C50C-407E-A947-70E740481C1C}">
+                <a14:useLocalDpi xmlns:a14="http://schemas.microsoft.com/office/drawing/2010/main" val="0"/>
+              </a:ext>
+            </a:extLst>
+          </a:blip>
+          <a:srcRect t="9899"/>
+          <a:stretch/>
+        </p:blipFill>
+        <p:spPr>
+          <a:xfrm>
+            <a:off x="1392382" y="1014485"/>
+            <a:ext cx="8104909" cy="5436687"/>
+          </a:xfrm>
+        </p:spPr>
+      </p:pic>
+      <p:sp>
+        <p:nvSpPr>
+          <p:cNvPr id="4" name="Slide Number Placeholder 3"/>
+          <p:cNvSpPr>
+            <a:spLocks noGrp="1"/>
+          </p:cNvSpPr>
+          <p:nvPr>
+            <p:ph type="sldNum" sz="quarter" idx="12"/>
+          </p:nvPr>
+        </p:nvSpPr>
+        <p:spPr/>
+        <p:txBody>
+          <a:bodyPr/>
+          <a:lstStyle/>
+          <a:p>
+            <a:fld id="{46F73462-4705-4A44-BBF4-96DC5AF4F7E4}" type="slidenum">
+              <a:rPr lang="en-US" smtClean="0"/>
+              <a:t>24</a:t>
+            </a:fld>
+            <a:endParaRPr lang="en-US" dirty="0"/>
+          </a:p>
+        </p:txBody>
+      </p:sp>
+    </p:spTree>
+    <p:extLst>
+      <p:ext uri="{BB962C8B-B14F-4D97-AF65-F5344CB8AC3E}">
+        <p14:creationId xmlns:p14="http://schemas.microsoft.com/office/powerpoint/2010/main" val="3085150337"/>
+      </p:ext>
+    </p:extLst>
+  </p:cSld>
+  <p:clrMapOvr>
+    <a:masterClrMapping/>
+  </p:clrMapOvr>
+</p:sld>
+</file>
+
+<file path=ppt/slides/slide25.xml><?xml version="1.0" encoding="utf-8"?>
+<p:sld xmlns:a="http://schemas.openxmlformats.org/drawingml/2006/main" xmlns:r="http://schemas.openxmlformats.org/officeDocument/2006/relationships" xmlns:p="http://schemas.openxmlformats.org/presentationml/2006/main">
+  <p:cSld>
+    <p:spTree>
+      <p:nvGrpSpPr>
+        <p:cNvPr id="1" name=""/>
+        <p:cNvGrpSpPr/>
+        <p:nvPr/>
+      </p:nvGrpSpPr>
+      <p:grpSpPr>
+        <a:xfrm>
+          <a:off x="0" y="0"/>
+          <a:ext cx="0" cy="0"/>
+          <a:chOff x="0" y="0"/>
+          <a:chExt cx="0" cy="0"/>
+        </a:xfrm>
+      </p:grpSpPr>
+      <p:sp>
+        <p:nvSpPr>
+          <p:cNvPr id="2" name="Title 1"/>
+          <p:cNvSpPr>
+            <a:spLocks noGrp="1"/>
+          </p:cNvSpPr>
+          <p:nvPr>
+            <p:ph type="title"/>
+          </p:nvPr>
+        </p:nvSpPr>
+        <p:spPr>
+          <a:xfrm>
+            <a:off x="838200" y="-103910"/>
+            <a:ext cx="10515600" cy="1325563"/>
+          </a:xfrm>
+        </p:spPr>
+        <p:txBody>
+          <a:bodyPr/>
+          <a:lstStyle/>
+          <a:p>
+            <a:pPr algn="ctr"/>
+            <a:r>
+              <a:rPr lang="en-US" dirty="0" smtClean="0"/>
+              <a:t>GA</a:t>
+            </a:r>
+            <a:endParaRPr lang="en-US" dirty="0"/>
+          </a:p>
+        </p:txBody>
+      </p:sp>
+      <mc:AlternateContent xmlns:mc="http://schemas.openxmlformats.org/markup-compatibility/2006">
+        <mc:Choice xmlns:a14="http://schemas.microsoft.com/office/drawing/2010/main" Requires="a14">
+          <p:sp>
+            <p:nvSpPr>
+              <p:cNvPr id="3" name="Content Placeholder 2"/>
+              <p:cNvSpPr>
+                <a:spLocks noGrp="1"/>
+              </p:cNvSpPr>
+              <p:nvPr>
+                <p:ph idx="1"/>
+              </p:nvPr>
+            </p:nvSpPr>
+            <p:spPr>
+              <a:xfrm>
+                <a:off x="207818" y="909777"/>
+                <a:ext cx="10266218" cy="4351338"/>
+              </a:xfrm>
+            </p:spPr>
+            <p:txBody>
+              <a:bodyPr/>
+              <a:lstStyle/>
+              <a:p>
+                <a:pPr algn="r" rtl="1"/>
+                <a:r>
+                  <a:rPr lang="he-IL" dirty="0" smtClean="0"/>
+                  <a:t>גודל אוכלוסייה- לכל קונספט לפי הגודל אבל לא משתנה תוך כדי</a:t>
+                </a:r>
+              </a:p>
+              <a:p>
+                <a:pPr algn="r" rtl="1"/>
+                <a:r>
+                  <a:rPr lang="he-IL" dirty="0" smtClean="0"/>
+                  <a:t>התאמה – לפי מרחק – </a:t>
+                </a:r>
+                <a14:m>
+                  <m:oMath xmlns:m="http://schemas.openxmlformats.org/officeDocument/2006/math">
+                    <m:r>
+                      <a:rPr lang="en-US" i="1"/>
+                      <m:t>𝑓𝑖</m:t>
+                    </m:r>
+                    <m:r>
+                      <a:rPr lang="en-US" i="1"/>
+                      <m:t>=</m:t>
+                    </m:r>
+                    <m:sSup>
+                      <m:sSupPr>
+                        <m:ctrlPr>
+                          <a:rPr lang="en-US" i="1"/>
+                        </m:ctrlPr>
+                      </m:sSupPr>
+                      <m:e>
+                        <m:r>
+                          <a:rPr lang="en-US" i="1"/>
+                          <m:t>𝑒</m:t>
+                        </m:r>
+                      </m:e>
+                      <m:sup>
+                        <m:r>
+                          <a:rPr lang="en-US" i="1"/>
+                          <m:t>−</m:t>
+                        </m:r>
+                        <m:r>
+                          <a:rPr lang="en-US" b="0" i="1" smtClean="0">
+                            <a:latin typeface="Cambria Math" panose="02040503050406030204" pitchFamily="18" charset="0"/>
+                          </a:rPr>
+                          <m:t>𝑐</m:t>
+                        </m:r>
+                        <m:r>
+                          <a:rPr lang="en-US" b="0" i="1" smtClean="0">
+                            <a:latin typeface="Cambria Math" panose="02040503050406030204" pitchFamily="18" charset="0"/>
+                          </a:rPr>
+                          <m:t>∗</m:t>
+                        </m:r>
+                        <m:r>
+                          <a:rPr lang="en-US" i="1"/>
+                          <m:t>𝑑</m:t>
+                        </m:r>
+                      </m:sup>
+                    </m:sSup>
+                  </m:oMath>
+                </a14:m>
+                <a:endParaRPr lang="he-IL" dirty="0" smtClean="0"/>
+              </a:p>
+              <a:p>
+                <a:pPr algn="r" rtl="1"/>
+                <a:r>
+                  <a:rPr lang="he-IL" dirty="0"/>
+                  <a:t>סלקציה – </a:t>
+                </a:r>
+                <a:r>
+                  <a:rPr lang="he-IL" dirty="0" smtClean="0"/>
+                  <a:t>רולטה</a:t>
+                </a:r>
+              </a:p>
+              <a:p>
+                <a:pPr algn="r" rtl="1"/>
+                <a:r>
+                  <a:rPr lang="he-IL" dirty="0" smtClean="0"/>
+                  <a:t>מוטציות – שינוי איברים בצורה מעגלית מהורה אקראי (40%)</a:t>
+                </a:r>
+              </a:p>
+              <a:p>
+                <a:pPr algn="r" rtl="1"/>
+                <a:r>
+                  <a:rPr lang="he-IL" dirty="0" err="1" smtClean="0"/>
+                  <a:t>קרוסאובר</a:t>
+                </a:r>
+                <a:r>
+                  <a:rPr lang="he-IL" dirty="0" smtClean="0"/>
+                  <a:t> – בחירת איבר רנדומלי והחלפה עד איבר זה מהורה אחד ומאיבר זה מהורה שני  (60%) - מה קורה אם לא מצליח לייצר צאצא?</a:t>
+                </a:r>
+              </a:p>
+              <a:p>
+                <a:pPr algn="r" rtl="1"/>
+                <a:r>
+                  <a:rPr lang="he-IL" dirty="0" smtClean="0"/>
+                  <a:t>אליטיזם – בכל קונספט ישמר ארכיב בגודל </a:t>
+                </a:r>
+                <a:r>
+                  <a:rPr lang="he-IL" dirty="0" err="1" smtClean="0"/>
+                  <a:t>האוכ</a:t>
+                </a:r>
+                <a:r>
+                  <a:rPr lang="he-IL" dirty="0" smtClean="0"/>
+                  <a:t>' של התוצאות הכי טובות</a:t>
+                </a:r>
+              </a:p>
+              <a:p>
+                <a:pPr marL="0" indent="0" algn="r" rtl="1">
+                  <a:buNone/>
+                </a:pPr>
+                <a:endParaRPr lang="he-IL" dirty="0" smtClean="0"/>
+              </a:p>
+            </p:txBody>
+          </p:sp>
+        </mc:Choice>
+        <mc:Fallback>
+          <p:sp>
+            <p:nvSpPr>
+              <p:cNvPr id="3" name="Content Placeholder 2"/>
+              <p:cNvSpPr>
+                <a:spLocks noGrp="1" noRot="1" noChangeAspect="1" noMove="1" noResize="1" noEditPoints="1" noAdjustHandles="1" noChangeArrowheads="1" noChangeShapeType="1" noTextEdit="1"/>
+              </p:cNvSpPr>
+              <p:nvPr>
+                <p:ph idx="1"/>
+              </p:nvPr>
+            </p:nvSpPr>
+            <p:spPr>
+              <a:xfrm>
+                <a:off x="207818" y="909777"/>
+                <a:ext cx="10266218" cy="4351338"/>
+              </a:xfrm>
+              <a:blipFill>
+                <a:blip r:embed="rId2"/>
+                <a:stretch>
+                  <a:fillRect l="-891" t="-2381" r="-1128"/>
+                </a:stretch>
+              </a:blipFill>
+            </p:spPr>
+            <p:txBody>
+              <a:bodyPr/>
+              <a:lstStyle/>
+              <a:p>
+                <a:r>
+                  <a:rPr lang="en-US">
+                    <a:noFill/>
+                  </a:rPr>
+                  <a:t> </a:t>
+                </a:r>
+              </a:p>
+            </p:txBody>
+          </p:sp>
+        </mc:Fallback>
+      </mc:AlternateContent>
+      <p:sp>
+        <p:nvSpPr>
+          <p:cNvPr id="4" name="Slide Number Placeholder 3"/>
+          <p:cNvSpPr>
+            <a:spLocks noGrp="1"/>
+          </p:cNvSpPr>
+          <p:nvPr>
+            <p:ph type="sldNum" sz="quarter" idx="12"/>
+          </p:nvPr>
+        </p:nvSpPr>
+        <p:spPr/>
+        <p:txBody>
+          <a:bodyPr/>
+          <a:lstStyle/>
+          <a:p>
+            <a:fld id="{46F73462-4705-4A44-BBF4-96DC5AF4F7E4}" type="slidenum">
+              <a:rPr lang="en-US" smtClean="0"/>
+              <a:t>25</a:t>
+            </a:fld>
+            <a:endParaRPr lang="en-US" dirty="0"/>
+          </a:p>
+        </p:txBody>
+      </p:sp>
+      <p:pic>
+        <p:nvPicPr>
+          <p:cNvPr id="5" name="Picture 4"/>
+          <p:cNvPicPr/>
+          <p:nvPr/>
+        </p:nvPicPr>
+        <p:blipFill>
+          <a:blip r:embed="rId3">
+            <a:extLst>
+              <a:ext uri="{28A0092B-C50C-407E-A947-70E740481C1C}">
+                <a14:useLocalDpi xmlns:a14="http://schemas.microsoft.com/office/drawing/2010/main" val="0"/>
+              </a:ext>
+            </a:extLst>
+          </a:blip>
+          <a:srcRect/>
+          <a:stretch>
+            <a:fillRect/>
+          </a:stretch>
+        </p:blipFill>
+        <p:spPr bwMode="auto">
+          <a:xfrm>
+            <a:off x="6640016" y="4568176"/>
+            <a:ext cx="3241737" cy="2190953"/>
+          </a:xfrm>
+          <a:prstGeom prst="rect">
+            <a:avLst/>
+          </a:prstGeom>
+          <a:noFill/>
+        </p:spPr>
+      </p:pic>
+      <p:pic>
+        <p:nvPicPr>
+          <p:cNvPr id="6" name="Picture 5"/>
+          <p:cNvPicPr/>
+          <p:nvPr/>
+        </p:nvPicPr>
+        <p:blipFill>
+          <a:blip r:embed="rId4" cstate="print">
+            <a:extLst>
+              <a:ext uri="{28A0092B-C50C-407E-A947-70E740481C1C}">
+                <a14:useLocalDpi xmlns:a14="http://schemas.microsoft.com/office/drawing/2010/main" val="0"/>
+              </a:ext>
+            </a:extLst>
+          </a:blip>
+          <a:srcRect/>
+          <a:stretch>
+            <a:fillRect/>
+          </a:stretch>
+        </p:blipFill>
+        <p:spPr bwMode="auto">
+          <a:xfrm>
+            <a:off x="973280" y="4568176"/>
+            <a:ext cx="4835236" cy="2310606"/>
+          </a:xfrm>
+          <a:prstGeom prst="rect">
+            <a:avLst/>
+          </a:prstGeom>
+          <a:noFill/>
+        </p:spPr>
+      </p:pic>
+    </p:spTree>
+    <p:extLst>
+      <p:ext uri="{BB962C8B-B14F-4D97-AF65-F5344CB8AC3E}">
+        <p14:creationId xmlns:p14="http://schemas.microsoft.com/office/powerpoint/2010/main" val="2006799100"/>
+      </p:ext>
+    </p:extLst>
+  </p:cSld>
+  <p:clrMapOvr>
+    <a:masterClrMapping/>
+  </p:clrMapOvr>
+</p:sld>
+</file>
+
+<file path=ppt/slides/slide26.xml><?xml version="1.0" encoding="utf-8"?>
+<p:sld xmlns:a="http://schemas.openxmlformats.org/drawingml/2006/main" xmlns:r="http://schemas.openxmlformats.org/officeDocument/2006/relationships" xmlns:p="http://schemas.openxmlformats.org/presentationml/2006/main">
+  <p:cSld>
+    <p:spTree>
+      <p:nvGrpSpPr>
+        <p:cNvPr id="1" name=""/>
+        <p:cNvGrpSpPr/>
+        <p:nvPr/>
+      </p:nvGrpSpPr>
+      <p:grpSpPr>
+        <a:xfrm>
+          <a:off x="0" y="0"/>
+          <a:ext cx="0" cy="0"/>
+          <a:chOff x="0" y="0"/>
+          <a:chExt cx="0" cy="0"/>
+        </a:xfrm>
+      </p:grpSpPr>
+      <p:sp>
+        <p:nvSpPr>
+          <p:cNvPr id="2" name="Title 1"/>
+          <p:cNvSpPr>
+            <a:spLocks noGrp="1"/>
+          </p:cNvSpPr>
+          <p:nvPr>
+            <p:ph type="title"/>
+          </p:nvPr>
+        </p:nvSpPr>
+        <p:spPr>
+          <a:xfrm>
+            <a:off x="703118" y="167698"/>
+            <a:ext cx="10515600" cy="1325563"/>
+          </a:xfrm>
+        </p:spPr>
+        <p:txBody>
+          <a:bodyPr/>
+          <a:lstStyle/>
+          <a:p>
+            <a:pPr algn="ctr"/>
+            <a:r>
+              <a:rPr lang="en-US" dirty="0" smtClean="0"/>
+              <a:t>GA</a:t>
+            </a:r>
+            <a:endParaRPr lang="en-US" dirty="0"/>
+          </a:p>
+        </p:txBody>
+      </p:sp>
+      <p:sp>
+        <p:nvSpPr>
+          <p:cNvPr id="3" name="Content Placeholder 2"/>
+          <p:cNvSpPr>
+            <a:spLocks noGrp="1"/>
+          </p:cNvSpPr>
+          <p:nvPr>
+            <p:ph idx="1"/>
+          </p:nvPr>
+        </p:nvSpPr>
+        <p:spPr>
+          <a:xfrm>
+            <a:off x="703118" y="1347644"/>
+            <a:ext cx="9552709" cy="4351338"/>
+          </a:xfrm>
+        </p:spPr>
+        <p:txBody>
+          <a:bodyPr>
+            <a:normAutofit lnSpcReduction="10000"/>
+          </a:bodyPr>
+          <a:lstStyle/>
+          <a:p>
+            <a:pPr algn="r" rtl="1"/>
+            <a:r>
+              <a:rPr lang="he-IL" dirty="0" smtClean="0"/>
+              <a:t>תנאי עצירה: </a:t>
+            </a:r>
+          </a:p>
+          <a:p>
+            <a:pPr marL="0" indent="0" algn="r" rtl="1">
+              <a:buNone/>
+            </a:pPr>
+            <a:r>
+              <a:rPr lang="he-IL" dirty="0" smtClean="0"/>
+              <a:t>מקומי:  עבור קונספט</a:t>
+            </a:r>
+          </a:p>
+          <a:p>
+            <a:pPr marL="571500" indent="-571500" algn="r" rtl="1">
+              <a:buFont typeface="+mj-lt"/>
+              <a:buAutoNum type="romanUcPeriod"/>
+            </a:pPr>
+            <a:r>
+              <a:rPr lang="he-IL" dirty="0"/>
+              <a:t>כל האוכלוסייה / אחוז </a:t>
+            </a:r>
+            <a:r>
+              <a:rPr lang="he-IL" dirty="0" smtClean="0"/>
+              <a:t>מסוים </a:t>
+            </a:r>
+            <a:r>
+              <a:rPr lang="he-IL" dirty="0"/>
+              <a:t>ממנה </a:t>
+            </a:r>
+            <a:r>
+              <a:rPr lang="he-IL" dirty="0" smtClean="0"/>
+              <a:t>נבדק</a:t>
+            </a:r>
+            <a:endParaRPr lang="he-IL" dirty="0"/>
+          </a:p>
+          <a:p>
+            <a:pPr marL="571500" indent="-571500" algn="r" rtl="1">
+              <a:buFont typeface="+mj-lt"/>
+              <a:buAutoNum type="romanUcPeriod"/>
+            </a:pPr>
+            <a:r>
+              <a:rPr lang="he-IL" dirty="0" smtClean="0"/>
+              <a:t>תלוי בהקצאת משאבים</a:t>
+            </a:r>
+            <a:endParaRPr lang="en-US" dirty="0" smtClean="0"/>
+          </a:p>
+          <a:p>
+            <a:pPr marL="571500" indent="-571500" algn="r" rtl="1">
+              <a:buFont typeface="+mj-lt"/>
+              <a:buAutoNum type="romanUcPeriod"/>
+            </a:pPr>
+            <a:r>
+              <a:rPr lang="he-IL" dirty="0" smtClean="0"/>
+              <a:t>לא מצליח </a:t>
+            </a:r>
+            <a:r>
+              <a:rPr lang="he-IL" smtClean="0"/>
+              <a:t>לייצר יותר צאצאים?</a:t>
+            </a:r>
+            <a:endParaRPr lang="he-IL" dirty="0" smtClean="0"/>
+          </a:p>
+          <a:p>
+            <a:pPr marL="0" indent="0" algn="r" rtl="1">
+              <a:buNone/>
+            </a:pPr>
+            <a:r>
+              <a:rPr lang="he-IL" dirty="0" smtClean="0"/>
+              <a:t>גלובלי: כל הריצה</a:t>
+            </a:r>
+          </a:p>
+          <a:p>
+            <a:pPr marL="571500" indent="-571500" algn="r" rtl="1">
+              <a:buFont typeface="+mj-lt"/>
+              <a:buAutoNum type="romanUcPeriod"/>
+            </a:pPr>
+            <a:r>
+              <a:rPr lang="he-IL" dirty="0" smtClean="0"/>
+              <a:t>מספר דורות</a:t>
+            </a:r>
+          </a:p>
+          <a:p>
+            <a:pPr marL="571500" indent="-571500" algn="r" rtl="1">
+              <a:buFont typeface="+mj-lt"/>
+              <a:buAutoNum type="romanUcPeriod"/>
+            </a:pPr>
+            <a:r>
+              <a:rPr lang="he-IL" dirty="0" smtClean="0"/>
+              <a:t>זמן ריצה</a:t>
+            </a:r>
+          </a:p>
+          <a:p>
+            <a:pPr marL="571500" indent="-571500" algn="r" rtl="1">
+              <a:buFont typeface="+mj-lt"/>
+              <a:buAutoNum type="romanUcPeriod"/>
+            </a:pPr>
+            <a:r>
+              <a:rPr lang="he-IL" dirty="0" smtClean="0"/>
+              <a:t>כמות מסוימת של קונספטים בחזית</a:t>
+            </a:r>
+          </a:p>
+          <a:p>
+            <a:pPr marL="571500" indent="-571500" algn="r" rtl="1">
+              <a:buFont typeface="+mj-lt"/>
+              <a:buAutoNum type="romanUcPeriod"/>
+            </a:pPr>
+            <a:endParaRPr lang="en-US" dirty="0"/>
+          </a:p>
+        </p:txBody>
+      </p:sp>
+      <p:sp>
+        <p:nvSpPr>
+          <p:cNvPr id="4" name="Slide Number Placeholder 3"/>
+          <p:cNvSpPr>
+            <a:spLocks noGrp="1"/>
+          </p:cNvSpPr>
+          <p:nvPr>
+            <p:ph type="sldNum" sz="quarter" idx="12"/>
+          </p:nvPr>
+        </p:nvSpPr>
+        <p:spPr/>
+        <p:txBody>
+          <a:bodyPr/>
+          <a:lstStyle/>
+          <a:p>
+            <a:fld id="{46F73462-4705-4A44-BBF4-96DC5AF4F7E4}" type="slidenum">
+              <a:rPr lang="en-US" smtClean="0"/>
+              <a:t>26</a:t>
+            </a:fld>
+            <a:endParaRPr lang="en-US" dirty="0"/>
+          </a:p>
+        </p:txBody>
+      </p:sp>
+    </p:spTree>
+    <p:extLst>
+      <p:ext uri="{BB962C8B-B14F-4D97-AF65-F5344CB8AC3E}">
+        <p14:creationId xmlns:p14="http://schemas.microsoft.com/office/powerpoint/2010/main" val="76210354"/>
+      </p:ext>
+    </p:extLst>
+  </p:cSld>
+  <p:clrMapOvr>
+    <a:masterClrMapping/>
   </p:clrMapOvr>
 </p:sld>
 </file>

--- a/פגישות/פגישות.pptx
+++ b/פגישות/פגישות.pptx
@@ -6,7 +6,7 @@
     <p:sldMasterId id="2147483661" r:id="rId2"/>
   </p:sldMasterIdLst>
   <p:notesMasterIdLst>
-    <p:notesMasterId r:id="rId38"/>
+    <p:notesMasterId r:id="rId44"/>
   </p:notesMasterIdLst>
   <p:sldIdLst>
     <p:sldId id="256" r:id="rId3"/>
@@ -44,6 +44,12 @@
     <p:sldId id="288" r:id="rId35"/>
     <p:sldId id="289" r:id="rId36"/>
     <p:sldId id="290" r:id="rId37"/>
+    <p:sldId id="291" r:id="rId38"/>
+    <p:sldId id="294" r:id="rId39"/>
+    <p:sldId id="293" r:id="rId40"/>
+    <p:sldId id="292" r:id="rId41"/>
+    <p:sldId id="295" r:id="rId42"/>
+    <p:sldId id="296" r:id="rId43"/>
   </p:sldIdLst>
   <p:sldSz cx="12192000" cy="6858000"/>
   <p:notesSz cx="6858000" cy="9144000"/>
@@ -148,6 +154,1244 @@
     </p:ext>
   </p:extLst>
 </p:presentation>
+</file>
+
+<file path=ppt/charts/chart1.xml><?xml version="1.0" encoding="utf-8"?>
+<c:chartSpace xmlns:c="http://schemas.openxmlformats.org/drawingml/2006/chart" xmlns:a="http://schemas.openxmlformats.org/drawingml/2006/main" xmlns:r="http://schemas.openxmlformats.org/officeDocument/2006/relationships" xmlns:c16r2="http://schemas.microsoft.com/office/drawing/2015/06/chart">
+  <c:date1904 val="0"/>
+  <c:lang val="en-US"/>
+  <c:roundedCorners val="0"/>
+  <mc:AlternateContent xmlns:mc="http://schemas.openxmlformats.org/markup-compatibility/2006">
+    <mc:Choice xmlns:c14="http://schemas.microsoft.com/office/drawing/2007/8/2/chart" Requires="c14">
+      <c14:style val="102"/>
+    </mc:Choice>
+    <mc:Fallback>
+      <c:style val="2"/>
+    </mc:Fallback>
+  </mc:AlternateContent>
+  <c:chart>
+    <c:title>
+      <c:tx>
+        <c:rich>
+          <a:bodyPr rot="0" spcFirstLastPara="1" vertOverflow="ellipsis" vert="horz" wrap="square" anchor="ctr" anchorCtr="1"/>
+          <a:lstStyle/>
+          <a:p>
+            <a:pPr>
+              <a:defRPr sz="1400" b="0" i="0" u="none" strike="noStrike" kern="1200" spc="0" baseline="0">
+                <a:solidFill>
+                  <a:schemeClr val="tx1">
+                    <a:lumMod val="65000"/>
+                    <a:lumOff val="35000"/>
+                  </a:schemeClr>
+                </a:solidFill>
+                <a:latin typeface="+mn-lt"/>
+                <a:ea typeface="+mn-ea"/>
+                <a:cs typeface="+mn-cs"/>
+              </a:defRPr>
+            </a:pPr>
+            <a:r>
+              <a:rPr lang="en-US"/>
+              <a:t>Fair Method</a:t>
+            </a:r>
+            <a:r>
+              <a:rPr lang="en-US" baseline="0"/>
+              <a:t> WOI</a:t>
+            </a:r>
+            <a:endParaRPr lang="en-US"/>
+          </a:p>
+        </c:rich>
+      </c:tx>
+      <c:overlay val="0"/>
+      <c:spPr>
+        <a:noFill/>
+        <a:ln>
+          <a:noFill/>
+        </a:ln>
+        <a:effectLst/>
+      </c:spPr>
+      <c:txPr>
+        <a:bodyPr rot="0" spcFirstLastPara="1" vertOverflow="ellipsis" vert="horz" wrap="square" anchor="ctr" anchorCtr="1"/>
+        <a:lstStyle/>
+        <a:p>
+          <a:pPr>
+            <a:defRPr sz="1400" b="0" i="0" u="none" strike="noStrike" kern="1200" spc="0" baseline="0">
+              <a:solidFill>
+                <a:schemeClr val="tx1">
+                  <a:lumMod val="65000"/>
+                  <a:lumOff val="35000"/>
+                </a:schemeClr>
+              </a:solidFill>
+              <a:latin typeface="+mn-lt"/>
+              <a:ea typeface="+mn-ea"/>
+              <a:cs typeface="+mn-cs"/>
+            </a:defRPr>
+          </a:pPr>
+          <a:endParaRPr lang="en-US"/>
+        </a:p>
+      </c:txPr>
+    </c:title>
+    <c:autoTitleDeleted val="0"/>
+    <c:plotArea>
+      <c:layout>
+        <c:manualLayout>
+          <c:layoutTarget val="inner"/>
+          <c:xMode val="edge"/>
+          <c:yMode val="edge"/>
+          <c:x val="5.5286877872660276E-2"/>
+          <c:y val="9.7704512785550313E-2"/>
+          <c:w val="0.89071838005632975"/>
+          <c:h val="0.8026199605836849"/>
+        </c:manualLayout>
+      </c:layout>
+      <c:scatterChart>
+        <c:scatterStyle val="lineMarker"/>
+        <c:varyColors val="0"/>
+        <c:ser>
+          <c:idx val="0"/>
+          <c:order val="0"/>
+          <c:tx>
+            <c:strRef>
+              <c:f>Sheet1!$B$3</c:f>
+              <c:strCache>
+                <c:ptCount val="1"/>
+                <c:pt idx="0">
+                  <c:v>run 1 -231 Gens</c:v>
+                </c:pt>
+              </c:strCache>
+            </c:strRef>
+          </c:tx>
+          <c:spPr>
+            <a:ln w="19050" cap="rnd">
+              <a:solidFill>
+                <a:schemeClr val="accent1"/>
+              </a:solidFill>
+              <a:round/>
+            </a:ln>
+            <a:effectLst/>
+          </c:spPr>
+          <c:marker>
+            <c:symbol val="circle"/>
+            <c:size val="5"/>
+            <c:spPr>
+              <a:solidFill>
+                <a:schemeClr val="accent1"/>
+              </a:solidFill>
+              <a:ln w="9525">
+                <a:solidFill>
+                  <a:schemeClr val="accent1"/>
+                </a:solidFill>
+              </a:ln>
+              <a:effectLst/>
+            </c:spPr>
+          </c:marker>
+          <c:xVal>
+            <c:numRef>
+              <c:f>Sheet1!$D$5:$D$8</c:f>
+              <c:numCache>
+                <c:formatCode>General</c:formatCode>
+                <c:ptCount val="4"/>
+                <c:pt idx="0">
+                  <c:v>0</c:v>
+                </c:pt>
+                <c:pt idx="1">
+                  <c:v>1E-3</c:v>
+                </c:pt>
+                <c:pt idx="2">
+                  <c:v>5.0000000000000001E-3</c:v>
+                </c:pt>
+                <c:pt idx="3">
+                  <c:v>0.124</c:v>
+                </c:pt>
+              </c:numCache>
+            </c:numRef>
+          </c:xVal>
+          <c:yVal>
+            <c:numRef>
+              <c:f>Sheet1!$E$5:$E$8</c:f>
+              <c:numCache>
+                <c:formatCode>General</c:formatCode>
+                <c:ptCount val="4"/>
+                <c:pt idx="0">
+                  <c:v>0.54400000000000004</c:v>
+                </c:pt>
+                <c:pt idx="1">
+                  <c:v>0.53100000000000003</c:v>
+                </c:pt>
+                <c:pt idx="2">
+                  <c:v>0.52200000000000002</c:v>
+                </c:pt>
+                <c:pt idx="3">
+                  <c:v>0.45700000000000002</c:v>
+                </c:pt>
+              </c:numCache>
+            </c:numRef>
+          </c:yVal>
+          <c:smooth val="0"/>
+          <c:extLst>
+            <c:ext xmlns:c16="http://schemas.microsoft.com/office/drawing/2014/chart" uri="{C3380CC4-5D6E-409C-BE32-E72D297353CC}">
+              <c16:uniqueId val="{00000000-E64A-4147-AE6D-C884245A447C}"/>
+            </c:ext>
+          </c:extLst>
+        </c:ser>
+        <c:ser>
+          <c:idx val="1"/>
+          <c:order val="1"/>
+          <c:tx>
+            <c:strRef>
+              <c:f>Sheet1!$B$9</c:f>
+              <c:strCache>
+                <c:ptCount val="1"/>
+                <c:pt idx="0">
+                  <c:v>run2- 196 Gens</c:v>
+                </c:pt>
+              </c:strCache>
+            </c:strRef>
+          </c:tx>
+          <c:spPr>
+            <a:ln w="19050" cap="rnd">
+              <a:solidFill>
+                <a:schemeClr val="accent2"/>
+              </a:solidFill>
+              <a:round/>
+            </a:ln>
+            <a:effectLst/>
+          </c:spPr>
+          <c:marker>
+            <c:symbol val="circle"/>
+            <c:size val="5"/>
+            <c:spPr>
+              <a:solidFill>
+                <a:schemeClr val="accent2"/>
+              </a:solidFill>
+              <a:ln w="9525">
+                <a:solidFill>
+                  <a:schemeClr val="accent2"/>
+                </a:solidFill>
+              </a:ln>
+              <a:effectLst/>
+            </c:spPr>
+          </c:marker>
+          <c:xVal>
+            <c:numRef>
+              <c:f>Sheet1!$D$11:$D$14</c:f>
+              <c:numCache>
+                <c:formatCode>General</c:formatCode>
+                <c:ptCount val="4"/>
+                <c:pt idx="0">
+                  <c:v>0</c:v>
+                </c:pt>
+                <c:pt idx="1">
+                  <c:v>1E-3</c:v>
+                </c:pt>
+                <c:pt idx="2">
+                  <c:v>2E-3</c:v>
+                </c:pt>
+                <c:pt idx="3">
+                  <c:v>0.124</c:v>
+                </c:pt>
+              </c:numCache>
+            </c:numRef>
+          </c:xVal>
+          <c:yVal>
+            <c:numRef>
+              <c:f>Sheet1!$E$11:$E$14</c:f>
+              <c:numCache>
+                <c:formatCode>General</c:formatCode>
+                <c:ptCount val="4"/>
+                <c:pt idx="0">
+                  <c:v>0.61599999999999999</c:v>
+                </c:pt>
+                <c:pt idx="1">
+                  <c:v>0.52900000000000003</c:v>
+                </c:pt>
+                <c:pt idx="2">
+                  <c:v>0.51500000000000001</c:v>
+                </c:pt>
+                <c:pt idx="3">
+                  <c:v>0.45700000000000002</c:v>
+                </c:pt>
+              </c:numCache>
+            </c:numRef>
+          </c:yVal>
+          <c:smooth val="0"/>
+          <c:extLst>
+            <c:ext xmlns:c16="http://schemas.microsoft.com/office/drawing/2014/chart" uri="{C3380CC4-5D6E-409C-BE32-E72D297353CC}">
+              <c16:uniqueId val="{00000001-E64A-4147-AE6D-C884245A447C}"/>
+            </c:ext>
+          </c:extLst>
+        </c:ser>
+        <c:ser>
+          <c:idx val="2"/>
+          <c:order val="2"/>
+          <c:tx>
+            <c:strRef>
+              <c:f>Sheet1!$B$15</c:f>
+              <c:strCache>
+                <c:ptCount val="1"/>
+                <c:pt idx="0">
+                  <c:v>run3 -183Gens</c:v>
+                </c:pt>
+              </c:strCache>
+            </c:strRef>
+          </c:tx>
+          <c:spPr>
+            <a:ln w="19050" cap="rnd">
+              <a:solidFill>
+                <a:schemeClr val="accent3"/>
+              </a:solidFill>
+              <a:round/>
+            </a:ln>
+            <a:effectLst/>
+          </c:spPr>
+          <c:marker>
+            <c:symbol val="circle"/>
+            <c:size val="5"/>
+            <c:spPr>
+              <a:solidFill>
+                <a:schemeClr val="accent3"/>
+              </a:solidFill>
+              <a:ln w="9525">
+                <a:solidFill>
+                  <a:schemeClr val="accent3"/>
+                </a:solidFill>
+              </a:ln>
+              <a:effectLst/>
+            </c:spPr>
+          </c:marker>
+          <c:xVal>
+            <c:numRef>
+              <c:f>Sheet1!$D$17:$D$20</c:f>
+              <c:numCache>
+                <c:formatCode>General</c:formatCode>
+                <c:ptCount val="4"/>
+                <c:pt idx="0">
+                  <c:v>0</c:v>
+                </c:pt>
+                <c:pt idx="1">
+                  <c:v>1E-3</c:v>
+                </c:pt>
+                <c:pt idx="2">
+                  <c:v>0.123</c:v>
+                </c:pt>
+                <c:pt idx="3">
+                  <c:v>0.124</c:v>
+                </c:pt>
+              </c:numCache>
+            </c:numRef>
+          </c:xVal>
+          <c:yVal>
+            <c:numRef>
+              <c:f>Sheet1!$E$17:$E$20</c:f>
+              <c:numCache>
+                <c:formatCode>General</c:formatCode>
+                <c:ptCount val="4"/>
+                <c:pt idx="0">
+                  <c:v>0.82199999999999995</c:v>
+                </c:pt>
+                <c:pt idx="1">
+                  <c:v>0.53700000000000003</c:v>
+                </c:pt>
+                <c:pt idx="2">
+                  <c:v>0.52600000000000002</c:v>
+                </c:pt>
+                <c:pt idx="3">
+                  <c:v>0.45700000000000002</c:v>
+                </c:pt>
+              </c:numCache>
+            </c:numRef>
+          </c:yVal>
+          <c:smooth val="0"/>
+          <c:extLst>
+            <c:ext xmlns:c16="http://schemas.microsoft.com/office/drawing/2014/chart" uri="{C3380CC4-5D6E-409C-BE32-E72D297353CC}">
+              <c16:uniqueId val="{00000002-E64A-4147-AE6D-C884245A447C}"/>
+            </c:ext>
+          </c:extLst>
+        </c:ser>
+        <c:dLbls>
+          <c:showLegendKey val="0"/>
+          <c:showVal val="0"/>
+          <c:showCatName val="0"/>
+          <c:showSerName val="0"/>
+          <c:showPercent val="0"/>
+          <c:showBubbleSize val="0"/>
+        </c:dLbls>
+        <c:axId val="412312680"/>
+        <c:axId val="328675680"/>
+      </c:scatterChart>
+      <c:valAx>
+        <c:axId val="412312680"/>
+        <c:scaling>
+          <c:orientation val="minMax"/>
+          <c:min val="-1.0000000000000002E-2"/>
+        </c:scaling>
+        <c:delete val="0"/>
+        <c:axPos val="b"/>
+        <c:majorGridlines>
+          <c:spPr>
+            <a:ln w="9525" cap="flat" cmpd="sng" algn="ctr">
+              <a:solidFill>
+                <a:schemeClr val="tx1">
+                  <a:lumMod val="15000"/>
+                  <a:lumOff val="85000"/>
+                </a:schemeClr>
+              </a:solidFill>
+              <a:round/>
+            </a:ln>
+            <a:effectLst/>
+          </c:spPr>
+        </c:majorGridlines>
+        <c:title>
+          <c:tx>
+            <c:rich>
+              <a:bodyPr rot="0" spcFirstLastPara="1" vertOverflow="ellipsis" vert="horz" wrap="square" anchor="ctr" anchorCtr="1"/>
+              <a:lstStyle/>
+              <a:p>
+                <a:pPr>
+                  <a:defRPr sz="1000" b="0" i="0" u="none" strike="noStrike" kern="1200" baseline="0">
+                    <a:solidFill>
+                      <a:schemeClr val="tx1">
+                        <a:lumMod val="65000"/>
+                        <a:lumOff val="35000"/>
+                      </a:schemeClr>
+                    </a:solidFill>
+                    <a:latin typeface="+mn-lt"/>
+                    <a:ea typeface="+mn-ea"/>
+                    <a:cs typeface="+mn-cs"/>
+                  </a:defRPr>
+                </a:pPr>
+                <a:r>
+                  <a:rPr lang="en-US"/>
+                  <a:t>Mid Proximity Joint</a:t>
+                </a:r>
+              </a:p>
+            </c:rich>
+          </c:tx>
+          <c:overlay val="0"/>
+          <c:spPr>
+            <a:noFill/>
+            <a:ln>
+              <a:noFill/>
+            </a:ln>
+            <a:effectLst/>
+          </c:spPr>
+          <c:txPr>
+            <a:bodyPr rot="0" spcFirstLastPara="1" vertOverflow="ellipsis" vert="horz" wrap="square" anchor="ctr" anchorCtr="1"/>
+            <a:lstStyle/>
+            <a:p>
+              <a:pPr>
+                <a:defRPr sz="1000" b="0" i="0" u="none" strike="noStrike" kern="1200" baseline="0">
+                  <a:solidFill>
+                    <a:schemeClr val="tx1">
+                      <a:lumMod val="65000"/>
+                      <a:lumOff val="35000"/>
+                    </a:schemeClr>
+                  </a:solidFill>
+                  <a:latin typeface="+mn-lt"/>
+                  <a:ea typeface="+mn-ea"/>
+                  <a:cs typeface="+mn-cs"/>
+                </a:defRPr>
+              </a:pPr>
+              <a:endParaRPr lang="en-US"/>
+            </a:p>
+          </c:txPr>
+        </c:title>
+        <c:numFmt formatCode="General" sourceLinked="1"/>
+        <c:majorTickMark val="none"/>
+        <c:minorTickMark val="none"/>
+        <c:tickLblPos val="low"/>
+        <c:spPr>
+          <a:noFill/>
+          <a:ln w="9525" cap="flat" cmpd="sng" algn="ctr">
+            <a:solidFill>
+              <a:schemeClr val="tx1">
+                <a:lumMod val="25000"/>
+                <a:lumOff val="75000"/>
+              </a:schemeClr>
+            </a:solidFill>
+            <a:round/>
+          </a:ln>
+          <a:effectLst/>
+        </c:spPr>
+        <c:txPr>
+          <a:bodyPr rot="-60000000" spcFirstLastPara="1" vertOverflow="ellipsis" vert="horz" wrap="square" anchor="ctr" anchorCtr="1"/>
+          <a:lstStyle/>
+          <a:p>
+            <a:pPr>
+              <a:defRPr sz="900" b="0" i="0" u="none" strike="noStrike" kern="1200" baseline="0">
+                <a:solidFill>
+                  <a:schemeClr val="tx1">
+                    <a:lumMod val="65000"/>
+                    <a:lumOff val="35000"/>
+                  </a:schemeClr>
+                </a:solidFill>
+                <a:latin typeface="+mn-lt"/>
+                <a:ea typeface="+mn-ea"/>
+                <a:cs typeface="+mn-cs"/>
+              </a:defRPr>
+            </a:pPr>
+            <a:endParaRPr lang="en-US"/>
+          </a:p>
+        </c:txPr>
+        <c:crossAx val="328675680"/>
+        <c:crosses val="autoZero"/>
+        <c:crossBetween val="midCat"/>
+      </c:valAx>
+      <c:valAx>
+        <c:axId val="328675680"/>
+        <c:scaling>
+          <c:orientation val="minMax"/>
+          <c:max val="0.85000000000000009"/>
+          <c:min val="0.4"/>
+        </c:scaling>
+        <c:delete val="0"/>
+        <c:axPos val="l"/>
+        <c:majorGridlines>
+          <c:spPr>
+            <a:ln w="9525" cap="flat" cmpd="sng" algn="ctr">
+              <a:solidFill>
+                <a:schemeClr val="tx1">
+                  <a:lumMod val="15000"/>
+                  <a:lumOff val="85000"/>
+                </a:schemeClr>
+              </a:solidFill>
+              <a:round/>
+            </a:ln>
+            <a:effectLst/>
+          </c:spPr>
+        </c:majorGridlines>
+        <c:title>
+          <c:tx>
+            <c:rich>
+              <a:bodyPr rot="-5400000" spcFirstLastPara="1" vertOverflow="ellipsis" vert="horz" wrap="square" anchor="ctr" anchorCtr="1"/>
+              <a:lstStyle/>
+              <a:p>
+                <a:pPr>
+                  <a:defRPr sz="1000" b="0" i="0" u="none" strike="noStrike" kern="1200" baseline="0">
+                    <a:solidFill>
+                      <a:schemeClr val="tx1">
+                        <a:lumMod val="65000"/>
+                        <a:lumOff val="35000"/>
+                      </a:schemeClr>
+                    </a:solidFill>
+                    <a:latin typeface="+mn-lt"/>
+                    <a:ea typeface="+mn-ea"/>
+                    <a:cs typeface="+mn-cs"/>
+                  </a:defRPr>
+                </a:pPr>
+                <a:r>
+                  <a:rPr lang="en-US"/>
+                  <a:t>Manipulability</a:t>
+                </a:r>
+              </a:p>
+            </c:rich>
+          </c:tx>
+          <c:overlay val="0"/>
+          <c:spPr>
+            <a:noFill/>
+            <a:ln>
+              <a:noFill/>
+            </a:ln>
+            <a:effectLst/>
+          </c:spPr>
+          <c:txPr>
+            <a:bodyPr rot="-5400000" spcFirstLastPara="1" vertOverflow="ellipsis" vert="horz" wrap="square" anchor="ctr" anchorCtr="1"/>
+            <a:lstStyle/>
+            <a:p>
+              <a:pPr>
+                <a:defRPr sz="1000" b="0" i="0" u="none" strike="noStrike" kern="1200" baseline="0">
+                  <a:solidFill>
+                    <a:schemeClr val="tx1">
+                      <a:lumMod val="65000"/>
+                      <a:lumOff val="35000"/>
+                    </a:schemeClr>
+                  </a:solidFill>
+                  <a:latin typeface="+mn-lt"/>
+                  <a:ea typeface="+mn-ea"/>
+                  <a:cs typeface="+mn-cs"/>
+                </a:defRPr>
+              </a:pPr>
+              <a:endParaRPr lang="en-US"/>
+            </a:p>
+          </c:txPr>
+        </c:title>
+        <c:numFmt formatCode="General" sourceLinked="1"/>
+        <c:majorTickMark val="none"/>
+        <c:minorTickMark val="none"/>
+        <c:tickLblPos val="nextTo"/>
+        <c:spPr>
+          <a:noFill/>
+          <a:ln w="9525" cap="flat" cmpd="sng" algn="ctr">
+            <a:solidFill>
+              <a:schemeClr val="tx1">
+                <a:lumMod val="25000"/>
+                <a:lumOff val="75000"/>
+              </a:schemeClr>
+            </a:solidFill>
+            <a:round/>
+          </a:ln>
+          <a:effectLst/>
+        </c:spPr>
+        <c:txPr>
+          <a:bodyPr rot="-60000000" spcFirstLastPara="1" vertOverflow="ellipsis" vert="horz" wrap="square" anchor="ctr" anchorCtr="1"/>
+          <a:lstStyle/>
+          <a:p>
+            <a:pPr>
+              <a:defRPr sz="900" b="0" i="0" u="none" strike="noStrike" kern="1200" baseline="0">
+                <a:solidFill>
+                  <a:schemeClr val="tx1">
+                    <a:lumMod val="65000"/>
+                    <a:lumOff val="35000"/>
+                  </a:schemeClr>
+                </a:solidFill>
+                <a:latin typeface="+mn-lt"/>
+                <a:ea typeface="+mn-ea"/>
+                <a:cs typeface="+mn-cs"/>
+              </a:defRPr>
+            </a:pPr>
+            <a:endParaRPr lang="en-US"/>
+          </a:p>
+        </c:txPr>
+        <c:crossAx val="412312680"/>
+        <c:crosses val="autoZero"/>
+        <c:crossBetween val="midCat"/>
+      </c:valAx>
+      <c:spPr>
+        <a:noFill/>
+        <a:ln>
+          <a:noFill/>
+        </a:ln>
+        <a:effectLst/>
+      </c:spPr>
+    </c:plotArea>
+    <c:legend>
+      <c:legendPos val="l"/>
+      <c:layout>
+        <c:manualLayout>
+          <c:xMode val="edge"/>
+          <c:yMode val="edge"/>
+          <c:x val="0.69833536337799429"/>
+          <c:y val="0.14573375793408769"/>
+          <c:w val="0.11031005631338336"/>
+          <c:h val="0.12772081802730412"/>
+        </c:manualLayout>
+      </c:layout>
+      <c:overlay val="0"/>
+      <c:spPr>
+        <a:noFill/>
+        <a:ln>
+          <a:noFill/>
+        </a:ln>
+        <a:effectLst/>
+      </c:spPr>
+      <c:txPr>
+        <a:bodyPr rot="0" spcFirstLastPara="1" vertOverflow="ellipsis" vert="horz" wrap="square" anchor="ctr" anchorCtr="1"/>
+        <a:lstStyle/>
+        <a:p>
+          <a:pPr>
+            <a:defRPr sz="900" b="0" i="0" u="none" strike="noStrike" kern="1200" baseline="0">
+              <a:solidFill>
+                <a:schemeClr val="tx1">
+                  <a:lumMod val="65000"/>
+                  <a:lumOff val="35000"/>
+                </a:schemeClr>
+              </a:solidFill>
+              <a:latin typeface="+mn-lt"/>
+              <a:ea typeface="+mn-ea"/>
+              <a:cs typeface="+mn-cs"/>
+            </a:defRPr>
+          </a:pPr>
+          <a:endParaRPr lang="en-US"/>
+        </a:p>
+      </c:txPr>
+    </c:legend>
+    <c:plotVisOnly val="1"/>
+    <c:dispBlanksAs val="gap"/>
+    <c:extLst>
+      <c:ext xmlns:c16r3="http://schemas.microsoft.com/office/drawing/2017/03/chart" uri="{56B9EC1D-385E-4148-901F-78D8002777C0}">
+        <c16r3:dataDisplayOptions16>
+          <c16r3:dispNaAsBlank val="1"/>
+        </c16r3:dataDisplayOptions16>
+      </c:ext>
+    </c:extLst>
+    <c:showDLblsOverMax val="0"/>
+  </c:chart>
+  <c:spPr>
+    <a:noFill/>
+    <a:ln>
+      <a:noFill/>
+    </a:ln>
+    <a:effectLst/>
+  </c:spPr>
+  <c:txPr>
+    <a:bodyPr/>
+    <a:lstStyle/>
+    <a:p>
+      <a:pPr>
+        <a:defRPr/>
+      </a:pPr>
+      <a:endParaRPr lang="en-US"/>
+    </a:p>
+  </c:txPr>
+  <c:externalData r:id="rId3">
+    <c:autoUpdate val="0"/>
+  </c:externalData>
+</c:chartSpace>
+</file>
+
+<file path=ppt/charts/colors1.xml><?xml version="1.0" encoding="utf-8"?>
+<cs:colorStyle xmlns:cs="http://schemas.microsoft.com/office/drawing/2012/chartStyle" xmlns:a="http://schemas.openxmlformats.org/drawingml/2006/main" meth="cycle" id="10">
+  <a:schemeClr val="accent1"/>
+  <a:schemeClr val="accent2"/>
+  <a:schemeClr val="accent3"/>
+  <a:schemeClr val="accent4"/>
+  <a:schemeClr val="accent5"/>
+  <a:schemeClr val="accent6"/>
+  <cs:variation/>
+  <cs:variation>
+    <a:lumMod val="60000"/>
+  </cs:variation>
+  <cs:variation>
+    <a:lumMod val="80000"/>
+    <a:lumOff val="20000"/>
+  </cs:variation>
+  <cs:variation>
+    <a:lumMod val="80000"/>
+  </cs:variation>
+  <cs:variation>
+    <a:lumMod val="60000"/>
+    <a:lumOff val="40000"/>
+  </cs:variation>
+  <cs:variation>
+    <a:lumMod val="50000"/>
+  </cs:variation>
+  <cs:variation>
+    <a:lumMod val="70000"/>
+    <a:lumOff val="30000"/>
+  </cs:variation>
+  <cs:variation>
+    <a:lumMod val="70000"/>
+  </cs:variation>
+  <cs:variation>
+    <a:lumMod val="50000"/>
+    <a:lumOff val="50000"/>
+  </cs:variation>
+</cs:colorStyle>
+</file>
+
+<file path=ppt/charts/style1.xml><?xml version="1.0" encoding="utf-8"?>
+<cs:chartStyle xmlns:cs="http://schemas.microsoft.com/office/drawing/2012/chartStyle" xmlns:a="http://schemas.openxmlformats.org/drawingml/2006/main" id="240">
+  <cs:axisTitle>
+    <cs:lnRef idx="0"/>
+    <cs:fillRef idx="0"/>
+    <cs:effectRef idx="0"/>
+    <cs:fontRef idx="minor">
+      <a:schemeClr val="tx1">
+        <a:lumMod val="65000"/>
+        <a:lumOff val="35000"/>
+      </a:schemeClr>
+    </cs:fontRef>
+    <cs:defRPr sz="1000" kern="1200"/>
+  </cs:axisTitle>
+  <cs:categoryAxis>
+    <cs:lnRef idx="0"/>
+    <cs:fillRef idx="0"/>
+    <cs:effectRef idx="0"/>
+    <cs:fontRef idx="minor">
+      <a:schemeClr val="tx1">
+        <a:lumMod val="65000"/>
+        <a:lumOff val="35000"/>
+      </a:schemeClr>
+    </cs:fontRef>
+    <cs:spPr>
+      <a:ln w="9525" cap="flat" cmpd="sng" algn="ctr">
+        <a:solidFill>
+          <a:schemeClr val="tx1">
+            <a:lumMod val="25000"/>
+            <a:lumOff val="75000"/>
+          </a:schemeClr>
+        </a:solidFill>
+        <a:round/>
+      </a:ln>
+    </cs:spPr>
+    <cs:defRPr sz="900" kern="1200"/>
+  </cs:categoryAxis>
+  <cs:chartArea mods="allowNoFillOverride allowNoLineOverride">
+    <cs:lnRef idx="0"/>
+    <cs:fillRef idx="0"/>
+    <cs:effectRef idx="0"/>
+    <cs:fontRef idx="minor">
+      <a:schemeClr val="tx1"/>
+    </cs:fontRef>
+    <cs:spPr>
+      <a:solidFill>
+        <a:schemeClr val="bg1"/>
+      </a:solidFill>
+      <a:ln w="9525" cap="flat" cmpd="sng" algn="ctr">
+        <a:solidFill>
+          <a:schemeClr val="tx1">
+            <a:lumMod val="15000"/>
+            <a:lumOff val="85000"/>
+          </a:schemeClr>
+        </a:solidFill>
+        <a:round/>
+      </a:ln>
+    </cs:spPr>
+    <cs:defRPr sz="1000" kern="1200"/>
+  </cs:chartArea>
+  <cs:dataLabel>
+    <cs:lnRef idx="0"/>
+    <cs:fillRef idx="0"/>
+    <cs:effectRef idx="0"/>
+    <cs:fontRef idx="minor">
+      <a:schemeClr val="tx1">
+        <a:lumMod val="75000"/>
+        <a:lumOff val="25000"/>
+      </a:schemeClr>
+    </cs:fontRef>
+    <cs:defRPr sz="900" kern="1200"/>
+  </cs:dataLabel>
+  <cs:dataLabelCallout>
+    <cs:lnRef idx="0"/>
+    <cs:fillRef idx="0"/>
+    <cs:effectRef idx="0"/>
+    <cs:fontRef idx="minor">
+      <a:schemeClr val="dk1">
+        <a:lumMod val="65000"/>
+        <a:lumOff val="35000"/>
+      </a:schemeClr>
+    </cs:fontRef>
+    <cs:spPr>
+      <a:solidFill>
+        <a:schemeClr val="lt1"/>
+      </a:solidFill>
+      <a:ln>
+        <a:solidFill>
+          <a:schemeClr val="dk1">
+            <a:lumMod val="25000"/>
+            <a:lumOff val="75000"/>
+          </a:schemeClr>
+        </a:solidFill>
+      </a:ln>
+    </cs:spPr>
+    <cs:defRPr sz="900" kern="1200"/>
+    <cs:bodyPr rot="0" spcFirstLastPara="1" vertOverflow="clip" horzOverflow="clip" vert="horz" wrap="square" lIns="36576" tIns="18288" rIns="36576" bIns="18288" anchor="ctr" anchorCtr="1">
+      <a:spAutoFit/>
+    </cs:bodyPr>
+  </cs:dataLabelCallout>
+  <cs:dataPoint>
+    <cs:lnRef idx="0"/>
+    <cs:fillRef idx="1">
+      <cs:styleClr val="auto"/>
+    </cs:fillRef>
+    <cs:effectRef idx="0"/>
+    <cs:fontRef idx="minor">
+      <a:schemeClr val="tx1"/>
+    </cs:fontRef>
+  </cs:dataPoint>
+  <cs:dataPoint3D>
+    <cs:lnRef idx="0"/>
+    <cs:fillRef idx="1">
+      <cs:styleClr val="auto"/>
+    </cs:fillRef>
+    <cs:effectRef idx="0"/>
+    <cs:fontRef idx="minor">
+      <a:schemeClr val="tx1"/>
+    </cs:fontRef>
+  </cs:dataPoint3D>
+  <cs:dataPointLine>
+    <cs:lnRef idx="0">
+      <cs:styleClr val="auto"/>
+    </cs:lnRef>
+    <cs:fillRef idx="1"/>
+    <cs:effectRef idx="0"/>
+    <cs:fontRef idx="minor">
+      <a:schemeClr val="tx1"/>
+    </cs:fontRef>
+    <cs:spPr>
+      <a:ln w="19050" cap="rnd">
+        <a:solidFill>
+          <a:schemeClr val="phClr"/>
+        </a:solidFill>
+        <a:round/>
+      </a:ln>
+    </cs:spPr>
+  </cs:dataPointLine>
+  <cs:dataPointMarker>
+    <cs:lnRef idx="0">
+      <cs:styleClr val="auto"/>
+    </cs:lnRef>
+    <cs:fillRef idx="1">
+      <cs:styleClr val="auto"/>
+    </cs:fillRef>
+    <cs:effectRef idx="0"/>
+    <cs:fontRef idx="minor">
+      <a:schemeClr val="tx1"/>
+    </cs:fontRef>
+    <cs:spPr>
+      <a:ln w="9525">
+        <a:solidFill>
+          <a:schemeClr val="phClr"/>
+        </a:solidFill>
+      </a:ln>
+    </cs:spPr>
+  </cs:dataPointMarker>
+  <cs:dataPointMarkerLayout symbol="circle" size="5"/>
+  <cs:dataPointWireframe>
+    <cs:lnRef idx="0">
+      <cs:styleClr val="auto"/>
+    </cs:lnRef>
+    <cs:fillRef idx="0"/>
+    <cs:effectRef idx="0"/>
+    <cs:fontRef idx="minor">
+      <a:schemeClr val="dk1"/>
+    </cs:fontRef>
+    <cs:spPr>
+      <a:ln w="9525" cap="rnd">
+        <a:solidFill>
+          <a:schemeClr val="phClr"/>
+        </a:solidFill>
+        <a:round/>
+      </a:ln>
+    </cs:spPr>
+  </cs:dataPointWireframe>
+  <cs:dataTable>
+    <cs:lnRef idx="0"/>
+    <cs:fillRef idx="0"/>
+    <cs:effectRef idx="0"/>
+    <cs:fontRef idx="minor">
+      <a:schemeClr val="tx1">
+        <a:lumMod val="65000"/>
+        <a:lumOff val="35000"/>
+      </a:schemeClr>
+    </cs:fontRef>
+    <cs:spPr>
+      <a:noFill/>
+      <a:ln w="9525" cap="flat" cmpd="sng" algn="ctr">
+        <a:solidFill>
+          <a:schemeClr val="tx1">
+            <a:lumMod val="15000"/>
+            <a:lumOff val="85000"/>
+          </a:schemeClr>
+        </a:solidFill>
+        <a:round/>
+      </a:ln>
+    </cs:spPr>
+    <cs:defRPr sz="900" kern="1200"/>
+  </cs:dataTable>
+  <cs:downBar>
+    <cs:lnRef idx="0"/>
+    <cs:fillRef idx="0"/>
+    <cs:effectRef idx="0"/>
+    <cs:fontRef idx="minor">
+      <a:schemeClr val="tx1"/>
+    </cs:fontRef>
+    <cs:spPr>
+      <a:solidFill>
+        <a:schemeClr val="dk1">
+          <a:lumMod val="75000"/>
+          <a:lumOff val="25000"/>
+        </a:schemeClr>
+      </a:solidFill>
+      <a:ln w="9525" cap="flat" cmpd="sng" algn="ctr">
+        <a:solidFill>
+          <a:schemeClr val="tx1">
+            <a:lumMod val="65000"/>
+            <a:lumOff val="35000"/>
+          </a:schemeClr>
+        </a:solidFill>
+        <a:round/>
+      </a:ln>
+    </cs:spPr>
+  </cs:downBar>
+  <cs:dropLine>
+    <cs:lnRef idx="0"/>
+    <cs:fillRef idx="0"/>
+    <cs:effectRef idx="0"/>
+    <cs:fontRef idx="minor">
+      <a:schemeClr val="tx1"/>
+    </cs:fontRef>
+    <cs:spPr>
+      <a:ln w="9525" cap="flat" cmpd="sng" algn="ctr">
+        <a:solidFill>
+          <a:schemeClr val="tx1">
+            <a:lumMod val="35000"/>
+            <a:lumOff val="65000"/>
+          </a:schemeClr>
+        </a:solidFill>
+        <a:round/>
+      </a:ln>
+    </cs:spPr>
+  </cs:dropLine>
+  <cs:errorBar>
+    <cs:lnRef idx="0"/>
+    <cs:fillRef idx="0"/>
+    <cs:effectRef idx="0"/>
+    <cs:fontRef idx="minor">
+      <a:schemeClr val="tx1"/>
+    </cs:fontRef>
+    <cs:spPr>
+      <a:ln w="9525" cap="flat" cmpd="sng" algn="ctr">
+        <a:solidFill>
+          <a:schemeClr val="tx1">
+            <a:lumMod val="65000"/>
+            <a:lumOff val="35000"/>
+          </a:schemeClr>
+        </a:solidFill>
+        <a:round/>
+      </a:ln>
+    </cs:spPr>
+  </cs:errorBar>
+  <cs:floor>
+    <cs:lnRef idx="0"/>
+    <cs:fillRef idx="0"/>
+    <cs:effectRef idx="0"/>
+    <cs:fontRef idx="minor">
+      <a:schemeClr val="tx1"/>
+    </cs:fontRef>
+    <cs:spPr>
+      <a:noFill/>
+      <a:ln>
+        <a:noFill/>
+      </a:ln>
+    </cs:spPr>
+  </cs:floor>
+  <cs:gridlineMajor>
+    <cs:lnRef idx="0"/>
+    <cs:fillRef idx="0"/>
+    <cs:effectRef idx="0"/>
+    <cs:fontRef idx="minor">
+      <a:schemeClr val="tx1"/>
+    </cs:fontRef>
+    <cs:spPr>
+      <a:ln w="9525" cap="flat" cmpd="sng" algn="ctr">
+        <a:solidFill>
+          <a:schemeClr val="tx1">
+            <a:lumMod val="15000"/>
+            <a:lumOff val="85000"/>
+          </a:schemeClr>
+        </a:solidFill>
+        <a:round/>
+      </a:ln>
+    </cs:spPr>
+  </cs:gridlineMajor>
+  <cs:gridlineMinor>
+    <cs:lnRef idx="0"/>
+    <cs:fillRef idx="0"/>
+    <cs:effectRef idx="0"/>
+    <cs:fontRef idx="minor">
+      <a:schemeClr val="tx1"/>
+    </cs:fontRef>
+    <cs:spPr>
+      <a:ln w="9525" cap="flat" cmpd="sng" algn="ctr">
+        <a:solidFill>
+          <a:schemeClr val="tx1">
+            <a:lumMod val="5000"/>
+            <a:lumOff val="95000"/>
+          </a:schemeClr>
+        </a:solidFill>
+        <a:round/>
+      </a:ln>
+    </cs:spPr>
+  </cs:gridlineMinor>
+  <cs:hiLoLine>
+    <cs:lnRef idx="0"/>
+    <cs:fillRef idx="0"/>
+    <cs:effectRef idx="0"/>
+    <cs:fontRef idx="minor">
+      <a:schemeClr val="tx1"/>
+    </cs:fontRef>
+    <cs:spPr>
+      <a:ln w="9525" cap="flat" cmpd="sng" algn="ctr">
+        <a:solidFill>
+          <a:schemeClr val="tx1">
+            <a:lumMod val="50000"/>
+            <a:lumOff val="50000"/>
+          </a:schemeClr>
+        </a:solidFill>
+        <a:round/>
+      </a:ln>
+    </cs:spPr>
+  </cs:hiLoLine>
+  <cs:leaderLine>
+    <cs:lnRef idx="0"/>
+    <cs:fillRef idx="0"/>
+    <cs:effectRef idx="0"/>
+    <cs:fontRef idx="minor">
+      <a:schemeClr val="tx1"/>
+    </cs:fontRef>
+    <cs:spPr>
+      <a:ln w="9525" cap="flat" cmpd="sng" algn="ctr">
+        <a:solidFill>
+          <a:schemeClr val="tx1">
+            <a:lumMod val="35000"/>
+            <a:lumOff val="65000"/>
+          </a:schemeClr>
+        </a:solidFill>
+        <a:round/>
+      </a:ln>
+    </cs:spPr>
+  </cs:leaderLine>
+  <cs:legend>
+    <cs:lnRef idx="0"/>
+    <cs:fillRef idx="0"/>
+    <cs:effectRef idx="0"/>
+    <cs:fontRef idx="minor">
+      <a:schemeClr val="tx1">
+        <a:lumMod val="65000"/>
+        <a:lumOff val="35000"/>
+      </a:schemeClr>
+    </cs:fontRef>
+    <cs:defRPr sz="900" kern="1200"/>
+  </cs:legend>
+  <cs:plotArea mods="allowNoFillOverride allowNoLineOverride">
+    <cs:lnRef idx="0"/>
+    <cs:fillRef idx="0"/>
+    <cs:effectRef idx="0"/>
+    <cs:fontRef idx="minor">
+      <a:schemeClr val="tx1"/>
+    </cs:fontRef>
+  </cs:plotArea>
+  <cs:plotArea3D mods="allowNoFillOverride allowNoLineOverride">
+    <cs:lnRef idx="0"/>
+    <cs:fillRef idx="0"/>
+    <cs:effectRef idx="0"/>
+    <cs:fontRef idx="minor">
+      <a:schemeClr val="tx1"/>
+    </cs:fontRef>
+  </cs:plotArea3D>
+  <cs:seriesAxis>
+    <cs:lnRef idx="0"/>
+    <cs:fillRef idx="0"/>
+    <cs:effectRef idx="0"/>
+    <cs:fontRef idx="minor">
+      <a:schemeClr val="tx1">
+        <a:lumMod val="65000"/>
+        <a:lumOff val="35000"/>
+      </a:schemeClr>
+    </cs:fontRef>
+    <cs:defRPr sz="900" kern="1200"/>
+  </cs:seriesAxis>
+  <cs:seriesLine>
+    <cs:lnRef idx="0"/>
+    <cs:fillRef idx="0"/>
+    <cs:effectRef idx="0"/>
+    <cs:fontRef idx="minor">
+      <a:schemeClr val="tx1"/>
+    </cs:fontRef>
+    <cs:spPr>
+      <a:ln w="9525" cap="flat" cmpd="sng" algn="ctr">
+        <a:solidFill>
+          <a:schemeClr val="tx1">
+            <a:lumMod val="35000"/>
+            <a:lumOff val="65000"/>
+          </a:schemeClr>
+        </a:solidFill>
+        <a:round/>
+      </a:ln>
+    </cs:spPr>
+  </cs:seriesLine>
+  <cs:title>
+    <cs:lnRef idx="0"/>
+    <cs:fillRef idx="0"/>
+    <cs:effectRef idx="0"/>
+    <cs:fontRef idx="minor">
+      <a:schemeClr val="tx1">
+        <a:lumMod val="65000"/>
+        <a:lumOff val="35000"/>
+      </a:schemeClr>
+    </cs:fontRef>
+    <cs:defRPr sz="1400" b="0" kern="1200" spc="0" baseline="0"/>
+  </cs:title>
+  <cs:trendline>
+    <cs:lnRef idx="0">
+      <cs:styleClr val="auto"/>
+    </cs:lnRef>
+    <cs:fillRef idx="0"/>
+    <cs:effectRef idx="0"/>
+    <cs:fontRef idx="minor">
+      <a:schemeClr val="tx1"/>
+    </cs:fontRef>
+    <cs:spPr>
+      <a:ln w="19050" cap="rnd">
+        <a:solidFill>
+          <a:schemeClr val="phClr"/>
+        </a:solidFill>
+        <a:prstDash val="sysDot"/>
+      </a:ln>
+    </cs:spPr>
+  </cs:trendline>
+  <cs:trendlineLabel>
+    <cs:lnRef idx="0"/>
+    <cs:fillRef idx="0"/>
+    <cs:effectRef idx="0"/>
+    <cs:fontRef idx="minor">
+      <a:schemeClr val="tx1">
+        <a:lumMod val="65000"/>
+        <a:lumOff val="35000"/>
+      </a:schemeClr>
+    </cs:fontRef>
+    <cs:defRPr sz="900" kern="1200"/>
+  </cs:trendlineLabel>
+  <cs:upBar>
+    <cs:lnRef idx="0"/>
+    <cs:fillRef idx="0"/>
+    <cs:effectRef idx="0"/>
+    <cs:fontRef idx="minor">
+      <a:schemeClr val="tx1"/>
+    </cs:fontRef>
+    <cs:spPr>
+      <a:solidFill>
+        <a:schemeClr val="lt1"/>
+      </a:solidFill>
+      <a:ln w="9525" cap="flat" cmpd="sng" algn="ctr">
+        <a:solidFill>
+          <a:schemeClr val="tx1">
+            <a:lumMod val="65000"/>
+            <a:lumOff val="35000"/>
+          </a:schemeClr>
+        </a:solidFill>
+        <a:round/>
+      </a:ln>
+    </cs:spPr>
+  </cs:upBar>
+  <cs:valueAxis>
+    <cs:lnRef idx="0"/>
+    <cs:fillRef idx="0"/>
+    <cs:effectRef idx="0"/>
+    <cs:fontRef idx="minor">
+      <a:schemeClr val="tx1">
+        <a:lumMod val="65000"/>
+        <a:lumOff val="35000"/>
+      </a:schemeClr>
+    </cs:fontRef>
+    <cs:spPr>
+      <a:ln w="9525" cap="flat" cmpd="sng" algn="ctr">
+        <a:solidFill>
+          <a:schemeClr val="tx1">
+            <a:lumMod val="25000"/>
+            <a:lumOff val="75000"/>
+          </a:schemeClr>
+        </a:solidFill>
+        <a:round/>
+      </a:ln>
+    </cs:spPr>
+    <cs:defRPr sz="900" kern="1200"/>
+  </cs:valueAxis>
+  <cs:wall>
+    <cs:lnRef idx="0"/>
+    <cs:fillRef idx="0"/>
+    <cs:effectRef idx="0"/>
+    <cs:fontRef idx="minor">
+      <a:schemeClr val="tx1"/>
+    </cs:fontRef>
+    <cs:spPr>
+      <a:noFill/>
+      <a:ln>
+        <a:noFill/>
+      </a:ln>
+    </cs:spPr>
+  </cs:wall>
+</cs:chartStyle>
 </file>
 
 <file path=ppt/notesMasters/notesMaster1.xml><?xml version="1.0" encoding="utf-8"?>
@@ -6362,7 +7606,7 @@
         </p:style>
         <p:txBody>
           <a:bodyPr lIns="90000" tIns="45000" rIns="90000" bIns="45000">
-            <a:normAutofit/>
+            <a:normAutofit fontScale="92500" lnSpcReduction="10000"/>
           </a:bodyPr>
           <a:lstStyle/>
           <a:p>
@@ -23636,7 +24880,7 @@
         </p:style>
         <p:txBody>
           <a:bodyPr lIns="90000" tIns="45000" rIns="90000" bIns="45000">
-            <a:normAutofit/>
+            <a:normAutofit lnSpcReduction="10000"/>
           </a:bodyPr>
           <a:lstStyle/>
           <a:p>
@@ -24053,7 +25297,7 @@
         </p:style>
         <p:txBody>
           <a:bodyPr lIns="90000" tIns="45000" rIns="90000" bIns="45000">
-            <a:normAutofit/>
+            <a:normAutofit lnSpcReduction="10000"/>
           </a:bodyPr>
           <a:lstStyle/>
           <a:p>
@@ -30988,7 +32232,7 @@
         </p:style>
         <p:txBody>
           <a:bodyPr lIns="90000" tIns="45000" rIns="90000" bIns="45000">
-            <a:normAutofit/>
+            <a:normAutofit lnSpcReduction="10000"/>
           </a:bodyPr>
           <a:lstStyle/>
           <a:p>
@@ -32758,7 +34002,7 @@
         </p:nvGraphicFramePr>
         <p:xfrm>
           <a:off x="6588360" y="1773360"/>
-          <a:ext cx="3047760" cy="2104560"/>
+          <a:ext cx="3047760" cy="2484120"/>
         </p:xfrm>
         <a:graphic>
           <a:graphicData uri="http://schemas.openxmlformats.org/drawingml/2006/table">
@@ -35156,6 +36400,672 @@
 </p:sld>
 </file>
 
+<file path=ppt/slides/slide36.xml><?xml version="1.0" encoding="utf-8"?>
+<p:sld xmlns:a="http://schemas.openxmlformats.org/drawingml/2006/main" xmlns:r="http://schemas.openxmlformats.org/officeDocument/2006/relationships" xmlns:p="http://schemas.openxmlformats.org/presentationml/2006/main">
+  <p:cSld>
+    <p:spTree>
+      <p:nvGrpSpPr>
+        <p:cNvPr id="1" name=""/>
+        <p:cNvGrpSpPr/>
+        <p:nvPr/>
+      </p:nvGrpSpPr>
+      <p:grpSpPr>
+        <a:xfrm>
+          <a:off x="0" y="0"/>
+          <a:ext cx="0" cy="0"/>
+          <a:chOff x="0" y="0"/>
+          <a:chExt cx="0" cy="0"/>
+        </a:xfrm>
+      </p:grpSpPr>
+      <p:sp>
+        <p:nvSpPr>
+          <p:cNvPr id="173" name="CustomShape 1"/>
+          <p:cNvSpPr/>
+          <p:nvPr/>
+        </p:nvSpPr>
+        <p:spPr>
+          <a:xfrm>
+            <a:off x="838080" y="365040"/>
+            <a:ext cx="10514520" cy="1391400"/>
+          </a:xfrm>
+          <a:prstGeom prst="rect">
+            <a:avLst/>
+          </a:prstGeom>
+          <a:noFill/>
+          <a:ln>
+            <a:noFill/>
+          </a:ln>
+        </p:spPr>
+        <p:style>
+          <a:lnRef idx="0">
+            <a:scrgbClr r="0" g="0" b="0"/>
+          </a:lnRef>
+          <a:fillRef idx="0">
+            <a:scrgbClr r="0" g="0" b="0"/>
+          </a:fillRef>
+          <a:effectRef idx="0">
+            <a:scrgbClr r="0" g="0" b="0"/>
+          </a:effectRef>
+          <a:fontRef idx="minor"/>
+        </p:style>
+        <p:txBody>
+          <a:bodyPr lIns="90000" tIns="45000" rIns="90000" bIns="45000" anchor="ctr"/>
+          <a:lstStyle/>
+          <a:p>
+            <a:pPr algn="ctr" rtl="1">
+              <a:lnSpc>
+                <a:spcPct val="90000"/>
+              </a:lnSpc>
+            </a:pPr>
+            <a:r>
+              <a:rPr lang="en" sz="3200" b="0" strike="noStrike" spc="-1" dirty="0">
+                <a:solidFill>
+                  <a:srgbClr val="000000"/>
+                </a:solidFill>
+                <a:latin typeface="Calibri Light"/>
+                <a:ea typeface="DejaVu Sans"/>
+              </a:rPr>
+              <a:t>פגישת מאסטר:</a:t>
+            </a:r>
+            <a:br>
+              <a:rPr dirty="0"/>
+            </a:br>
+            <a:r>
+              <a:rPr lang="en" sz="3200" b="0" strike="noStrike" spc="-1" dirty="0">
+                <a:solidFill>
+                  <a:srgbClr val="000000"/>
+                </a:solidFill>
+                <a:latin typeface="Calibri Light"/>
+                <a:ea typeface="DejaVu Sans"/>
+              </a:rPr>
+              <a:t>תאריך: 19.04.2020</a:t>
+            </a:r>
+            <a:br>
+              <a:rPr dirty="0"/>
+            </a:br>
+            <a:r>
+              <a:rPr lang="en" sz="3200" b="0" strike="noStrike" spc="-1" dirty="0">
+                <a:solidFill>
+                  <a:srgbClr val="000000"/>
+                </a:solidFill>
+                <a:latin typeface="Calibri Light"/>
+                <a:ea typeface="DejaVu Sans"/>
+              </a:rPr>
+              <a:t>נוכחים: אביטל, תמיר (ZOOM)</a:t>
+            </a:r>
+            <a:br>
+              <a:rPr dirty="0"/>
+            </a:br>
+            <a:endParaRPr lang="en" sz="3200" b="0" strike="noStrike" spc="-1" dirty="0">
+              <a:latin typeface="Arial"/>
+            </a:endParaRPr>
+          </a:p>
+        </p:txBody>
+      </p:sp>
+      <p:sp>
+        <p:nvSpPr>
+          <p:cNvPr id="174" name="CustomShape 2"/>
+          <p:cNvSpPr/>
+          <p:nvPr/>
+        </p:nvSpPr>
+        <p:spPr>
+          <a:xfrm>
+            <a:off x="8610480" y="6356520"/>
+            <a:ext cx="2742120" cy="363960"/>
+          </a:xfrm>
+          <a:prstGeom prst="rect">
+            <a:avLst/>
+          </a:prstGeom>
+          <a:noFill/>
+          <a:ln>
+            <a:noFill/>
+          </a:ln>
+        </p:spPr>
+        <p:style>
+          <a:lnRef idx="0">
+            <a:scrgbClr r="0" g="0" b="0"/>
+          </a:lnRef>
+          <a:fillRef idx="0">
+            <a:scrgbClr r="0" g="0" b="0"/>
+          </a:fillRef>
+          <a:effectRef idx="0">
+            <a:scrgbClr r="0" g="0" b="0"/>
+          </a:effectRef>
+          <a:fontRef idx="minor"/>
+        </p:style>
+        <p:txBody>
+          <a:bodyPr lIns="90000" tIns="45000" rIns="90000" bIns="45000" anchor="ctr"/>
+          <a:lstStyle/>
+          <a:p>
+            <a:pPr algn="r">
+              <a:lnSpc>
+                <a:spcPct val="100000"/>
+              </a:lnSpc>
+            </a:pPr>
+            <a:fld id="{EA41D578-2180-4943-8C6D-29B8D8F0D403}" type="slidenum">
+              <a:rPr lang="en" sz="1200" b="0" strike="noStrike" spc="-1">
+                <a:solidFill>
+                  <a:srgbClr val="8B8B8B"/>
+                </a:solidFill>
+                <a:latin typeface="Calibri"/>
+                <a:ea typeface="DejaVu Sans"/>
+              </a:rPr>
+              <a:t>36</a:t>
+            </a:fld>
+            <a:endParaRPr lang="en" sz="1200" b="0" strike="noStrike" spc="-1">
+              <a:latin typeface="Arial"/>
+            </a:endParaRPr>
+          </a:p>
+        </p:txBody>
+      </p:sp>
+      <p:sp>
+        <p:nvSpPr>
+          <p:cNvPr id="175" name="CustomShape 3"/>
+          <p:cNvSpPr/>
+          <p:nvPr/>
+        </p:nvSpPr>
+        <p:spPr>
+          <a:xfrm>
+            <a:off x="497160" y="1864440"/>
+            <a:ext cx="9395640" cy="4069080"/>
+          </a:xfrm>
+          <a:prstGeom prst="rect">
+            <a:avLst/>
+          </a:prstGeom>
+          <a:noFill/>
+          <a:ln>
+            <a:noFill/>
+          </a:ln>
+        </p:spPr>
+        <p:style>
+          <a:lnRef idx="0">
+            <a:scrgbClr r="0" g="0" b="0"/>
+          </a:lnRef>
+          <a:fillRef idx="0">
+            <a:scrgbClr r="0" g="0" b="0"/>
+          </a:fillRef>
+          <a:effectRef idx="0">
+            <a:scrgbClr r="0" g="0" b="0"/>
+          </a:effectRef>
+          <a:fontRef idx="minor"/>
+        </p:style>
+        <p:txBody>
+          <a:bodyPr lIns="90000" tIns="45000" rIns="90000" bIns="45000">
+            <a:normAutofit/>
+          </a:bodyPr>
+          <a:lstStyle/>
+          <a:p>
+            <a:pPr algn="ctr" rtl="1">
+              <a:lnSpc>
+                <a:spcPct val="90000"/>
+              </a:lnSpc>
+              <a:spcBef>
+                <a:spcPts val="1001"/>
+              </a:spcBef>
+            </a:pPr>
+            <a:r>
+              <a:rPr lang="en" sz="2800" b="0" u="sng" strike="noStrike" spc="-1" dirty="0">
+                <a:solidFill>
+                  <a:srgbClr val="000000"/>
+                </a:solidFill>
+                <a:uFillTx/>
+                <a:latin typeface="Calibri"/>
+                <a:ea typeface="DejaVu Sans"/>
+              </a:rPr>
+              <a:t>נקודות ממפגש קודם</a:t>
+            </a:r>
+            <a:endParaRPr lang="en" sz="2800" b="0" strike="noStrike" spc="-1" dirty="0">
+              <a:latin typeface="Arial"/>
+            </a:endParaRPr>
+          </a:p>
+          <a:p>
+            <a:pPr marL="228600" indent="-227520" algn="r" rtl="1">
+              <a:lnSpc>
+                <a:spcPct val="90000"/>
+              </a:lnSpc>
+              <a:spcBef>
+                <a:spcPts val="1001"/>
+              </a:spcBef>
+              <a:buClr>
+                <a:srgbClr val="000000"/>
+              </a:buClr>
+              <a:buFont typeface="Arial"/>
+              <a:buChar char="•"/>
+            </a:pPr>
+            <a:r>
+              <a:rPr lang="he-IL" sz="2800" b="0" strike="noStrike" spc="-1" dirty="0">
+                <a:solidFill>
+                  <a:srgbClr val="000000"/>
+                </a:solidFill>
+                <a:latin typeface="Arial"/>
+                <a:ea typeface="DejaVu Sans"/>
+              </a:rPr>
+              <a:t>הרצת שיטת </a:t>
+            </a:r>
+            <a:r>
+              <a:rPr lang="en-US" sz="2800" b="0" strike="noStrike" spc="-1" dirty="0">
+                <a:solidFill>
+                  <a:srgbClr val="000000"/>
+                </a:solidFill>
+                <a:latin typeface="Arial"/>
+                <a:ea typeface="DejaVu Sans"/>
+              </a:rPr>
+              <a:t>FAIR</a:t>
+            </a:r>
+            <a:endParaRPr lang="en" sz="2800" b="0" strike="noStrike" spc="-1" dirty="0">
+              <a:latin typeface="Arial"/>
+            </a:endParaRPr>
+          </a:p>
+          <a:p>
+            <a:pPr algn="r" rtl="1">
+              <a:lnSpc>
+                <a:spcPct val="90000"/>
+              </a:lnSpc>
+              <a:spcBef>
+                <a:spcPts val="1001"/>
+              </a:spcBef>
+            </a:pPr>
+            <a:endParaRPr lang="en" sz="2800" b="0" strike="noStrike" spc="-1" dirty="0">
+              <a:latin typeface="Arial"/>
+            </a:endParaRPr>
+          </a:p>
+        </p:txBody>
+      </p:sp>
+    </p:spTree>
+    <p:extLst>
+      <p:ext uri="{BB962C8B-B14F-4D97-AF65-F5344CB8AC3E}">
+        <p14:creationId xmlns:p14="http://schemas.microsoft.com/office/powerpoint/2010/main" val="1653575938"/>
+      </p:ext>
+    </p:extLst>
+  </p:cSld>
+  <p:clrMapOvr>
+    <a:masterClrMapping/>
+  </p:clrMapOvr>
+  <p:timing>
+    <p:tnLst>
+      <p:par>
+        <p:cTn id="1" dur="indefinite" restart="never" nodeType="tmRoot">
+          <p:childTnLst>
+            <p:seq>
+              <p:cTn id="2" dur="indefinite" nodeType="mainSeq"/>
+              <p:prevCondLst>
+                <p:cond evt="onPrev" delay="0">
+                  <p:tgtEl>
+                    <p:sldTgt/>
+                  </p:tgtEl>
+                </p:cond>
+              </p:prevCondLst>
+              <p:nextCondLst>
+                <p:cond evt="onNext" delay="0">
+                  <p:tgtEl>
+                    <p:sldTgt/>
+                  </p:tgtEl>
+                </p:cond>
+              </p:nextCondLst>
+            </p:seq>
+          </p:childTnLst>
+        </p:cTn>
+      </p:par>
+    </p:tnLst>
+  </p:timing>
+</p:sld>
+</file>
+
+<file path=ppt/slides/slide37.xml><?xml version="1.0" encoding="utf-8"?>
+<p:sld xmlns:a="http://schemas.openxmlformats.org/drawingml/2006/main" xmlns:r="http://schemas.openxmlformats.org/officeDocument/2006/relationships" xmlns:p="http://schemas.openxmlformats.org/presentationml/2006/main">
+  <p:cSld>
+    <p:spTree>
+      <p:nvGrpSpPr>
+        <p:cNvPr id="1" name=""/>
+        <p:cNvGrpSpPr/>
+        <p:nvPr/>
+      </p:nvGrpSpPr>
+      <p:grpSpPr>
+        <a:xfrm>
+          <a:off x="0" y="0"/>
+          <a:ext cx="0" cy="0"/>
+          <a:chOff x="0" y="0"/>
+          <a:chExt cx="0" cy="0"/>
+        </a:xfrm>
+      </p:grpSpPr>
+      <p:sp>
+        <p:nvSpPr>
+          <p:cNvPr id="2" name="Title 1">
+            <a:extLst>
+              <a:ext uri="{FF2B5EF4-FFF2-40B4-BE49-F238E27FC236}">
+                <a16:creationId xmlns:a16="http://schemas.microsoft.com/office/drawing/2014/main" id="{88B2DD4E-1E7F-4EA7-ABB1-0323BA678517}"/>
+              </a:ext>
+            </a:extLst>
+          </p:cNvPr>
+          <p:cNvSpPr>
+            <a:spLocks noGrp="1"/>
+          </p:cNvSpPr>
+          <p:nvPr>
+            <p:ph type="title"/>
+          </p:nvPr>
+        </p:nvSpPr>
+        <p:spPr>
+          <a:xfrm>
+            <a:off x="609960" y="0"/>
+            <a:ext cx="10972080" cy="1144440"/>
+          </a:xfrm>
+        </p:spPr>
+        <p:txBody>
+          <a:bodyPr/>
+          <a:lstStyle/>
+          <a:p>
+            <a:pPr algn="ctr" rtl="1"/>
+            <a:r>
+              <a:rPr lang="he-IL" dirty="0"/>
+              <a:t>תוצאות </a:t>
+            </a:r>
+            <a:r>
+              <a:rPr lang="en-US" dirty="0"/>
+              <a:t>FAIR</a:t>
+            </a:r>
+            <a:r>
+              <a:rPr lang="he-IL" dirty="0"/>
+              <a:t> </a:t>
+            </a:r>
+            <a:r>
+              <a:rPr lang="en-US" dirty="0"/>
+              <a:t>1</a:t>
+            </a:r>
+          </a:p>
+        </p:txBody>
+      </p:sp>
+      <p:pic>
+        <p:nvPicPr>
+          <p:cNvPr id="8" name="Picture 7">
+            <a:extLst>
+              <a:ext uri="{FF2B5EF4-FFF2-40B4-BE49-F238E27FC236}">
+                <a16:creationId xmlns:a16="http://schemas.microsoft.com/office/drawing/2014/main" id="{21634403-59D9-4EE7-914F-375A192EFA0C}"/>
+              </a:ext>
+            </a:extLst>
+          </p:cNvPr>
+          <p:cNvPicPr>
+            <a:picLocks noChangeAspect="1"/>
+          </p:cNvPicPr>
+          <p:nvPr/>
+        </p:nvPicPr>
+        <p:blipFill>
+          <a:blip r:embed="rId2">
+            <a:extLst>
+              <a:ext uri="{28A0092B-C50C-407E-A947-70E740481C1C}">
+                <a14:useLocalDpi xmlns:a14="http://schemas.microsoft.com/office/drawing/2010/main" val="0"/>
+              </a:ext>
+            </a:extLst>
+          </a:blip>
+          <a:stretch>
+            <a:fillRect/>
+          </a:stretch>
+        </p:blipFill>
+        <p:spPr>
+          <a:xfrm>
+            <a:off x="185041" y="866775"/>
+            <a:ext cx="10863550" cy="5862682"/>
+          </a:xfrm>
+          <a:prstGeom prst="rect">
+            <a:avLst/>
+          </a:prstGeom>
+        </p:spPr>
+      </p:pic>
+    </p:spTree>
+    <p:extLst>
+      <p:ext uri="{BB962C8B-B14F-4D97-AF65-F5344CB8AC3E}">
+        <p14:creationId xmlns:p14="http://schemas.microsoft.com/office/powerpoint/2010/main" val="867190639"/>
+      </p:ext>
+    </p:extLst>
+  </p:cSld>
+  <p:clrMapOvr>
+    <a:masterClrMapping/>
+  </p:clrMapOvr>
+</p:sld>
+</file>
+
+<file path=ppt/slides/slide38.xml><?xml version="1.0" encoding="utf-8"?>
+<p:sld xmlns:a="http://schemas.openxmlformats.org/drawingml/2006/main" xmlns:r="http://schemas.openxmlformats.org/officeDocument/2006/relationships" xmlns:p="http://schemas.openxmlformats.org/presentationml/2006/main">
+  <p:cSld>
+    <p:spTree>
+      <p:nvGrpSpPr>
+        <p:cNvPr id="1" name=""/>
+        <p:cNvGrpSpPr/>
+        <p:nvPr/>
+      </p:nvGrpSpPr>
+      <p:grpSpPr>
+        <a:xfrm>
+          <a:off x="0" y="0"/>
+          <a:ext cx="0" cy="0"/>
+          <a:chOff x="0" y="0"/>
+          <a:chExt cx="0" cy="0"/>
+        </a:xfrm>
+      </p:grpSpPr>
+      <p:sp>
+        <p:nvSpPr>
+          <p:cNvPr id="2" name="Title 1">
+            <a:extLst>
+              <a:ext uri="{FF2B5EF4-FFF2-40B4-BE49-F238E27FC236}">
+                <a16:creationId xmlns:a16="http://schemas.microsoft.com/office/drawing/2014/main" id="{88B2DD4E-1E7F-4EA7-ABB1-0323BA678517}"/>
+              </a:ext>
+            </a:extLst>
+          </p:cNvPr>
+          <p:cNvSpPr>
+            <a:spLocks noGrp="1"/>
+          </p:cNvSpPr>
+          <p:nvPr>
+            <p:ph type="title"/>
+          </p:nvPr>
+        </p:nvSpPr>
+        <p:spPr>
+          <a:xfrm>
+            <a:off x="524022" y="0"/>
+            <a:ext cx="10972080" cy="1144440"/>
+          </a:xfrm>
+        </p:spPr>
+        <p:txBody>
+          <a:bodyPr/>
+          <a:lstStyle/>
+          <a:p>
+            <a:pPr algn="ctr" rtl="1"/>
+            <a:r>
+              <a:rPr lang="he-IL" dirty="0"/>
+              <a:t>תוצאות </a:t>
+            </a:r>
+            <a:r>
+              <a:rPr lang="en-US" dirty="0"/>
+              <a:t>FAIR</a:t>
+            </a:r>
+            <a:r>
+              <a:rPr lang="he-IL" dirty="0"/>
+              <a:t> 2</a:t>
+            </a:r>
+            <a:endParaRPr lang="en-US" dirty="0"/>
+          </a:p>
+        </p:txBody>
+      </p:sp>
+      <p:pic>
+        <p:nvPicPr>
+          <p:cNvPr id="5" name="Picture 4">
+            <a:extLst>
+              <a:ext uri="{FF2B5EF4-FFF2-40B4-BE49-F238E27FC236}">
+                <a16:creationId xmlns:a16="http://schemas.microsoft.com/office/drawing/2014/main" id="{9F4D380D-6715-4104-96FF-C22C3C05FBD2}"/>
+              </a:ext>
+            </a:extLst>
+          </p:cNvPr>
+          <p:cNvPicPr>
+            <a:picLocks noChangeAspect="1"/>
+          </p:cNvPicPr>
+          <p:nvPr/>
+        </p:nvPicPr>
+        <p:blipFill>
+          <a:blip r:embed="rId2">
+            <a:extLst>
+              <a:ext uri="{28A0092B-C50C-407E-A947-70E740481C1C}">
+                <a14:useLocalDpi xmlns:a14="http://schemas.microsoft.com/office/drawing/2010/main" val="0"/>
+              </a:ext>
+            </a:extLst>
+          </a:blip>
+          <a:stretch>
+            <a:fillRect/>
+          </a:stretch>
+        </p:blipFill>
+        <p:spPr>
+          <a:xfrm>
+            <a:off x="68365" y="947933"/>
+            <a:ext cx="10824673" cy="5841701"/>
+          </a:xfrm>
+          <a:prstGeom prst="rect">
+            <a:avLst/>
+          </a:prstGeom>
+        </p:spPr>
+      </p:pic>
+    </p:spTree>
+    <p:extLst>
+      <p:ext uri="{BB962C8B-B14F-4D97-AF65-F5344CB8AC3E}">
+        <p14:creationId xmlns:p14="http://schemas.microsoft.com/office/powerpoint/2010/main" val="4002227679"/>
+      </p:ext>
+    </p:extLst>
+  </p:cSld>
+  <p:clrMapOvr>
+    <a:masterClrMapping/>
+  </p:clrMapOvr>
+</p:sld>
+</file>
+
+<file path=ppt/slides/slide39.xml><?xml version="1.0" encoding="utf-8"?>
+<p:sld xmlns:a="http://schemas.openxmlformats.org/drawingml/2006/main" xmlns:r="http://schemas.openxmlformats.org/officeDocument/2006/relationships" xmlns:p="http://schemas.openxmlformats.org/presentationml/2006/main">
+  <p:cSld>
+    <p:spTree>
+      <p:nvGrpSpPr>
+        <p:cNvPr id="1" name=""/>
+        <p:cNvGrpSpPr/>
+        <p:nvPr/>
+      </p:nvGrpSpPr>
+      <p:grpSpPr>
+        <a:xfrm>
+          <a:off x="0" y="0"/>
+          <a:ext cx="0" cy="0"/>
+          <a:chOff x="0" y="0"/>
+          <a:chExt cx="0" cy="0"/>
+        </a:xfrm>
+      </p:grpSpPr>
+      <p:sp>
+        <p:nvSpPr>
+          <p:cNvPr id="2" name="Title 1">
+            <a:extLst>
+              <a:ext uri="{FF2B5EF4-FFF2-40B4-BE49-F238E27FC236}">
+                <a16:creationId xmlns:a16="http://schemas.microsoft.com/office/drawing/2014/main" id="{88B2DD4E-1E7F-4EA7-ABB1-0323BA678517}"/>
+              </a:ext>
+            </a:extLst>
+          </p:cNvPr>
+          <p:cNvSpPr>
+            <a:spLocks noGrp="1"/>
+          </p:cNvSpPr>
+          <p:nvPr>
+            <p:ph type="title"/>
+          </p:nvPr>
+        </p:nvSpPr>
+        <p:spPr>
+          <a:xfrm>
+            <a:off x="523755" y="31092"/>
+            <a:ext cx="10972080" cy="1144440"/>
+          </a:xfrm>
+        </p:spPr>
+        <p:txBody>
+          <a:bodyPr/>
+          <a:lstStyle/>
+          <a:p>
+            <a:pPr algn="ctr" rtl="1"/>
+            <a:r>
+              <a:rPr lang="he-IL" dirty="0"/>
+              <a:t>תוצאות </a:t>
+            </a:r>
+            <a:r>
+              <a:rPr lang="en-US" dirty="0"/>
+              <a:t>FAIR</a:t>
+            </a:r>
+            <a:r>
+              <a:rPr lang="he-IL" dirty="0"/>
+              <a:t> 3</a:t>
+            </a:r>
+            <a:endParaRPr lang="en-US" dirty="0"/>
+          </a:p>
+        </p:txBody>
+      </p:sp>
+      <p:sp>
+        <p:nvSpPr>
+          <p:cNvPr id="3" name="Subtitle 2">
+            <a:extLst>
+              <a:ext uri="{FF2B5EF4-FFF2-40B4-BE49-F238E27FC236}">
+                <a16:creationId xmlns:a16="http://schemas.microsoft.com/office/drawing/2014/main" id="{7156FD46-951F-40A4-96FB-D9DB5E283824}"/>
+              </a:ext>
+            </a:extLst>
+          </p:cNvPr>
+          <p:cNvSpPr>
+            <a:spLocks noGrp="1"/>
+          </p:cNvSpPr>
+          <p:nvPr>
+            <p:ph type="subTitle"/>
+          </p:nvPr>
+        </p:nvSpPr>
+        <p:spPr/>
+        <p:txBody>
+          <a:bodyPr/>
+          <a:lstStyle/>
+          <a:p>
+            <a:endParaRPr lang="en-US"/>
+          </a:p>
+        </p:txBody>
+      </p:sp>
+      <p:pic>
+        <p:nvPicPr>
+          <p:cNvPr id="7" name="Picture 6">
+            <a:extLst>
+              <a:ext uri="{FF2B5EF4-FFF2-40B4-BE49-F238E27FC236}">
+                <a16:creationId xmlns:a16="http://schemas.microsoft.com/office/drawing/2014/main" id="{12DCB851-AF74-4AE4-AF9C-365DF6912FBB}"/>
+              </a:ext>
+            </a:extLst>
+          </p:cNvPr>
+          <p:cNvPicPr>
+            <a:picLocks noChangeAspect="1"/>
+          </p:cNvPicPr>
+          <p:nvPr/>
+        </p:nvPicPr>
+        <p:blipFill>
+          <a:blip r:embed="rId2">
+            <a:extLst>
+              <a:ext uri="{28A0092B-C50C-407E-A947-70E740481C1C}">
+                <a14:useLocalDpi xmlns:a14="http://schemas.microsoft.com/office/drawing/2010/main" val="0"/>
+              </a:ext>
+            </a:extLst>
+          </a:blip>
+          <a:stretch>
+            <a:fillRect/>
+          </a:stretch>
+        </p:blipFill>
+        <p:spPr>
+          <a:xfrm>
+            <a:off x="0" y="895350"/>
+            <a:ext cx="10570754" cy="5704670"/>
+          </a:xfrm>
+          <a:prstGeom prst="rect">
+            <a:avLst/>
+          </a:prstGeom>
+        </p:spPr>
+      </p:pic>
+    </p:spTree>
+    <p:extLst>
+      <p:ext uri="{BB962C8B-B14F-4D97-AF65-F5344CB8AC3E}">
+        <p14:creationId xmlns:p14="http://schemas.microsoft.com/office/powerpoint/2010/main" val="2295483475"/>
+      </p:ext>
+    </p:extLst>
+  </p:cSld>
+  <p:clrMapOvr>
+    <a:masterClrMapping/>
+  </p:clrMapOvr>
+</p:sld>
+</file>
+
 <file path=ppt/slides/slide4.xml><?xml version="1.0" encoding="utf-8"?>
 <p:sld xmlns:a="http://schemas.openxmlformats.org/drawingml/2006/main" xmlns:r="http://schemas.openxmlformats.org/officeDocument/2006/relationships" xmlns:p="http://schemas.openxmlformats.org/presentationml/2006/main">
   <p:cSld>
@@ -35316,6 +37226,156 @@
       </p:par>
     </p:tnLst>
   </p:timing>
+</p:sld>
+</file>
+
+<file path=ppt/slides/slide40.xml><?xml version="1.0" encoding="utf-8"?>
+<p:sld xmlns:a="http://schemas.openxmlformats.org/drawingml/2006/main" xmlns:r="http://schemas.openxmlformats.org/officeDocument/2006/relationships" xmlns:p="http://schemas.openxmlformats.org/presentationml/2006/main">
+  <p:cSld>
+    <p:spTree>
+      <p:nvGrpSpPr>
+        <p:cNvPr id="1" name=""/>
+        <p:cNvGrpSpPr/>
+        <p:nvPr/>
+      </p:nvGrpSpPr>
+      <p:grpSpPr>
+        <a:xfrm>
+          <a:off x="0" y="0"/>
+          <a:ext cx="0" cy="0"/>
+          <a:chOff x="0" y="0"/>
+          <a:chExt cx="0" cy="0"/>
+        </a:xfrm>
+      </p:grpSpPr>
+      <p:sp>
+        <p:nvSpPr>
+          <p:cNvPr id="2" name="Title 1">
+            <a:extLst>
+              <a:ext uri="{FF2B5EF4-FFF2-40B4-BE49-F238E27FC236}">
+                <a16:creationId xmlns:a16="http://schemas.microsoft.com/office/drawing/2014/main" id="{424E1725-01C9-4FBD-8173-21F79FCFC72D}"/>
+              </a:ext>
+            </a:extLst>
+          </p:cNvPr>
+          <p:cNvSpPr>
+            <a:spLocks noGrp="1"/>
+          </p:cNvSpPr>
+          <p:nvPr>
+            <p:ph type="title"/>
+          </p:nvPr>
+        </p:nvSpPr>
+        <p:spPr/>
+        <p:txBody>
+          <a:bodyPr/>
+          <a:lstStyle/>
+          <a:p>
+            <a:pPr algn="ctr" rtl="1"/>
+            <a:r>
+              <a:rPr lang="he-IL" dirty="0"/>
+              <a:t>תוצאות מרוכז</a:t>
+            </a:r>
+            <a:endParaRPr lang="en-US" dirty="0"/>
+          </a:p>
+        </p:txBody>
+      </p:sp>
+      <p:pic>
+        <p:nvPicPr>
+          <p:cNvPr id="5" name="Picture 4">
+            <a:extLst>
+              <a:ext uri="{FF2B5EF4-FFF2-40B4-BE49-F238E27FC236}">
+                <a16:creationId xmlns:a16="http://schemas.microsoft.com/office/drawing/2014/main" id="{5910705D-BD41-4AC4-890A-1A525993F647}"/>
+              </a:ext>
+            </a:extLst>
+          </p:cNvPr>
+          <p:cNvPicPr>
+            <a:picLocks noChangeAspect="1"/>
+          </p:cNvPicPr>
+          <p:nvPr/>
+        </p:nvPicPr>
+        <p:blipFill>
+          <a:blip r:embed="rId2"/>
+          <a:stretch>
+            <a:fillRect/>
+          </a:stretch>
+        </p:blipFill>
+        <p:spPr>
+          <a:xfrm>
+            <a:off x="962025" y="1509270"/>
+            <a:ext cx="9010866" cy="4100955"/>
+          </a:xfrm>
+          <a:prstGeom prst="rect">
+            <a:avLst/>
+          </a:prstGeom>
+        </p:spPr>
+      </p:pic>
+    </p:spTree>
+    <p:extLst>
+      <p:ext uri="{BB962C8B-B14F-4D97-AF65-F5344CB8AC3E}">
+        <p14:creationId xmlns:p14="http://schemas.microsoft.com/office/powerpoint/2010/main" val="3027502417"/>
+      </p:ext>
+    </p:extLst>
+  </p:cSld>
+  <p:clrMapOvr>
+    <a:masterClrMapping/>
+  </p:clrMapOvr>
+</p:sld>
+</file>
+
+<file path=ppt/slides/slide41.xml><?xml version="1.0" encoding="utf-8"?>
+<p:sld xmlns:a="http://schemas.openxmlformats.org/drawingml/2006/main" xmlns:r="http://schemas.openxmlformats.org/officeDocument/2006/relationships" xmlns:p="http://schemas.openxmlformats.org/presentationml/2006/main">
+  <p:cSld>
+    <p:spTree>
+      <p:nvGrpSpPr>
+        <p:cNvPr id="1" name=""/>
+        <p:cNvGrpSpPr/>
+        <p:nvPr/>
+      </p:nvGrpSpPr>
+      <p:grpSpPr>
+        <a:xfrm>
+          <a:off x="0" y="0"/>
+          <a:ext cx="0" cy="0"/>
+          <a:chOff x="0" y="0"/>
+          <a:chExt cx="0" cy="0"/>
+        </a:xfrm>
+      </p:grpSpPr>
+      <p:graphicFrame>
+        <p:nvGraphicFramePr>
+          <p:cNvPr id="4" name="Chart 3">
+            <a:extLst>
+              <a:ext uri="{FF2B5EF4-FFF2-40B4-BE49-F238E27FC236}">
+                <a16:creationId xmlns:a16="http://schemas.microsoft.com/office/drawing/2014/main" id="{C28E4E21-677C-4429-8B70-A02AED507917}"/>
+              </a:ext>
+            </a:extLst>
+          </p:cNvPr>
+          <p:cNvGraphicFramePr>
+            <a:graphicFrameLocks/>
+          </p:cNvGraphicFramePr>
+          <p:nvPr>
+            <p:extLst>
+              <p:ext uri="{D42A27DB-BD31-4B8C-83A1-F6EECF244321}">
+                <p14:modId xmlns:p14="http://schemas.microsoft.com/office/powerpoint/2010/main" val="1595455809"/>
+              </p:ext>
+            </p:extLst>
+          </p:nvPr>
+        </p:nvGraphicFramePr>
+        <p:xfrm>
+          <a:off x="623887" y="464343"/>
+          <a:ext cx="10729913" cy="5507832"/>
+        </p:xfrm>
+        <a:graphic>
+          <a:graphicData uri="http://schemas.openxmlformats.org/drawingml/2006/chart">
+            <c:chart xmlns:c="http://schemas.openxmlformats.org/drawingml/2006/chart" xmlns:r="http://schemas.openxmlformats.org/officeDocument/2006/relationships" r:id="rId2"/>
+          </a:graphicData>
+        </a:graphic>
+      </p:graphicFrame>
+    </p:spTree>
+    <p:extLst>
+      <p:ext uri="{BB962C8B-B14F-4D97-AF65-F5344CB8AC3E}">
+        <p14:creationId xmlns:p14="http://schemas.microsoft.com/office/powerpoint/2010/main" val="3716614279"/>
+      </p:ext>
+    </p:extLst>
+  </p:cSld>
+  <p:clrMapOvr>
+    <a:masterClrMapping/>
+  </p:clrMapOvr>
 </p:sld>
 </file>
 
